--- a/발표관련/임베디드_중간보고.pptx
+++ b/발표관련/임베디드_중간보고.pptx
@@ -5,20 +5,21 @@
     <p:sldMasterId id="2147483672" r:id="rId1"/>
   </p:sldMasterIdLst>
   <p:notesMasterIdLst>
-    <p:notesMasterId r:id="rId13"/>
+    <p:notesMasterId r:id="rId14"/>
   </p:notesMasterIdLst>
   <p:sldIdLst>
     <p:sldId id="256" r:id="rId2"/>
     <p:sldId id="263" r:id="rId3"/>
     <p:sldId id="257" r:id="rId4"/>
-    <p:sldId id="356" r:id="rId5"/>
-    <p:sldId id="355" r:id="rId6"/>
-    <p:sldId id="350" r:id="rId7"/>
-    <p:sldId id="351" r:id="rId8"/>
-    <p:sldId id="352" r:id="rId9"/>
-    <p:sldId id="268" r:id="rId10"/>
-    <p:sldId id="353" r:id="rId11"/>
-    <p:sldId id="266" r:id="rId12"/>
+    <p:sldId id="355" r:id="rId5"/>
+    <p:sldId id="357" r:id="rId6"/>
+    <p:sldId id="356" r:id="rId7"/>
+    <p:sldId id="350" r:id="rId8"/>
+    <p:sldId id="351" r:id="rId9"/>
+    <p:sldId id="352" r:id="rId10"/>
+    <p:sldId id="268" r:id="rId11"/>
+    <p:sldId id="353" r:id="rId12"/>
+    <p:sldId id="358" r:id="rId13"/>
   </p:sldIdLst>
   <p:sldSz cx="9144000" cy="6858000" type="screen4x3"/>
   <p:notesSz cx="6858000" cy="9144000"/>
@@ -1622,70 +1623,90 @@
           <a:lstStyle/>
           <a:p>
             <a:r>
-              <a:rPr lang="en-US" altLang="ko-KR" dirty="0">
-                <a:ea typeface="맑은 고딕"/>
-              </a:rPr>
-              <a:t>J-TAG</a:t>
-            </a:r>
-          </a:p>
-          <a:p>
-            <a:pPr lvl="1"/>
-            <a:r>
-              <a:rPr lang="en-US" altLang="ko-KR" dirty="0">
-                <a:ea typeface="맑은 고딕"/>
-              </a:rPr>
-              <a:t>MSP430 </a:t>
-            </a:r>
-            <a:r>
               <a:rPr lang="ko-KR" altLang="en-US" dirty="0">
                 <a:ea typeface="맑은 고딕"/>
               </a:rPr>
-              <a:t>전용 </a:t>
-            </a:r>
-            <a:r>
-              <a:rPr lang="en-US" altLang="ko-KR" dirty="0">
-                <a:ea typeface="맑은 고딕"/>
-              </a:rPr>
-              <a:t>J-TAG</a:t>
-            </a:r>
-            <a:r>
-              <a:rPr lang="ko-KR" altLang="en-US" dirty="0">
-                <a:ea typeface="맑은 고딕"/>
-              </a:rPr>
-              <a:t>을 구하지 못하여</a:t>
-            </a:r>
-            <a:r>
-              <a:rPr lang="en-US" altLang="ko-KR" dirty="0">
-                <a:ea typeface="맑은 고딕"/>
-              </a:rPr>
-              <a:t>, </a:t>
-            </a:r>
-            <a:r>
-              <a:rPr lang="ko-KR" altLang="en-US" dirty="0">
-                <a:ea typeface="맑은 고딕"/>
-              </a:rPr>
-              <a:t>칩 기반설계가 </a:t>
-            </a:r>
-            <a:r>
-              <a:rPr lang="ko-KR" altLang="en-US" dirty="0" err="1">
-                <a:ea typeface="맑은 고딕"/>
-              </a:rPr>
-              <a:t>힘들어짐</a:t>
-            </a:r>
-            <a:r>
-              <a:rPr lang="en-US" altLang="ko-KR" dirty="0">
-                <a:ea typeface="맑은 고딕"/>
-              </a:rPr>
-              <a:t>.</a:t>
-            </a:r>
-          </a:p>
-          <a:p>
-            <a:pPr lvl="1"/>
+              <a:t>압력센서</a:t>
+            </a:r>
             <a:endParaRPr lang="en-US" altLang="ko-KR" dirty="0">
               <a:ea typeface="맑은 고딕"/>
             </a:endParaRPr>
           </a:p>
           <a:p>
+            <a:pPr lvl="1"/>
+            <a:r>
+              <a:rPr lang="ko-KR" altLang="en-US" dirty="0">
+                <a:ea typeface="맑은 고딕"/>
+              </a:rPr>
+              <a:t>크기가 너무 작아 손뗌 작업이 어려움</a:t>
+            </a:r>
+            <a:r>
+              <a:rPr lang="en-US" altLang="ko-KR" dirty="0">
+                <a:ea typeface="맑은 고딕"/>
+              </a:rPr>
+              <a:t>.</a:t>
+            </a:r>
+          </a:p>
+          <a:p>
+            <a:pPr marL="457200" lvl="1" indent="0">
+              <a:buNone/>
+            </a:pPr>
+            <a:r>
+              <a:rPr lang="en-US" altLang="ko-KR" dirty="0">
+                <a:ea typeface="맑은 고딕"/>
+              </a:rPr>
+              <a:t>(</a:t>
+            </a:r>
+            <a:r>
+              <a:rPr lang="ko-KR" altLang="en-US" dirty="0">
+                <a:ea typeface="맑은 고딕"/>
+              </a:rPr>
+              <a:t>규격 </a:t>
+            </a:r>
+            <a:r>
+              <a:rPr lang="en-US" altLang="ko-KR" dirty="0">
+                <a:ea typeface="맑은 고딕"/>
+              </a:rPr>
+              <a:t>: 6.4x6.2mm, </a:t>
+            </a:r>
+            <a:r>
+              <a:rPr lang="ko-KR" altLang="en-US" dirty="0">
+                <a:ea typeface="맑은 고딕"/>
+              </a:rPr>
+              <a:t>핀 두께 </a:t>
+            </a:r>
+            <a:r>
+              <a:rPr lang="en-US" altLang="ko-KR" dirty="0">
+                <a:ea typeface="맑은 고딕"/>
+              </a:rPr>
+              <a:t>: 0.7mm,</a:t>
+            </a:r>
+            <a:r>
+              <a:rPr lang="ko-KR" altLang="en-US" dirty="0">
+                <a:ea typeface="맑은 고딕"/>
+              </a:rPr>
+              <a:t> 피치 </a:t>
+            </a:r>
+            <a:r>
+              <a:rPr lang="en-US" altLang="ko-KR" dirty="0">
+                <a:ea typeface="맑은 고딕"/>
+              </a:rPr>
+              <a:t>:</a:t>
+            </a:r>
+            <a:r>
+              <a:rPr lang="ko-KR" altLang="en-US" dirty="0">
+                <a:ea typeface="맑은 고딕"/>
+              </a:rPr>
+              <a:t> </a:t>
+            </a:r>
+            <a:r>
+              <a:rPr lang="en-US" altLang="ko-KR" dirty="0">
+                <a:ea typeface="맑은 고딕"/>
+              </a:rPr>
+              <a:t>1.25mm)</a:t>
+            </a:r>
+          </a:p>
+          <a:p>
             <a:r>
               <a:rPr lang="ko-KR" altLang="en-US" dirty="0">
                 <a:ea typeface="맑은 고딕"/>
@@ -1702,31 +1723,7 @@
               <a:rPr lang="ko-KR" altLang="en-US" dirty="0">
                 <a:ea typeface="맑은 고딕"/>
               </a:rPr>
-              <a:t>런치패드 기반 설계진행</a:t>
-            </a:r>
-            <a:r>
-              <a:rPr lang="en-US" altLang="ko-KR" dirty="0">
-                <a:ea typeface="맑은 고딕"/>
-              </a:rPr>
-              <a:t>.</a:t>
-            </a:r>
-            <a:r>
-              <a:rPr lang="ko-KR" altLang="en-US" dirty="0">
-                <a:ea typeface="맑은 고딕"/>
-              </a:rPr>
-              <a:t> </a:t>
-            </a:r>
-            <a:endParaRPr lang="en-US" altLang="ko-KR" dirty="0">
-              <a:ea typeface="맑은 고딕"/>
-            </a:endParaRPr>
-          </a:p>
-          <a:p>
-            <a:pPr lvl="1"/>
-            <a:r>
-              <a:rPr lang="ko-KR" altLang="en-US" dirty="0">
-                <a:ea typeface="맑은 고딕"/>
-              </a:rPr>
-              <a:t>새로운 회로도 설계</a:t>
+              <a:t>변환기판 주문 및 다른 부분 먼저 진행 </a:t>
             </a:r>
           </a:p>
         </p:txBody>
@@ -1734,7 +1731,7 @@
     </p:spTree>
     <p:extLst>
       <p:ext uri="{BB962C8B-B14F-4D97-AF65-F5344CB8AC3E}">
-        <p14:creationId xmlns:p14="http://schemas.microsoft.com/office/powerpoint/2010/main" val="2634695652"/>
+        <p14:creationId xmlns:p14="http://schemas.microsoft.com/office/powerpoint/2010/main" val="688106783"/>
       </p:ext>
     </p:extLst>
   </p:cSld>
@@ -1780,7 +1777,7 @@
               <a:rPr lang="ko-KR" altLang="en-US" dirty="0">
                 <a:ea typeface="맑은 고딕"/>
               </a:rPr>
-              <a:t>향후 진행 계획</a:t>
+              <a:t>문제점 및 해결방안</a:t>
             </a:r>
           </a:p>
         </p:txBody>
@@ -1802,17 +1799,255 @@
           </a:bodyPr>
           <a:lstStyle/>
           <a:p>
-            <a:pPr marL="0" indent="0">
-              <a:buNone/>
-            </a:pPr>
-            <a:endParaRPr lang="ko-KR" altLang="en-US" dirty="0"/>
+            <a:r>
+              <a:rPr lang="en-US" altLang="ko-KR" dirty="0">
+                <a:ea typeface="맑은 고딕"/>
+              </a:rPr>
+              <a:t>J-TAG</a:t>
+            </a:r>
+          </a:p>
+          <a:p>
+            <a:pPr lvl="1"/>
+            <a:r>
+              <a:rPr lang="en-US" altLang="ko-KR" dirty="0">
+                <a:ea typeface="맑은 고딕"/>
+              </a:rPr>
+              <a:t>MSP430 </a:t>
+            </a:r>
+            <a:r>
+              <a:rPr lang="ko-KR" altLang="en-US" dirty="0">
+                <a:ea typeface="맑은 고딕"/>
+              </a:rPr>
+              <a:t>전용 </a:t>
+            </a:r>
+            <a:r>
+              <a:rPr lang="en-US" altLang="ko-KR" dirty="0">
+                <a:ea typeface="맑은 고딕"/>
+              </a:rPr>
+              <a:t>J-TAG</a:t>
+            </a:r>
+            <a:r>
+              <a:rPr lang="ko-KR" altLang="en-US" dirty="0">
+                <a:ea typeface="맑은 고딕"/>
+              </a:rPr>
+              <a:t>을 구하지 못하여</a:t>
+            </a:r>
+            <a:r>
+              <a:rPr lang="en-US" altLang="ko-KR" dirty="0">
+                <a:ea typeface="맑은 고딕"/>
+              </a:rPr>
+              <a:t>, </a:t>
+            </a:r>
+            <a:r>
+              <a:rPr lang="ko-KR" altLang="en-US" dirty="0">
+                <a:ea typeface="맑은 고딕"/>
+              </a:rPr>
+              <a:t>칩 기반설계가 </a:t>
+            </a:r>
+            <a:r>
+              <a:rPr lang="ko-KR" altLang="en-US" dirty="0" err="1">
+                <a:ea typeface="맑은 고딕"/>
+              </a:rPr>
+              <a:t>힘들어짐</a:t>
+            </a:r>
+            <a:r>
+              <a:rPr lang="en-US" altLang="ko-KR" dirty="0">
+                <a:ea typeface="맑은 고딕"/>
+              </a:rPr>
+              <a:t>.</a:t>
+            </a:r>
+          </a:p>
+          <a:p>
+            <a:pPr lvl="1"/>
+            <a:endParaRPr lang="en-US" altLang="ko-KR" dirty="0">
+              <a:ea typeface="맑은 고딕"/>
+            </a:endParaRPr>
+          </a:p>
+          <a:p>
+            <a:r>
+              <a:rPr lang="ko-KR" altLang="en-US" dirty="0">
+                <a:ea typeface="맑은 고딕"/>
+              </a:rPr>
+              <a:t>해결방안</a:t>
+            </a:r>
+            <a:endParaRPr lang="en-US" altLang="ko-KR" dirty="0">
+              <a:ea typeface="맑은 고딕"/>
+            </a:endParaRPr>
+          </a:p>
+          <a:p>
+            <a:pPr lvl="1"/>
+            <a:r>
+              <a:rPr lang="ko-KR" altLang="en-US" dirty="0">
+                <a:ea typeface="맑은 고딕"/>
+              </a:rPr>
+              <a:t>런치패드 기반 설계진행</a:t>
+            </a:r>
+            <a:r>
+              <a:rPr lang="en-US" altLang="ko-KR" dirty="0">
+                <a:ea typeface="맑은 고딕"/>
+              </a:rPr>
+              <a:t>.</a:t>
+            </a:r>
+            <a:r>
+              <a:rPr lang="ko-KR" altLang="en-US" dirty="0">
+                <a:ea typeface="맑은 고딕"/>
+              </a:rPr>
+              <a:t> </a:t>
+            </a:r>
+            <a:endParaRPr lang="en-US" altLang="ko-KR" dirty="0">
+              <a:ea typeface="맑은 고딕"/>
+            </a:endParaRPr>
+          </a:p>
+          <a:p>
+            <a:pPr lvl="1"/>
+            <a:r>
+              <a:rPr lang="ko-KR" altLang="en-US" dirty="0">
+                <a:ea typeface="맑은 고딕"/>
+              </a:rPr>
+              <a:t>새로운 회로도 설계</a:t>
+            </a:r>
           </a:p>
         </p:txBody>
       </p:sp>
     </p:spTree>
     <p:extLst>
       <p:ext uri="{BB962C8B-B14F-4D97-AF65-F5344CB8AC3E}">
-        <p14:creationId xmlns:p14="http://schemas.microsoft.com/office/powerpoint/2010/main" val="578802433"/>
+        <p14:creationId xmlns:p14="http://schemas.microsoft.com/office/powerpoint/2010/main" val="2634695652"/>
+      </p:ext>
+    </p:extLst>
+  </p:cSld>
+  <p:clrMapOvr>
+    <a:masterClrMapping/>
+  </p:clrMapOvr>
+</p:sld>
+</file>
+
+<file path=ppt/slides/slide12.xml><?xml version="1.0" encoding="utf-8"?>
+<p:sld xmlns:a="http://schemas.openxmlformats.org/drawingml/2006/main" xmlns:r="http://schemas.openxmlformats.org/officeDocument/2006/relationships" xmlns:p="http://schemas.openxmlformats.org/presentationml/2006/main">
+  <p:cSld>
+    <p:spTree>
+      <p:nvGrpSpPr>
+        <p:cNvPr id="1" name=""/>
+        <p:cNvGrpSpPr/>
+        <p:nvPr/>
+      </p:nvGrpSpPr>
+      <p:grpSpPr>
+        <a:xfrm>
+          <a:off x="0" y="0"/>
+          <a:ext cx="0" cy="0"/>
+          <a:chOff x="0" y="0"/>
+          <a:chExt cx="0" cy="0"/>
+        </a:xfrm>
+      </p:grpSpPr>
+      <p:sp>
+        <p:nvSpPr>
+          <p:cNvPr id="2" name="제목 1"/>
+          <p:cNvSpPr>
+            <a:spLocks noGrp="1"/>
+          </p:cNvSpPr>
+          <p:nvPr>
+            <p:ph type="title"/>
+          </p:nvPr>
+        </p:nvSpPr>
+        <p:spPr/>
+        <p:txBody>
+          <a:bodyPr/>
+          <a:lstStyle/>
+          <a:p>
+            <a:r>
+              <a:rPr lang="ko-KR" altLang="en-US" dirty="0">
+                <a:ea typeface="맑은 고딕"/>
+              </a:rPr>
+              <a:t>향후 진행계획</a:t>
+            </a:r>
+          </a:p>
+        </p:txBody>
+      </p:sp>
+      <p:sp>
+        <p:nvSpPr>
+          <p:cNvPr id="3" name="내용 개체 틀 2"/>
+          <p:cNvSpPr>
+            <a:spLocks noGrp="1"/>
+          </p:cNvSpPr>
+          <p:nvPr>
+            <p:ph idx="1"/>
+          </p:nvPr>
+        </p:nvSpPr>
+        <p:spPr/>
+        <p:txBody>
+          <a:bodyPr vert="horz" lIns="91440" tIns="45720" rIns="91440" bIns="45720" rtlCol="0" anchor="t">
+            <a:normAutofit/>
+          </a:bodyPr>
+          <a:lstStyle/>
+          <a:p>
+            <a:r>
+              <a:rPr lang="ko-KR" altLang="en-US" dirty="0">
+                <a:ea typeface="맑은 고딕"/>
+              </a:rPr>
+              <a:t>압력센서</a:t>
+            </a:r>
+            <a:endParaRPr lang="en-US" altLang="ko-KR" dirty="0">
+              <a:ea typeface="맑은 고딕"/>
+            </a:endParaRPr>
+          </a:p>
+          <a:p>
+            <a:pPr lvl="1"/>
+            <a:r>
+              <a:rPr lang="en-US" altLang="ko-KR" dirty="0">
+                <a:ea typeface="맑은 고딕"/>
+              </a:rPr>
+              <a:t>I2C </a:t>
+            </a:r>
+            <a:r>
+              <a:rPr lang="ko-KR" altLang="en-US" dirty="0">
+                <a:ea typeface="맑은 고딕"/>
+              </a:rPr>
+              <a:t>통신</a:t>
+            </a:r>
+            <a:endParaRPr lang="en-US" altLang="ko-KR" dirty="0">
+              <a:ea typeface="맑은 고딕"/>
+            </a:endParaRPr>
+          </a:p>
+          <a:p>
+            <a:r>
+              <a:rPr lang="ko-KR" altLang="en-US" dirty="0">
+                <a:ea typeface="맑은 고딕"/>
+              </a:rPr>
+              <a:t>시계기능</a:t>
+            </a:r>
+            <a:endParaRPr lang="en-US" altLang="ko-KR" dirty="0">
+              <a:ea typeface="맑은 고딕"/>
+            </a:endParaRPr>
+          </a:p>
+          <a:p>
+            <a:r>
+              <a:rPr lang="ko-KR" altLang="en-US" dirty="0">
+                <a:ea typeface="맑은 고딕"/>
+              </a:rPr>
+              <a:t>실시간 압력</a:t>
+            </a:r>
+            <a:r>
+              <a:rPr lang="en-US" altLang="ko-KR" dirty="0">
+                <a:ea typeface="맑은 고딕"/>
+              </a:rPr>
+              <a:t>, </a:t>
+            </a:r>
+            <a:r>
+              <a:rPr lang="ko-KR" altLang="en-US">
+                <a:ea typeface="맑은 고딕"/>
+              </a:rPr>
+              <a:t>온도 값 확인</a:t>
+            </a:r>
+            <a:endParaRPr lang="ko-KR" altLang="en-US" dirty="0">
+              <a:ea typeface="맑은 고딕"/>
+            </a:endParaRPr>
+          </a:p>
+        </p:txBody>
+      </p:sp>
+    </p:spTree>
+    <p:extLst>
+      <p:ext uri="{BB962C8B-B14F-4D97-AF65-F5344CB8AC3E}">
+        <p14:creationId xmlns:p14="http://schemas.microsoft.com/office/powerpoint/2010/main" val="663162784"/>
       </p:ext>
     </p:extLst>
   </p:cSld>
@@ -1915,13 +2150,6 @@
             <a:endParaRPr lang="en-US" altLang="ko-KR" dirty="0"/>
           </a:p>
           <a:p>
-            <a:r>
-              <a:rPr lang="ko-KR" altLang="en-US" dirty="0"/>
-              <a:t>주요 부분</a:t>
-            </a:r>
-            <a:endParaRPr lang="en-US" altLang="ko-KR" dirty="0"/>
-          </a:p>
-          <a:p>
             <a:endParaRPr lang="ko-KR" altLang="en-US" dirty="0"/>
           </a:p>
         </p:txBody>
@@ -2016,16 +2244,10 @@
           <a:p>
             <a:pPr lvl="1"/>
             <a:r>
-              <a:rPr lang="en-US" altLang="ko-KR" dirty="0">
-                <a:ea typeface="맑은 고딕"/>
-              </a:rPr>
-              <a:t>I2C </a:t>
-            </a:r>
-            <a:r>
               <a:rPr lang="ko-KR" altLang="en-US" dirty="0">
                 <a:ea typeface="맑은 고딕"/>
               </a:rPr>
-              <a:t>통신</a:t>
+              <a:t>다이빙 로그 정보 출력</a:t>
             </a:r>
             <a:endParaRPr lang="en-US" altLang="ko-KR" dirty="0">
               <a:ea typeface="맑은 고딕"/>
@@ -2037,25 +2259,13 @@
               <a:rPr lang="en-US" altLang="ko-KR" dirty="0">
                 <a:ea typeface="맑은 고딕"/>
               </a:rPr>
-              <a:t>Flash memory</a:t>
+              <a:t>I2C </a:t>
             </a:r>
             <a:r>
               <a:rPr lang="ko-KR" altLang="en-US" dirty="0">
                 <a:ea typeface="맑은 고딕"/>
               </a:rPr>
-              <a:t>에 저장된 샘플 로그 출력</a:t>
-            </a:r>
-            <a:endParaRPr lang="en-US" altLang="ko-KR" dirty="0">
-              <a:ea typeface="맑은 고딕"/>
-            </a:endParaRPr>
-          </a:p>
-          <a:p>
-            <a:pPr lvl="1"/>
-            <a:r>
-              <a:rPr lang="ko-KR" altLang="en-US" dirty="0">
-                <a:ea typeface="맑은 고딕"/>
-              </a:rPr>
-              <a:t>스위치 클릭으로 다음 로그 출력</a:t>
+              <a:t>통신</a:t>
             </a:r>
             <a:endParaRPr lang="en-US" altLang="ko-KR" dirty="0">
               <a:ea typeface="맑은 고딕"/>
@@ -2111,135 +2321,6 @@
 </file>
 
 <file path=ppt/slides/slide4.xml><?xml version="1.0" encoding="utf-8"?>
-<p:sld xmlns:a="http://schemas.openxmlformats.org/drawingml/2006/main" xmlns:r="http://schemas.openxmlformats.org/officeDocument/2006/relationships" xmlns:p="http://schemas.openxmlformats.org/presentationml/2006/main">
-  <p:cSld>
-    <p:spTree>
-      <p:nvGrpSpPr>
-        <p:cNvPr id="1" name=""/>
-        <p:cNvGrpSpPr/>
-        <p:nvPr/>
-      </p:nvGrpSpPr>
-      <p:grpSpPr>
-        <a:xfrm>
-          <a:off x="0" y="0"/>
-          <a:ext cx="0" cy="0"/>
-          <a:chOff x="0" y="0"/>
-          <a:chExt cx="0" cy="0"/>
-        </a:xfrm>
-      </p:grpSpPr>
-      <p:sp>
-        <p:nvSpPr>
-          <p:cNvPr id="2" name="제목 1"/>
-          <p:cNvSpPr>
-            <a:spLocks noGrp="1"/>
-          </p:cNvSpPr>
-          <p:nvPr>
-            <p:ph type="title"/>
-          </p:nvPr>
-        </p:nvSpPr>
-        <p:spPr/>
-        <p:txBody>
-          <a:bodyPr/>
-          <a:lstStyle/>
-          <a:p>
-            <a:r>
-              <a:rPr lang="ko-KR" altLang="en-US" dirty="0">
-                <a:ea typeface="맑은 고딕"/>
-              </a:rPr>
-              <a:t>진행내용</a:t>
-            </a:r>
-          </a:p>
-        </p:txBody>
-      </p:sp>
-      <p:sp>
-        <p:nvSpPr>
-          <p:cNvPr id="3" name="내용 개체 틀 2"/>
-          <p:cNvSpPr>
-            <a:spLocks noGrp="1"/>
-          </p:cNvSpPr>
-          <p:nvPr>
-            <p:ph idx="1"/>
-          </p:nvPr>
-        </p:nvSpPr>
-        <p:spPr/>
-        <p:txBody>
-          <a:bodyPr vert="horz" lIns="91440" tIns="45720" rIns="91440" bIns="45720" rtlCol="0" anchor="t">
-            <a:normAutofit/>
-          </a:bodyPr>
-          <a:lstStyle/>
-          <a:p>
-            <a:r>
-              <a:rPr lang="en-US" altLang="ko-KR" dirty="0">
-                <a:ea typeface="맑은 고딕"/>
-              </a:rPr>
-              <a:t>LCD</a:t>
-            </a:r>
-            <a:r>
-              <a:rPr lang="ko-KR" altLang="en-US" dirty="0">
-                <a:ea typeface="맑은 고딕"/>
-              </a:rPr>
-              <a:t> 출력 </a:t>
-            </a:r>
-            <a:endParaRPr lang="en-US" altLang="ko-KR" dirty="0">
-              <a:ea typeface="맑은 고딕"/>
-            </a:endParaRPr>
-          </a:p>
-          <a:p>
-            <a:pPr lvl="1"/>
-            <a:endParaRPr lang="ko-KR" altLang="en-US" dirty="0"/>
-          </a:p>
-        </p:txBody>
-      </p:sp>
-      <p:pic>
-        <p:nvPicPr>
-          <p:cNvPr id="17" name="그림 16">
-            <a:extLst>
-              <a:ext uri="{FF2B5EF4-FFF2-40B4-BE49-F238E27FC236}">
-                <a16:creationId xmlns:a16="http://schemas.microsoft.com/office/drawing/2014/main" id="{7FF47325-1D35-4426-BAC5-C5A00D101E6F}"/>
-              </a:ext>
-            </a:extLst>
-          </p:cNvPr>
-          <p:cNvPicPr>
-            <a:picLocks noChangeAspect="1"/>
-          </p:cNvPicPr>
-          <p:nvPr/>
-        </p:nvPicPr>
-        <p:blipFill>
-          <a:blip r:embed="rId2">
-            <a:extLst>
-              <a:ext uri="{28A0092B-C50C-407E-A947-70E740481C1C}">
-                <a14:useLocalDpi xmlns:a14="http://schemas.microsoft.com/office/drawing/2010/main" val="0"/>
-              </a:ext>
-            </a:extLst>
-          </a:blip>
-          <a:stretch>
-            <a:fillRect/>
-          </a:stretch>
-        </p:blipFill>
-        <p:spPr>
-          <a:xfrm>
-            <a:off x="3127375" y="1322906"/>
-            <a:ext cx="2889250" cy="5152496"/>
-          </a:xfrm>
-          <a:prstGeom prst="rect">
-            <a:avLst/>
-          </a:prstGeom>
-        </p:spPr>
-      </p:pic>
-    </p:spTree>
-    <p:extLst>
-      <p:ext uri="{BB962C8B-B14F-4D97-AF65-F5344CB8AC3E}">
-        <p14:creationId xmlns:p14="http://schemas.microsoft.com/office/powerpoint/2010/main" val="1083959210"/>
-      </p:ext>
-    </p:extLst>
-  </p:cSld>
-  <p:clrMapOvr>
-    <a:masterClrMapping/>
-  </p:clrMapOvr>
-</p:sld>
-</file>
-
-<file path=ppt/slides/slide5.xml><?xml version="1.0" encoding="utf-8"?>
 <p:sld xmlns:a="http://schemas.openxmlformats.org/drawingml/2006/main" xmlns:r="http://schemas.openxmlformats.org/officeDocument/2006/relationships" xmlns:p="http://schemas.openxmlformats.org/presentationml/2006/main">
   <p:cSld>
     <p:spTree>
@@ -5153,6 +5234,159 @@
 </p:sld>
 </file>
 
+<file path=ppt/slides/slide5.xml><?xml version="1.0" encoding="utf-8"?>
+<p:sld xmlns:a="http://schemas.openxmlformats.org/drawingml/2006/main" xmlns:r="http://schemas.openxmlformats.org/officeDocument/2006/relationships" xmlns:p="http://schemas.openxmlformats.org/presentationml/2006/main">
+  <p:cSld>
+    <p:spTree>
+      <p:nvGrpSpPr>
+        <p:cNvPr id="1" name=""/>
+        <p:cNvGrpSpPr/>
+        <p:nvPr/>
+      </p:nvGrpSpPr>
+      <p:grpSpPr>
+        <a:xfrm>
+          <a:off x="0" y="0"/>
+          <a:ext cx="0" cy="0"/>
+          <a:chOff x="0" y="0"/>
+          <a:chExt cx="0" cy="0"/>
+        </a:xfrm>
+      </p:grpSpPr>
+      <p:sp>
+        <p:nvSpPr>
+          <p:cNvPr id="2" name="제목 1"/>
+          <p:cNvSpPr>
+            <a:spLocks noGrp="1"/>
+          </p:cNvSpPr>
+          <p:nvPr>
+            <p:ph type="title"/>
+          </p:nvPr>
+        </p:nvSpPr>
+        <p:spPr/>
+        <p:txBody>
+          <a:bodyPr/>
+          <a:lstStyle/>
+          <a:p>
+            <a:r>
+              <a:rPr lang="ko-KR" altLang="en-US" dirty="0">
+                <a:ea typeface="맑은 고딕"/>
+              </a:rPr>
+              <a:t>진행내용</a:t>
+            </a:r>
+          </a:p>
+        </p:txBody>
+      </p:sp>
+      <p:sp>
+        <p:nvSpPr>
+          <p:cNvPr id="3" name="내용 개체 틀 2"/>
+          <p:cNvSpPr>
+            <a:spLocks noGrp="1"/>
+          </p:cNvSpPr>
+          <p:nvPr>
+            <p:ph idx="1"/>
+          </p:nvPr>
+        </p:nvSpPr>
+        <p:spPr/>
+        <p:txBody>
+          <a:bodyPr vert="horz" lIns="91440" tIns="45720" rIns="91440" bIns="45720" rtlCol="0" anchor="t">
+            <a:normAutofit/>
+          </a:bodyPr>
+          <a:lstStyle/>
+          <a:p>
+            <a:r>
+              <a:rPr lang="en-US" altLang="ko-KR" dirty="0">
+                <a:ea typeface="맑은 고딕"/>
+              </a:rPr>
+              <a:t>LCD</a:t>
+            </a:r>
+            <a:r>
+              <a:rPr lang="ko-KR" altLang="en-US" dirty="0">
+                <a:ea typeface="맑은 고딕"/>
+              </a:rPr>
+              <a:t> 출력</a:t>
+            </a:r>
+            <a:endParaRPr lang="en-US" altLang="ko-KR" dirty="0">
+              <a:ea typeface="맑은 고딕"/>
+            </a:endParaRPr>
+          </a:p>
+          <a:p>
+            <a:pPr lvl="1"/>
+            <a:r>
+              <a:rPr lang="en-US" altLang="ko-KR" dirty="0">
+                <a:ea typeface="맑은 고딕"/>
+              </a:rPr>
+              <a:t>2, 3</a:t>
+            </a:r>
+            <a:r>
+              <a:rPr lang="ko-KR" altLang="en-US" dirty="0">
+                <a:ea typeface="맑은 고딕"/>
+              </a:rPr>
+              <a:t>번째 라인 출력</a:t>
+            </a:r>
+            <a:endParaRPr lang="en-US" altLang="ko-KR" dirty="0">
+              <a:ea typeface="맑은 고딕"/>
+            </a:endParaRPr>
+          </a:p>
+          <a:p>
+            <a:pPr lvl="1"/>
+            <a:endParaRPr lang="en-US" altLang="ko-KR" dirty="0">
+              <a:ea typeface="맑은 고딕"/>
+            </a:endParaRPr>
+          </a:p>
+          <a:p>
+            <a:pPr lvl="1"/>
+            <a:endParaRPr lang="ko-KR" altLang="en-US" dirty="0"/>
+          </a:p>
+        </p:txBody>
+      </p:sp>
+      <p:pic>
+        <p:nvPicPr>
+          <p:cNvPr id="5" name="그림 4" descr="실내, 테이블, 컴퓨터, 바닥이(가) 표시된 사진&#10;&#10;자동 생성된 설명">
+            <a:extLst>
+              <a:ext uri="{FF2B5EF4-FFF2-40B4-BE49-F238E27FC236}">
+                <a16:creationId xmlns:a16="http://schemas.microsoft.com/office/drawing/2014/main" id="{3C9616B7-BB72-4FA8-BD05-FB55CE1DD675}"/>
+              </a:ext>
+            </a:extLst>
+          </p:cNvPr>
+          <p:cNvPicPr>
+            <a:picLocks noChangeAspect="1"/>
+          </p:cNvPicPr>
+          <p:nvPr/>
+        </p:nvPicPr>
+        <p:blipFill>
+          <a:blip r:embed="rId2">
+            <a:extLst>
+              <a:ext uri="{28A0092B-C50C-407E-A947-70E740481C1C}">
+                <a14:useLocalDpi xmlns:a14="http://schemas.microsoft.com/office/drawing/2010/main" val="0"/>
+              </a:ext>
+            </a:extLst>
+          </a:blip>
+          <a:stretch>
+            <a:fillRect/>
+          </a:stretch>
+        </p:blipFill>
+        <p:spPr>
+          <a:xfrm>
+            <a:off x="5401945" y="1124744"/>
+            <a:ext cx="2881682" cy="5134634"/>
+          </a:xfrm>
+          <a:prstGeom prst="rect">
+            <a:avLst/>
+          </a:prstGeom>
+        </p:spPr>
+      </p:pic>
+    </p:spTree>
+    <p:extLst>
+      <p:ext uri="{BB962C8B-B14F-4D97-AF65-F5344CB8AC3E}">
+        <p14:creationId xmlns:p14="http://schemas.microsoft.com/office/powerpoint/2010/main" val="3665371548"/>
+      </p:ext>
+    </p:extLst>
+  </p:cSld>
+  <p:clrMapOvr>
+    <a:masterClrMapping/>
+  </p:clrMapOvr>
+</p:sld>
+</file>
+
 <file path=ppt/slides/slide6.xml><?xml version="1.0" encoding="utf-8"?>
 <p:sld xmlns:a="http://schemas.openxmlformats.org/drawingml/2006/main" xmlns:r="http://schemas.openxmlformats.org/officeDocument/2006/relationships" xmlns:p="http://schemas.openxmlformats.org/presentationml/2006/main">
   <p:cSld>
@@ -5212,10 +5446,16 @@
           <a:lstStyle/>
           <a:p>
             <a:r>
+              <a:rPr lang="en-US" altLang="ko-KR" dirty="0">
+                <a:ea typeface="맑은 고딕"/>
+              </a:rPr>
+              <a:t>LCD</a:t>
+            </a:r>
+            <a:r>
               <a:rPr lang="ko-KR" altLang="en-US" dirty="0">
                 <a:ea typeface="맑은 고딕"/>
               </a:rPr>
-              <a:t>다이빙 로그 저장 및 불러오기 기능</a:t>
+              <a:t> 출력</a:t>
             </a:r>
             <a:endParaRPr lang="en-US" altLang="ko-KR" dirty="0">
               <a:ea typeface="맑은 고딕"/>
@@ -5224,6 +5464,213 @@
           <a:p>
             <a:pPr lvl="1"/>
             <a:r>
+              <a:rPr lang="en-US" altLang="ko-KR" dirty="0">
+                <a:ea typeface="맑은 고딕"/>
+              </a:rPr>
+              <a:t>Flash memory</a:t>
+            </a:r>
+            <a:r>
+              <a:rPr lang="ko-KR" altLang="en-US" dirty="0">
+                <a:ea typeface="맑은 고딕"/>
+              </a:rPr>
+              <a:t>에 </a:t>
+            </a:r>
+            <a:endParaRPr lang="en-US" altLang="ko-KR" dirty="0">
+              <a:ea typeface="맑은 고딕"/>
+            </a:endParaRPr>
+          </a:p>
+          <a:p>
+            <a:pPr marL="457200" lvl="1" indent="0">
+              <a:buNone/>
+            </a:pPr>
+            <a:r>
+              <a:rPr lang="en-US" altLang="ko-KR" dirty="0">
+                <a:ea typeface="맑은 고딕"/>
+              </a:rPr>
+              <a:t>  </a:t>
+            </a:r>
+            <a:r>
+              <a:rPr lang="ko-KR" altLang="en-US" dirty="0">
+                <a:ea typeface="맑은 고딕"/>
+              </a:rPr>
+              <a:t>저장된 샘플 로그 출력</a:t>
+            </a:r>
+            <a:endParaRPr lang="en-US" altLang="ko-KR" dirty="0">
+              <a:ea typeface="맑은 고딕"/>
+            </a:endParaRPr>
+          </a:p>
+          <a:p>
+            <a:pPr marL="457200" lvl="1" indent="0">
+              <a:buNone/>
+            </a:pPr>
+            <a:endParaRPr lang="en-US" altLang="ko-KR" dirty="0">
+              <a:ea typeface="맑은 고딕"/>
+            </a:endParaRPr>
+          </a:p>
+          <a:p>
+            <a:pPr lvl="1"/>
+            <a:r>
+              <a:rPr lang="ko-KR" altLang="en-US" dirty="0">
+                <a:ea typeface="맑은 고딕"/>
+              </a:rPr>
+              <a:t>스위치 클릭으로</a:t>
+            </a:r>
+            <a:endParaRPr lang="en-US" altLang="ko-KR" dirty="0">
+              <a:ea typeface="맑은 고딕"/>
+            </a:endParaRPr>
+          </a:p>
+          <a:p>
+            <a:pPr marL="457200" lvl="1" indent="0">
+              <a:buNone/>
+            </a:pPr>
+            <a:r>
+              <a:rPr lang="en-US" altLang="ko-KR" dirty="0">
+                <a:ea typeface="맑은 고딕"/>
+              </a:rPr>
+              <a:t> </a:t>
+            </a:r>
+            <a:r>
+              <a:rPr lang="ko-KR" altLang="en-US" dirty="0">
+                <a:ea typeface="맑은 고딕"/>
+              </a:rPr>
+              <a:t> 다음 로그 출력</a:t>
+            </a:r>
+            <a:endParaRPr lang="en-US" altLang="ko-KR" dirty="0">
+              <a:ea typeface="맑은 고딕"/>
+            </a:endParaRPr>
+          </a:p>
+          <a:p>
+            <a:pPr lvl="1"/>
+            <a:endParaRPr lang="en-US" altLang="ko-KR" dirty="0">
+              <a:ea typeface="맑은 고딕"/>
+            </a:endParaRPr>
+          </a:p>
+          <a:p>
+            <a:pPr lvl="1"/>
+            <a:endParaRPr lang="ko-KR" altLang="en-US" dirty="0"/>
+          </a:p>
+        </p:txBody>
+      </p:sp>
+      <p:pic>
+        <p:nvPicPr>
+          <p:cNvPr id="5" name="그림 4">
+            <a:extLst>
+              <a:ext uri="{FF2B5EF4-FFF2-40B4-BE49-F238E27FC236}">
+                <a16:creationId xmlns:a16="http://schemas.microsoft.com/office/drawing/2014/main" id="{115C1F9E-417C-49D5-87D7-1384A4FEBA8F}"/>
+              </a:ext>
+            </a:extLst>
+          </p:cNvPr>
+          <p:cNvPicPr>
+            <a:picLocks noChangeAspect="1"/>
+          </p:cNvPicPr>
+          <p:nvPr/>
+        </p:nvPicPr>
+        <p:blipFill>
+          <a:blip r:embed="rId2">
+            <a:extLst>
+              <a:ext uri="{28A0092B-C50C-407E-A947-70E740481C1C}">
+                <a14:useLocalDpi xmlns:a14="http://schemas.microsoft.com/office/drawing/2010/main" val="0"/>
+              </a:ext>
+            </a:extLst>
+          </a:blip>
+          <a:stretch>
+            <a:fillRect/>
+          </a:stretch>
+        </p:blipFill>
+        <p:spPr>
+          <a:xfrm>
+            <a:off x="5574612" y="1124744"/>
+            <a:ext cx="2851838" cy="5081458"/>
+          </a:xfrm>
+          <a:prstGeom prst="rect">
+            <a:avLst/>
+          </a:prstGeom>
+        </p:spPr>
+      </p:pic>
+    </p:spTree>
+    <p:extLst>
+      <p:ext uri="{BB962C8B-B14F-4D97-AF65-F5344CB8AC3E}">
+        <p14:creationId xmlns:p14="http://schemas.microsoft.com/office/powerpoint/2010/main" val="1083959210"/>
+      </p:ext>
+    </p:extLst>
+  </p:cSld>
+  <p:clrMapOvr>
+    <a:masterClrMapping/>
+  </p:clrMapOvr>
+</p:sld>
+</file>
+
+<file path=ppt/slides/slide7.xml><?xml version="1.0" encoding="utf-8"?>
+<p:sld xmlns:a="http://schemas.openxmlformats.org/drawingml/2006/main" xmlns:r="http://schemas.openxmlformats.org/officeDocument/2006/relationships" xmlns:p="http://schemas.openxmlformats.org/presentationml/2006/main">
+  <p:cSld>
+    <p:spTree>
+      <p:nvGrpSpPr>
+        <p:cNvPr id="1" name=""/>
+        <p:cNvGrpSpPr/>
+        <p:nvPr/>
+      </p:nvGrpSpPr>
+      <p:grpSpPr>
+        <a:xfrm>
+          <a:off x="0" y="0"/>
+          <a:ext cx="0" cy="0"/>
+          <a:chOff x="0" y="0"/>
+          <a:chExt cx="0" cy="0"/>
+        </a:xfrm>
+      </p:grpSpPr>
+      <p:sp>
+        <p:nvSpPr>
+          <p:cNvPr id="2" name="제목 1"/>
+          <p:cNvSpPr>
+            <a:spLocks noGrp="1"/>
+          </p:cNvSpPr>
+          <p:nvPr>
+            <p:ph type="title"/>
+          </p:nvPr>
+        </p:nvSpPr>
+        <p:spPr/>
+        <p:txBody>
+          <a:bodyPr/>
+          <a:lstStyle/>
+          <a:p>
+            <a:r>
+              <a:rPr lang="ko-KR" altLang="en-US" dirty="0">
+                <a:ea typeface="맑은 고딕"/>
+              </a:rPr>
+              <a:t>진행내용</a:t>
+            </a:r>
+          </a:p>
+        </p:txBody>
+      </p:sp>
+      <p:sp>
+        <p:nvSpPr>
+          <p:cNvPr id="3" name="내용 개체 틀 2"/>
+          <p:cNvSpPr>
+            <a:spLocks noGrp="1"/>
+          </p:cNvSpPr>
+          <p:nvPr>
+            <p:ph idx="1"/>
+          </p:nvPr>
+        </p:nvSpPr>
+        <p:spPr/>
+        <p:txBody>
+          <a:bodyPr vert="horz" lIns="91440" tIns="45720" rIns="91440" bIns="45720" rtlCol="0" anchor="t">
+            <a:normAutofit/>
+          </a:bodyPr>
+          <a:lstStyle/>
+          <a:p>
+            <a:r>
+              <a:rPr lang="ko-KR" altLang="en-US" dirty="0">
+                <a:ea typeface="맑은 고딕"/>
+              </a:rPr>
+              <a:t>다이빙 로그 저장 및 불러오기 기능</a:t>
+            </a:r>
+            <a:endParaRPr lang="en-US" altLang="ko-KR" dirty="0">
+              <a:ea typeface="맑은 고딕"/>
+            </a:endParaRPr>
+          </a:p>
+          <a:p>
+            <a:pPr lvl="1"/>
+            <a:r>
               <a:rPr lang="en-US" altLang="ko-KR" dirty="0"/>
               <a:t>Flash memory</a:t>
             </a:r>
@@ -5237,6 +5684,28 @@
             </a:r>
           </a:p>
           <a:p>
+            <a:pPr marL="457200" lvl="1" indent="0">
+              <a:buNone/>
+            </a:pPr>
+            <a:endParaRPr lang="en-US" altLang="ko-KR" dirty="0"/>
+          </a:p>
+          <a:p>
+            <a:pPr lvl="1"/>
+            <a:r>
+              <a:rPr lang="en-US" altLang="ko-KR" dirty="0"/>
+              <a:t>4</a:t>
+            </a:r>
+            <a:r>
+              <a:rPr lang="ko-KR" altLang="en-US" dirty="0"/>
+              <a:t>개의 샘플 로그 데이터</a:t>
+            </a:r>
+            <a:endParaRPr lang="en-US" altLang="ko-KR" dirty="0"/>
+          </a:p>
+          <a:p>
+            <a:pPr lvl="1"/>
+            <a:endParaRPr lang="en-US" altLang="ko-KR" dirty="0"/>
+          </a:p>
+          <a:p>
             <a:pPr lvl="1"/>
             <a:r>
               <a:rPr lang="ko-KR" altLang="en-US" dirty="0"/>
@@ -5249,18 +5718,6 @@
           </a:p>
           <a:p>
             <a:pPr lvl="1"/>
-            <a:endParaRPr lang="en-US" altLang="ko-KR" dirty="0"/>
-          </a:p>
-          <a:p>
-            <a:pPr lvl="1"/>
-            <a:r>
-              <a:rPr lang="en-US" altLang="ko-KR" dirty="0"/>
-              <a:t>4</a:t>
-            </a:r>
-            <a:r>
-              <a:rPr lang="ko-KR" altLang="en-US" dirty="0"/>
-              <a:t>개의 샘플 로그 데이터</a:t>
-            </a:r>
             <a:endParaRPr lang="en-US" altLang="ko-KR" dirty="0"/>
           </a:p>
           <a:p>
@@ -5283,16 +5740,15 @@
           </p:cNvPicPr>
           <p:nvPr/>
         </p:nvPicPr>
-        <p:blipFill>
+        <p:blipFill rotWithShape="1">
           <a:blip r:embed="rId2"/>
-          <a:stretch>
-            <a:fillRect/>
-          </a:stretch>
+          <a:srcRect l="624" b="6367"/>
+          <a:stretch/>
         </p:blipFill>
         <p:spPr>
           <a:xfrm>
-            <a:off x="1138237" y="3692061"/>
-            <a:ext cx="6867525" cy="1638300"/>
+            <a:off x="1159669" y="4002417"/>
+            <a:ext cx="6824662" cy="1533989"/>
           </a:xfrm>
           <a:prstGeom prst="rect">
             <a:avLst/>
@@ -5312,7 +5768,7 @@
 </p:sld>
 </file>
 
-<file path=ppt/slides/slide7.xml><?xml version="1.0" encoding="utf-8"?>
+<file path=ppt/slides/slide8.xml><?xml version="1.0" encoding="utf-8"?>
 <p:sld xmlns:a="http://schemas.openxmlformats.org/drawingml/2006/main" xmlns:r="http://schemas.openxmlformats.org/officeDocument/2006/relationships" xmlns:p="http://schemas.openxmlformats.org/presentationml/2006/main">
   <p:cSld>
     <p:spTree>
@@ -5443,93 +5899,6 @@
 </p:sld>
 </file>
 
-<file path=ppt/slides/slide8.xml><?xml version="1.0" encoding="utf-8"?>
-<p:sld xmlns:a="http://schemas.openxmlformats.org/drawingml/2006/main" xmlns:r="http://schemas.openxmlformats.org/officeDocument/2006/relationships" xmlns:p="http://schemas.openxmlformats.org/presentationml/2006/main">
-  <p:cSld>
-    <p:spTree>
-      <p:nvGrpSpPr>
-        <p:cNvPr id="1" name=""/>
-        <p:cNvGrpSpPr/>
-        <p:nvPr/>
-      </p:nvGrpSpPr>
-      <p:grpSpPr>
-        <a:xfrm>
-          <a:off x="0" y="0"/>
-          <a:ext cx="0" cy="0"/>
-          <a:chOff x="0" y="0"/>
-          <a:chExt cx="0" cy="0"/>
-        </a:xfrm>
-      </p:grpSpPr>
-      <p:sp>
-        <p:nvSpPr>
-          <p:cNvPr id="2" name="제목 1"/>
-          <p:cNvSpPr>
-            <a:spLocks noGrp="1"/>
-          </p:cNvSpPr>
-          <p:nvPr>
-            <p:ph type="title"/>
-          </p:nvPr>
-        </p:nvSpPr>
-        <p:spPr/>
-        <p:txBody>
-          <a:bodyPr/>
-          <a:lstStyle/>
-          <a:p>
-            <a:r>
-              <a:rPr lang="ko-KR" altLang="en-US" dirty="0">
-                <a:ea typeface="맑은 고딕"/>
-              </a:rPr>
-              <a:t>진행내용</a:t>
-            </a:r>
-          </a:p>
-        </p:txBody>
-      </p:sp>
-      <p:sp>
-        <p:nvSpPr>
-          <p:cNvPr id="3" name="내용 개체 틀 2"/>
-          <p:cNvSpPr>
-            <a:spLocks noGrp="1"/>
-          </p:cNvSpPr>
-          <p:nvPr>
-            <p:ph idx="1"/>
-          </p:nvPr>
-        </p:nvSpPr>
-        <p:spPr/>
-        <p:txBody>
-          <a:bodyPr vert="horz" lIns="91440" tIns="45720" rIns="91440" bIns="45720" rtlCol="0" anchor="t">
-            <a:normAutofit/>
-          </a:bodyPr>
-          <a:lstStyle/>
-          <a:p>
-            <a:r>
-              <a:rPr lang="ko-KR" altLang="en-US" dirty="0">
-                <a:ea typeface="맑은 고딕"/>
-              </a:rPr>
-              <a:t>스위치 인터럽트 처리</a:t>
-            </a:r>
-            <a:endParaRPr lang="en-US" altLang="ko-KR" dirty="0">
-              <a:ea typeface="맑은 고딕"/>
-            </a:endParaRPr>
-          </a:p>
-          <a:p>
-            <a:pPr lvl="1"/>
-            <a:endParaRPr lang="ko-KR" altLang="en-US" dirty="0"/>
-          </a:p>
-        </p:txBody>
-      </p:sp>
-    </p:spTree>
-    <p:extLst>
-      <p:ext uri="{BB962C8B-B14F-4D97-AF65-F5344CB8AC3E}">
-        <p14:creationId xmlns:p14="http://schemas.microsoft.com/office/powerpoint/2010/main" val="3128655099"/>
-      </p:ext>
-    </p:extLst>
-  </p:cSld>
-  <p:clrMapOvr>
-    <a:masterClrMapping/>
-  </p:clrMapOvr>
-</p:sld>
-</file>
-
 <file path=ppt/slides/slide9.xml><?xml version="1.0" encoding="utf-8"?>
 <p:sld xmlns:a="http://schemas.openxmlformats.org/drawingml/2006/main" xmlns:r="http://schemas.openxmlformats.org/officeDocument/2006/relationships" xmlns:p="http://schemas.openxmlformats.org/presentationml/2006/main">
   <p:cSld>
@@ -5566,7 +5935,7 @@
               <a:rPr lang="ko-KR" altLang="en-US" dirty="0">
                 <a:ea typeface="맑은 고딕"/>
               </a:rPr>
-              <a:t>문제점 및 해결방안</a:t>
+              <a:t>진행내용</a:t>
             </a:r>
           </a:p>
         </p:txBody>
@@ -5592,7 +5961,7 @@
               <a:rPr lang="ko-KR" altLang="en-US" dirty="0">
                 <a:ea typeface="맑은 고딕"/>
               </a:rPr>
-              <a:t>압력센서</a:t>
+              <a:t>스위치 인터럽트 처리</a:t>
             </a:r>
             <a:endParaRPr lang="en-US" altLang="ko-KR" dirty="0">
               <a:ea typeface="맑은 고딕"/>
@@ -5600,104 +5969,14 @@
           </a:p>
           <a:p>
             <a:pPr lvl="1"/>
-            <a:r>
-              <a:rPr lang="ko-KR" altLang="en-US" dirty="0">
-                <a:ea typeface="맑은 고딕"/>
-              </a:rPr>
-              <a:t>크기가 너무 작아 손뗌 작업이 어려움</a:t>
-            </a:r>
-            <a:r>
-              <a:rPr lang="en-US" altLang="ko-KR" dirty="0">
-                <a:ea typeface="맑은 고딕"/>
-              </a:rPr>
-              <a:t>.</a:t>
-            </a:r>
-          </a:p>
-          <a:p>
-            <a:pPr marL="457200" lvl="1" indent="0">
-              <a:buNone/>
-            </a:pPr>
-            <a:r>
-              <a:rPr lang="en-US" altLang="ko-KR" dirty="0">
-                <a:ea typeface="맑은 고딕"/>
-              </a:rPr>
-              <a:t>(</a:t>
-            </a:r>
-            <a:r>
-              <a:rPr lang="ko-KR" altLang="en-US" dirty="0">
-                <a:ea typeface="맑은 고딕"/>
-              </a:rPr>
-              <a:t>규격 </a:t>
-            </a:r>
-            <a:r>
-              <a:rPr lang="en-US" altLang="ko-KR" dirty="0">
-                <a:ea typeface="맑은 고딕"/>
-              </a:rPr>
-              <a:t>: 6.4x6.2mm, </a:t>
-            </a:r>
-            <a:r>
-              <a:rPr lang="ko-KR" altLang="en-US" dirty="0">
-                <a:ea typeface="맑은 고딕"/>
-              </a:rPr>
-              <a:t>핀 두께 </a:t>
-            </a:r>
-            <a:r>
-              <a:rPr lang="en-US" altLang="ko-KR" dirty="0">
-                <a:ea typeface="맑은 고딕"/>
-              </a:rPr>
-              <a:t>: 0.7mm,</a:t>
-            </a:r>
-            <a:r>
-              <a:rPr lang="ko-KR" altLang="en-US" dirty="0">
-                <a:ea typeface="맑은 고딕"/>
-              </a:rPr>
-              <a:t> 피치 </a:t>
-            </a:r>
-            <a:r>
-              <a:rPr lang="en-US" altLang="ko-KR" dirty="0">
-                <a:ea typeface="맑은 고딕"/>
-              </a:rPr>
-              <a:t>:</a:t>
-            </a:r>
-            <a:r>
-              <a:rPr lang="ko-KR" altLang="en-US" dirty="0">
-                <a:ea typeface="맑은 고딕"/>
-              </a:rPr>
-              <a:t> </a:t>
-            </a:r>
-            <a:r>
-              <a:rPr lang="en-US" altLang="ko-KR" dirty="0">
-                <a:ea typeface="맑은 고딕"/>
-              </a:rPr>
-              <a:t>1.25mm)</a:t>
-            </a:r>
-          </a:p>
-          <a:p>
-            <a:r>
-              <a:rPr lang="ko-KR" altLang="en-US" dirty="0">
-                <a:ea typeface="맑은 고딕"/>
-              </a:rPr>
-              <a:t>해결방안</a:t>
-            </a:r>
-            <a:endParaRPr lang="en-US" altLang="ko-KR" dirty="0">
-              <a:ea typeface="맑은 고딕"/>
-            </a:endParaRPr>
-          </a:p>
-          <a:p>
-            <a:pPr lvl="1"/>
-            <a:r>
-              <a:rPr lang="ko-KR" altLang="en-US" dirty="0">
-                <a:ea typeface="맑은 고딕"/>
-              </a:rPr>
-              <a:t>변환기판 주문 및 다른 부분 먼저 진행 </a:t>
-            </a:r>
+            <a:endParaRPr lang="ko-KR" altLang="en-US" dirty="0"/>
           </a:p>
         </p:txBody>
       </p:sp>
     </p:spTree>
     <p:extLst>
       <p:ext uri="{BB962C8B-B14F-4D97-AF65-F5344CB8AC3E}">
-        <p14:creationId xmlns:p14="http://schemas.microsoft.com/office/powerpoint/2010/main" val="688106783"/>
+        <p14:creationId xmlns:p14="http://schemas.microsoft.com/office/powerpoint/2010/main" val="3128655099"/>
       </p:ext>
     </p:extLst>
   </p:cSld>
@@ -5712,10 +5991,10 @@
   <a:themeElements>
     <a:clrScheme name="Office">
       <a:dk1>
-        <a:sysClr val="windowText" lastClr="000000"/>
+        <a:sysClr val="windowText" lastClr="BFFFB4"/>
       </a:dk1>
       <a:lt1>
-        <a:sysClr val="window" lastClr="FFFFFF"/>
+        <a:sysClr val="window" lastClr="000000"/>
       </a:lt1>
       <a:dk2>
         <a:srgbClr val="1F497D"/>
@@ -5997,10 +6276,10 @@
   <a:themeElements>
     <a:clrScheme name="Office">
       <a:dk1>
-        <a:sysClr val="windowText" lastClr="000000"/>
+        <a:sysClr val="windowText" lastClr="BFFFB4"/>
       </a:dk1>
       <a:lt1>
-        <a:sysClr val="window" lastClr="FFFFFF"/>
+        <a:sysClr val="window" lastClr="000000"/>
       </a:lt1>
       <a:dk2>
         <a:srgbClr val="44546A"/>

--- a/발표관련/임베디드_중간보고.pptx
+++ b/발표관련/임베디드_중간보고.pptx
@@ -139,9 +139,53 @@
 <file path=ppt/revisionInfo.xml><?xml version="1.0" encoding="utf-8"?>
 <p1510:revInfo xmlns:a="http://schemas.openxmlformats.org/drawingml/2006/main" xmlns:r="http://schemas.openxmlformats.org/officeDocument/2006/relationships" xmlns:p1510="http://schemas.microsoft.com/office/powerpoint/2015/10/main">
   <p1510:revLst>
-    <p1510:client id="{B79569A3-0971-4CA4-B77D-3153B22BE60A}" v="594" dt="2019-05-06T11:02:28.914"/>
+    <p1510:client id="{A94B12D9-1638-4129-946A-A013B1EACD48}" v="4" dt="2019-05-28T22:53:41.087"/>
   </p1510:revLst>
 </p1510:revInfo>
+</file>
+
+<file path=ppt/changesInfos/changesInfo1.xml><?xml version="1.0" encoding="utf-8"?>
+<pc:chgInfo xmlns:a="http://schemas.openxmlformats.org/drawingml/2006/main" xmlns:r="http://schemas.openxmlformats.org/officeDocument/2006/relationships" xmlns:ac="http://schemas.microsoft.com/office/drawing/2013/main/command" xmlns:pc="http://schemas.microsoft.com/office/powerpoint/2013/main/command">
+  <pc:docChgLst>
+    <pc:chgData name="현호 임" userId="d12fd96a-857e-4157-8089-84cefa2f0fc3" providerId="ADAL" clId="{A94B12D9-1638-4129-946A-A013B1EACD48}"/>
+    <pc:docChg chg="modSld">
+      <pc:chgData name="현호 임" userId="d12fd96a-857e-4157-8089-84cefa2f0fc3" providerId="ADAL" clId="{A94B12D9-1638-4129-946A-A013B1EACD48}" dt="2019-05-28T22:53:41.087" v="3" actId="20577"/>
+      <pc:docMkLst>
+        <pc:docMk/>
+      </pc:docMkLst>
+      <pc:sldChg chg="modSp">
+        <pc:chgData name="현호 임" userId="d12fd96a-857e-4157-8089-84cefa2f0fc3" providerId="ADAL" clId="{A94B12D9-1638-4129-946A-A013B1EACD48}" dt="2019-05-28T22:53:41.087" v="3" actId="20577"/>
+        <pc:sldMkLst>
+          <pc:docMk/>
+          <pc:sldMk cId="688106783" sldId="268"/>
+        </pc:sldMkLst>
+        <pc:spChg chg="mod">
+          <ac:chgData name="현호 임" userId="d12fd96a-857e-4157-8089-84cefa2f0fc3" providerId="ADAL" clId="{A94B12D9-1638-4129-946A-A013B1EACD48}" dt="2019-05-28T22:53:41.087" v="3" actId="20577"/>
+          <ac:spMkLst>
+            <pc:docMk/>
+            <pc:sldMk cId="688106783" sldId="268"/>
+            <ac:spMk id="3" creationId="{00000000-0000-0000-0000-000000000000}"/>
+          </ac:spMkLst>
+        </pc:spChg>
+      </pc:sldChg>
+      <pc:sldChg chg="modSp">
+        <pc:chgData name="현호 임" userId="d12fd96a-857e-4157-8089-84cefa2f0fc3" providerId="ADAL" clId="{A94B12D9-1638-4129-946A-A013B1EACD48}" dt="2019-05-28T22:53:28.519" v="2" actId="1076"/>
+        <pc:sldMkLst>
+          <pc:docMk/>
+          <pc:sldMk cId="1966372036" sldId="351"/>
+        </pc:sldMkLst>
+        <pc:picChg chg="mod">
+          <ac:chgData name="현호 임" userId="d12fd96a-857e-4157-8089-84cefa2f0fc3" providerId="ADAL" clId="{A94B12D9-1638-4129-946A-A013B1EACD48}" dt="2019-05-28T22:53:28.519" v="2" actId="1076"/>
+          <ac:picMkLst>
+            <pc:docMk/>
+            <pc:sldMk cId="1966372036" sldId="351"/>
+            <ac:picMk id="4" creationId="{C657E0B7-4AF5-44DC-BF57-3CD347BB9760}"/>
+          </ac:picMkLst>
+        </pc:picChg>
+      </pc:sldChg>
+    </pc:docChg>
+  </pc:docChgLst>
+</pc:chgInfo>
 </file>
 
 <file path=ppt/notesMasters/notesMaster1.xml><?xml version="1.0" encoding="utf-8"?>
@@ -5422,8 +5466,8 @@
         </p:blipFill>
         <p:spPr>
           <a:xfrm>
-            <a:off x="2667000" y="3048000"/>
-            <a:ext cx="3810000" cy="2857500"/>
+            <a:off x="1743269" y="2115419"/>
+            <a:ext cx="5375988" cy="4031991"/>
           </a:xfrm>
           <a:prstGeom prst="rect">
             <a:avLst/>
@@ -5671,6 +5715,14 @@
               </a:rPr>
               <a:t>1.25mm)</a:t>
             </a:r>
+          </a:p>
+          <a:p>
+            <a:pPr marL="457200" lvl="1" indent="0">
+              <a:buNone/>
+            </a:pPr>
+            <a:endParaRPr lang="en-US" altLang="ko-KR" dirty="0">
+              <a:ea typeface="맑은 고딕"/>
+            </a:endParaRPr>
           </a:p>
           <a:p>
             <a:r>

--- a/발표관련/임베디드_중간보고.pptx
+++ b/발표관련/임베디드_중간보고.pptx
@@ -5,20 +5,25 @@
     <p:sldMasterId id="2147483672" r:id="rId1"/>
   </p:sldMasterIdLst>
   <p:notesMasterIdLst>
-    <p:notesMasterId r:id="rId13"/>
+    <p:notesMasterId r:id="rId18"/>
   </p:notesMasterIdLst>
   <p:sldIdLst>
     <p:sldId id="256" r:id="rId2"/>
     <p:sldId id="263" r:id="rId3"/>
     <p:sldId id="257" r:id="rId4"/>
-    <p:sldId id="356" r:id="rId5"/>
-    <p:sldId id="355" r:id="rId6"/>
+    <p:sldId id="355" r:id="rId5"/>
+    <p:sldId id="356" r:id="rId6"/>
     <p:sldId id="350" r:id="rId7"/>
-    <p:sldId id="351" r:id="rId8"/>
-    <p:sldId id="352" r:id="rId9"/>
-    <p:sldId id="268" r:id="rId10"/>
-    <p:sldId id="353" r:id="rId11"/>
-    <p:sldId id="266" r:id="rId12"/>
+    <p:sldId id="357" r:id="rId8"/>
+    <p:sldId id="351" r:id="rId9"/>
+    <p:sldId id="352" r:id="rId10"/>
+    <p:sldId id="358" r:id="rId11"/>
+    <p:sldId id="359" r:id="rId12"/>
+    <p:sldId id="362" r:id="rId13"/>
+    <p:sldId id="268" r:id="rId14"/>
+    <p:sldId id="363" r:id="rId15"/>
+    <p:sldId id="353" r:id="rId16"/>
+    <p:sldId id="266" r:id="rId17"/>
   </p:sldIdLst>
   <p:sldSz cx="9144000" cy="6858000" type="screen4x3"/>
   <p:notesSz cx="6858000" cy="9144000"/>
@@ -139,7 +144,9 @@
 <file path=ppt/revisionInfo.xml><?xml version="1.0" encoding="utf-8"?>
 <p1510:revInfo xmlns:a="http://schemas.openxmlformats.org/drawingml/2006/main" xmlns:r="http://schemas.openxmlformats.org/officeDocument/2006/relationships" xmlns:p1510="http://schemas.microsoft.com/office/powerpoint/2015/10/main">
   <p1510:revLst>
-    <p1510:client id="{A94B12D9-1638-4129-946A-A013B1EACD48}" v="4" dt="2019-05-28T22:53:41.087"/>
+    <p1510:client id="{49709161-BF0B-8EFF-96E5-113D6B0F60B7}" v="100" dt="2019-05-28T23:22:34.825"/>
+    <p1510:client id="{A94B12D9-1638-4129-946A-A013B1EACD48}" v="459" dt="2019-05-28T23:36:16.696"/>
+    <p1510:client id="{1788F2D6-5D3E-C64A-D703-66255140CE06}" v="124" dt="2019-05-28T23:06:19.659"/>
   </p1510:revLst>
 </p1510:revInfo>
 </file>
@@ -147,39 +154,770 @@
 <file path=ppt/changesInfos/changesInfo1.xml><?xml version="1.0" encoding="utf-8"?>
 <pc:chgInfo xmlns:a="http://schemas.openxmlformats.org/drawingml/2006/main" xmlns:r="http://schemas.openxmlformats.org/officeDocument/2006/relationships" xmlns:ac="http://schemas.microsoft.com/office/drawing/2013/main/command" xmlns:pc="http://schemas.microsoft.com/office/powerpoint/2013/main/command">
   <pc:docChgLst>
+    <pc:chgData name="게스트 사용자" userId="S::urn:spo:anon#ff82b43eab5ec563bd5b0a8a35785af3bac6fc8402275b76f0fb620b7de56442::" providerId="AD" clId="Web-{1788F2D6-5D3E-C64A-D703-66255140CE06}"/>
+    <pc:docChg chg="addSld modSld sldOrd">
+      <pc:chgData name="게스트 사용자" userId="S::urn:spo:anon#ff82b43eab5ec563bd5b0a8a35785af3bac6fc8402275b76f0fb620b7de56442::" providerId="AD" clId="Web-{1788F2D6-5D3E-C64A-D703-66255140CE06}" dt="2019-05-28T23:06:19.659" v="257" actId="1076"/>
+      <pc:docMkLst>
+        <pc:docMk/>
+      </pc:docMkLst>
+      <pc:sldChg chg="addSp delSp modSp">
+        <pc:chgData name="게스트 사용자" userId="S::urn:spo:anon#ff82b43eab5ec563bd5b0a8a35785af3bac6fc8402275b76f0fb620b7de56442::" providerId="AD" clId="Web-{1788F2D6-5D3E-C64A-D703-66255140CE06}" dt="2019-05-28T23:01:24.016" v="211" actId="20577"/>
+        <pc:sldMkLst>
+          <pc:docMk/>
+          <pc:sldMk cId="1090132190" sldId="257"/>
+        </pc:sldMkLst>
+        <pc:spChg chg="mod">
+          <ac:chgData name="게스트 사용자" userId="S::urn:spo:anon#ff82b43eab5ec563bd5b0a8a35785af3bac6fc8402275b76f0fb620b7de56442::" providerId="AD" clId="Web-{1788F2D6-5D3E-C64A-D703-66255140CE06}" dt="2019-05-28T23:01:24.016" v="211" actId="20577"/>
+          <ac:spMkLst>
+            <pc:docMk/>
+            <pc:sldMk cId="1090132190" sldId="257"/>
+            <ac:spMk id="3" creationId="{00000000-0000-0000-0000-000000000000}"/>
+          </ac:spMkLst>
+        </pc:spChg>
+        <pc:picChg chg="add del mod">
+          <ac:chgData name="게스트 사용자" userId="S::urn:spo:anon#ff82b43eab5ec563bd5b0a8a35785af3bac6fc8402275b76f0fb620b7de56442::" providerId="AD" clId="Web-{1788F2D6-5D3E-C64A-D703-66255140CE06}" dt="2019-05-28T22:56:13.325" v="3"/>
+          <ac:picMkLst>
+            <pc:docMk/>
+            <pc:sldMk cId="1090132190" sldId="257"/>
+            <ac:picMk id="4" creationId="{8C814DC1-17AB-4CBF-85BB-28E4F835142D}"/>
+          </ac:picMkLst>
+        </pc:picChg>
+        <pc:picChg chg="mod">
+          <ac:chgData name="게스트 사용자" userId="S::urn:spo:anon#ff82b43eab5ec563bd5b0a8a35785af3bac6fc8402275b76f0fb620b7de56442::" providerId="AD" clId="Web-{1788F2D6-5D3E-C64A-D703-66255140CE06}" dt="2019-05-28T22:57:05.544" v="11" actId="1076"/>
+          <ac:picMkLst>
+            <pc:docMk/>
+            <pc:sldMk cId="1090132190" sldId="257"/>
+            <ac:picMk id="8" creationId="{3A7BC89C-A11B-4307-8754-E295997E8206}"/>
+          </ac:picMkLst>
+        </pc:picChg>
+      </pc:sldChg>
+      <pc:sldChg chg="addSp delSp modSp">
+        <pc:chgData name="게스트 사용자" userId="S::urn:spo:anon#ff82b43eab5ec563bd5b0a8a35785af3bac6fc8402275b76f0fb620b7de56442::" providerId="AD" clId="Web-{1788F2D6-5D3E-C64A-D703-66255140CE06}" dt="2019-05-28T22:56:28.497" v="5"/>
+        <pc:sldMkLst>
+          <pc:docMk/>
+          <pc:sldMk cId="963093677" sldId="263"/>
+        </pc:sldMkLst>
+        <pc:picChg chg="add del mod">
+          <ac:chgData name="게스트 사용자" userId="S::urn:spo:anon#ff82b43eab5ec563bd5b0a8a35785af3bac6fc8402275b76f0fb620b7de56442::" providerId="AD" clId="Web-{1788F2D6-5D3E-C64A-D703-66255140CE06}" dt="2019-05-28T22:56:09.044" v="1"/>
+          <ac:picMkLst>
+            <pc:docMk/>
+            <pc:sldMk cId="963093677" sldId="263"/>
+            <ac:picMk id="4" creationId="{D3C08440-1A04-45E6-8AB0-5FF8D1048691}"/>
+          </ac:picMkLst>
+        </pc:picChg>
+        <pc:picChg chg="add del mod">
+          <ac:chgData name="게스트 사용자" userId="S::urn:spo:anon#ff82b43eab5ec563bd5b0a8a35785af3bac6fc8402275b76f0fb620b7de56442::" providerId="AD" clId="Web-{1788F2D6-5D3E-C64A-D703-66255140CE06}" dt="2019-05-28T22:56:28.497" v="5"/>
+          <ac:picMkLst>
+            <pc:docMk/>
+            <pc:sldMk cId="963093677" sldId="263"/>
+            <ac:picMk id="6" creationId="{EFD0BD6B-5D5E-481B-8048-9C271FA45498}"/>
+          </ac:picMkLst>
+        </pc:picChg>
+      </pc:sldChg>
+      <pc:sldChg chg="modSp">
+        <pc:chgData name="게스트 사용자" userId="S::urn:spo:anon#ff82b43eab5ec563bd5b0a8a35785af3bac6fc8402275b76f0fb620b7de56442::" providerId="AD" clId="Web-{1788F2D6-5D3E-C64A-D703-66255140CE06}" dt="2019-05-28T23:00:39.156" v="205" actId="20577"/>
+        <pc:sldMkLst>
+          <pc:docMk/>
+          <pc:sldMk cId="578802433" sldId="266"/>
+        </pc:sldMkLst>
+        <pc:spChg chg="mod">
+          <ac:chgData name="게스트 사용자" userId="S::urn:spo:anon#ff82b43eab5ec563bd5b0a8a35785af3bac6fc8402275b76f0fb620b7de56442::" providerId="AD" clId="Web-{1788F2D6-5D3E-C64A-D703-66255140CE06}" dt="2019-05-28T23:00:39.156" v="205" actId="20577"/>
+          <ac:spMkLst>
+            <pc:docMk/>
+            <pc:sldMk cId="578802433" sldId="266"/>
+            <ac:spMk id="3" creationId="{00000000-0000-0000-0000-000000000000}"/>
+          </ac:spMkLst>
+        </pc:spChg>
+      </pc:sldChg>
+      <pc:sldChg chg="modSp">
+        <pc:chgData name="게스트 사용자" userId="S::urn:spo:anon#ff82b43eab5ec563bd5b0a8a35785af3bac6fc8402275b76f0fb620b7de56442::" providerId="AD" clId="Web-{1788F2D6-5D3E-C64A-D703-66255140CE06}" dt="2019-05-28T23:05:28.736" v="254" actId="1076"/>
+        <pc:sldMkLst>
+          <pc:docMk/>
+          <pc:sldMk cId="913449435" sldId="350"/>
+        </pc:sldMkLst>
+        <pc:spChg chg="mod">
+          <ac:chgData name="게스트 사용자" userId="S::urn:spo:anon#ff82b43eab5ec563bd5b0a8a35785af3bac6fc8402275b76f0fb620b7de56442::" providerId="AD" clId="Web-{1788F2D6-5D3E-C64A-D703-66255140CE06}" dt="2019-05-28T23:05:22.205" v="251" actId="20577"/>
+          <ac:spMkLst>
+            <pc:docMk/>
+            <pc:sldMk cId="913449435" sldId="350"/>
+            <ac:spMk id="3" creationId="{00000000-0000-0000-0000-000000000000}"/>
+          </ac:spMkLst>
+        </pc:spChg>
+        <pc:picChg chg="mod modCrop">
+          <ac:chgData name="게스트 사용자" userId="S::urn:spo:anon#ff82b43eab5ec563bd5b0a8a35785af3bac6fc8402275b76f0fb620b7de56442::" providerId="AD" clId="Web-{1788F2D6-5D3E-C64A-D703-66255140CE06}" dt="2019-05-28T23:05:28.736" v="254" actId="1076"/>
+          <ac:picMkLst>
+            <pc:docMk/>
+            <pc:sldMk cId="913449435" sldId="350"/>
+            <ac:picMk id="4" creationId="{8D614D6E-BB40-4E12-9BF6-5D53E01F7D4F}"/>
+          </ac:picMkLst>
+        </pc:picChg>
+      </pc:sldChg>
+      <pc:sldChg chg="ord">
+        <pc:chgData name="게스트 사용자" userId="S::urn:spo:anon#ff82b43eab5ec563bd5b0a8a35785af3bac6fc8402275b76f0fb620b7de56442::" providerId="AD" clId="Web-{1788F2D6-5D3E-C64A-D703-66255140CE06}" dt="2019-05-28T22:57:11.154" v="12"/>
+        <pc:sldMkLst>
+          <pc:docMk/>
+          <pc:sldMk cId="4076125270" sldId="355"/>
+        </pc:sldMkLst>
+      </pc:sldChg>
+      <pc:sldChg chg="addSp delSp modSp">
+        <pc:chgData name="게스트 사용자" userId="S::urn:spo:anon#ff82b43eab5ec563bd5b0a8a35785af3bac6fc8402275b76f0fb620b7de56442::" providerId="AD" clId="Web-{1788F2D6-5D3E-C64A-D703-66255140CE06}" dt="2019-05-28T23:03:30.548" v="219" actId="20577"/>
+        <pc:sldMkLst>
+          <pc:docMk/>
+          <pc:sldMk cId="1083959210" sldId="356"/>
+        </pc:sldMkLst>
+        <pc:spChg chg="mod">
+          <ac:chgData name="게스트 사용자" userId="S::urn:spo:anon#ff82b43eab5ec563bd5b0a8a35785af3bac6fc8402275b76f0fb620b7de56442::" providerId="AD" clId="Web-{1788F2D6-5D3E-C64A-D703-66255140CE06}" dt="2019-05-28T23:03:30.548" v="219" actId="20577"/>
+          <ac:spMkLst>
+            <pc:docMk/>
+            <pc:sldMk cId="1083959210" sldId="356"/>
+            <ac:spMk id="3" creationId="{00000000-0000-0000-0000-000000000000}"/>
+          </ac:spMkLst>
+        </pc:spChg>
+        <pc:picChg chg="add mod">
+          <ac:chgData name="게스트 사용자" userId="S::urn:spo:anon#ff82b43eab5ec563bd5b0a8a35785af3bac6fc8402275b76f0fb620b7de56442::" providerId="AD" clId="Web-{1788F2D6-5D3E-C64A-D703-66255140CE06}" dt="2019-05-28T22:57:43.123" v="26" actId="1076"/>
+          <ac:picMkLst>
+            <pc:docMk/>
+            <pc:sldMk cId="1083959210" sldId="356"/>
+            <ac:picMk id="4" creationId="{FEFBE8F3-B6F3-4BB9-A8B4-9A08690B0F29}"/>
+          </ac:picMkLst>
+        </pc:picChg>
+        <pc:picChg chg="del">
+          <ac:chgData name="게스트 사용자" userId="S::urn:spo:anon#ff82b43eab5ec563bd5b0a8a35785af3bac6fc8402275b76f0fb620b7de56442::" providerId="AD" clId="Web-{1788F2D6-5D3E-C64A-D703-66255140CE06}" dt="2019-05-28T22:56:50.560" v="6"/>
+          <ac:picMkLst>
+            <pc:docMk/>
+            <pc:sldMk cId="1083959210" sldId="356"/>
+            <ac:picMk id="17" creationId="{7FF47325-1D35-4426-BAC5-C5A00D101E6F}"/>
+          </ac:picMkLst>
+        </pc:picChg>
+      </pc:sldChg>
+      <pc:sldChg chg="addSp delSp modSp add ord replId">
+        <pc:chgData name="게스트 사용자" userId="S::urn:spo:anon#ff82b43eab5ec563bd5b0a8a35785af3bac6fc8402275b76f0fb620b7de56442::" providerId="AD" clId="Web-{1788F2D6-5D3E-C64A-D703-66255140CE06}" dt="2019-05-28T23:06:19.659" v="257" actId="1076"/>
+        <pc:sldMkLst>
+          <pc:docMk/>
+          <pc:sldMk cId="3220062217" sldId="357"/>
+        </pc:sldMkLst>
+        <pc:spChg chg="mod">
+          <ac:chgData name="게스트 사용자" userId="S::urn:spo:anon#ff82b43eab5ec563bd5b0a8a35785af3bac6fc8402275b76f0fb620b7de56442::" providerId="AD" clId="Web-{1788F2D6-5D3E-C64A-D703-66255140CE06}" dt="2019-05-28T23:05:16.314" v="248" actId="20577"/>
+          <ac:spMkLst>
+            <pc:docMk/>
+            <pc:sldMk cId="3220062217" sldId="357"/>
+            <ac:spMk id="3" creationId="{00000000-0000-0000-0000-000000000000}"/>
+          </ac:spMkLst>
+        </pc:spChg>
+        <pc:picChg chg="del">
+          <ac:chgData name="게스트 사용자" userId="S::urn:spo:anon#ff82b43eab5ec563bd5b0a8a35785af3bac6fc8402275b76f0fb620b7de56442::" providerId="AD" clId="Web-{1788F2D6-5D3E-C64A-D703-66255140CE06}" dt="2019-05-28T22:58:17.295" v="54"/>
+          <ac:picMkLst>
+            <pc:docMk/>
+            <pc:sldMk cId="3220062217" sldId="357"/>
+            <ac:picMk id="4" creationId="{FEFBE8F3-B6F3-4BB9-A8B4-9A08690B0F29}"/>
+          </ac:picMkLst>
+        </pc:picChg>
+        <pc:picChg chg="add mod">
+          <ac:chgData name="게스트 사용자" userId="S::urn:spo:anon#ff82b43eab5ec563bd5b0a8a35785af3bac6fc8402275b76f0fb620b7de56442::" providerId="AD" clId="Web-{1788F2D6-5D3E-C64A-D703-66255140CE06}" dt="2019-05-28T22:58:27.373" v="61" actId="14100"/>
+          <ac:picMkLst>
+            <pc:docMk/>
+            <pc:sldMk cId="3220062217" sldId="357"/>
+            <ac:picMk id="5" creationId="{0A0E8F09-589E-4173-8CBB-A1A9EA5D159B}"/>
+          </ac:picMkLst>
+        </pc:picChg>
+        <pc:picChg chg="add mod">
+          <ac:chgData name="게스트 사용자" userId="S::urn:spo:anon#ff82b43eab5ec563bd5b0a8a35785af3bac6fc8402275b76f0fb620b7de56442::" providerId="AD" clId="Web-{1788F2D6-5D3E-C64A-D703-66255140CE06}" dt="2019-05-28T23:06:19.659" v="257" actId="1076"/>
+          <ac:picMkLst>
+            <pc:docMk/>
+            <pc:sldMk cId="3220062217" sldId="357"/>
+            <ac:picMk id="7" creationId="{68CA6DE7-B7FD-4B21-9F47-D5A6CF3106D0}"/>
+          </ac:picMkLst>
+        </pc:picChg>
+      </pc:sldChg>
+    </pc:docChg>
+  </pc:docChgLst>
+  <pc:docChgLst>
     <pc:chgData name="현호 임" userId="d12fd96a-857e-4157-8089-84cefa2f0fc3" providerId="ADAL" clId="{A94B12D9-1638-4129-946A-A013B1EACD48}"/>
-    <pc:docChg chg="modSld">
-      <pc:chgData name="현호 임" userId="d12fd96a-857e-4157-8089-84cefa2f0fc3" providerId="ADAL" clId="{A94B12D9-1638-4129-946A-A013B1EACD48}" dt="2019-05-28T22:53:41.087" v="3" actId="20577"/>
+    <pc:docChg chg="undo custSel addSld delSld modSld">
+      <pc:chgData name="현호 임" userId="d12fd96a-857e-4157-8089-84cefa2f0fc3" providerId="ADAL" clId="{A94B12D9-1638-4129-946A-A013B1EACD48}" dt="2019-05-28T23:36:16.696" v="458" actId="20577"/>
       <pc:docMkLst>
         <pc:docMk/>
       </pc:docMkLst>
       <pc:sldChg chg="modSp">
-        <pc:chgData name="현호 임" userId="d12fd96a-857e-4157-8089-84cefa2f0fc3" providerId="ADAL" clId="{A94B12D9-1638-4129-946A-A013B1EACD48}" dt="2019-05-28T22:53:41.087" v="3" actId="20577"/>
+        <pc:chgData name="현호 임" userId="d12fd96a-857e-4157-8089-84cefa2f0fc3" providerId="ADAL" clId="{A94B12D9-1638-4129-946A-A013B1EACD48}" dt="2019-05-28T22:55:41.517" v="13"/>
+        <pc:sldMkLst>
+          <pc:docMk/>
+          <pc:sldMk cId="2366643029" sldId="256"/>
+        </pc:sldMkLst>
+        <pc:spChg chg="mod">
+          <ac:chgData name="현호 임" userId="d12fd96a-857e-4157-8089-84cefa2f0fc3" providerId="ADAL" clId="{A94B12D9-1638-4129-946A-A013B1EACD48}" dt="2019-05-28T22:55:41.517" v="13"/>
+          <ac:spMkLst>
+            <pc:docMk/>
+            <pc:sldMk cId="2366643029" sldId="256"/>
+            <ac:spMk id="3" creationId="{00000000-0000-0000-0000-000000000000}"/>
+          </ac:spMkLst>
+        </pc:spChg>
+      </pc:sldChg>
+      <pc:sldChg chg="modSp">
+        <pc:chgData name="현호 임" userId="d12fd96a-857e-4157-8089-84cefa2f0fc3" providerId="ADAL" clId="{A94B12D9-1638-4129-946A-A013B1EACD48}" dt="2019-05-28T22:55:58.629" v="18" actId="20577"/>
+        <pc:sldMkLst>
+          <pc:docMk/>
+          <pc:sldMk cId="963093677" sldId="263"/>
+        </pc:sldMkLst>
+        <pc:spChg chg="mod">
+          <ac:chgData name="현호 임" userId="d12fd96a-857e-4157-8089-84cefa2f0fc3" providerId="ADAL" clId="{A94B12D9-1638-4129-946A-A013B1EACD48}" dt="2019-05-28T22:55:55.201" v="14" actId="122"/>
+          <ac:spMkLst>
+            <pc:docMk/>
+            <pc:sldMk cId="963093677" sldId="263"/>
+            <ac:spMk id="2" creationId="{005641E3-1FEF-4E6C-96DA-C3D0DFDCCE3D}"/>
+          </ac:spMkLst>
+        </pc:spChg>
+        <pc:spChg chg="mod">
+          <ac:chgData name="현호 임" userId="d12fd96a-857e-4157-8089-84cefa2f0fc3" providerId="ADAL" clId="{A94B12D9-1638-4129-946A-A013B1EACD48}" dt="2019-05-28T22:55:58.629" v="18" actId="20577"/>
+          <ac:spMkLst>
+            <pc:docMk/>
+            <pc:sldMk cId="963093677" sldId="263"/>
+            <ac:spMk id="3" creationId="{4025105C-040D-4345-9F02-FE193F1E8D6B}"/>
+          </ac:spMkLst>
+        </pc:spChg>
+      </pc:sldChg>
+      <pc:sldChg chg="modSp">
+        <pc:chgData name="현호 임" userId="d12fd96a-857e-4157-8089-84cefa2f0fc3" providerId="ADAL" clId="{A94B12D9-1638-4129-946A-A013B1EACD48}" dt="2019-05-28T23:36:16.696" v="458" actId="20577"/>
+        <pc:sldMkLst>
+          <pc:docMk/>
+          <pc:sldMk cId="578802433" sldId="266"/>
+        </pc:sldMkLst>
+        <pc:spChg chg="mod">
+          <ac:chgData name="현호 임" userId="d12fd96a-857e-4157-8089-84cefa2f0fc3" providerId="ADAL" clId="{A94B12D9-1638-4129-946A-A013B1EACD48}" dt="2019-05-28T23:36:16.696" v="458" actId="20577"/>
+          <ac:spMkLst>
+            <pc:docMk/>
+            <pc:sldMk cId="578802433" sldId="266"/>
+            <ac:spMk id="3" creationId="{00000000-0000-0000-0000-000000000000}"/>
+          </ac:spMkLst>
+        </pc:spChg>
+      </pc:sldChg>
+      <pc:sldChg chg="addSp delSp modSp">
+        <pc:chgData name="현호 임" userId="d12fd96a-857e-4157-8089-84cefa2f0fc3" providerId="ADAL" clId="{A94B12D9-1638-4129-946A-A013B1EACD48}" dt="2019-05-28T23:34:57.170" v="438" actId="1076"/>
         <pc:sldMkLst>
           <pc:docMk/>
           <pc:sldMk cId="688106783" sldId="268"/>
         </pc:sldMkLst>
         <pc:spChg chg="mod">
-          <ac:chgData name="현호 임" userId="d12fd96a-857e-4157-8089-84cefa2f0fc3" providerId="ADAL" clId="{A94B12D9-1638-4129-946A-A013B1EACD48}" dt="2019-05-28T22:53:41.087" v="3" actId="20577"/>
+          <ac:chgData name="현호 임" userId="d12fd96a-857e-4157-8089-84cefa2f0fc3" providerId="ADAL" clId="{A94B12D9-1638-4129-946A-A013B1EACD48}" dt="2019-05-28T23:34:41.370" v="430" actId="20577"/>
           <ac:spMkLst>
             <pc:docMk/>
             <pc:sldMk cId="688106783" sldId="268"/>
             <ac:spMk id="3" creationId="{00000000-0000-0000-0000-000000000000}"/>
           </ac:spMkLst>
         </pc:spChg>
+        <pc:picChg chg="add del mod">
+          <ac:chgData name="현호 임" userId="d12fd96a-857e-4157-8089-84cefa2f0fc3" providerId="ADAL" clId="{A94B12D9-1638-4129-946A-A013B1EACD48}" dt="2019-05-28T23:34:36.543" v="428"/>
+          <ac:picMkLst>
+            <pc:docMk/>
+            <pc:sldMk cId="688106783" sldId="268"/>
+            <ac:picMk id="4" creationId="{D68888C8-62D6-4E37-9C19-146A15CBBAAC}"/>
+          </ac:picMkLst>
+        </pc:picChg>
+        <pc:picChg chg="add mod">
+          <ac:chgData name="현호 임" userId="d12fd96a-857e-4157-8089-84cefa2f0fc3" providerId="ADAL" clId="{A94B12D9-1638-4129-946A-A013B1EACD48}" dt="2019-05-28T23:34:57.170" v="438" actId="1076"/>
+          <ac:picMkLst>
+            <pc:docMk/>
+            <pc:sldMk cId="688106783" sldId="268"/>
+            <ac:picMk id="5" creationId="{A33539AA-60B9-4C80-B017-B9F5CEB64EBC}"/>
+          </ac:picMkLst>
+        </pc:picChg>
       </pc:sldChg>
-      <pc:sldChg chg="modSp">
-        <pc:chgData name="현호 임" userId="d12fd96a-857e-4157-8089-84cefa2f0fc3" providerId="ADAL" clId="{A94B12D9-1638-4129-946A-A013B1EACD48}" dt="2019-05-28T22:53:28.519" v="2" actId="1076"/>
+      <pc:sldChg chg="addSp delSp modSp">
+        <pc:chgData name="현호 임" userId="d12fd96a-857e-4157-8089-84cefa2f0fc3" providerId="ADAL" clId="{A94B12D9-1638-4129-946A-A013B1EACD48}" dt="2019-05-28T23:30:34.369" v="344" actId="1076"/>
         <pc:sldMkLst>
           <pc:docMk/>
           <pc:sldMk cId="1966372036" sldId="351"/>
         </pc:sldMkLst>
-        <pc:picChg chg="mod">
-          <ac:chgData name="현호 임" userId="d12fd96a-857e-4157-8089-84cefa2f0fc3" providerId="ADAL" clId="{A94B12D9-1638-4129-946A-A013B1EACD48}" dt="2019-05-28T22:53:28.519" v="2" actId="1076"/>
+        <pc:spChg chg="mod">
+          <ac:chgData name="현호 임" userId="d12fd96a-857e-4157-8089-84cefa2f0fc3" providerId="ADAL" clId="{A94B12D9-1638-4129-946A-A013B1EACD48}" dt="2019-05-28T23:30:20.957" v="338" actId="1076"/>
+          <ac:spMkLst>
+            <pc:docMk/>
+            <pc:sldMk cId="1966372036" sldId="351"/>
+            <ac:spMk id="3" creationId="{00000000-0000-0000-0000-000000000000}"/>
+          </ac:spMkLst>
+        </pc:spChg>
+        <pc:picChg chg="del mod">
+          <ac:chgData name="현호 임" userId="d12fd96a-857e-4157-8089-84cefa2f0fc3" providerId="ADAL" clId="{A94B12D9-1638-4129-946A-A013B1EACD48}" dt="2019-05-28T22:59:54.092" v="19" actId="478"/>
           <ac:picMkLst>
             <pc:docMk/>
             <pc:sldMk cId="1966372036" sldId="351"/>
             <ac:picMk id="4" creationId="{C657E0B7-4AF5-44DC-BF57-3CD347BB9760}"/>
+          </ac:picMkLst>
+        </pc:picChg>
+        <pc:picChg chg="add mod modCrop">
+          <ac:chgData name="현호 임" userId="d12fd96a-857e-4157-8089-84cefa2f0fc3" providerId="ADAL" clId="{A94B12D9-1638-4129-946A-A013B1EACD48}" dt="2019-05-28T23:30:34.369" v="344" actId="1076"/>
+          <ac:picMkLst>
+            <pc:docMk/>
+            <pc:sldMk cId="1966372036" sldId="351"/>
+            <ac:picMk id="5" creationId="{949C8BA1-A512-472E-A07F-F5DE8D9DABAC}"/>
+          </ac:picMkLst>
+        </pc:picChg>
+        <pc:picChg chg="add del mod">
+          <ac:chgData name="현호 임" userId="d12fd96a-857e-4157-8089-84cefa2f0fc3" providerId="ADAL" clId="{A94B12D9-1638-4129-946A-A013B1EACD48}" dt="2019-05-28T23:30:26.370" v="339" actId="478"/>
+          <ac:picMkLst>
+            <pc:docMk/>
+            <pc:sldMk cId="1966372036" sldId="351"/>
+            <ac:picMk id="6" creationId="{120168BF-969D-4050-9BF6-0ADBD4205D34}"/>
+          </ac:picMkLst>
+        </pc:picChg>
+        <pc:picChg chg="add del mod ord">
+          <ac:chgData name="현호 임" userId="d12fd96a-857e-4157-8089-84cefa2f0fc3" providerId="ADAL" clId="{A94B12D9-1638-4129-946A-A013B1EACD48}" dt="2019-05-28T23:30:26.717" v="340" actId="478"/>
+          <ac:picMkLst>
+            <pc:docMk/>
+            <pc:sldMk cId="1966372036" sldId="351"/>
+            <ac:picMk id="7" creationId="{D9E136A3-3843-4F5D-901A-A4C0D26D11BD}"/>
+          </ac:picMkLst>
+        </pc:picChg>
+      </pc:sldChg>
+      <pc:sldChg chg="addSp modSp">
+        <pc:chgData name="현호 임" userId="d12fd96a-857e-4157-8089-84cefa2f0fc3" providerId="ADAL" clId="{A94B12D9-1638-4129-946A-A013B1EACD48}" dt="2019-05-28T23:31:17.568" v="400"/>
+        <pc:sldMkLst>
+          <pc:docMk/>
+          <pc:sldMk cId="3128655099" sldId="352"/>
+        </pc:sldMkLst>
+        <pc:spChg chg="mod">
+          <ac:chgData name="현호 임" userId="d12fd96a-857e-4157-8089-84cefa2f0fc3" providerId="ADAL" clId="{A94B12D9-1638-4129-946A-A013B1EACD48}" dt="2019-05-28T23:31:17.568" v="400"/>
+          <ac:spMkLst>
+            <pc:docMk/>
+            <pc:sldMk cId="3128655099" sldId="352"/>
+            <ac:spMk id="3" creationId="{00000000-0000-0000-0000-000000000000}"/>
+          </ac:spMkLst>
+        </pc:spChg>
+        <pc:picChg chg="add mod modCrop">
+          <ac:chgData name="현호 임" userId="d12fd96a-857e-4157-8089-84cefa2f0fc3" providerId="ADAL" clId="{A94B12D9-1638-4129-946A-A013B1EACD48}" dt="2019-05-28T23:30:41.267" v="346" actId="1076"/>
+          <ac:picMkLst>
+            <pc:docMk/>
+            <pc:sldMk cId="3128655099" sldId="352"/>
+            <ac:picMk id="4" creationId="{4876E2EA-38DD-4521-BB81-0977DA008E53}"/>
+          </ac:picMkLst>
+        </pc:picChg>
+      </pc:sldChg>
+      <pc:sldChg chg="addSp delSp modSp add">
+        <pc:chgData name="현호 임" userId="d12fd96a-857e-4157-8089-84cefa2f0fc3" providerId="ADAL" clId="{A94B12D9-1638-4129-946A-A013B1EACD48}" dt="2019-05-28T23:31:38.104" v="401" actId="14100"/>
+        <pc:sldMkLst>
+          <pc:docMk/>
+          <pc:sldMk cId="714278594" sldId="358"/>
+        </pc:sldMkLst>
+        <pc:spChg chg="del">
+          <ac:chgData name="현호 임" userId="d12fd96a-857e-4157-8089-84cefa2f0fc3" providerId="ADAL" clId="{A94B12D9-1638-4129-946A-A013B1EACD48}" dt="2019-05-28T23:06:07.399" v="46" actId="478"/>
+          <ac:spMkLst>
+            <pc:docMk/>
+            <pc:sldMk cId="714278594" sldId="358"/>
+            <ac:spMk id="2" creationId="{85129A67-4547-4A7B-B871-93C2BA47DF2E}"/>
+          </ac:spMkLst>
+        </pc:spChg>
+        <pc:spChg chg="del">
+          <ac:chgData name="현호 임" userId="d12fd96a-857e-4157-8089-84cefa2f0fc3" providerId="ADAL" clId="{A94B12D9-1638-4129-946A-A013B1EACD48}" dt="2019-05-28T23:06:06.387" v="45" actId="478"/>
+          <ac:spMkLst>
+            <pc:docMk/>
+            <pc:sldMk cId="714278594" sldId="358"/>
+            <ac:spMk id="3" creationId="{8D293A86-F989-4509-9564-E9A2B9B8363F}"/>
+          </ac:spMkLst>
+        </pc:spChg>
+        <pc:spChg chg="add mod">
+          <ac:chgData name="현호 임" userId="d12fd96a-857e-4157-8089-84cefa2f0fc3" providerId="ADAL" clId="{A94B12D9-1638-4129-946A-A013B1EACD48}" dt="2019-05-28T23:06:22.949" v="62"/>
+          <ac:spMkLst>
+            <pc:docMk/>
+            <pc:sldMk cId="714278594" sldId="358"/>
+            <ac:spMk id="5" creationId="{C8650DD3-1BAA-4F4D-9D9E-06D3D26852FF}"/>
+          </ac:spMkLst>
+        </pc:spChg>
+        <pc:picChg chg="add mod">
+          <ac:chgData name="현호 임" userId="d12fd96a-857e-4157-8089-84cefa2f0fc3" providerId="ADAL" clId="{A94B12D9-1638-4129-946A-A013B1EACD48}" dt="2019-05-28T23:31:38.104" v="401" actId="14100"/>
+          <ac:picMkLst>
+            <pc:docMk/>
+            <pc:sldMk cId="714278594" sldId="358"/>
+            <ac:picMk id="4" creationId="{53BC07B6-0629-49C1-8392-BA555E50ED57}"/>
+          </ac:picMkLst>
+        </pc:picChg>
+      </pc:sldChg>
+      <pc:sldChg chg="addSp delSp modSp add">
+        <pc:chgData name="현호 임" userId="d12fd96a-857e-4157-8089-84cefa2f0fc3" providerId="ADAL" clId="{A94B12D9-1638-4129-946A-A013B1EACD48}" dt="2019-05-28T23:31:50.278" v="403" actId="1037"/>
+        <pc:sldMkLst>
+          <pc:docMk/>
+          <pc:sldMk cId="723081135" sldId="359"/>
+        </pc:sldMkLst>
+        <pc:spChg chg="add mod">
+          <ac:chgData name="현호 임" userId="d12fd96a-857e-4157-8089-84cefa2f0fc3" providerId="ADAL" clId="{A94B12D9-1638-4129-946A-A013B1EACD48}" dt="2019-05-28T23:13:30.810" v="192" actId="1076"/>
+          <ac:spMkLst>
+            <pc:docMk/>
+            <pc:sldMk cId="723081135" sldId="359"/>
+            <ac:spMk id="6" creationId="{B32C8F10-EFEA-4482-8299-9B6FE876EA0D}"/>
+          </ac:spMkLst>
+        </pc:spChg>
+        <pc:spChg chg="add mod">
+          <ac:chgData name="현호 임" userId="d12fd96a-857e-4157-8089-84cefa2f0fc3" providerId="ADAL" clId="{A94B12D9-1638-4129-946A-A013B1EACD48}" dt="2019-05-28T23:13:24.714" v="190" actId="1076"/>
+          <ac:spMkLst>
+            <pc:docMk/>
+            <pc:sldMk cId="723081135" sldId="359"/>
+            <ac:spMk id="7" creationId="{BFC7D107-FD6E-427B-B08D-A2E44E3CEF65}"/>
+          </ac:spMkLst>
+        </pc:spChg>
+        <pc:spChg chg="add mod">
+          <ac:chgData name="현호 임" userId="d12fd96a-857e-4157-8089-84cefa2f0fc3" providerId="ADAL" clId="{A94B12D9-1638-4129-946A-A013B1EACD48}" dt="2019-05-28T23:14:20.422" v="203" actId="1036"/>
+          <ac:spMkLst>
+            <pc:docMk/>
+            <pc:sldMk cId="723081135" sldId="359"/>
+            <ac:spMk id="8" creationId="{FAC4FE8C-84B1-4E33-B6AE-8247987992D4}"/>
+          </ac:spMkLst>
+        </pc:spChg>
+        <pc:spChg chg="add mod">
+          <ac:chgData name="현호 임" userId="d12fd96a-857e-4157-8089-84cefa2f0fc3" providerId="ADAL" clId="{A94B12D9-1638-4129-946A-A013B1EACD48}" dt="2019-05-28T23:31:50.278" v="403" actId="1037"/>
+          <ac:spMkLst>
+            <pc:docMk/>
+            <pc:sldMk cId="723081135" sldId="359"/>
+            <ac:spMk id="10" creationId="{FEFD7543-91B8-4DC1-99A4-8A6320C8AA71}"/>
+          </ac:spMkLst>
+        </pc:spChg>
+        <pc:spChg chg="add mod">
+          <ac:chgData name="현호 임" userId="d12fd96a-857e-4157-8089-84cefa2f0fc3" providerId="ADAL" clId="{A94B12D9-1638-4129-946A-A013B1EACD48}" dt="2019-05-28T23:14:25.377" v="204" actId="571"/>
+          <ac:spMkLst>
+            <pc:docMk/>
+            <pc:sldMk cId="723081135" sldId="359"/>
+            <ac:spMk id="12" creationId="{D9FACC3B-CDF1-4EE5-BDBB-71D5CCA10618}"/>
+          </ac:spMkLst>
+        </pc:spChg>
+        <pc:spChg chg="add mod">
+          <ac:chgData name="현호 임" userId="d12fd96a-857e-4157-8089-84cefa2f0fc3" providerId="ADAL" clId="{A94B12D9-1638-4129-946A-A013B1EACD48}" dt="2019-05-28T23:14:30.577" v="205" actId="571"/>
+          <ac:spMkLst>
+            <pc:docMk/>
+            <pc:sldMk cId="723081135" sldId="359"/>
+            <ac:spMk id="13" creationId="{BACB5D68-CC46-444E-95E5-1A67F0A9EAC7}"/>
+          </ac:spMkLst>
+        </pc:spChg>
+        <pc:spChg chg="add mod">
+          <ac:chgData name="현호 임" userId="d12fd96a-857e-4157-8089-84cefa2f0fc3" providerId="ADAL" clId="{A94B12D9-1638-4129-946A-A013B1EACD48}" dt="2019-05-28T23:15:15.181" v="256" actId="20577"/>
+          <ac:spMkLst>
+            <pc:docMk/>
+            <pc:sldMk cId="723081135" sldId="359"/>
+            <ac:spMk id="14" creationId="{B3EED353-FEA5-4259-88F3-6A4B2CBDBDE6}"/>
+          </ac:spMkLst>
+        </pc:spChg>
+        <pc:spChg chg="add mod">
+          <ac:chgData name="현호 임" userId="d12fd96a-857e-4157-8089-84cefa2f0fc3" providerId="ADAL" clId="{A94B12D9-1638-4129-946A-A013B1EACD48}" dt="2019-05-28T23:15:25.225" v="265" actId="1076"/>
+          <ac:spMkLst>
+            <pc:docMk/>
+            <pc:sldMk cId="723081135" sldId="359"/>
+            <ac:spMk id="15" creationId="{8503349F-1BF8-4918-A28F-B0FA7F8F926A}"/>
+          </ac:spMkLst>
+        </pc:spChg>
+        <pc:picChg chg="add mod">
+          <ac:chgData name="현호 임" userId="d12fd96a-857e-4157-8089-84cefa2f0fc3" providerId="ADAL" clId="{A94B12D9-1638-4129-946A-A013B1EACD48}" dt="2019-05-28T23:13:22.624" v="189" actId="14100"/>
+          <ac:picMkLst>
+            <pc:docMk/>
+            <pc:sldMk cId="723081135" sldId="359"/>
+            <ac:picMk id="2" creationId="{187D03C9-6015-44D4-94DC-A9CBBFF70832}"/>
+          </ac:picMkLst>
+        </pc:picChg>
+        <pc:picChg chg="add del mod">
+          <ac:chgData name="현호 임" userId="d12fd96a-857e-4157-8089-84cefa2f0fc3" providerId="ADAL" clId="{A94B12D9-1638-4129-946A-A013B1EACD48}" dt="2019-05-28T23:13:18.542" v="186" actId="478"/>
+          <ac:picMkLst>
+            <pc:docMk/>
+            <pc:sldMk cId="723081135" sldId="359"/>
+            <ac:picMk id="3" creationId="{AAA459A4-40D6-4DEA-A603-475D17BCAC51}"/>
+          </ac:picMkLst>
+        </pc:picChg>
+        <pc:picChg chg="del">
+          <ac:chgData name="현호 임" userId="d12fd96a-857e-4157-8089-84cefa2f0fc3" providerId="ADAL" clId="{A94B12D9-1638-4129-946A-A013B1EACD48}" dt="2019-05-28T23:06:28.163" v="66" actId="478"/>
+          <ac:picMkLst>
+            <pc:docMk/>
+            <pc:sldMk cId="723081135" sldId="359"/>
+            <ac:picMk id="4" creationId="{53BC07B6-0629-49C1-8392-BA555E50ED57}"/>
+          </ac:picMkLst>
+        </pc:picChg>
+        <pc:picChg chg="add del mod">
+          <ac:chgData name="현호 임" userId="d12fd96a-857e-4157-8089-84cefa2f0fc3" providerId="ADAL" clId="{A94B12D9-1638-4129-946A-A013B1EACD48}" dt="2019-05-28T23:14:08.758" v="198" actId="478"/>
+          <ac:picMkLst>
+            <pc:docMk/>
+            <pc:sldMk cId="723081135" sldId="359"/>
+            <ac:picMk id="9" creationId="{9E16FA64-3F97-45CE-B47B-8762811ACEC4}"/>
+          </ac:picMkLst>
+        </pc:picChg>
+        <pc:picChg chg="add mod">
+          <ac:chgData name="현호 임" userId="d12fd96a-857e-4157-8089-84cefa2f0fc3" providerId="ADAL" clId="{A94B12D9-1638-4129-946A-A013B1EACD48}" dt="2019-05-28T23:14:14.749" v="200" actId="1076"/>
+          <ac:picMkLst>
+            <pc:docMk/>
+            <pc:sldMk cId="723081135" sldId="359"/>
+            <ac:picMk id="11" creationId="{992F69C2-52F2-462C-8CA1-47E1AF5CBF84}"/>
+          </ac:picMkLst>
+        </pc:picChg>
+      </pc:sldChg>
+      <pc:sldChg chg="delSp add del">
+        <pc:chgData name="현호 임" userId="d12fd96a-857e-4157-8089-84cefa2f0fc3" providerId="ADAL" clId="{A94B12D9-1638-4129-946A-A013B1EACD48}" dt="2019-05-28T23:08:34.377" v="115" actId="2696"/>
+        <pc:sldMkLst>
+          <pc:docMk/>
+          <pc:sldMk cId="3578224913" sldId="360"/>
+        </pc:sldMkLst>
+        <pc:picChg chg="del">
+          <ac:chgData name="현호 임" userId="d12fd96a-857e-4157-8089-84cefa2f0fc3" providerId="ADAL" clId="{A94B12D9-1638-4129-946A-A013B1EACD48}" dt="2019-05-28T23:06:27.037" v="65" actId="478"/>
+          <ac:picMkLst>
+            <pc:docMk/>
+            <pc:sldMk cId="3578224913" sldId="360"/>
+            <ac:picMk id="4" creationId="{53BC07B6-0629-49C1-8392-BA555E50ED57}"/>
+          </ac:picMkLst>
+        </pc:picChg>
+      </pc:sldChg>
+      <pc:sldChg chg="add del">
+        <pc:chgData name="현호 임" userId="d12fd96a-857e-4157-8089-84cefa2f0fc3" providerId="ADAL" clId="{A94B12D9-1638-4129-946A-A013B1EACD48}" dt="2019-05-28T23:08:35.305" v="116" actId="2696"/>
+        <pc:sldMkLst>
+          <pc:docMk/>
+          <pc:sldMk cId="2753333772" sldId="361"/>
+        </pc:sldMkLst>
+      </pc:sldChg>
+      <pc:sldChg chg="addSp delSp modSp add">
+        <pc:chgData name="현호 임" userId="d12fd96a-857e-4157-8089-84cefa2f0fc3" providerId="ADAL" clId="{A94B12D9-1638-4129-946A-A013B1EACD48}" dt="2019-05-28T23:16:08.824" v="305" actId="1036"/>
+        <pc:sldMkLst>
+          <pc:docMk/>
+          <pc:sldMk cId="2153266694" sldId="362"/>
+        </pc:sldMkLst>
+        <pc:spChg chg="add mod">
+          <ac:chgData name="현호 임" userId="d12fd96a-857e-4157-8089-84cefa2f0fc3" providerId="ADAL" clId="{A94B12D9-1638-4129-946A-A013B1EACD48}" dt="2019-05-28T23:11:10.841" v="170" actId="20577"/>
+          <ac:spMkLst>
+            <pc:docMk/>
+            <pc:sldMk cId="2153266694" sldId="362"/>
+            <ac:spMk id="4" creationId="{2EB6250D-3B46-4E17-8BA7-EBFE2341F2F1}"/>
+          </ac:spMkLst>
+        </pc:spChg>
+        <pc:spChg chg="add mod">
+          <ac:chgData name="현호 임" userId="d12fd96a-857e-4157-8089-84cefa2f0fc3" providerId="ADAL" clId="{A94B12D9-1638-4129-946A-A013B1EACD48}" dt="2019-05-28T23:09:59.491" v="140" actId="1076"/>
+          <ac:spMkLst>
+            <pc:docMk/>
+            <pc:sldMk cId="2153266694" sldId="362"/>
+            <ac:spMk id="6" creationId="{4AD33C6F-B232-4829-990B-73CA8E083D75}"/>
+          </ac:spMkLst>
+        </pc:spChg>
+        <pc:spChg chg="add mod">
+          <ac:chgData name="현호 임" userId="d12fd96a-857e-4157-8089-84cefa2f0fc3" providerId="ADAL" clId="{A94B12D9-1638-4129-946A-A013B1EACD48}" dt="2019-05-28T23:10:54.436" v="163" actId="1076"/>
+          <ac:spMkLst>
+            <pc:docMk/>
+            <pc:sldMk cId="2153266694" sldId="362"/>
+            <ac:spMk id="7" creationId="{9D00FC47-5D74-4178-ACDF-72EC5509BC51}"/>
+          </ac:spMkLst>
+        </pc:spChg>
+        <pc:spChg chg="add mod">
+          <ac:chgData name="현호 임" userId="d12fd96a-857e-4157-8089-84cefa2f0fc3" providerId="ADAL" clId="{A94B12D9-1638-4129-946A-A013B1EACD48}" dt="2019-05-28T23:15:33.125" v="275" actId="1035"/>
+          <ac:spMkLst>
+            <pc:docMk/>
+            <pc:sldMk cId="2153266694" sldId="362"/>
+            <ac:spMk id="9" creationId="{BACB1C26-E8F9-4F9B-BD61-13C0712931AD}"/>
+          </ac:spMkLst>
+        </pc:spChg>
+        <pc:spChg chg="add mod">
+          <ac:chgData name="현호 임" userId="d12fd96a-857e-4157-8089-84cefa2f0fc3" providerId="ADAL" clId="{A94B12D9-1638-4129-946A-A013B1EACD48}" dt="2019-05-28T23:15:30.293" v="266" actId="1076"/>
+          <ac:spMkLst>
+            <pc:docMk/>
+            <pc:sldMk cId="2153266694" sldId="362"/>
+            <ac:spMk id="10" creationId="{12238D80-99DE-458C-9261-4A8DA820E054}"/>
+          </ac:spMkLst>
+        </pc:spChg>
+        <pc:spChg chg="add mod">
+          <ac:chgData name="현호 임" userId="d12fd96a-857e-4157-8089-84cefa2f0fc3" providerId="ADAL" clId="{A94B12D9-1638-4129-946A-A013B1EACD48}" dt="2019-05-28T23:11:13.746" v="171" actId="571"/>
+          <ac:spMkLst>
+            <pc:docMk/>
+            <pc:sldMk cId="2153266694" sldId="362"/>
+            <ac:spMk id="11" creationId="{388DA72B-FDCC-4F77-B51B-4A9716CEB527}"/>
+          </ac:spMkLst>
+        </pc:spChg>
+        <pc:spChg chg="add mod">
+          <ac:chgData name="현호 임" userId="d12fd96a-857e-4157-8089-84cefa2f0fc3" providerId="ADAL" clId="{A94B12D9-1638-4129-946A-A013B1EACD48}" dt="2019-05-28T23:16:01.079" v="291" actId="1036"/>
+          <ac:spMkLst>
+            <pc:docMk/>
+            <pc:sldMk cId="2153266694" sldId="362"/>
+            <ac:spMk id="12" creationId="{A38D4A9E-8112-4509-87FA-B77ED0B51499}"/>
+          </ac:spMkLst>
+        </pc:spChg>
+        <pc:spChg chg="add mod">
+          <ac:chgData name="현호 임" userId="d12fd96a-857e-4157-8089-84cefa2f0fc3" providerId="ADAL" clId="{A94B12D9-1638-4129-946A-A013B1EACD48}" dt="2019-05-28T23:16:08.824" v="305" actId="1036"/>
+          <ac:spMkLst>
+            <pc:docMk/>
+            <pc:sldMk cId="2153266694" sldId="362"/>
+            <ac:spMk id="13" creationId="{1699F42D-83F9-4D77-A93F-1DA49C57FF33}"/>
+          </ac:spMkLst>
+        </pc:spChg>
+        <pc:picChg chg="add mod">
+          <ac:chgData name="현호 임" userId="d12fd96a-857e-4157-8089-84cefa2f0fc3" providerId="ADAL" clId="{A94B12D9-1638-4129-946A-A013B1EACD48}" dt="2019-05-28T23:09:34.721" v="125" actId="1076"/>
+          <ac:picMkLst>
+            <pc:docMk/>
+            <pc:sldMk cId="2153266694" sldId="362"/>
+            <ac:picMk id="2" creationId="{30B612F7-06EB-4E32-BBBD-C54795EFC8B4}"/>
+          </ac:picMkLst>
+        </pc:picChg>
+        <pc:picChg chg="add del mod">
+          <ac:chgData name="현호 임" userId="d12fd96a-857e-4157-8089-84cefa2f0fc3" providerId="ADAL" clId="{A94B12D9-1638-4129-946A-A013B1EACD48}" dt="2019-05-28T23:10:31.689" v="145" actId="478"/>
+          <ac:picMkLst>
+            <pc:docMk/>
+            <pc:sldMk cId="2153266694" sldId="362"/>
+            <ac:picMk id="3" creationId="{29A354D8-95EA-408B-B0EE-A096010988B5}"/>
+          </ac:picMkLst>
+        </pc:picChg>
+        <pc:picChg chg="add mod modCrop">
+          <ac:chgData name="현호 임" userId="d12fd96a-857e-4157-8089-84cefa2f0fc3" providerId="ADAL" clId="{A94B12D9-1638-4129-946A-A013B1EACD48}" dt="2019-05-28T23:10:40.849" v="155" actId="1035"/>
+          <ac:picMkLst>
+            <pc:docMk/>
+            <pc:sldMk cId="2153266694" sldId="362"/>
+            <ac:picMk id="8" creationId="{BFD040FE-8379-437B-834E-3DB52DE0DA8B}"/>
+          </ac:picMkLst>
+        </pc:picChg>
+      </pc:sldChg>
+      <pc:sldChg chg="addSp modSp add">
+        <pc:chgData name="현호 임" userId="d12fd96a-857e-4157-8089-84cefa2f0fc3" providerId="ADAL" clId="{A94B12D9-1638-4129-946A-A013B1EACD48}" dt="2019-05-28T23:35:27.552" v="443" actId="1076"/>
+        <pc:sldMkLst>
+          <pc:docMk/>
+          <pc:sldMk cId="3585372882" sldId="363"/>
+        </pc:sldMkLst>
+        <pc:spChg chg="mod">
+          <ac:chgData name="현호 임" userId="d12fd96a-857e-4157-8089-84cefa2f0fc3" providerId="ADAL" clId="{A94B12D9-1638-4129-946A-A013B1EACD48}" dt="2019-05-28T23:34:46.092" v="433" actId="6549"/>
+          <ac:spMkLst>
+            <pc:docMk/>
+            <pc:sldMk cId="3585372882" sldId="363"/>
+            <ac:spMk id="3" creationId="{00000000-0000-0000-0000-000000000000}"/>
+          </ac:spMkLst>
+        </pc:spChg>
+        <pc:picChg chg="add mod">
+          <ac:chgData name="현호 임" userId="d12fd96a-857e-4157-8089-84cefa2f0fc3" providerId="ADAL" clId="{A94B12D9-1638-4129-946A-A013B1EACD48}" dt="2019-05-28T23:35:27.552" v="443" actId="1076"/>
+          <ac:picMkLst>
+            <pc:docMk/>
+            <pc:sldMk cId="3585372882" sldId="363"/>
+            <ac:picMk id="4" creationId="{1651CF95-76A6-4104-8D72-ACD0D1C8F635}"/>
+          </ac:picMkLst>
+        </pc:picChg>
+      </pc:sldChg>
+    </pc:docChg>
+  </pc:docChgLst>
+  <pc:docChgLst>
+    <pc:chgData name="게스트 사용자" userId="S::urn:spo:anon#ff82b43eab5ec563bd5b0a8a35785af3bac6fc8402275b76f0fb620b7de56442::" providerId="AD" clId="Web-{49709161-BF0B-8EFF-96E5-113D6B0F60B7}"/>
+    <pc:docChg chg="modSld">
+      <pc:chgData name="게스트 사용자" userId="S::urn:spo:anon#ff82b43eab5ec563bd5b0a8a35785af3bac6fc8402275b76f0fb620b7de56442::" providerId="AD" clId="Web-{49709161-BF0B-8EFF-96E5-113D6B0F60B7}" dt="2019-05-28T23:22:34.825" v="89" actId="20577"/>
+      <pc:docMkLst>
+        <pc:docMk/>
+      </pc:docMkLst>
+      <pc:sldChg chg="modSp">
+        <pc:chgData name="게스트 사용자" userId="S::urn:spo:anon#ff82b43eab5ec563bd5b0a8a35785af3bac6fc8402275b76f0fb620b7de56442::" providerId="AD" clId="Web-{49709161-BF0B-8EFF-96E5-113D6B0F60B7}" dt="2019-05-28T23:20:16.620" v="38" actId="20577"/>
+        <pc:sldMkLst>
+          <pc:docMk/>
+          <pc:sldMk cId="1090132190" sldId="257"/>
+        </pc:sldMkLst>
+        <pc:spChg chg="mod">
+          <ac:chgData name="게스트 사용자" userId="S::urn:spo:anon#ff82b43eab5ec563bd5b0a8a35785af3bac6fc8402275b76f0fb620b7de56442::" providerId="AD" clId="Web-{49709161-BF0B-8EFF-96E5-113D6B0F60B7}" dt="2019-05-28T23:20:16.620" v="38" actId="20577"/>
+          <ac:spMkLst>
+            <pc:docMk/>
+            <pc:sldMk cId="1090132190" sldId="257"/>
+            <ac:spMk id="3" creationId="{00000000-0000-0000-0000-000000000000}"/>
+          </ac:spMkLst>
+        </pc:spChg>
+      </pc:sldChg>
+      <pc:sldChg chg="modSp">
+        <pc:chgData name="게스트 사용자" userId="S::urn:spo:anon#ff82b43eab5ec563bd5b0a8a35785af3bac6fc8402275b76f0fb620b7de56442::" providerId="AD" clId="Web-{49709161-BF0B-8EFF-96E5-113D6B0F60B7}" dt="2019-05-28T23:22:34.825" v="88" actId="20577"/>
+        <pc:sldMkLst>
+          <pc:docMk/>
+          <pc:sldMk cId="578802433" sldId="266"/>
+        </pc:sldMkLst>
+        <pc:spChg chg="mod">
+          <ac:chgData name="게스트 사용자" userId="S::urn:spo:anon#ff82b43eab5ec563bd5b0a8a35785af3bac6fc8402275b76f0fb620b7de56442::" providerId="AD" clId="Web-{49709161-BF0B-8EFF-96E5-113D6B0F60B7}" dt="2019-05-28T23:22:34.825" v="88" actId="20577"/>
+          <ac:spMkLst>
+            <pc:docMk/>
+            <pc:sldMk cId="578802433" sldId="266"/>
+            <ac:spMk id="3" creationId="{00000000-0000-0000-0000-000000000000}"/>
+          </ac:spMkLst>
+        </pc:spChg>
+      </pc:sldChg>
+      <pc:sldChg chg="modSp">
+        <pc:chgData name="게스트 사용자" userId="S::urn:spo:anon#ff82b43eab5ec563bd5b0a8a35785af3bac6fc8402275b76f0fb620b7de56442::" providerId="AD" clId="Web-{49709161-BF0B-8EFF-96E5-113D6B0F60B7}" dt="2019-05-28T23:21:09.246" v="59" actId="1076"/>
+        <pc:sldMkLst>
+          <pc:docMk/>
+          <pc:sldMk cId="913449435" sldId="350"/>
+        </pc:sldMkLst>
+        <pc:spChg chg="mod">
+          <ac:chgData name="게스트 사용자" userId="S::urn:spo:anon#ff82b43eab5ec563bd5b0a8a35785af3bac6fc8402275b76f0fb620b7de56442::" providerId="AD" clId="Web-{49709161-BF0B-8EFF-96E5-113D6B0F60B7}" dt="2019-05-28T23:21:06.511" v="57" actId="20577"/>
+          <ac:spMkLst>
+            <pc:docMk/>
+            <pc:sldMk cId="913449435" sldId="350"/>
+            <ac:spMk id="3" creationId="{00000000-0000-0000-0000-000000000000}"/>
+          </ac:spMkLst>
+        </pc:spChg>
+        <pc:picChg chg="mod">
+          <ac:chgData name="게스트 사용자" userId="S::urn:spo:anon#ff82b43eab5ec563bd5b0a8a35785af3bac6fc8402275b76f0fb620b7de56442::" providerId="AD" clId="Web-{49709161-BF0B-8EFF-96E5-113D6B0F60B7}" dt="2019-05-28T23:21:09.246" v="59" actId="1076"/>
+          <ac:picMkLst>
+            <pc:docMk/>
+            <pc:sldMk cId="913449435" sldId="350"/>
+            <ac:picMk id="4" creationId="{8D614D6E-BB40-4E12-9BF6-5D53E01F7D4F}"/>
+          </ac:picMkLst>
+        </pc:picChg>
+      </pc:sldChg>
+      <pc:sldChg chg="modSp">
+        <pc:chgData name="게스트 사용자" userId="S::urn:spo:anon#ff82b43eab5ec563bd5b0a8a35785af3bac6fc8402275b76f0fb620b7de56442::" providerId="AD" clId="Web-{49709161-BF0B-8EFF-96E5-113D6B0F60B7}" dt="2019-05-28T23:20:48.574" v="52"/>
+        <pc:sldMkLst>
+          <pc:docMk/>
+          <pc:sldMk cId="4076125270" sldId="355"/>
+        </pc:sldMkLst>
+        <pc:spChg chg="mod">
+          <ac:chgData name="게스트 사용자" userId="S::urn:spo:anon#ff82b43eab5ec563bd5b0a8a35785af3bac6fc8402275b76f0fb620b7de56442::" providerId="AD" clId="Web-{49709161-BF0B-8EFF-96E5-113D6B0F60B7}" dt="2019-05-28T23:20:30.292" v="43" actId="20577"/>
+          <ac:spMkLst>
+            <pc:docMk/>
+            <pc:sldMk cId="4076125270" sldId="355"/>
+            <ac:spMk id="16" creationId="{05AE9A36-389A-4810-8862-E24D3AE13D84}"/>
+          </ac:spMkLst>
+        </pc:spChg>
+        <pc:graphicFrameChg chg="mod modGraphic">
+          <ac:chgData name="게스트 사용자" userId="S::urn:spo:anon#ff82b43eab5ec563bd5b0a8a35785af3bac6fc8402275b76f0fb620b7de56442::" providerId="AD" clId="Web-{49709161-BF0B-8EFF-96E5-113D6B0F60B7}" dt="2019-05-28T23:20:48.574" v="52"/>
+          <ac:graphicFrameMkLst>
+            <pc:docMk/>
+            <pc:sldMk cId="4076125270" sldId="355"/>
+            <ac:graphicFrameMk id="4" creationId="{5753D496-02AD-40C9-8F4E-5BEFCFDF4421}"/>
+          </ac:graphicFrameMkLst>
+        </pc:graphicFrameChg>
+      </pc:sldChg>
+      <pc:sldChg chg="addSp delSp modSp">
+        <pc:chgData name="게스트 사용자" userId="S::urn:spo:anon#ff82b43eab5ec563bd5b0a8a35785af3bac6fc8402275b76f0fb620b7de56442::" providerId="AD" clId="Web-{49709161-BF0B-8EFF-96E5-113D6B0F60B7}" dt="2019-05-28T23:19:25.792" v="14" actId="20577"/>
+        <pc:sldMkLst>
+          <pc:docMk/>
+          <pc:sldMk cId="1083959210" sldId="356"/>
+        </pc:sldMkLst>
+        <pc:spChg chg="mod">
+          <ac:chgData name="게스트 사용자" userId="S::urn:spo:anon#ff82b43eab5ec563bd5b0a8a35785af3bac6fc8402275b76f0fb620b7de56442::" providerId="AD" clId="Web-{49709161-BF0B-8EFF-96E5-113D6B0F60B7}" dt="2019-05-28T23:19:25.792" v="14" actId="20577"/>
+          <ac:spMkLst>
+            <pc:docMk/>
+            <pc:sldMk cId="1083959210" sldId="356"/>
+            <ac:spMk id="3" creationId="{00000000-0000-0000-0000-000000000000}"/>
+          </ac:spMkLst>
+        </pc:spChg>
+        <pc:picChg chg="del">
+          <ac:chgData name="게스트 사용자" userId="S::urn:spo:anon#ff82b43eab5ec563bd5b0a8a35785af3bac6fc8402275b76f0fb620b7de56442::" providerId="AD" clId="Web-{49709161-BF0B-8EFF-96E5-113D6B0F60B7}" dt="2019-05-28T23:07:07.284" v="7"/>
+          <ac:picMkLst>
+            <pc:docMk/>
+            <pc:sldMk cId="1083959210" sldId="356"/>
+            <ac:picMk id="4" creationId="{FEFBE8F3-B6F3-4BB9-A8B4-9A08690B0F29}"/>
+          </ac:picMkLst>
+        </pc:picChg>
+        <pc:picChg chg="add mod">
+          <ac:chgData name="게스트 사용자" userId="S::urn:spo:anon#ff82b43eab5ec563bd5b0a8a35785af3bac6fc8402275b76f0fb620b7de56442::" providerId="AD" clId="Web-{49709161-BF0B-8EFF-96E5-113D6B0F60B7}" dt="2019-05-28T23:07:25.581" v="11" actId="1076"/>
+          <ac:picMkLst>
+            <pc:docMk/>
+            <pc:sldMk cId="1083959210" sldId="356"/>
+            <ac:picMk id="5" creationId="{F023A6CE-3E11-4AF9-B1FD-3866677386F1}"/>
+          </ac:picMkLst>
+        </pc:picChg>
+      </pc:sldChg>
+      <pc:sldChg chg="addSp delSp modSp">
+        <pc:chgData name="게스트 사용자" userId="S::urn:spo:anon#ff82b43eab5ec563bd5b0a8a35785af3bac6fc8402275b76f0fb620b7de56442::" providerId="AD" clId="Web-{49709161-BF0B-8EFF-96E5-113D6B0F60B7}" dt="2019-05-28T23:06:55.706" v="4" actId="14100"/>
+        <pc:sldMkLst>
+          <pc:docMk/>
+          <pc:sldMk cId="3220062217" sldId="357"/>
+        </pc:sldMkLst>
+        <pc:picChg chg="add del">
+          <ac:chgData name="게스트 사용자" userId="S::urn:spo:anon#ff82b43eab5ec563bd5b0a8a35785af3bac6fc8402275b76f0fb620b7de56442::" providerId="AD" clId="Web-{49709161-BF0B-8EFF-96E5-113D6B0F60B7}" dt="2019-05-28T23:06:51.269" v="3"/>
+          <ac:picMkLst>
+            <pc:docMk/>
+            <pc:sldMk cId="3220062217" sldId="357"/>
+            <ac:picMk id="5" creationId="{0A0E8F09-589E-4173-8CBB-A1A9EA5D159B}"/>
+          </ac:picMkLst>
+        </pc:picChg>
+        <pc:picChg chg="mod">
+          <ac:chgData name="게스트 사용자" userId="S::urn:spo:anon#ff82b43eab5ec563bd5b0a8a35785af3bac6fc8402275b76f0fb620b7de56442::" providerId="AD" clId="Web-{49709161-BF0B-8EFF-96E5-113D6B0F60B7}" dt="2019-05-28T23:06:55.706" v="4" actId="14100"/>
+          <ac:picMkLst>
+            <pc:docMk/>
+            <pc:sldMk cId="3220062217" sldId="357"/>
+            <ac:picMk id="7" creationId="{68CA6DE7-B7FD-4B21-9F47-D5A6CF3106D0}"/>
           </ac:picMkLst>
         </pc:picChg>
       </pc:sldChg>
@@ -1509,7 +2247,7 @@
           <a:p>
             <a:r>
               <a:rPr lang="ko-KR" altLang="en-US" dirty="0"/>
-              <a:t>중간 보고서</a:t>
+              <a:t>중간 발표</a:t>
             </a:r>
             <a:endParaRPr lang="en-US" altLang="ko-KR" dirty="0"/>
           </a:p>
@@ -1624,9 +2362,45 @@
           <a:chExt cx="0" cy="0"/>
         </a:xfrm>
       </p:grpSpPr>
+      <p:pic>
+        <p:nvPicPr>
+          <p:cNvPr id="4" name="그림 3">
+            <a:extLst>
+              <a:ext uri="{FF2B5EF4-FFF2-40B4-BE49-F238E27FC236}">
+                <a16:creationId xmlns:a16="http://schemas.microsoft.com/office/drawing/2014/main" id="{53BC07B6-0629-49C1-8392-BA555E50ED57}"/>
+              </a:ext>
+            </a:extLst>
+          </p:cNvPr>
+          <p:cNvPicPr>
+            <a:picLocks noChangeAspect="1"/>
+          </p:cNvPicPr>
+          <p:nvPr/>
+        </p:nvPicPr>
+        <p:blipFill>
+          <a:blip r:embed="rId2"/>
+          <a:stretch>
+            <a:fillRect/>
+          </a:stretch>
+        </p:blipFill>
+        <p:spPr>
+          <a:xfrm>
+            <a:off x="597160" y="1045029"/>
+            <a:ext cx="8090226" cy="5239242"/>
+          </a:xfrm>
+          <a:prstGeom prst="rect">
+            <a:avLst/>
+          </a:prstGeom>
+        </p:spPr>
+      </p:pic>
       <p:sp>
         <p:nvSpPr>
-          <p:cNvPr id="2" name="제목 1"/>
+          <p:cNvPr id="5" name="제목 1">
+            <a:extLst>
+              <a:ext uri="{FF2B5EF4-FFF2-40B4-BE49-F238E27FC236}">
+                <a16:creationId xmlns:a16="http://schemas.microsoft.com/office/drawing/2014/main" id="{C8650DD3-1BAA-4F4D-9D9E-06D3D26852FF}"/>
+              </a:ext>
+            </a:extLst>
+          </p:cNvPr>
           <p:cNvSpPr>
             <a:spLocks noGrp="1"/>
           </p:cNvSpPr>
@@ -1634,7 +2408,12 @@
             <p:ph type="title"/>
           </p:nvPr>
         </p:nvSpPr>
-        <p:spPr/>
+        <p:spPr>
+          <a:xfrm>
+            <a:off x="457200" y="274638"/>
+            <a:ext cx="8229600" cy="634082"/>
+          </a:xfrm>
+        </p:spPr>
         <p:txBody>
           <a:bodyPr/>
           <a:lstStyle/>
@@ -1643,134 +2422,7 @@
               <a:rPr lang="ko-KR" altLang="en-US" dirty="0">
                 <a:ea typeface="맑은 고딕"/>
               </a:rPr>
-              <a:t>문제점 및 해결방안</a:t>
-            </a:r>
-          </a:p>
-        </p:txBody>
-      </p:sp>
-      <p:sp>
-        <p:nvSpPr>
-          <p:cNvPr id="3" name="내용 개체 틀 2"/>
-          <p:cNvSpPr>
-            <a:spLocks noGrp="1"/>
-          </p:cNvSpPr>
-          <p:nvPr>
-            <p:ph idx="1"/>
-          </p:nvPr>
-        </p:nvSpPr>
-        <p:spPr/>
-        <p:txBody>
-          <a:bodyPr vert="horz" lIns="91440" tIns="45720" rIns="91440" bIns="45720" rtlCol="0" anchor="t">
-            <a:normAutofit/>
-          </a:bodyPr>
-          <a:lstStyle/>
-          <a:p>
-            <a:r>
-              <a:rPr lang="en-US" altLang="ko-KR" dirty="0">
-                <a:ea typeface="맑은 고딕"/>
-              </a:rPr>
-              <a:t>J-TAG</a:t>
-            </a:r>
-          </a:p>
-          <a:p>
-            <a:pPr lvl="1"/>
-            <a:r>
-              <a:rPr lang="en-US" altLang="ko-KR" dirty="0">
-                <a:ea typeface="맑은 고딕"/>
-              </a:rPr>
-              <a:t>MSP430 </a:t>
-            </a:r>
-            <a:r>
-              <a:rPr lang="ko-KR" altLang="en-US" dirty="0">
-                <a:ea typeface="맑은 고딕"/>
-              </a:rPr>
-              <a:t>전용 </a:t>
-            </a:r>
-            <a:r>
-              <a:rPr lang="en-US" altLang="ko-KR" dirty="0">
-                <a:ea typeface="맑은 고딕"/>
-              </a:rPr>
-              <a:t>J-TAG</a:t>
-            </a:r>
-            <a:r>
-              <a:rPr lang="ko-KR" altLang="en-US" dirty="0">
-                <a:ea typeface="맑은 고딕"/>
-              </a:rPr>
-              <a:t>을 구하지 못하여</a:t>
-            </a:r>
-            <a:r>
-              <a:rPr lang="en-US" altLang="ko-KR" dirty="0">
-                <a:ea typeface="맑은 고딕"/>
-              </a:rPr>
-              <a:t>, </a:t>
-            </a:r>
-            <a:r>
-              <a:rPr lang="ko-KR" altLang="en-US" dirty="0">
-                <a:ea typeface="맑은 고딕"/>
-              </a:rPr>
-              <a:t>칩 기반설계가 </a:t>
-            </a:r>
-            <a:r>
-              <a:rPr lang="ko-KR" altLang="en-US" dirty="0" err="1">
-                <a:ea typeface="맑은 고딕"/>
-              </a:rPr>
-              <a:t>힘들어짐</a:t>
-            </a:r>
-            <a:r>
-              <a:rPr lang="en-US" altLang="ko-KR" dirty="0">
-                <a:ea typeface="맑은 고딕"/>
-              </a:rPr>
-              <a:t>.</a:t>
-            </a:r>
-          </a:p>
-          <a:p>
-            <a:pPr lvl="1"/>
-            <a:endParaRPr lang="en-US" altLang="ko-KR" dirty="0">
-              <a:ea typeface="맑은 고딕"/>
-            </a:endParaRPr>
-          </a:p>
-          <a:p>
-            <a:r>
-              <a:rPr lang="ko-KR" altLang="en-US" dirty="0">
-                <a:ea typeface="맑은 고딕"/>
-              </a:rPr>
-              <a:t>해결방안</a:t>
-            </a:r>
-            <a:endParaRPr lang="en-US" altLang="ko-KR" dirty="0">
-              <a:ea typeface="맑은 고딕"/>
-            </a:endParaRPr>
-          </a:p>
-          <a:p>
-            <a:pPr lvl="1"/>
-            <a:r>
-              <a:rPr lang="ko-KR" altLang="en-US" dirty="0">
-                <a:ea typeface="맑은 고딕"/>
-              </a:rPr>
-              <a:t>런치패드 기반 설계진행</a:t>
-            </a:r>
-            <a:r>
-              <a:rPr lang="en-US" altLang="ko-KR" dirty="0">
-                <a:ea typeface="맑은 고딕"/>
-              </a:rPr>
-              <a:t>.</a:t>
-            </a:r>
-            <a:r>
-              <a:rPr lang="ko-KR" altLang="en-US" dirty="0">
-                <a:ea typeface="맑은 고딕"/>
-              </a:rPr>
-              <a:t> </a:t>
-            </a:r>
-            <a:endParaRPr lang="en-US" altLang="ko-KR" dirty="0">
-              <a:ea typeface="맑은 고딕"/>
-            </a:endParaRPr>
-          </a:p>
-          <a:p>
-            <a:pPr lvl="1"/>
-            <a:r>
-              <a:rPr lang="ko-KR" altLang="en-US" dirty="0">
-                <a:ea typeface="맑은 고딕"/>
-              </a:rPr>
-              <a:t>새로운 회로도 설계</a:t>
+              <a:t>회로도</a:t>
             </a:r>
           </a:p>
         </p:txBody>
@@ -1778,7 +2430,7 @@
     </p:spTree>
     <p:extLst>
       <p:ext uri="{BB962C8B-B14F-4D97-AF65-F5344CB8AC3E}">
-        <p14:creationId xmlns:p14="http://schemas.microsoft.com/office/powerpoint/2010/main" val="2634695652"/>
+        <p14:creationId xmlns:p14="http://schemas.microsoft.com/office/powerpoint/2010/main" val="714278594"/>
       </p:ext>
     </p:extLst>
   </p:cSld>
@@ -1789,6 +2441,831 @@
 </file>
 
 <file path=ppt/slides/slide11.xml><?xml version="1.0" encoding="utf-8"?>
+<p:sld xmlns:a="http://schemas.openxmlformats.org/drawingml/2006/main" xmlns:r="http://schemas.openxmlformats.org/officeDocument/2006/relationships" xmlns:p="http://schemas.openxmlformats.org/presentationml/2006/main">
+  <p:cSld>
+    <p:spTree>
+      <p:nvGrpSpPr>
+        <p:cNvPr id="1" name=""/>
+        <p:cNvGrpSpPr/>
+        <p:nvPr/>
+      </p:nvGrpSpPr>
+      <p:grpSpPr>
+        <a:xfrm>
+          <a:off x="0" y="0"/>
+          <a:ext cx="0" cy="0"/>
+          <a:chOff x="0" y="0"/>
+          <a:chExt cx="0" cy="0"/>
+        </a:xfrm>
+      </p:grpSpPr>
+      <p:sp>
+        <p:nvSpPr>
+          <p:cNvPr id="5" name="제목 1">
+            <a:extLst>
+              <a:ext uri="{FF2B5EF4-FFF2-40B4-BE49-F238E27FC236}">
+                <a16:creationId xmlns:a16="http://schemas.microsoft.com/office/drawing/2014/main" id="{C8650DD3-1BAA-4F4D-9D9E-06D3D26852FF}"/>
+              </a:ext>
+            </a:extLst>
+          </p:cNvPr>
+          <p:cNvSpPr>
+            <a:spLocks noGrp="1"/>
+          </p:cNvSpPr>
+          <p:nvPr>
+            <p:ph type="title"/>
+          </p:nvPr>
+        </p:nvSpPr>
+        <p:spPr>
+          <a:xfrm>
+            <a:off x="457200" y="274638"/>
+            <a:ext cx="8229600" cy="634082"/>
+          </a:xfrm>
+        </p:spPr>
+        <p:txBody>
+          <a:bodyPr/>
+          <a:lstStyle/>
+          <a:p>
+            <a:r>
+              <a:rPr lang="ko-KR" altLang="en-US" dirty="0">
+                <a:ea typeface="맑은 고딕"/>
+              </a:rPr>
+              <a:t>회로도</a:t>
+            </a:r>
+          </a:p>
+        </p:txBody>
+      </p:sp>
+      <p:pic>
+        <p:nvPicPr>
+          <p:cNvPr id="2" name="그림 1">
+            <a:extLst>
+              <a:ext uri="{FF2B5EF4-FFF2-40B4-BE49-F238E27FC236}">
+                <a16:creationId xmlns:a16="http://schemas.microsoft.com/office/drawing/2014/main" id="{187D03C9-6015-44D4-94DC-A9CBBFF70832}"/>
+              </a:ext>
+            </a:extLst>
+          </p:cNvPr>
+          <p:cNvPicPr>
+            <a:picLocks noChangeAspect="1"/>
+          </p:cNvPicPr>
+          <p:nvPr/>
+        </p:nvPicPr>
+        <p:blipFill>
+          <a:blip r:embed="rId2"/>
+          <a:stretch>
+            <a:fillRect/>
+          </a:stretch>
+        </p:blipFill>
+        <p:spPr>
+          <a:xfrm>
+            <a:off x="323945" y="1491604"/>
+            <a:ext cx="3567730" cy="4520549"/>
+          </a:xfrm>
+          <a:prstGeom prst="rect">
+            <a:avLst/>
+          </a:prstGeom>
+        </p:spPr>
+      </p:pic>
+      <p:sp>
+        <p:nvSpPr>
+          <p:cNvPr id="6" name="TextBox 5">
+            <a:extLst>
+              <a:ext uri="{FF2B5EF4-FFF2-40B4-BE49-F238E27FC236}">
+                <a16:creationId xmlns:a16="http://schemas.microsoft.com/office/drawing/2014/main" id="{B32C8F10-EFEA-4482-8299-9B6FE876EA0D}"/>
+              </a:ext>
+            </a:extLst>
+          </p:cNvPr>
+          <p:cNvSpPr txBox="1"/>
+          <p:nvPr/>
+        </p:nvSpPr>
+        <p:spPr>
+          <a:xfrm>
+            <a:off x="3891675" y="4086371"/>
+            <a:ext cx="989045" cy="369332"/>
+          </a:xfrm>
+          <a:prstGeom prst="rect">
+            <a:avLst/>
+          </a:prstGeom>
+          <a:noFill/>
+        </p:spPr>
+        <p:txBody>
+          <a:bodyPr wrap="square" rtlCol="0">
+            <a:spAutoFit/>
+          </a:bodyPr>
+          <a:lstStyle/>
+          <a:p>
+            <a:r>
+              <a:rPr lang="en-US" altLang="ko-KR" dirty="0"/>
+              <a:t>MCU</a:t>
+            </a:r>
+            <a:endParaRPr lang="ko-KR" altLang="en-US" dirty="0"/>
+          </a:p>
+        </p:txBody>
+      </p:sp>
+      <p:sp>
+        <p:nvSpPr>
+          <p:cNvPr id="7" name="TextBox 6">
+            <a:extLst>
+              <a:ext uri="{FF2B5EF4-FFF2-40B4-BE49-F238E27FC236}">
+                <a16:creationId xmlns:a16="http://schemas.microsoft.com/office/drawing/2014/main" id="{BFC7D107-FD6E-427B-B08D-A2E44E3CEF65}"/>
+              </a:ext>
+            </a:extLst>
+          </p:cNvPr>
+          <p:cNvSpPr txBox="1"/>
+          <p:nvPr/>
+        </p:nvSpPr>
+        <p:spPr>
+          <a:xfrm>
+            <a:off x="1118765" y="1173470"/>
+            <a:ext cx="989045" cy="369332"/>
+          </a:xfrm>
+          <a:prstGeom prst="rect">
+            <a:avLst/>
+          </a:prstGeom>
+          <a:noFill/>
+        </p:spPr>
+        <p:txBody>
+          <a:bodyPr wrap="square" rtlCol="0">
+            <a:spAutoFit/>
+          </a:bodyPr>
+          <a:lstStyle/>
+          <a:p>
+            <a:r>
+              <a:rPr lang="en-US" altLang="ko-KR" dirty="0"/>
+              <a:t>+3V</a:t>
+            </a:r>
+            <a:endParaRPr lang="ko-KR" altLang="en-US" dirty="0"/>
+          </a:p>
+        </p:txBody>
+      </p:sp>
+      <p:sp>
+        <p:nvSpPr>
+          <p:cNvPr id="8" name="TextBox 7">
+            <a:extLst>
+              <a:ext uri="{FF2B5EF4-FFF2-40B4-BE49-F238E27FC236}">
+                <a16:creationId xmlns:a16="http://schemas.microsoft.com/office/drawing/2014/main" id="{FAC4FE8C-84B1-4E33-B6AE-8247987992D4}"/>
+              </a:ext>
+            </a:extLst>
+          </p:cNvPr>
+          <p:cNvSpPr txBox="1"/>
+          <p:nvPr/>
+        </p:nvSpPr>
+        <p:spPr>
+          <a:xfrm>
+            <a:off x="457200" y="1175864"/>
+            <a:ext cx="989045" cy="369332"/>
+          </a:xfrm>
+          <a:prstGeom prst="rect">
+            <a:avLst/>
+          </a:prstGeom>
+          <a:noFill/>
+        </p:spPr>
+        <p:txBody>
+          <a:bodyPr wrap="square" rtlCol="0">
+            <a:spAutoFit/>
+          </a:bodyPr>
+          <a:lstStyle/>
+          <a:p>
+            <a:r>
+              <a:rPr lang="en-US" altLang="ko-KR" dirty="0"/>
+              <a:t>GND</a:t>
+            </a:r>
+            <a:endParaRPr lang="ko-KR" altLang="en-US" dirty="0"/>
+          </a:p>
+        </p:txBody>
+      </p:sp>
+      <p:sp>
+        <p:nvSpPr>
+          <p:cNvPr id="10" name="TextBox 9">
+            <a:extLst>
+              <a:ext uri="{FF2B5EF4-FFF2-40B4-BE49-F238E27FC236}">
+                <a16:creationId xmlns:a16="http://schemas.microsoft.com/office/drawing/2014/main" id="{FEFD7543-91B8-4DC1-99A4-8A6320C8AA71}"/>
+              </a:ext>
+            </a:extLst>
+          </p:cNvPr>
+          <p:cNvSpPr txBox="1"/>
+          <p:nvPr/>
+        </p:nvSpPr>
+        <p:spPr>
+          <a:xfrm>
+            <a:off x="8541314" y="3717039"/>
+            <a:ext cx="989045" cy="369332"/>
+          </a:xfrm>
+          <a:prstGeom prst="rect">
+            <a:avLst/>
+          </a:prstGeom>
+          <a:noFill/>
+        </p:spPr>
+        <p:txBody>
+          <a:bodyPr wrap="square" rtlCol="0">
+            <a:spAutoFit/>
+          </a:bodyPr>
+          <a:lstStyle/>
+          <a:p>
+            <a:r>
+              <a:rPr lang="en-US" altLang="ko-KR" dirty="0"/>
+              <a:t>MCU</a:t>
+            </a:r>
+            <a:endParaRPr lang="ko-KR" altLang="en-US" dirty="0"/>
+          </a:p>
+        </p:txBody>
+      </p:sp>
+      <p:pic>
+        <p:nvPicPr>
+          <p:cNvPr id="11" name="그림 10">
+            <a:extLst>
+              <a:ext uri="{FF2B5EF4-FFF2-40B4-BE49-F238E27FC236}">
+                <a16:creationId xmlns:a16="http://schemas.microsoft.com/office/drawing/2014/main" id="{992F69C2-52F2-462C-8CA1-47E1AF5CBF84}"/>
+              </a:ext>
+            </a:extLst>
+          </p:cNvPr>
+          <p:cNvPicPr>
+            <a:picLocks noChangeAspect="1"/>
+          </p:cNvPicPr>
+          <p:nvPr/>
+        </p:nvPicPr>
+        <p:blipFill>
+          <a:blip r:embed="rId3"/>
+          <a:stretch>
+            <a:fillRect/>
+          </a:stretch>
+        </p:blipFill>
+        <p:spPr>
+          <a:xfrm>
+            <a:off x="4572000" y="1173470"/>
+            <a:ext cx="4010025" cy="4838700"/>
+          </a:xfrm>
+          <a:prstGeom prst="rect">
+            <a:avLst/>
+          </a:prstGeom>
+        </p:spPr>
+      </p:pic>
+      <p:sp>
+        <p:nvSpPr>
+          <p:cNvPr id="12" name="TextBox 11">
+            <a:extLst>
+              <a:ext uri="{FF2B5EF4-FFF2-40B4-BE49-F238E27FC236}">
+                <a16:creationId xmlns:a16="http://schemas.microsoft.com/office/drawing/2014/main" id="{D9FACC3B-CDF1-4EE5-BDBB-71D5CCA10618}"/>
+              </a:ext>
+            </a:extLst>
+          </p:cNvPr>
+          <p:cNvSpPr txBox="1"/>
+          <p:nvPr/>
+        </p:nvSpPr>
+        <p:spPr>
+          <a:xfrm>
+            <a:off x="3910435" y="1173470"/>
+            <a:ext cx="989045" cy="369332"/>
+          </a:xfrm>
+          <a:prstGeom prst="rect">
+            <a:avLst/>
+          </a:prstGeom>
+          <a:noFill/>
+        </p:spPr>
+        <p:txBody>
+          <a:bodyPr wrap="square" rtlCol="0">
+            <a:spAutoFit/>
+          </a:bodyPr>
+          <a:lstStyle/>
+          <a:p>
+            <a:r>
+              <a:rPr lang="en-US" altLang="ko-KR" dirty="0"/>
+              <a:t>GND</a:t>
+            </a:r>
+            <a:endParaRPr lang="ko-KR" altLang="en-US" dirty="0"/>
+          </a:p>
+        </p:txBody>
+      </p:sp>
+      <p:sp>
+        <p:nvSpPr>
+          <p:cNvPr id="13" name="TextBox 12">
+            <a:extLst>
+              <a:ext uri="{FF2B5EF4-FFF2-40B4-BE49-F238E27FC236}">
+                <a16:creationId xmlns:a16="http://schemas.microsoft.com/office/drawing/2014/main" id="{BACB5D68-CC46-444E-95E5-1A67F0A9EAC7}"/>
+              </a:ext>
+            </a:extLst>
+          </p:cNvPr>
+          <p:cNvSpPr txBox="1"/>
+          <p:nvPr/>
+        </p:nvSpPr>
+        <p:spPr>
+          <a:xfrm>
+            <a:off x="3910435" y="1962414"/>
+            <a:ext cx="989045" cy="369332"/>
+          </a:xfrm>
+          <a:prstGeom prst="rect">
+            <a:avLst/>
+          </a:prstGeom>
+          <a:noFill/>
+        </p:spPr>
+        <p:txBody>
+          <a:bodyPr wrap="square" rtlCol="0">
+            <a:spAutoFit/>
+          </a:bodyPr>
+          <a:lstStyle/>
+          <a:p>
+            <a:r>
+              <a:rPr lang="en-US" altLang="ko-KR" dirty="0"/>
+              <a:t>+3V</a:t>
+            </a:r>
+            <a:endParaRPr lang="ko-KR" altLang="en-US" dirty="0"/>
+          </a:p>
+        </p:txBody>
+      </p:sp>
+      <p:sp>
+        <p:nvSpPr>
+          <p:cNvPr id="14" name="TextBox 13">
+            <a:extLst>
+              <a:ext uri="{FF2B5EF4-FFF2-40B4-BE49-F238E27FC236}">
+                <a16:creationId xmlns:a16="http://schemas.microsoft.com/office/drawing/2014/main" id="{B3EED353-FEA5-4259-88F3-6A4B2CBDBDE6}"/>
+              </a:ext>
+            </a:extLst>
+          </p:cNvPr>
+          <p:cNvSpPr txBox="1"/>
+          <p:nvPr/>
+        </p:nvSpPr>
+        <p:spPr>
+          <a:xfrm>
+            <a:off x="942395" y="6040589"/>
+            <a:ext cx="989045" cy="369332"/>
+          </a:xfrm>
+          <a:prstGeom prst="rect">
+            <a:avLst/>
+          </a:prstGeom>
+          <a:noFill/>
+        </p:spPr>
+        <p:txBody>
+          <a:bodyPr wrap="square" rtlCol="0">
+            <a:spAutoFit/>
+          </a:bodyPr>
+          <a:lstStyle/>
+          <a:p>
+            <a:r>
+              <a:rPr lang="en-US" altLang="ko-KR" dirty="0"/>
+              <a:t>&lt;LCD&gt;</a:t>
+            </a:r>
+            <a:endParaRPr lang="ko-KR" altLang="en-US" dirty="0"/>
+          </a:p>
+        </p:txBody>
+      </p:sp>
+      <p:sp>
+        <p:nvSpPr>
+          <p:cNvPr id="15" name="TextBox 14">
+            <a:extLst>
+              <a:ext uri="{FF2B5EF4-FFF2-40B4-BE49-F238E27FC236}">
+                <a16:creationId xmlns:a16="http://schemas.microsoft.com/office/drawing/2014/main" id="{8503349F-1BF8-4918-A28F-B0FA7F8F926A}"/>
+              </a:ext>
+            </a:extLst>
+          </p:cNvPr>
+          <p:cNvSpPr txBox="1"/>
+          <p:nvPr/>
+        </p:nvSpPr>
+        <p:spPr>
+          <a:xfrm>
+            <a:off x="5617025" y="6012153"/>
+            <a:ext cx="1343611" cy="369332"/>
+          </a:xfrm>
+          <a:prstGeom prst="rect">
+            <a:avLst/>
+          </a:prstGeom>
+          <a:noFill/>
+        </p:spPr>
+        <p:txBody>
+          <a:bodyPr wrap="square" rtlCol="0">
+            <a:spAutoFit/>
+          </a:bodyPr>
+          <a:lstStyle/>
+          <a:p>
+            <a:r>
+              <a:rPr lang="en-US" altLang="ko-KR" dirty="0"/>
+              <a:t>&lt;Sensor&gt;</a:t>
+            </a:r>
+            <a:endParaRPr lang="ko-KR" altLang="en-US" dirty="0"/>
+          </a:p>
+        </p:txBody>
+      </p:sp>
+    </p:spTree>
+    <p:extLst>
+      <p:ext uri="{BB962C8B-B14F-4D97-AF65-F5344CB8AC3E}">
+        <p14:creationId xmlns:p14="http://schemas.microsoft.com/office/powerpoint/2010/main" val="723081135"/>
+      </p:ext>
+    </p:extLst>
+  </p:cSld>
+  <p:clrMapOvr>
+    <a:masterClrMapping/>
+  </p:clrMapOvr>
+</p:sld>
+</file>
+
+<file path=ppt/slides/slide12.xml><?xml version="1.0" encoding="utf-8"?>
+<p:sld xmlns:a="http://schemas.openxmlformats.org/drawingml/2006/main" xmlns:r="http://schemas.openxmlformats.org/officeDocument/2006/relationships" xmlns:p="http://schemas.openxmlformats.org/presentationml/2006/main">
+  <p:cSld>
+    <p:spTree>
+      <p:nvGrpSpPr>
+        <p:cNvPr id="1" name=""/>
+        <p:cNvGrpSpPr/>
+        <p:nvPr/>
+      </p:nvGrpSpPr>
+      <p:grpSpPr>
+        <a:xfrm>
+          <a:off x="0" y="0"/>
+          <a:ext cx="0" cy="0"/>
+          <a:chOff x="0" y="0"/>
+          <a:chExt cx="0" cy="0"/>
+        </a:xfrm>
+      </p:grpSpPr>
+      <p:sp>
+        <p:nvSpPr>
+          <p:cNvPr id="5" name="제목 1">
+            <a:extLst>
+              <a:ext uri="{FF2B5EF4-FFF2-40B4-BE49-F238E27FC236}">
+                <a16:creationId xmlns:a16="http://schemas.microsoft.com/office/drawing/2014/main" id="{C8650DD3-1BAA-4F4D-9D9E-06D3D26852FF}"/>
+              </a:ext>
+            </a:extLst>
+          </p:cNvPr>
+          <p:cNvSpPr>
+            <a:spLocks noGrp="1"/>
+          </p:cNvSpPr>
+          <p:nvPr>
+            <p:ph type="title"/>
+          </p:nvPr>
+        </p:nvSpPr>
+        <p:spPr>
+          <a:xfrm>
+            <a:off x="457200" y="274638"/>
+            <a:ext cx="8229600" cy="634082"/>
+          </a:xfrm>
+        </p:spPr>
+        <p:txBody>
+          <a:bodyPr/>
+          <a:lstStyle/>
+          <a:p>
+            <a:r>
+              <a:rPr lang="ko-KR" altLang="en-US" dirty="0">
+                <a:ea typeface="맑은 고딕"/>
+              </a:rPr>
+              <a:t>회로도</a:t>
+            </a:r>
+          </a:p>
+        </p:txBody>
+      </p:sp>
+      <p:pic>
+        <p:nvPicPr>
+          <p:cNvPr id="2" name="그림 1">
+            <a:extLst>
+              <a:ext uri="{FF2B5EF4-FFF2-40B4-BE49-F238E27FC236}">
+                <a16:creationId xmlns:a16="http://schemas.microsoft.com/office/drawing/2014/main" id="{30B612F7-06EB-4E32-BBBD-C54795EFC8B4}"/>
+              </a:ext>
+            </a:extLst>
+          </p:cNvPr>
+          <p:cNvPicPr>
+            <a:picLocks noChangeAspect="1"/>
+          </p:cNvPicPr>
+          <p:nvPr/>
+        </p:nvPicPr>
+        <p:blipFill>
+          <a:blip r:embed="rId2"/>
+          <a:stretch>
+            <a:fillRect/>
+          </a:stretch>
+        </p:blipFill>
+        <p:spPr>
+          <a:xfrm>
+            <a:off x="886408" y="1749586"/>
+            <a:ext cx="2731363" cy="3838673"/>
+          </a:xfrm>
+          <a:prstGeom prst="rect">
+            <a:avLst/>
+          </a:prstGeom>
+        </p:spPr>
+      </p:pic>
+      <p:sp>
+        <p:nvSpPr>
+          <p:cNvPr id="4" name="TextBox 3">
+            <a:extLst>
+              <a:ext uri="{FF2B5EF4-FFF2-40B4-BE49-F238E27FC236}">
+                <a16:creationId xmlns:a16="http://schemas.microsoft.com/office/drawing/2014/main" id="{2EB6250D-3B46-4E17-8BA7-EBFE2341F2F1}"/>
+              </a:ext>
+            </a:extLst>
+          </p:cNvPr>
+          <p:cNvSpPr txBox="1"/>
+          <p:nvPr/>
+        </p:nvSpPr>
+        <p:spPr>
+          <a:xfrm>
+            <a:off x="6176866" y="1931435"/>
+            <a:ext cx="989045" cy="369332"/>
+          </a:xfrm>
+          <a:prstGeom prst="rect">
+            <a:avLst/>
+          </a:prstGeom>
+          <a:noFill/>
+        </p:spPr>
+        <p:txBody>
+          <a:bodyPr wrap="square" rtlCol="0">
+            <a:spAutoFit/>
+          </a:bodyPr>
+          <a:lstStyle/>
+          <a:p>
+            <a:r>
+              <a:rPr lang="en-US" altLang="ko-KR" dirty="0"/>
+              <a:t>+3V</a:t>
+            </a:r>
+            <a:endParaRPr lang="ko-KR" altLang="en-US" dirty="0"/>
+          </a:p>
+        </p:txBody>
+      </p:sp>
+      <p:sp>
+        <p:nvSpPr>
+          <p:cNvPr id="6" name="TextBox 5">
+            <a:extLst>
+              <a:ext uri="{FF2B5EF4-FFF2-40B4-BE49-F238E27FC236}">
+                <a16:creationId xmlns:a16="http://schemas.microsoft.com/office/drawing/2014/main" id="{4AD33C6F-B232-4829-990B-73CA8E083D75}"/>
+              </a:ext>
+            </a:extLst>
+          </p:cNvPr>
+          <p:cNvSpPr txBox="1"/>
+          <p:nvPr/>
+        </p:nvSpPr>
+        <p:spPr>
+          <a:xfrm>
+            <a:off x="4318821" y="3563857"/>
+            <a:ext cx="989045" cy="369332"/>
+          </a:xfrm>
+          <a:prstGeom prst="rect">
+            <a:avLst/>
+          </a:prstGeom>
+          <a:noFill/>
+        </p:spPr>
+        <p:txBody>
+          <a:bodyPr wrap="square" rtlCol="0">
+            <a:spAutoFit/>
+          </a:bodyPr>
+          <a:lstStyle/>
+          <a:p>
+            <a:r>
+              <a:rPr lang="en-US" altLang="ko-KR" dirty="0"/>
+              <a:t>MCU</a:t>
+            </a:r>
+            <a:endParaRPr lang="ko-KR" altLang="en-US" dirty="0"/>
+          </a:p>
+        </p:txBody>
+      </p:sp>
+      <p:sp>
+        <p:nvSpPr>
+          <p:cNvPr id="7" name="TextBox 6">
+            <a:extLst>
+              <a:ext uri="{FF2B5EF4-FFF2-40B4-BE49-F238E27FC236}">
+                <a16:creationId xmlns:a16="http://schemas.microsoft.com/office/drawing/2014/main" id="{9D00FC47-5D74-4178-ACDF-72EC5509BC51}"/>
+              </a:ext>
+            </a:extLst>
+          </p:cNvPr>
+          <p:cNvSpPr txBox="1"/>
+          <p:nvPr/>
+        </p:nvSpPr>
+        <p:spPr>
+          <a:xfrm>
+            <a:off x="8075534" y="3563857"/>
+            <a:ext cx="989045" cy="369332"/>
+          </a:xfrm>
+          <a:prstGeom prst="rect">
+            <a:avLst/>
+          </a:prstGeom>
+          <a:noFill/>
+        </p:spPr>
+        <p:txBody>
+          <a:bodyPr wrap="square" rtlCol="0">
+            <a:spAutoFit/>
+          </a:bodyPr>
+          <a:lstStyle/>
+          <a:p>
+            <a:r>
+              <a:rPr lang="en-US" altLang="ko-KR" dirty="0"/>
+              <a:t>GND</a:t>
+            </a:r>
+            <a:endParaRPr lang="ko-KR" altLang="en-US" dirty="0"/>
+          </a:p>
+        </p:txBody>
+      </p:sp>
+      <p:pic>
+        <p:nvPicPr>
+          <p:cNvPr id="8" name="그림 7">
+            <a:extLst>
+              <a:ext uri="{FF2B5EF4-FFF2-40B4-BE49-F238E27FC236}">
+                <a16:creationId xmlns:a16="http://schemas.microsoft.com/office/drawing/2014/main" id="{BFD040FE-8379-437B-834E-3DB52DE0DA8B}"/>
+              </a:ext>
+            </a:extLst>
+          </p:cNvPr>
+          <p:cNvPicPr>
+            <a:picLocks noChangeAspect="1"/>
+          </p:cNvPicPr>
+          <p:nvPr/>
+        </p:nvPicPr>
+        <p:blipFill rotWithShape="1">
+          <a:blip r:embed="rId3"/>
+          <a:srcRect r="23589" b="16734"/>
+          <a:stretch/>
+        </p:blipFill>
+        <p:spPr>
+          <a:xfrm>
+            <a:off x="5026866" y="2373959"/>
+            <a:ext cx="2969467" cy="2323809"/>
+          </a:xfrm>
+          <a:prstGeom prst="rect">
+            <a:avLst/>
+          </a:prstGeom>
+        </p:spPr>
+      </p:pic>
+      <p:sp>
+        <p:nvSpPr>
+          <p:cNvPr id="9" name="TextBox 8">
+            <a:extLst>
+              <a:ext uri="{FF2B5EF4-FFF2-40B4-BE49-F238E27FC236}">
+                <a16:creationId xmlns:a16="http://schemas.microsoft.com/office/drawing/2014/main" id="{BACB1C26-E8F9-4F9B-BD61-13C0712931AD}"/>
+              </a:ext>
+            </a:extLst>
+          </p:cNvPr>
+          <p:cNvSpPr txBox="1"/>
+          <p:nvPr/>
+        </p:nvSpPr>
+        <p:spPr>
+          <a:xfrm>
+            <a:off x="6153430" y="4696312"/>
+            <a:ext cx="989045" cy="369332"/>
+          </a:xfrm>
+          <a:prstGeom prst="rect">
+            <a:avLst/>
+          </a:prstGeom>
+          <a:noFill/>
+        </p:spPr>
+        <p:txBody>
+          <a:bodyPr wrap="square" rtlCol="0">
+            <a:spAutoFit/>
+          </a:bodyPr>
+          <a:lstStyle/>
+          <a:p>
+            <a:r>
+              <a:rPr lang="en-US" altLang="ko-KR" dirty="0"/>
+              <a:t>GND</a:t>
+            </a:r>
+            <a:endParaRPr lang="ko-KR" altLang="en-US" dirty="0"/>
+          </a:p>
+        </p:txBody>
+      </p:sp>
+      <p:sp>
+        <p:nvSpPr>
+          <p:cNvPr id="10" name="TextBox 9">
+            <a:extLst>
+              <a:ext uri="{FF2B5EF4-FFF2-40B4-BE49-F238E27FC236}">
+                <a16:creationId xmlns:a16="http://schemas.microsoft.com/office/drawing/2014/main" id="{12238D80-99DE-458C-9261-4A8DA820E054}"/>
+              </a:ext>
+            </a:extLst>
+          </p:cNvPr>
+          <p:cNvSpPr txBox="1"/>
+          <p:nvPr/>
+        </p:nvSpPr>
+        <p:spPr>
+          <a:xfrm>
+            <a:off x="1875454" y="5594044"/>
+            <a:ext cx="989045" cy="369332"/>
+          </a:xfrm>
+          <a:prstGeom prst="rect">
+            <a:avLst/>
+          </a:prstGeom>
+          <a:noFill/>
+        </p:spPr>
+        <p:txBody>
+          <a:bodyPr wrap="square" rtlCol="0">
+            <a:spAutoFit/>
+          </a:bodyPr>
+          <a:lstStyle/>
+          <a:p>
+            <a:r>
+              <a:rPr lang="en-US" altLang="ko-KR" dirty="0"/>
+              <a:t>GND</a:t>
+            </a:r>
+            <a:endParaRPr lang="ko-KR" altLang="en-US" dirty="0"/>
+          </a:p>
+        </p:txBody>
+      </p:sp>
+      <p:sp>
+        <p:nvSpPr>
+          <p:cNvPr id="11" name="TextBox 10">
+            <a:extLst>
+              <a:ext uri="{FF2B5EF4-FFF2-40B4-BE49-F238E27FC236}">
+                <a16:creationId xmlns:a16="http://schemas.microsoft.com/office/drawing/2014/main" id="{388DA72B-FDCC-4F77-B51B-4A9716CEB527}"/>
+              </a:ext>
+            </a:extLst>
+          </p:cNvPr>
+          <p:cNvSpPr txBox="1"/>
+          <p:nvPr/>
+        </p:nvSpPr>
+        <p:spPr>
+          <a:xfrm>
+            <a:off x="1875454" y="1336369"/>
+            <a:ext cx="989045" cy="369332"/>
+          </a:xfrm>
+          <a:prstGeom prst="rect">
+            <a:avLst/>
+          </a:prstGeom>
+          <a:noFill/>
+        </p:spPr>
+        <p:txBody>
+          <a:bodyPr wrap="square" rtlCol="0">
+            <a:spAutoFit/>
+          </a:bodyPr>
+          <a:lstStyle/>
+          <a:p>
+            <a:r>
+              <a:rPr lang="en-US" altLang="ko-KR" dirty="0"/>
+              <a:t>+3V</a:t>
+            </a:r>
+            <a:endParaRPr lang="ko-KR" altLang="en-US" dirty="0"/>
+          </a:p>
+        </p:txBody>
+      </p:sp>
+      <p:sp>
+        <p:nvSpPr>
+          <p:cNvPr id="12" name="TextBox 11">
+            <a:extLst>
+              <a:ext uri="{FF2B5EF4-FFF2-40B4-BE49-F238E27FC236}">
+                <a16:creationId xmlns:a16="http://schemas.microsoft.com/office/drawing/2014/main" id="{A38D4A9E-8112-4509-87FA-B77ED0B51499}"/>
+              </a:ext>
+            </a:extLst>
+          </p:cNvPr>
+          <p:cNvSpPr txBox="1"/>
+          <p:nvPr/>
+        </p:nvSpPr>
+        <p:spPr>
+          <a:xfrm>
+            <a:off x="1586656" y="5927169"/>
+            <a:ext cx="1349528" cy="369332"/>
+          </a:xfrm>
+          <a:prstGeom prst="rect">
+            <a:avLst/>
+          </a:prstGeom>
+          <a:noFill/>
+        </p:spPr>
+        <p:txBody>
+          <a:bodyPr wrap="square" rtlCol="0">
+            <a:spAutoFit/>
+          </a:bodyPr>
+          <a:lstStyle/>
+          <a:p>
+            <a:r>
+              <a:rPr lang="en-US" altLang="ko-KR" dirty="0"/>
+              <a:t>&lt;Buzzer&gt;</a:t>
+            </a:r>
+            <a:endParaRPr lang="ko-KR" altLang="en-US" dirty="0"/>
+          </a:p>
+        </p:txBody>
+      </p:sp>
+      <p:sp>
+        <p:nvSpPr>
+          <p:cNvPr id="13" name="TextBox 12">
+            <a:extLst>
+              <a:ext uri="{FF2B5EF4-FFF2-40B4-BE49-F238E27FC236}">
+                <a16:creationId xmlns:a16="http://schemas.microsoft.com/office/drawing/2014/main" id="{1699F42D-83F9-4D77-A93F-1DA49C57FF33}"/>
+              </a:ext>
+            </a:extLst>
+          </p:cNvPr>
+          <p:cNvSpPr txBox="1"/>
+          <p:nvPr/>
+        </p:nvSpPr>
+        <p:spPr>
+          <a:xfrm>
+            <a:off x="5883490" y="5084306"/>
+            <a:ext cx="1349528" cy="369332"/>
+          </a:xfrm>
+          <a:prstGeom prst="rect">
+            <a:avLst/>
+          </a:prstGeom>
+          <a:noFill/>
+        </p:spPr>
+        <p:txBody>
+          <a:bodyPr wrap="square" rtlCol="0">
+            <a:spAutoFit/>
+          </a:bodyPr>
+          <a:lstStyle/>
+          <a:p>
+            <a:r>
+              <a:rPr lang="en-US" altLang="ko-KR" dirty="0"/>
+              <a:t>&lt;Switch&gt;</a:t>
+            </a:r>
+            <a:endParaRPr lang="ko-KR" altLang="en-US" dirty="0"/>
+          </a:p>
+        </p:txBody>
+      </p:sp>
+    </p:spTree>
+    <p:extLst>
+      <p:ext uri="{BB962C8B-B14F-4D97-AF65-F5344CB8AC3E}">
+        <p14:creationId xmlns:p14="http://schemas.microsoft.com/office/powerpoint/2010/main" val="2153266694"/>
+      </p:ext>
+    </p:extLst>
+  </p:cSld>
+  <p:clrMapOvr>
+    <a:masterClrMapping/>
+  </p:clrMapOvr>
+</p:sld>
+</file>
+
+<file path=ppt/slides/slide13.xml><?xml version="1.0" encoding="utf-8"?>
 <p:sld xmlns:a="http://schemas.openxmlformats.org/drawingml/2006/main" xmlns:r="http://schemas.openxmlformats.org/officeDocument/2006/relationships" xmlns:p="http://schemas.openxmlformats.org/presentationml/2006/main">
   <p:cSld>
     <p:spTree>
@@ -1824,7 +3301,326 @@
               <a:rPr lang="ko-KR" altLang="en-US" dirty="0">
                 <a:ea typeface="맑은 고딕"/>
               </a:rPr>
-              <a:t>향후 진행 계획</a:t>
+              <a:t>문제점 및 해결방안</a:t>
+            </a:r>
+          </a:p>
+        </p:txBody>
+      </p:sp>
+      <p:sp>
+        <p:nvSpPr>
+          <p:cNvPr id="3" name="내용 개체 틀 2"/>
+          <p:cNvSpPr>
+            <a:spLocks noGrp="1"/>
+          </p:cNvSpPr>
+          <p:nvPr>
+            <p:ph idx="1"/>
+          </p:nvPr>
+        </p:nvSpPr>
+        <p:spPr>
+          <a:xfrm>
+            <a:off x="457200" y="1124744"/>
+            <a:ext cx="8229600" cy="5134634"/>
+          </a:xfrm>
+        </p:spPr>
+        <p:txBody>
+          <a:bodyPr vert="horz" lIns="91440" tIns="45720" rIns="91440" bIns="45720" rtlCol="0" anchor="t">
+            <a:normAutofit/>
+          </a:bodyPr>
+          <a:lstStyle/>
+          <a:p>
+            <a:r>
+              <a:rPr lang="ko-KR" altLang="en-US" dirty="0">
+                <a:ea typeface="맑은 고딕"/>
+              </a:rPr>
+              <a:t>압력센서</a:t>
+            </a:r>
+            <a:endParaRPr lang="en-US" altLang="ko-KR" dirty="0">
+              <a:ea typeface="맑은 고딕"/>
+            </a:endParaRPr>
+          </a:p>
+          <a:p>
+            <a:pPr lvl="1"/>
+            <a:r>
+              <a:rPr lang="ko-KR" altLang="en-US" dirty="0">
+                <a:ea typeface="맑은 고딕"/>
+              </a:rPr>
+              <a:t>크기가 너무 작아 손뗌 작업이 어려움</a:t>
+            </a:r>
+            <a:r>
+              <a:rPr lang="en-US" altLang="ko-KR" dirty="0">
+                <a:ea typeface="맑은 고딕"/>
+              </a:rPr>
+              <a:t>.</a:t>
+            </a:r>
+          </a:p>
+          <a:p>
+            <a:pPr marL="457200" lvl="1" indent="0">
+              <a:buNone/>
+            </a:pPr>
+            <a:r>
+              <a:rPr lang="en-US" altLang="ko-KR" dirty="0">
+                <a:ea typeface="맑은 고딕"/>
+              </a:rPr>
+              <a:t>(</a:t>
+            </a:r>
+            <a:r>
+              <a:rPr lang="ko-KR" altLang="en-US" dirty="0">
+                <a:ea typeface="맑은 고딕"/>
+              </a:rPr>
+              <a:t>규격 </a:t>
+            </a:r>
+            <a:r>
+              <a:rPr lang="en-US" altLang="ko-KR" dirty="0">
+                <a:ea typeface="맑은 고딕"/>
+              </a:rPr>
+              <a:t>: 6.4 x 6.2mm, </a:t>
+            </a:r>
+            <a:r>
+              <a:rPr lang="ko-KR" altLang="en-US" dirty="0">
+                <a:ea typeface="맑은 고딕"/>
+              </a:rPr>
+              <a:t>핀 두께 </a:t>
+            </a:r>
+            <a:r>
+              <a:rPr lang="en-US" altLang="ko-KR" dirty="0">
+                <a:ea typeface="맑은 고딕"/>
+              </a:rPr>
+              <a:t>: 0.7mm,</a:t>
+            </a:r>
+            <a:r>
+              <a:rPr lang="ko-KR" altLang="en-US" dirty="0">
+                <a:ea typeface="맑은 고딕"/>
+              </a:rPr>
+              <a:t> 피치 </a:t>
+            </a:r>
+            <a:r>
+              <a:rPr lang="en-US" altLang="ko-KR" dirty="0">
+                <a:ea typeface="맑은 고딕"/>
+              </a:rPr>
+              <a:t>:</a:t>
+            </a:r>
+            <a:r>
+              <a:rPr lang="ko-KR" altLang="en-US" dirty="0">
+                <a:ea typeface="맑은 고딕"/>
+              </a:rPr>
+              <a:t> </a:t>
+            </a:r>
+            <a:r>
+              <a:rPr lang="en-US" altLang="ko-KR" dirty="0">
+                <a:ea typeface="맑은 고딕"/>
+              </a:rPr>
+              <a:t>1.25mm)</a:t>
+            </a:r>
+          </a:p>
+        </p:txBody>
+      </p:sp>
+      <p:pic>
+        <p:nvPicPr>
+          <p:cNvPr id="5" name="그림 4">
+            <a:extLst>
+              <a:ext uri="{FF2B5EF4-FFF2-40B4-BE49-F238E27FC236}">
+                <a16:creationId xmlns:a16="http://schemas.microsoft.com/office/drawing/2014/main" id="{A33539AA-60B9-4C80-B017-B9F5CEB64EBC}"/>
+              </a:ext>
+            </a:extLst>
+          </p:cNvPr>
+          <p:cNvPicPr>
+            <a:picLocks noChangeAspect="1"/>
+          </p:cNvPicPr>
+          <p:nvPr/>
+        </p:nvPicPr>
+        <p:blipFill>
+          <a:blip r:embed="rId2"/>
+          <a:stretch>
+            <a:fillRect/>
+          </a:stretch>
+        </p:blipFill>
+        <p:spPr>
+          <a:xfrm>
+            <a:off x="2698101" y="2576231"/>
+            <a:ext cx="3747797" cy="4007131"/>
+          </a:xfrm>
+          <a:prstGeom prst="rect">
+            <a:avLst/>
+          </a:prstGeom>
+        </p:spPr>
+      </p:pic>
+    </p:spTree>
+    <p:extLst>
+      <p:ext uri="{BB962C8B-B14F-4D97-AF65-F5344CB8AC3E}">
+        <p14:creationId xmlns:p14="http://schemas.microsoft.com/office/powerpoint/2010/main" val="688106783"/>
+      </p:ext>
+    </p:extLst>
+  </p:cSld>
+  <p:clrMapOvr>
+    <a:masterClrMapping/>
+  </p:clrMapOvr>
+</p:sld>
+</file>
+
+<file path=ppt/slides/slide14.xml><?xml version="1.0" encoding="utf-8"?>
+<p:sld xmlns:a="http://schemas.openxmlformats.org/drawingml/2006/main" xmlns:r="http://schemas.openxmlformats.org/officeDocument/2006/relationships" xmlns:p="http://schemas.openxmlformats.org/presentationml/2006/main">
+  <p:cSld>
+    <p:spTree>
+      <p:nvGrpSpPr>
+        <p:cNvPr id="1" name=""/>
+        <p:cNvGrpSpPr/>
+        <p:nvPr/>
+      </p:nvGrpSpPr>
+      <p:grpSpPr>
+        <a:xfrm>
+          <a:off x="0" y="0"/>
+          <a:ext cx="0" cy="0"/>
+          <a:chOff x="0" y="0"/>
+          <a:chExt cx="0" cy="0"/>
+        </a:xfrm>
+      </p:grpSpPr>
+      <p:sp>
+        <p:nvSpPr>
+          <p:cNvPr id="2" name="제목 1"/>
+          <p:cNvSpPr>
+            <a:spLocks noGrp="1"/>
+          </p:cNvSpPr>
+          <p:nvPr>
+            <p:ph type="title"/>
+          </p:nvPr>
+        </p:nvSpPr>
+        <p:spPr/>
+        <p:txBody>
+          <a:bodyPr/>
+          <a:lstStyle/>
+          <a:p>
+            <a:r>
+              <a:rPr lang="ko-KR" altLang="en-US" dirty="0">
+                <a:ea typeface="맑은 고딕"/>
+              </a:rPr>
+              <a:t>문제점 및 해결방안</a:t>
+            </a:r>
+          </a:p>
+        </p:txBody>
+      </p:sp>
+      <p:sp>
+        <p:nvSpPr>
+          <p:cNvPr id="3" name="내용 개체 틀 2"/>
+          <p:cNvSpPr>
+            <a:spLocks noGrp="1"/>
+          </p:cNvSpPr>
+          <p:nvPr>
+            <p:ph idx="1"/>
+          </p:nvPr>
+        </p:nvSpPr>
+        <p:spPr>
+          <a:xfrm>
+            <a:off x="457200" y="1124744"/>
+            <a:ext cx="8229600" cy="5134634"/>
+          </a:xfrm>
+        </p:spPr>
+        <p:txBody>
+          <a:bodyPr vert="horz" lIns="91440" tIns="45720" rIns="91440" bIns="45720" rtlCol="0" anchor="t">
+            <a:normAutofit/>
+          </a:bodyPr>
+          <a:lstStyle/>
+          <a:p>
+            <a:r>
+              <a:rPr lang="ko-KR" altLang="en-US" dirty="0">
+                <a:ea typeface="맑은 고딕"/>
+              </a:rPr>
+              <a:t>해결방안</a:t>
+            </a:r>
+            <a:endParaRPr lang="en-US" altLang="ko-KR" dirty="0">
+              <a:ea typeface="맑은 고딕"/>
+            </a:endParaRPr>
+          </a:p>
+          <a:p>
+            <a:pPr lvl="1"/>
+            <a:r>
+              <a:rPr lang="ko-KR" altLang="en-US" dirty="0">
+                <a:ea typeface="맑은 고딕"/>
+              </a:rPr>
+              <a:t>변환기판 주문 및 다른 부분 먼저 진행 </a:t>
+            </a:r>
+          </a:p>
+        </p:txBody>
+      </p:sp>
+      <p:pic>
+        <p:nvPicPr>
+          <p:cNvPr id="4" name="그림 3">
+            <a:extLst>
+              <a:ext uri="{FF2B5EF4-FFF2-40B4-BE49-F238E27FC236}">
+                <a16:creationId xmlns:a16="http://schemas.microsoft.com/office/drawing/2014/main" id="{1651CF95-76A6-4104-8D72-ACD0D1C8F635}"/>
+              </a:ext>
+            </a:extLst>
+          </p:cNvPr>
+          <p:cNvPicPr>
+            <a:picLocks noChangeAspect="1"/>
+          </p:cNvPicPr>
+          <p:nvPr/>
+        </p:nvPicPr>
+        <p:blipFill>
+          <a:blip r:embed="rId2"/>
+          <a:stretch>
+            <a:fillRect/>
+          </a:stretch>
+        </p:blipFill>
+        <p:spPr>
+          <a:xfrm>
+            <a:off x="2020271" y="2577984"/>
+            <a:ext cx="4389858" cy="3256662"/>
+          </a:xfrm>
+          <a:prstGeom prst="rect">
+            <a:avLst/>
+          </a:prstGeom>
+        </p:spPr>
+      </p:pic>
+    </p:spTree>
+    <p:extLst>
+      <p:ext uri="{BB962C8B-B14F-4D97-AF65-F5344CB8AC3E}">
+        <p14:creationId xmlns:p14="http://schemas.microsoft.com/office/powerpoint/2010/main" val="3585372882"/>
+      </p:ext>
+    </p:extLst>
+  </p:cSld>
+  <p:clrMapOvr>
+    <a:masterClrMapping/>
+  </p:clrMapOvr>
+</p:sld>
+</file>
+
+<file path=ppt/slides/slide15.xml><?xml version="1.0" encoding="utf-8"?>
+<p:sld xmlns:a="http://schemas.openxmlformats.org/drawingml/2006/main" xmlns:r="http://schemas.openxmlformats.org/officeDocument/2006/relationships" xmlns:p="http://schemas.openxmlformats.org/presentationml/2006/main">
+  <p:cSld>
+    <p:spTree>
+      <p:nvGrpSpPr>
+        <p:cNvPr id="1" name=""/>
+        <p:cNvGrpSpPr/>
+        <p:nvPr/>
+      </p:nvGrpSpPr>
+      <p:grpSpPr>
+        <a:xfrm>
+          <a:off x="0" y="0"/>
+          <a:ext cx="0" cy="0"/>
+          <a:chOff x="0" y="0"/>
+          <a:chExt cx="0" cy="0"/>
+        </a:xfrm>
+      </p:grpSpPr>
+      <p:sp>
+        <p:nvSpPr>
+          <p:cNvPr id="2" name="제목 1"/>
+          <p:cNvSpPr>
+            <a:spLocks noGrp="1"/>
+          </p:cNvSpPr>
+          <p:nvPr>
+            <p:ph type="title"/>
+          </p:nvPr>
+        </p:nvSpPr>
+        <p:spPr/>
+        <p:txBody>
+          <a:bodyPr/>
+          <a:lstStyle/>
+          <a:p>
+            <a:r>
+              <a:rPr lang="ko-KR" altLang="en-US" dirty="0">
+                <a:ea typeface="맑은 고딕"/>
+              </a:rPr>
+              <a:t>문제점 및 해결방안</a:t>
             </a:r>
           </a:p>
         </p:txBody>
@@ -1846,10 +3642,295 @@
           </a:bodyPr>
           <a:lstStyle/>
           <a:p>
-            <a:pPr marL="0" indent="0">
+            <a:r>
+              <a:rPr lang="en-US" altLang="ko-KR" dirty="0">
+                <a:ea typeface="맑은 고딕"/>
+              </a:rPr>
+              <a:t>J-TAG</a:t>
+            </a:r>
+          </a:p>
+          <a:p>
+            <a:pPr lvl="1"/>
+            <a:r>
+              <a:rPr lang="en-US" altLang="ko-KR" dirty="0">
+                <a:ea typeface="맑은 고딕"/>
+              </a:rPr>
+              <a:t>MSP430 </a:t>
+            </a:r>
+            <a:r>
+              <a:rPr lang="ko-KR" altLang="en-US" dirty="0">
+                <a:ea typeface="맑은 고딕"/>
+              </a:rPr>
+              <a:t>전용 </a:t>
+            </a:r>
+            <a:r>
+              <a:rPr lang="en-US" altLang="ko-KR" dirty="0">
+                <a:ea typeface="맑은 고딕"/>
+              </a:rPr>
+              <a:t>J-TAG</a:t>
+            </a:r>
+            <a:r>
+              <a:rPr lang="ko-KR" altLang="en-US" dirty="0">
+                <a:ea typeface="맑은 고딕"/>
+              </a:rPr>
+              <a:t>을 구하지 못하여</a:t>
+            </a:r>
+            <a:r>
+              <a:rPr lang="en-US" altLang="ko-KR" dirty="0">
+                <a:ea typeface="맑은 고딕"/>
+              </a:rPr>
+              <a:t>, </a:t>
+            </a:r>
+            <a:r>
+              <a:rPr lang="ko-KR" altLang="en-US" dirty="0">
+                <a:ea typeface="맑은 고딕"/>
+              </a:rPr>
+              <a:t>칩 기반설계가 </a:t>
+            </a:r>
+            <a:r>
+              <a:rPr lang="ko-KR" altLang="en-US" dirty="0" err="1">
+                <a:ea typeface="맑은 고딕"/>
+              </a:rPr>
+              <a:t>힘들어짐</a:t>
+            </a:r>
+            <a:r>
+              <a:rPr lang="en-US" altLang="ko-KR" dirty="0">
+                <a:ea typeface="맑은 고딕"/>
+              </a:rPr>
+              <a:t>.</a:t>
+            </a:r>
+          </a:p>
+          <a:p>
+            <a:pPr lvl="1"/>
+            <a:endParaRPr lang="en-US" altLang="ko-KR" dirty="0">
+              <a:ea typeface="맑은 고딕"/>
+            </a:endParaRPr>
+          </a:p>
+          <a:p>
+            <a:r>
+              <a:rPr lang="ko-KR" altLang="en-US" dirty="0">
+                <a:ea typeface="맑은 고딕"/>
+              </a:rPr>
+              <a:t>해결방안</a:t>
+            </a:r>
+            <a:endParaRPr lang="en-US" altLang="ko-KR" dirty="0">
+              <a:ea typeface="맑은 고딕"/>
+            </a:endParaRPr>
+          </a:p>
+          <a:p>
+            <a:pPr lvl="1"/>
+            <a:r>
+              <a:rPr lang="ko-KR" altLang="en-US" dirty="0">
+                <a:ea typeface="맑은 고딕"/>
+              </a:rPr>
+              <a:t>런치패드 기반 설계진행</a:t>
+            </a:r>
+            <a:r>
+              <a:rPr lang="en-US" altLang="ko-KR" dirty="0">
+                <a:ea typeface="맑은 고딕"/>
+              </a:rPr>
+              <a:t>.</a:t>
+            </a:r>
+            <a:r>
+              <a:rPr lang="ko-KR" altLang="en-US" dirty="0">
+                <a:ea typeface="맑은 고딕"/>
+              </a:rPr>
+              <a:t> </a:t>
+            </a:r>
+            <a:endParaRPr lang="en-US" altLang="ko-KR" dirty="0">
+              <a:ea typeface="맑은 고딕"/>
+            </a:endParaRPr>
+          </a:p>
+          <a:p>
+            <a:pPr lvl="1"/>
+            <a:r>
+              <a:rPr lang="ko-KR" altLang="en-US" dirty="0">
+                <a:ea typeface="맑은 고딕"/>
+              </a:rPr>
+              <a:t>새로운 회로도 설계</a:t>
+            </a:r>
+          </a:p>
+        </p:txBody>
+      </p:sp>
+    </p:spTree>
+    <p:extLst>
+      <p:ext uri="{BB962C8B-B14F-4D97-AF65-F5344CB8AC3E}">
+        <p14:creationId xmlns:p14="http://schemas.microsoft.com/office/powerpoint/2010/main" val="2634695652"/>
+      </p:ext>
+    </p:extLst>
+  </p:cSld>
+  <p:clrMapOvr>
+    <a:masterClrMapping/>
+  </p:clrMapOvr>
+</p:sld>
+</file>
+
+<file path=ppt/slides/slide16.xml><?xml version="1.0" encoding="utf-8"?>
+<p:sld xmlns:a="http://schemas.openxmlformats.org/drawingml/2006/main" xmlns:r="http://schemas.openxmlformats.org/officeDocument/2006/relationships" xmlns:p="http://schemas.openxmlformats.org/presentationml/2006/main">
+  <p:cSld>
+    <p:spTree>
+      <p:nvGrpSpPr>
+        <p:cNvPr id="1" name=""/>
+        <p:cNvGrpSpPr/>
+        <p:nvPr/>
+      </p:nvGrpSpPr>
+      <p:grpSpPr>
+        <a:xfrm>
+          <a:off x="0" y="0"/>
+          <a:ext cx="0" cy="0"/>
+          <a:chOff x="0" y="0"/>
+          <a:chExt cx="0" cy="0"/>
+        </a:xfrm>
+      </p:grpSpPr>
+      <p:sp>
+        <p:nvSpPr>
+          <p:cNvPr id="2" name="제목 1"/>
+          <p:cNvSpPr>
+            <a:spLocks noGrp="1"/>
+          </p:cNvSpPr>
+          <p:nvPr>
+            <p:ph type="title"/>
+          </p:nvPr>
+        </p:nvSpPr>
+        <p:spPr/>
+        <p:txBody>
+          <a:bodyPr/>
+          <a:lstStyle/>
+          <a:p>
+            <a:r>
+              <a:rPr lang="ko-KR" altLang="en-US" dirty="0">
+                <a:ea typeface="맑은 고딕"/>
+              </a:rPr>
+              <a:t>향후 진행 계획</a:t>
+            </a:r>
+          </a:p>
+        </p:txBody>
+      </p:sp>
+      <p:sp>
+        <p:nvSpPr>
+          <p:cNvPr id="3" name="내용 개체 틀 2"/>
+          <p:cNvSpPr>
+            <a:spLocks noGrp="1"/>
+          </p:cNvSpPr>
+          <p:nvPr>
+            <p:ph idx="1"/>
+          </p:nvPr>
+        </p:nvSpPr>
+        <p:spPr/>
+        <p:txBody>
+          <a:bodyPr vert="horz" lIns="91440" tIns="45720" rIns="91440" bIns="45720" rtlCol="0" anchor="t">
+            <a:normAutofit/>
+          </a:bodyPr>
+          <a:lstStyle/>
+          <a:p>
+            <a:pPr>
+              <a:buFont typeface="Arial"/>
+              <a:buChar char="•"/>
+            </a:pPr>
+            <a:r>
+              <a:rPr lang="ko-KR" altLang="en-US" dirty="0">
+                <a:latin typeface="Malgun Gothic"/>
+                <a:ea typeface="Malgun Gothic"/>
+                <a:cs typeface="+mn-lt"/>
+              </a:rPr>
+              <a:t>압력센서 테스트</a:t>
+            </a:r>
+            <a:endParaRPr lang="en-US" dirty="0">
+              <a:ea typeface="+mn-lt"/>
+              <a:cs typeface="+mn-lt"/>
+            </a:endParaRPr>
+          </a:p>
+          <a:p>
+            <a:pPr lvl="1"/>
+            <a:r>
+              <a:rPr lang="en-US" altLang="ko-KR" dirty="0">
+                <a:latin typeface="Malgun Gothic"/>
+                <a:ea typeface="+mn-lt"/>
+                <a:cs typeface="+mn-lt"/>
+              </a:rPr>
+              <a:t>I2C </a:t>
+            </a:r>
+            <a:r>
+              <a:rPr lang="en-US" altLang="ko-KR" dirty="0" err="1">
+                <a:latin typeface="Malgun Gothic"/>
+                <a:ea typeface="+mn-lt"/>
+                <a:cs typeface="+mn-lt"/>
+              </a:rPr>
+              <a:t>통신</a:t>
+            </a:r>
+            <a:endParaRPr lang="en-US" altLang="ko-KR" dirty="0">
+              <a:latin typeface="Malgun Gothic"/>
+              <a:ea typeface="+mn-lt"/>
+              <a:cs typeface="+mn-lt"/>
+            </a:endParaRPr>
+          </a:p>
+          <a:p>
+            <a:pPr lvl="1" indent="0">
               <a:buNone/>
             </a:pPr>
-            <a:endParaRPr lang="ko-KR" altLang="en-US" dirty="0"/>
+            <a:endParaRPr lang="en-US" altLang="ko-KR" dirty="0">
+              <a:ea typeface="+mn-lt"/>
+              <a:cs typeface="+mn-lt"/>
+            </a:endParaRPr>
+          </a:p>
+          <a:p>
+            <a:pPr>
+              <a:buFont typeface="Arial"/>
+              <a:buChar char="•"/>
+            </a:pPr>
+            <a:r>
+              <a:rPr lang="ko-KR" altLang="en-US">
+                <a:latin typeface="Malgun Gothic"/>
+                <a:ea typeface="Malgun Gothic"/>
+                <a:cs typeface="+mn-lt"/>
+              </a:rPr>
+              <a:t>시계 기능</a:t>
+            </a:r>
+            <a:endParaRPr lang="ko-KR" altLang="en-US" dirty="0">
+              <a:latin typeface="Malgun Gothic"/>
+              <a:ea typeface="Malgun Gothic"/>
+              <a:cs typeface="+mn-lt"/>
+            </a:endParaRPr>
+          </a:p>
+          <a:p>
+            <a:pPr>
+              <a:buFont typeface="Arial"/>
+              <a:buChar char="•"/>
+            </a:pPr>
+            <a:endParaRPr lang="ko-KR" altLang="en-US" dirty="0">
+              <a:latin typeface="Malgun Gothic"/>
+              <a:ea typeface="Malgun Gothic"/>
+            </a:endParaRPr>
+          </a:p>
+          <a:p>
+            <a:pPr>
+              <a:buFont typeface="Arial"/>
+              <a:buChar char="•"/>
+            </a:pPr>
+            <a:r>
+              <a:rPr lang="ko-KR" altLang="en-US" dirty="0">
+                <a:latin typeface="Malgun Gothic"/>
+                <a:ea typeface="Malgun Gothic"/>
+              </a:rPr>
+              <a:t>실시간 압력, 온도 값 출력</a:t>
+            </a:r>
+          </a:p>
+          <a:p>
+            <a:pPr>
+              <a:buFont typeface="Arial"/>
+              <a:buChar char="•"/>
+            </a:pPr>
+            <a:endParaRPr lang="en-US" altLang="ko-KR" dirty="0"/>
+          </a:p>
+          <a:p>
+            <a:pPr>
+              <a:buFont typeface="Arial"/>
+              <a:buChar char="•"/>
+            </a:pPr>
+            <a:r>
+              <a:rPr lang="ko-KR" altLang="en-US" dirty="0"/>
+              <a:t>방수 처리</a:t>
+            </a:r>
           </a:p>
         </p:txBody>
       </p:sp>
@@ -1904,7 +3985,6 @@
           <a:bodyPr/>
           <a:lstStyle/>
           <a:p>
-            <a:pPr algn="l"/>
             <a:r>
               <a:rPr lang="ko-KR" altLang="en-US" dirty="0"/>
               <a:t>목차</a:t>
@@ -1938,6 +4018,9 @@
           <a:bodyPr/>
           <a:lstStyle/>
           <a:p>
+            <a:endParaRPr lang="en-US" altLang="ko-KR" dirty="0"/>
+          </a:p>
+          <a:p>
             <a:r>
               <a:rPr lang="ko-KR" altLang="en-US" dirty="0"/>
               <a:t>진행내용</a:t>
@@ -1945,6 +4028,9 @@
             <a:endParaRPr lang="en-US" altLang="ko-KR" dirty="0"/>
           </a:p>
           <a:p>
+            <a:endParaRPr lang="en-US" altLang="ko-KR" dirty="0"/>
+          </a:p>
+          <a:p>
             <a:r>
               <a:rPr lang="ko-KR" altLang="en-US" dirty="0"/>
               <a:t>문제점 및 해결 방안</a:t>
@@ -1952,10 +4038,16 @@
             <a:endParaRPr lang="en-US" altLang="ko-KR" dirty="0"/>
           </a:p>
           <a:p>
+            <a:endParaRPr lang="en-US" altLang="ko-KR" dirty="0"/>
+          </a:p>
+          <a:p>
             <a:r>
               <a:rPr lang="ko-KR" altLang="en-US" dirty="0"/>
               <a:t>향후 진행 계획</a:t>
             </a:r>
+            <a:endParaRPr lang="en-US" altLang="ko-KR" dirty="0"/>
+          </a:p>
+          <a:p>
             <a:endParaRPr lang="en-US" altLang="ko-KR" dirty="0"/>
           </a:p>
           <a:p>
@@ -2051,57 +4143,58 @@
               <a:rPr lang="ko-KR" altLang="en-US" dirty="0">
                 <a:ea typeface="맑은 고딕"/>
               </a:rPr>
-              <a:t> 출력 </a:t>
+              <a:t> 출력</a:t>
+            </a:r>
+            <a:r>
+              <a:rPr lang="ko-KR" altLang="en-US">
+                <a:ea typeface="맑은 고딕"/>
+              </a:rPr>
+              <a:t> </a:t>
             </a:r>
             <a:endParaRPr lang="en-US" altLang="ko-KR" dirty="0">
               <a:ea typeface="맑은 고딕"/>
             </a:endParaRPr>
           </a:p>
           <a:p>
+            <a:pPr marL="742950" indent="-285750">
+              <a:buChar char="–"/>
+            </a:pPr>
+            <a:r>
+              <a:rPr lang="ko-KR" sz="2400">
+                <a:ea typeface="+mn-lt"/>
+                <a:cs typeface="+mn-lt"/>
+              </a:rPr>
+              <a:t>다이빙 로그 정보 출력</a:t>
+            </a:r>
+            <a:endParaRPr lang="en-US" altLang="ko-KR" sz="2400">
+              <a:ea typeface="+mn-lt"/>
+              <a:cs typeface="+mn-lt"/>
+            </a:endParaRPr>
+          </a:p>
+          <a:p>
             <a:pPr lvl="1"/>
             <a:r>
-              <a:rPr lang="en-US" altLang="ko-KR" dirty="0">
-                <a:ea typeface="맑은 고딕"/>
-              </a:rPr>
-              <a:t>I2C </a:t>
-            </a:r>
-            <a:r>
-              <a:rPr lang="ko-KR" altLang="en-US" dirty="0">
-                <a:ea typeface="맑은 고딕"/>
-              </a:rPr>
-              <a:t>통신</a:t>
-            </a:r>
-            <a:endParaRPr lang="en-US" altLang="ko-KR" dirty="0">
-              <a:ea typeface="맑은 고딕"/>
+              <a:rPr lang="en-US" altLang="ko-KR">
+                <a:ea typeface="+mn-lt"/>
+                <a:cs typeface="+mn-lt"/>
+              </a:rPr>
+              <a:t>I2C</a:t>
+            </a:r>
+            <a:r>
+              <a:rPr lang="ko-KR">
+                <a:ea typeface="+mn-lt"/>
+                <a:cs typeface="+mn-lt"/>
+              </a:rPr>
+              <a:t> 통신</a:t>
+            </a:r>
+            <a:endParaRPr lang="en-US">
+              <a:ea typeface="+mn-lt"/>
+              <a:cs typeface="+mn-lt"/>
             </a:endParaRPr>
           </a:p>
           <a:p>
             <a:pPr lvl="1"/>
-            <a:r>
-              <a:rPr lang="en-US" altLang="ko-KR" dirty="0">
-                <a:ea typeface="맑은 고딕"/>
-              </a:rPr>
-              <a:t>Flash memory</a:t>
-            </a:r>
-            <a:r>
-              <a:rPr lang="ko-KR" altLang="en-US" dirty="0">
-                <a:ea typeface="맑은 고딕"/>
-              </a:rPr>
-              <a:t>에 저장된 샘플 로그 출력</a:t>
-            </a:r>
-            <a:endParaRPr lang="en-US" altLang="ko-KR" dirty="0">
-              <a:ea typeface="맑은 고딕"/>
-            </a:endParaRPr>
-          </a:p>
-          <a:p>
-            <a:pPr lvl="1"/>
-            <a:r>
-              <a:rPr lang="ko-KR" altLang="en-US" dirty="0">
-                <a:ea typeface="맑은 고딕"/>
-              </a:rPr>
-              <a:t>스위치 클릭으로 다음 로그 출력</a:t>
-            </a:r>
-            <a:endParaRPr lang="en-US" altLang="ko-KR" dirty="0">
+            <a:endParaRPr lang="ko-KR" altLang="en-US">
               <a:ea typeface="맑은 고딕"/>
             </a:endParaRPr>
           </a:p>
@@ -2133,7 +4226,7 @@
         </p:blipFill>
         <p:spPr>
           <a:xfrm>
-            <a:off x="1917700" y="3308350"/>
+            <a:off x="1917700" y="3023870"/>
             <a:ext cx="5308600" cy="2866644"/>
           </a:xfrm>
           <a:prstGeom prst="rect">
@@ -2234,135 +4327,6 @@
           </a:p>
         </p:txBody>
       </p:sp>
-      <p:pic>
-        <p:nvPicPr>
-          <p:cNvPr id="17" name="그림 16">
-            <a:extLst>
-              <a:ext uri="{FF2B5EF4-FFF2-40B4-BE49-F238E27FC236}">
-                <a16:creationId xmlns:a16="http://schemas.microsoft.com/office/drawing/2014/main" id="{7FF47325-1D35-4426-BAC5-C5A00D101E6F}"/>
-              </a:ext>
-            </a:extLst>
-          </p:cNvPr>
-          <p:cNvPicPr>
-            <a:picLocks noChangeAspect="1"/>
-          </p:cNvPicPr>
-          <p:nvPr/>
-        </p:nvPicPr>
-        <p:blipFill>
-          <a:blip r:embed="rId2">
-            <a:extLst>
-              <a:ext uri="{28A0092B-C50C-407E-A947-70E740481C1C}">
-                <a14:useLocalDpi xmlns:a14="http://schemas.microsoft.com/office/drawing/2010/main" val="0"/>
-              </a:ext>
-            </a:extLst>
-          </a:blip>
-          <a:stretch>
-            <a:fillRect/>
-          </a:stretch>
-        </p:blipFill>
-        <p:spPr>
-          <a:xfrm>
-            <a:off x="3127375" y="1322906"/>
-            <a:ext cx="2889250" cy="5152496"/>
-          </a:xfrm>
-          <a:prstGeom prst="rect">
-            <a:avLst/>
-          </a:prstGeom>
-        </p:spPr>
-      </p:pic>
-    </p:spTree>
-    <p:extLst>
-      <p:ext uri="{BB962C8B-B14F-4D97-AF65-F5344CB8AC3E}">
-        <p14:creationId xmlns:p14="http://schemas.microsoft.com/office/powerpoint/2010/main" val="1083959210"/>
-      </p:ext>
-    </p:extLst>
-  </p:cSld>
-  <p:clrMapOvr>
-    <a:masterClrMapping/>
-  </p:clrMapOvr>
-</p:sld>
-</file>
-
-<file path=ppt/slides/slide5.xml><?xml version="1.0" encoding="utf-8"?>
-<p:sld xmlns:a="http://schemas.openxmlformats.org/drawingml/2006/main" xmlns:r="http://schemas.openxmlformats.org/officeDocument/2006/relationships" xmlns:p="http://schemas.openxmlformats.org/presentationml/2006/main">
-  <p:cSld>
-    <p:spTree>
-      <p:nvGrpSpPr>
-        <p:cNvPr id="1" name=""/>
-        <p:cNvGrpSpPr/>
-        <p:nvPr/>
-      </p:nvGrpSpPr>
-      <p:grpSpPr>
-        <a:xfrm>
-          <a:off x="0" y="0"/>
-          <a:ext cx="0" cy="0"/>
-          <a:chOff x="0" y="0"/>
-          <a:chExt cx="0" cy="0"/>
-        </a:xfrm>
-      </p:grpSpPr>
-      <p:sp>
-        <p:nvSpPr>
-          <p:cNvPr id="2" name="제목 1"/>
-          <p:cNvSpPr>
-            <a:spLocks noGrp="1"/>
-          </p:cNvSpPr>
-          <p:nvPr>
-            <p:ph type="title"/>
-          </p:nvPr>
-        </p:nvSpPr>
-        <p:spPr/>
-        <p:txBody>
-          <a:bodyPr/>
-          <a:lstStyle/>
-          <a:p>
-            <a:r>
-              <a:rPr lang="ko-KR" altLang="en-US" dirty="0">
-                <a:ea typeface="맑은 고딕"/>
-              </a:rPr>
-              <a:t>진행내용</a:t>
-            </a:r>
-          </a:p>
-        </p:txBody>
-      </p:sp>
-      <p:sp>
-        <p:nvSpPr>
-          <p:cNvPr id="3" name="내용 개체 틀 2"/>
-          <p:cNvSpPr>
-            <a:spLocks noGrp="1"/>
-          </p:cNvSpPr>
-          <p:nvPr>
-            <p:ph idx="1"/>
-          </p:nvPr>
-        </p:nvSpPr>
-        <p:spPr/>
-        <p:txBody>
-          <a:bodyPr vert="horz" lIns="91440" tIns="45720" rIns="91440" bIns="45720" rtlCol="0" anchor="t">
-            <a:normAutofit/>
-          </a:bodyPr>
-          <a:lstStyle/>
-          <a:p>
-            <a:r>
-              <a:rPr lang="en-US" altLang="ko-KR" dirty="0">
-                <a:ea typeface="맑은 고딕"/>
-              </a:rPr>
-              <a:t>LCD</a:t>
-            </a:r>
-            <a:r>
-              <a:rPr lang="ko-KR" altLang="en-US" dirty="0">
-                <a:ea typeface="맑은 고딕"/>
-              </a:rPr>
-              <a:t> 출력 </a:t>
-            </a:r>
-            <a:endParaRPr lang="en-US" altLang="ko-KR" dirty="0">
-              <a:ea typeface="맑은 고딕"/>
-            </a:endParaRPr>
-          </a:p>
-          <a:p>
-            <a:pPr lvl="1"/>
-            <a:endParaRPr lang="ko-KR" altLang="en-US" dirty="0"/>
-          </a:p>
-        </p:txBody>
-      </p:sp>
       <p:graphicFrame>
         <p:nvGraphicFramePr>
           <p:cNvPr id="4" name="표 3">
@@ -2378,7 +4342,7 @@
           <p:nvPr>
             <p:extLst>
               <p:ext uri="{D42A27DB-BD31-4B8C-83A1-F6EECF244321}">
-                <p14:modId xmlns:p14="http://schemas.microsoft.com/office/powerpoint/2010/main" val="2246920522"/>
+                <p14:modId xmlns:p14="http://schemas.microsoft.com/office/powerpoint/2010/main" val="780666821"/>
               </p:ext>
             </p:extLst>
           </p:nvPr>
@@ -2981,34 +4945,28 @@
                         <a:defRPr/>
                       </a:pPr>
                       <a:r>
-                        <a:rPr kumimoji="0" lang="en-US" altLang="ko-KR" sz="2100" b="1" i="0" u="none" strike="noStrike" kern="1200" cap="none" spc="0" normalizeH="0" baseline="0" noProof="0" dirty="0">
+                        <a:rPr kumimoji="0" lang="en-US" altLang="ko-KR" sz="2100" b="1" i="0" u="none" strike="noStrike" kern="1200" cap="none" spc="0" normalizeH="0" baseline="0" noProof="0">
                           <a:ln>
                             <a:noFill/>
                           </a:ln>
-                          <a:solidFill>
-                            <a:prstClr val="black"/>
-                          </a:solidFill>
                           <a:effectLst/>
                           <a:uLnTx/>
                           <a:uFillTx/>
-                          <a:latin typeface="맑은 고딕" panose="020F0502020204030204"/>
-                          <a:ea typeface="맑은 고딕" panose="020B0503020000020004" pitchFamily="50" charset="-127"/>
+                          <a:latin typeface="맑은 고딕"/>
+                          <a:ea typeface="맑은 고딕"/>
                           <a:cs typeface="+mn-cs"/>
                         </a:rPr>
                         <a:t>M</a:t>
                       </a:r>
-                      <a:endParaRPr kumimoji="0" lang="ko-KR" altLang="en-US" sz="2100" b="1" i="0" u="none" strike="noStrike" kern="1200" cap="none" spc="0" normalizeH="0" baseline="0" noProof="0" dirty="0">
+                      <a:endParaRPr kumimoji="0" lang="ko-KR" altLang="en-US" sz="2100" b="1" i="0" u="none" strike="noStrike" kern="1200" cap="none" spc="0" normalizeH="0" baseline="0" noProof="0">
                         <a:ln>
                           <a:noFill/>
                         </a:ln>
-                        <a:solidFill>
-                          <a:prstClr val="black"/>
-                        </a:solidFill>
                         <a:effectLst/>
                         <a:uLnTx/>
                         <a:uFillTx/>
-                        <a:latin typeface="맑은 고딕" panose="020F0502020204030204"/>
-                        <a:ea typeface="맑은 고딕" panose="020B0503020000020004" pitchFamily="50" charset="-127"/>
+                        <a:latin typeface="맑은 고딕"/>
+                        <a:ea typeface="맑은 고딕"/>
                         <a:cs typeface="+mn-cs"/>
                       </a:endParaRPr>
                     </a:p>
@@ -3044,34 +5002,28 @@
                         <a:defRPr/>
                       </a:pPr>
                       <a:r>
-                        <a:rPr kumimoji="0" lang="en-US" altLang="ko-KR" sz="2100" b="1" i="0" u="none" strike="noStrike" kern="1200" cap="none" spc="0" normalizeH="0" baseline="0" noProof="0" dirty="0">
+                        <a:rPr kumimoji="0" lang="en-US" altLang="ko-KR" sz="2100" b="1" i="0" u="none" strike="noStrike" kern="1200" cap="none" spc="0" normalizeH="0" baseline="0" noProof="0">
                           <a:ln>
                             <a:noFill/>
                           </a:ln>
-                          <a:solidFill>
-                            <a:prstClr val="black"/>
-                          </a:solidFill>
                           <a:effectLst/>
                           <a:uLnTx/>
                           <a:uFillTx/>
-                          <a:latin typeface="맑은 고딕" panose="020F0502020204030204"/>
-                          <a:ea typeface="맑은 고딕" panose="020B0503020000020004" pitchFamily="50" charset="-127"/>
+                          <a:latin typeface="맑은 고딕"/>
+                          <a:ea typeface="맑은 고딕"/>
                           <a:cs typeface="+mn-cs"/>
                         </a:rPr>
                         <a:t>D</a:t>
                       </a:r>
-                      <a:endParaRPr kumimoji="0" lang="ko-KR" altLang="en-US" sz="2100" b="1" i="0" u="none" strike="noStrike" kern="1200" cap="none" spc="0" normalizeH="0" baseline="0" noProof="0" dirty="0">
+                      <a:endParaRPr kumimoji="0" lang="ko-KR" altLang="en-US" sz="2100" b="1" i="0" u="none" strike="noStrike" kern="1200" cap="none" spc="0" normalizeH="0" baseline="0" noProof="0">
                         <a:ln>
                           <a:noFill/>
                         </a:ln>
-                        <a:solidFill>
-                          <a:prstClr val="black"/>
-                        </a:solidFill>
                         <a:effectLst/>
                         <a:uLnTx/>
                         <a:uFillTx/>
-                        <a:latin typeface="맑은 고딕" panose="020F0502020204030204"/>
-                        <a:ea typeface="맑은 고딕" panose="020B0503020000020004" pitchFamily="50" charset="-127"/>
+                        <a:latin typeface="맑은 고딕"/>
+                        <a:ea typeface="맑은 고딕"/>
                         <a:cs typeface="+mn-cs"/>
                       </a:endParaRPr>
                     </a:p>
@@ -3415,14 +5367,14 @@
                     <a:p>
                       <a:pPr algn="ctr" latinLnBrk="1"/>
                       <a:r>
-                        <a:rPr lang="en-US" altLang="ko-KR" sz="2100" b="1" dirty="0">
+                        <a:rPr lang="en-US" altLang="ko-KR" sz="2100" b="1">
                           <a:solidFill>
                             <a:schemeClr val="tx1"/>
                           </a:solidFill>
                         </a:rPr>
-                        <a:t>m</a:t>
+                        <a:t>M</a:t>
                       </a:r>
-                      <a:endParaRPr lang="ko-KR" altLang="en-US" sz="2100" b="1" dirty="0">
+                      <a:endParaRPr lang="ko-KR" altLang="en-US" sz="2100" b="1">
                         <a:solidFill>
                           <a:schemeClr val="tx1"/>
                         </a:solidFill>
@@ -3460,34 +5412,28 @@
                         <a:defRPr/>
                       </a:pPr>
                       <a:r>
-                        <a:rPr kumimoji="0" lang="en-US" altLang="ko-KR" sz="2100" b="1" i="0" u="none" strike="noStrike" kern="1200" cap="none" spc="0" normalizeH="0" baseline="0" noProof="0" dirty="0">
+                        <a:rPr kumimoji="0" lang="en-US" altLang="ko-KR" sz="2100" b="1" i="0" u="none" strike="noStrike" kern="1200" cap="none" spc="0" normalizeH="0" baseline="0" noProof="0">
                           <a:ln>
                             <a:noFill/>
                           </a:ln>
-                          <a:solidFill>
-                            <a:prstClr val="black"/>
-                          </a:solidFill>
                           <a:effectLst/>
                           <a:uLnTx/>
                           <a:uFillTx/>
-                          <a:latin typeface="맑은 고딕" panose="020F0502020204030204"/>
-                          <a:ea typeface="맑은 고딕" panose="020B0503020000020004" pitchFamily="50" charset="-127"/>
+                          <a:latin typeface="맑은 고딕"/>
+                          <a:ea typeface="맑은 고딕"/>
                           <a:cs typeface="+mn-cs"/>
                         </a:rPr>
                         <a:t>2</a:t>
                       </a:r>
-                      <a:endParaRPr kumimoji="0" lang="ko-KR" altLang="en-US" sz="2100" b="1" i="0" u="none" strike="noStrike" kern="1200" cap="none" spc="0" normalizeH="0" baseline="0" noProof="0" dirty="0">
+                      <a:endParaRPr kumimoji="0" lang="ko-KR" altLang="en-US" sz="2100" b="1" i="0" u="none" strike="noStrike" kern="1200" cap="none" spc="0" normalizeH="0" baseline="0" noProof="0">
                         <a:ln>
                           <a:noFill/>
                         </a:ln>
-                        <a:solidFill>
-                          <a:prstClr val="black"/>
-                        </a:solidFill>
                         <a:effectLst/>
                         <a:uLnTx/>
                         <a:uFillTx/>
-                        <a:latin typeface="맑은 고딕" panose="020F0502020204030204"/>
-                        <a:ea typeface="맑은 고딕" panose="020B0503020000020004" pitchFamily="50" charset="-127"/>
+                        <a:latin typeface="맑은 고딕"/>
+                        <a:ea typeface="맑은 고딕"/>
                         <a:cs typeface="+mn-cs"/>
                       </a:endParaRPr>
                     </a:p>
@@ -3523,34 +5469,28 @@
                         <a:defRPr/>
                       </a:pPr>
                       <a:r>
-                        <a:rPr kumimoji="0" lang="en-US" altLang="ko-KR" sz="2100" b="1" i="0" u="none" strike="noStrike" kern="1200" cap="none" spc="0" normalizeH="0" baseline="0" noProof="0" dirty="0">
+                        <a:rPr kumimoji="0" lang="en-US" altLang="ko-KR" sz="2100" b="1" i="0" u="none" strike="noStrike" kern="1200" cap="none" spc="0" normalizeH="0" baseline="0" noProof="0">
                           <a:ln>
                             <a:noFill/>
                           </a:ln>
-                          <a:solidFill>
-                            <a:prstClr val="black"/>
-                          </a:solidFill>
                           <a:effectLst/>
                           <a:uLnTx/>
                           <a:uFillTx/>
-                          <a:latin typeface="맑은 고딕" panose="020F0502020204030204"/>
-                          <a:ea typeface="맑은 고딕" panose="020B0503020000020004" pitchFamily="50" charset="-127"/>
+                          <a:latin typeface="맑은 고딕"/>
+                          <a:ea typeface="맑은 고딕"/>
                           <a:cs typeface="+mn-cs"/>
                         </a:rPr>
                         <a:t>0</a:t>
                       </a:r>
-                      <a:endParaRPr kumimoji="0" lang="ko-KR" altLang="en-US" sz="2100" b="1" i="0" u="none" strike="noStrike" kern="1200" cap="none" spc="0" normalizeH="0" baseline="0" noProof="0" dirty="0">
+                      <a:endParaRPr kumimoji="0" lang="ko-KR" altLang="en-US" sz="2100" b="1" i="0" u="none" strike="noStrike" kern="1200" cap="none" spc="0" normalizeH="0" baseline="0" noProof="0">
                         <a:ln>
                           <a:noFill/>
                         </a:ln>
-                        <a:solidFill>
-                          <a:prstClr val="black"/>
-                        </a:solidFill>
                         <a:effectLst/>
                         <a:uLnTx/>
                         <a:uFillTx/>
-                        <a:latin typeface="맑은 고딕" panose="020F0502020204030204"/>
-                        <a:ea typeface="맑은 고딕" panose="020B0503020000020004" pitchFamily="50" charset="-127"/>
+                        <a:latin typeface="맑은 고딕"/>
+                        <a:ea typeface="맑은 고딕"/>
                         <a:cs typeface="+mn-cs"/>
                       </a:endParaRPr>
                     </a:p>
@@ -3568,7 +5508,7 @@
                     <a:bodyPr/>
                     <a:lstStyle/>
                     <a:p>
-                      <a:pPr marL="0" marR="0" lvl="0" indent="0" algn="ctr" defTabSz="914400" rtl="0" eaLnBrk="1" fontAlgn="auto" latinLnBrk="1" hangingPunct="1">
+                      <a:pPr marL="0" marR="0" lvl="0" indent="0" algn="ctr" defTabSz="914400">
                         <a:lnSpc>
                           <a:spcPct val="100000"/>
                         </a:lnSpc>
@@ -3586,34 +5526,28 @@
                         <a:defRPr/>
                       </a:pPr>
                       <a:r>
-                        <a:rPr kumimoji="0" lang="en-US" altLang="ko-KR" sz="2100" b="1" i="0" u="none" strike="noStrike" kern="1200" cap="none" spc="0" normalizeH="0" baseline="0" noProof="0" dirty="0">
+                        <a:rPr lang="en-US" altLang="ko-KR" sz="2100" b="1" i="0" u="none" strike="noStrike" kern="1200" cap="none" spc="0" normalizeH="0" baseline="0" noProof="0">
                           <a:ln>
                             <a:noFill/>
                           </a:ln>
-                          <a:solidFill>
-                            <a:prstClr val="black"/>
-                          </a:solidFill>
                           <a:effectLst/>
                           <a:uLnTx/>
                           <a:uFillTx/>
-                          <a:latin typeface="맑은 고딕" panose="020F0502020204030204"/>
-                          <a:ea typeface="맑은 고딕" panose="020B0503020000020004" pitchFamily="50" charset="-127"/>
+                          <a:latin typeface="맑은 고딕"/>
+                          <a:ea typeface="맑은 고딕"/>
                           <a:cs typeface="+mn-cs"/>
                         </a:rPr>
-                        <a:t>s</a:t>
+                        <a:t>S</a:t>
                       </a:r>
-                      <a:endParaRPr kumimoji="0" lang="ko-KR" altLang="en-US" sz="2100" b="1" i="0" u="none" strike="noStrike" kern="1200" cap="none" spc="0" normalizeH="0" baseline="0" noProof="0" dirty="0">
+                      <a:endParaRPr kumimoji="0" lang="en-US" altLang="ko-KR" sz="2100" b="1" i="0" u="none" strike="noStrike" kern="1200" cap="none" spc="0" normalizeH="0" baseline="0" noProof="0">
                         <a:ln>
                           <a:noFill/>
                         </a:ln>
-                        <a:solidFill>
-                          <a:prstClr val="black"/>
-                        </a:solidFill>
                         <a:effectLst/>
                         <a:uLnTx/>
                         <a:uFillTx/>
-                        <a:latin typeface="맑은 고딕" panose="020F0502020204030204"/>
-                        <a:ea typeface="맑은 고딕" panose="020B0503020000020004" pitchFamily="50" charset="-127"/>
+                        <a:latin typeface="맑은 고딕"/>
+                        <a:ea typeface="맑은 고딕"/>
                         <a:cs typeface="+mn-cs"/>
                       </a:endParaRPr>
                     </a:p>
@@ -3677,34 +5611,28 @@
                         <a:defRPr/>
                       </a:pPr>
                       <a:r>
-                        <a:rPr kumimoji="0" lang="en-US" altLang="ko-KR" sz="2100" b="1" i="0" u="none" strike="noStrike" kern="1200" cap="none" spc="0" normalizeH="0" baseline="0" noProof="0" dirty="0">
+                        <a:rPr kumimoji="0" lang="en-US" altLang="ko-KR" sz="2100" b="1" i="0" u="none" strike="noStrike" kern="1200" cap="none" spc="0" normalizeH="0" baseline="0" noProof="0">
                           <a:ln>
                             <a:noFill/>
                           </a:ln>
-                          <a:solidFill>
-                            <a:prstClr val="black"/>
-                          </a:solidFill>
                           <a:effectLst/>
                           <a:uLnTx/>
                           <a:uFillTx/>
-                          <a:latin typeface="맑은 고딕" panose="020F0502020204030204"/>
-                          <a:ea typeface="맑은 고딕" panose="020B0503020000020004" pitchFamily="50" charset="-127"/>
+                          <a:latin typeface="맑은 고딕"/>
+                          <a:ea typeface="맑은 고딕"/>
                           <a:cs typeface="+mn-cs"/>
                         </a:rPr>
                         <a:t>D</a:t>
                       </a:r>
-                      <a:endParaRPr kumimoji="0" lang="ko-KR" altLang="en-US" sz="2100" b="1" i="0" u="none" strike="noStrike" kern="1200" cap="none" spc="0" normalizeH="0" baseline="0" noProof="0" dirty="0">
+                      <a:endParaRPr kumimoji="0" lang="ko-KR" altLang="en-US" sz="2100" b="1" i="0" u="none" strike="noStrike" kern="1200" cap="none" spc="0" normalizeH="0" baseline="0" noProof="0">
                         <a:ln>
                           <a:noFill/>
                         </a:ln>
-                        <a:solidFill>
-                          <a:prstClr val="black"/>
-                        </a:solidFill>
                         <a:effectLst/>
                         <a:uLnTx/>
                         <a:uFillTx/>
-                        <a:latin typeface="맑은 고딕" panose="020F0502020204030204"/>
-                        <a:ea typeface="맑은 고딕" panose="020B0503020000020004" pitchFamily="50" charset="-127"/>
+                        <a:latin typeface="맑은 고딕"/>
+                        <a:ea typeface="맑은 고딕"/>
                         <a:cs typeface="+mn-cs"/>
                       </a:endParaRPr>
                     </a:p>
@@ -4698,32 +6626,42 @@
           <a:noFill/>
         </p:spPr>
         <p:txBody>
-          <a:bodyPr wrap="square" rtlCol="0">
+          <a:bodyPr wrap="square" rtlCol="0" anchor="t">
             <a:spAutoFit/>
           </a:bodyPr>
           <a:lstStyle/>
           <a:p>
             <a:r>
-              <a:rPr lang="ko-KR" altLang="en-US" sz="1350" dirty="0"/>
-              <a:t>잠수시간</a:t>
+              <a:rPr lang="ko-KR" altLang="en-US" sz="1350">
+                <a:ea typeface="맑은 고딕"/>
+              </a:rPr>
+              <a:t>잠수 시간</a:t>
             </a:r>
             <a:endParaRPr lang="en-US" altLang="ko-KR" sz="1350" dirty="0"/>
           </a:p>
           <a:p>
             <a:r>
-              <a:rPr lang="en-US" altLang="ko-KR" sz="1350" dirty="0"/>
+              <a:rPr lang="en-US" altLang="ko-KR" sz="1350">
+                <a:ea typeface="맑은 고딕"/>
+              </a:rPr>
               <a:t>15</a:t>
             </a:r>
             <a:r>
-              <a:rPr lang="ko-KR" altLang="en-US" sz="1350" dirty="0"/>
+              <a:rPr lang="ko-KR" altLang="en-US" sz="1350">
+                <a:ea typeface="맑은 고딕"/>
+              </a:rPr>
               <a:t>분 </a:t>
             </a:r>
             <a:r>
-              <a:rPr lang="en-US" altLang="ko-KR" sz="1350" dirty="0"/>
+              <a:rPr lang="en-US" altLang="ko-KR" sz="1350">
+                <a:ea typeface="맑은 고딕"/>
+              </a:rPr>
               <a:t>20</a:t>
             </a:r>
             <a:r>
-              <a:rPr lang="ko-KR" altLang="en-US" sz="1350" dirty="0"/>
+              <a:rPr lang="ko-KR" altLang="en-US" sz="1350">
+                <a:ea typeface="맑은 고딕"/>
+              </a:rPr>
               <a:t>초</a:t>
             </a:r>
           </a:p>
@@ -5197,6 +7135,172 @@
 </p:sld>
 </file>
 
+<file path=ppt/slides/slide5.xml><?xml version="1.0" encoding="utf-8"?>
+<p:sld xmlns:a="http://schemas.openxmlformats.org/drawingml/2006/main" xmlns:r="http://schemas.openxmlformats.org/officeDocument/2006/relationships" xmlns:p="http://schemas.openxmlformats.org/presentationml/2006/main">
+  <p:cSld>
+    <p:spTree>
+      <p:nvGrpSpPr>
+        <p:cNvPr id="1" name=""/>
+        <p:cNvGrpSpPr/>
+        <p:nvPr/>
+      </p:nvGrpSpPr>
+      <p:grpSpPr>
+        <a:xfrm>
+          <a:off x="0" y="0"/>
+          <a:ext cx="0" cy="0"/>
+          <a:chOff x="0" y="0"/>
+          <a:chExt cx="0" cy="0"/>
+        </a:xfrm>
+      </p:grpSpPr>
+      <p:sp>
+        <p:nvSpPr>
+          <p:cNvPr id="2" name="제목 1"/>
+          <p:cNvSpPr>
+            <a:spLocks noGrp="1"/>
+          </p:cNvSpPr>
+          <p:nvPr>
+            <p:ph type="title"/>
+          </p:nvPr>
+        </p:nvSpPr>
+        <p:spPr/>
+        <p:txBody>
+          <a:bodyPr/>
+          <a:lstStyle/>
+          <a:p>
+            <a:r>
+              <a:rPr lang="ko-KR" altLang="en-US" dirty="0">
+                <a:ea typeface="맑은 고딕"/>
+              </a:rPr>
+              <a:t>진행내용</a:t>
+            </a:r>
+          </a:p>
+        </p:txBody>
+      </p:sp>
+      <p:sp>
+        <p:nvSpPr>
+          <p:cNvPr id="3" name="내용 개체 틀 2"/>
+          <p:cNvSpPr>
+            <a:spLocks noGrp="1"/>
+          </p:cNvSpPr>
+          <p:nvPr>
+            <p:ph idx="1"/>
+          </p:nvPr>
+        </p:nvSpPr>
+        <p:spPr/>
+        <p:txBody>
+          <a:bodyPr vert="horz" lIns="91440" tIns="45720" rIns="91440" bIns="45720" rtlCol="0" anchor="t">
+            <a:normAutofit/>
+          </a:bodyPr>
+          <a:lstStyle/>
+          <a:p>
+            <a:r>
+              <a:rPr lang="en-US" altLang="ko-KR" dirty="0">
+                <a:ea typeface="맑은 고딕"/>
+              </a:rPr>
+              <a:t>LCD</a:t>
+            </a:r>
+            <a:r>
+              <a:rPr lang="ko-KR" altLang="en-US" dirty="0">
+                <a:ea typeface="맑은 고딕"/>
+              </a:rPr>
+              <a:t> 출력</a:t>
+            </a:r>
+            <a:r>
+              <a:rPr lang="ko-KR" altLang="en-US">
+                <a:ea typeface="맑은 고딕"/>
+              </a:rPr>
+              <a:t> </a:t>
+            </a:r>
+            <a:endParaRPr lang="en-US" altLang="ko-KR">
+              <a:ea typeface="맑은 고딕"/>
+            </a:endParaRPr>
+          </a:p>
+          <a:p>
+            <a:endParaRPr lang="ko-KR" altLang="en-US">
+              <a:ea typeface="맑은 고딕"/>
+            </a:endParaRPr>
+          </a:p>
+          <a:p>
+            <a:pPr lvl="1"/>
+            <a:r>
+              <a:rPr lang="ko-KR">
+                <a:ea typeface="+mn-lt"/>
+                <a:cs typeface="+mn-lt"/>
+              </a:rPr>
+              <a:t>2, 3번째</a:t>
+            </a:r>
+            <a:r>
+              <a:rPr lang="ko-KR" altLang="en-US">
+                <a:ea typeface="+mn-lt"/>
+                <a:cs typeface="+mn-lt"/>
+              </a:rPr>
+              <a:t> 텍스트</a:t>
+            </a:r>
+            <a:r>
+              <a:rPr lang="ko-KR">
+                <a:ea typeface="+mn-lt"/>
+                <a:cs typeface="+mn-lt"/>
+              </a:rPr>
+              <a:t> 라인 출력</a:t>
+            </a:r>
+            <a:endParaRPr lang="ko-KR" altLang="en-US">
+              <a:ea typeface="맑은 고딕"/>
+            </a:endParaRPr>
+          </a:p>
+          <a:p>
+            <a:endParaRPr lang="ko-KR" altLang="en-US">
+              <a:ea typeface="맑은 고딕"/>
+            </a:endParaRPr>
+          </a:p>
+          <a:p>
+            <a:pPr lvl="1"/>
+            <a:endParaRPr lang="ko-KR" altLang="en-US" dirty="0"/>
+          </a:p>
+        </p:txBody>
+      </p:sp>
+      <p:pic>
+        <p:nvPicPr>
+          <p:cNvPr id="5" name="Picture 5" descr="실내, 테이블, 컴퓨터, 바닥이(가) 표시된 사진&#10;&#10;매우 높은 신뢰도로 생성된 설명">
+            <a:extLst>
+              <a:ext uri="{FF2B5EF4-FFF2-40B4-BE49-F238E27FC236}">
+                <a16:creationId xmlns:a16="http://schemas.microsoft.com/office/drawing/2014/main" id="{F023A6CE-3E11-4AF9-B1FD-3866677386F1}"/>
+              </a:ext>
+            </a:extLst>
+          </p:cNvPr>
+          <p:cNvPicPr>
+            <a:picLocks noChangeAspect="1"/>
+          </p:cNvPicPr>
+          <p:nvPr/>
+        </p:nvPicPr>
+        <p:blipFill>
+          <a:blip r:embed="rId2"/>
+          <a:stretch>
+            <a:fillRect/>
+          </a:stretch>
+        </p:blipFill>
+        <p:spPr>
+          <a:xfrm>
+            <a:off x="5488690" y="1059296"/>
+            <a:ext cx="2914016" cy="5183744"/>
+          </a:xfrm>
+          <a:prstGeom prst="rect">
+            <a:avLst/>
+          </a:prstGeom>
+        </p:spPr>
+      </p:pic>
+    </p:spTree>
+    <p:extLst>
+      <p:ext uri="{BB962C8B-B14F-4D97-AF65-F5344CB8AC3E}">
+        <p14:creationId xmlns:p14="http://schemas.microsoft.com/office/powerpoint/2010/main" val="1083959210"/>
+      </p:ext>
+    </p:extLst>
+  </p:cSld>
+  <p:clrMapOvr>
+    <a:masterClrMapping/>
+  </p:clrMapOvr>
+</p:sld>
+</file>
+
 <file path=ppt/slides/slide6.xml><?xml version="1.0" encoding="utf-8"?>
 <p:sld xmlns:a="http://schemas.openxmlformats.org/drawingml/2006/main" xmlns:r="http://schemas.openxmlformats.org/officeDocument/2006/relationships" xmlns:p="http://schemas.openxmlformats.org/presentationml/2006/main">
   <p:cSld>
@@ -5268,44 +7372,78 @@
           <a:p>
             <a:pPr lvl="1"/>
             <a:r>
-              <a:rPr lang="en-US" altLang="ko-KR" dirty="0"/>
+              <a:rPr lang="en-US" altLang="ko-KR">
+                <a:ea typeface="맑은 고딕"/>
+              </a:rPr>
               <a:t>Flash memory</a:t>
             </a:r>
             <a:r>
-              <a:rPr lang="ko-KR" altLang="en-US" dirty="0"/>
+              <a:rPr lang="ko-KR" altLang="en-US">
+                <a:ea typeface="맑은 고딕"/>
+              </a:rPr>
               <a:t> </a:t>
             </a:r>
             <a:r>
-              <a:rPr lang="en-US" altLang="ko-KR" dirty="0"/>
+              <a:rPr lang="en-US" altLang="ko-KR">
+                <a:ea typeface="맑은 고딕"/>
+              </a:rPr>
               <a:t>read/write</a:t>
             </a:r>
           </a:p>
           <a:p>
             <a:pPr lvl="1"/>
-            <a:r>
-              <a:rPr lang="ko-KR" altLang="en-US" dirty="0"/>
-              <a:t>로그당 </a:t>
-            </a:r>
-            <a:r>
-              <a:rPr lang="en-US" altLang="ko-KR" dirty="0"/>
+            <a:endParaRPr lang="en-US" altLang="ko-KR"/>
+          </a:p>
+          <a:p>
+            <a:pPr lvl="1"/>
+            <a:r>
+              <a:rPr lang="en-US" altLang="ko-KR">
+                <a:ea typeface="맑은 고딕"/>
+              </a:rPr>
+              <a:t>4</a:t>
+            </a:r>
+            <a:r>
+              <a:rPr lang="ko-KR" altLang="en-US">
+                <a:ea typeface="맑은 고딕"/>
+              </a:rPr>
+              <a:t>개의 샘플 로그 데이터</a:t>
+            </a:r>
+            <a:endParaRPr lang="en-US" altLang="ko-KR">
+              <a:ea typeface="맑은 고딕"/>
+            </a:endParaRPr>
+          </a:p>
+          <a:p>
+            <a:pPr lvl="1"/>
+            <a:endParaRPr lang="ko-KR" altLang="en-US">
+              <a:ea typeface="맑은 고딕"/>
+            </a:endParaRPr>
+          </a:p>
+          <a:p>
+            <a:pPr lvl="1"/>
+            <a:r>
+              <a:rPr lang="ko-KR">
+                <a:ea typeface="+mn-lt"/>
+                <a:cs typeface="+mn-lt"/>
+              </a:rPr>
+              <a:t>로그당 </a:t>
+            </a:r>
+            <a:r>
+              <a:rPr lang="en-US" altLang="ko-KR">
+                <a:ea typeface="+mn-lt"/>
+                <a:cs typeface="+mn-lt"/>
+              </a:rPr>
               <a:t>9 byte</a:t>
             </a:r>
+            <a:endParaRPr lang="ko-KR">
+              <a:ea typeface="+mn-lt"/>
+              <a:cs typeface="+mn-lt"/>
+            </a:endParaRPr>
           </a:p>
           <a:p>
             <a:pPr lvl="1"/>
-            <a:endParaRPr lang="en-US" altLang="ko-KR" dirty="0"/>
-          </a:p>
-          <a:p>
-            <a:pPr lvl="1"/>
-            <a:r>
-              <a:rPr lang="en-US" altLang="ko-KR" dirty="0"/>
-              <a:t>4</a:t>
-            </a:r>
-            <a:r>
-              <a:rPr lang="ko-KR" altLang="en-US" dirty="0"/>
-              <a:t>개의 샘플 로그 데이터</a:t>
-            </a:r>
-            <a:endParaRPr lang="en-US" altLang="ko-KR" dirty="0"/>
+            <a:endParaRPr lang="ko-KR" altLang="en-US">
+              <a:ea typeface="맑은 고딕"/>
+            </a:endParaRPr>
           </a:p>
           <a:p>
             <a:pPr lvl="1"/>
@@ -5327,16 +7465,15 @@
           </p:cNvPicPr>
           <p:nvPr/>
         </p:nvPicPr>
-        <p:blipFill>
+        <p:blipFill rotWithShape="1">
           <a:blip r:embed="rId2"/>
-          <a:stretch>
-            <a:fillRect/>
-          </a:stretch>
+          <a:srcRect l="529" r="-166" b="4431"/>
+          <a:stretch/>
         </p:blipFill>
         <p:spPr>
           <a:xfrm>
-            <a:off x="1138237" y="3692061"/>
-            <a:ext cx="6867525" cy="1638300"/>
+            <a:off x="1152036" y="4138715"/>
+            <a:ext cx="6842582" cy="1565704"/>
           </a:xfrm>
           <a:prstGeom prst="rect">
             <a:avLst/>
@@ -5389,7 +7526,7 @@
           <a:lstStyle/>
           <a:p>
             <a:r>
-              <a:rPr lang="ko-KR" altLang="en-US" dirty="0">
+              <a:rPr lang="ko-KR" altLang="en-US">
                 <a:ea typeface="맑은 고딕"/>
               </a:rPr>
               <a:t>진행내용</a:t>
@@ -5415,41 +7552,155 @@
           <a:lstStyle/>
           <a:p>
             <a:r>
-              <a:rPr lang="en-US" altLang="ko-KR" dirty="0">
+              <a:rPr lang="en-US" altLang="ko-KR" err="1">
                 <a:ea typeface="맑은 고딕"/>
               </a:rPr>
-              <a:t>TIMMER </a:t>
-            </a:r>
-            <a:r>
-              <a:rPr lang="ko-KR" altLang="en-US" dirty="0">
+              <a:t>샘플</a:t>
+            </a:r>
+            <a:r>
+              <a:rPr lang="en-US" altLang="ko-KR">
                 <a:ea typeface="맑은 고딕"/>
               </a:rPr>
-              <a:t>기능 구현</a:t>
-            </a:r>
-            <a:endParaRPr lang="en-US" altLang="ko-KR" dirty="0">
+              <a:t> </a:t>
+            </a:r>
+            <a:r>
+              <a:rPr lang="en-US" altLang="ko-KR" err="1">
+                <a:ea typeface="맑은 고딕"/>
+              </a:rPr>
+              <a:t>데이터</a:t>
+            </a:r>
+            <a:r>
+              <a:rPr lang="en-US" altLang="ko-KR">
+                <a:ea typeface="맑은 고딕"/>
+              </a:rPr>
+              <a:t> LCD</a:t>
+            </a:r>
+            <a:r>
+              <a:rPr lang="ko-KR" altLang="en-US">
+                <a:ea typeface="맑은 고딕"/>
+              </a:rPr>
+              <a:t> 출력 </a:t>
+            </a:r>
+            <a:endParaRPr lang="en-US" altLang="ko-KR">
               <a:ea typeface="맑은 고딕"/>
             </a:endParaRPr>
           </a:p>
           <a:p>
+            <a:endParaRPr lang="ko-KR" altLang="en-US">
+              <a:ea typeface="+mn-lt"/>
+              <a:cs typeface="+mn-lt"/>
+            </a:endParaRPr>
+          </a:p>
+          <a:p>
             <a:pPr lvl="1"/>
             <a:r>
-              <a:rPr lang="ko-KR" altLang="en-US" dirty="0"/>
-              <a:t>시계 기능 및 다이빙 시간측정을 위한 기능</a:t>
-            </a:r>
-            <a:endParaRPr lang="en-US" altLang="ko-KR" dirty="0"/>
+              <a:rPr lang="en-US" altLang="ko-KR">
+                <a:ea typeface="+mn-lt"/>
+                <a:cs typeface="+mn-lt"/>
+              </a:rPr>
+              <a:t>Flash</a:t>
+            </a:r>
+            <a:r>
+              <a:rPr lang="ko-KR" altLang="en-US">
+                <a:ea typeface="+mn-lt"/>
+                <a:cs typeface="+mn-lt"/>
+              </a:rPr>
+              <a:t> </a:t>
+            </a:r>
+            <a:r>
+              <a:rPr lang="en-US" altLang="ko-KR">
+                <a:ea typeface="+mn-lt"/>
+                <a:cs typeface="+mn-lt"/>
+              </a:rPr>
+              <a:t>memory</a:t>
+            </a:r>
+            <a:r>
+              <a:rPr lang="ko-KR" altLang="en-US">
+                <a:ea typeface="+mn-lt"/>
+                <a:cs typeface="+mn-lt"/>
+              </a:rPr>
+              <a:t>에 </a:t>
+            </a:r>
+          </a:p>
+          <a:p>
+            <a:pPr marL="457200" lvl="1" indent="0">
+              <a:buNone/>
+            </a:pPr>
+            <a:r>
+              <a:rPr lang="ko-KR" altLang="en-US">
+                <a:ea typeface="+mn-lt"/>
+                <a:cs typeface="+mn-lt"/>
+              </a:rPr>
+              <a:t> 저장된 샘플 로그 출력</a:t>
+            </a:r>
+            <a:endParaRPr lang="ko-KR" altLang="en-US"/>
+          </a:p>
+          <a:p>
+            <a:pPr marL="457200" lvl="1" indent="0">
+              <a:buNone/>
+            </a:pPr>
+            <a:endParaRPr lang="ko-KR" altLang="en-US">
+              <a:ea typeface="+mn-lt"/>
+              <a:cs typeface="+mn-lt"/>
+            </a:endParaRPr>
           </a:p>
           <a:p>
             <a:pPr lvl="1"/>
-            <a:endParaRPr lang="ko-KR" altLang="en-US" dirty="0"/>
+            <a:r>
+              <a:rPr lang="ko-KR" altLang="en-US">
+                <a:ea typeface="+mn-lt"/>
+                <a:cs typeface="+mn-lt"/>
+              </a:rPr>
+              <a:t>스위치 클릭으로</a:t>
+            </a:r>
+            <a:endParaRPr lang="ko-KR" altLang="en-US"/>
+          </a:p>
+          <a:p>
+            <a:pPr marL="457200" lvl="1" indent="0">
+              <a:buNone/>
+            </a:pPr>
+            <a:r>
+              <a:rPr lang="ko-KR" altLang="en-US">
+                <a:ea typeface="+mn-lt"/>
+                <a:cs typeface="+mn-lt"/>
+              </a:rPr>
+              <a:t> 다음 로그 </a:t>
+            </a:r>
+            <a:r>
+              <a:rPr lang="ko-KR">
+                <a:ea typeface="+mn-lt"/>
+                <a:cs typeface="+mn-lt"/>
+              </a:rPr>
+              <a:t>출력</a:t>
+            </a:r>
+            <a:endParaRPr lang="ko-KR" altLang="en-US">
+              <a:ea typeface="+mn-lt"/>
+              <a:cs typeface="+mn-lt"/>
+            </a:endParaRPr>
+          </a:p>
+          <a:p>
+            <a:pPr lvl="1"/>
+            <a:endParaRPr lang="ko-KR">
+              <a:ea typeface="맑은 고딕"/>
+            </a:endParaRPr>
+          </a:p>
+          <a:p>
+            <a:endParaRPr lang="ko-KR" altLang="en-US">
+              <a:ea typeface="맑은 고딕"/>
+            </a:endParaRPr>
+          </a:p>
+          <a:p>
+            <a:pPr lvl="1"/>
+            <a:endParaRPr lang="ko-KR" altLang="en-US"/>
           </a:p>
         </p:txBody>
       </p:sp>
       <p:pic>
         <p:nvPicPr>
-          <p:cNvPr id="4" name="그림 3">
+          <p:cNvPr id="7" name="Picture 7">
             <a:extLst>
               <a:ext uri="{FF2B5EF4-FFF2-40B4-BE49-F238E27FC236}">
-                <a16:creationId xmlns:a16="http://schemas.microsoft.com/office/drawing/2014/main" id="{C657E0B7-4AF5-44DC-BF57-3CD347BB9760}"/>
+                <a16:creationId xmlns:a16="http://schemas.microsoft.com/office/drawing/2014/main" id="{68CA6DE7-B7FD-4B21-9F47-D5A6CF3106D0}"/>
               </a:ext>
             </a:extLst>
           </p:cNvPr>
@@ -5466,8 +7717,8 @@
         </p:blipFill>
         <p:spPr>
           <a:xfrm>
-            <a:off x="1743269" y="2115419"/>
-            <a:ext cx="5375988" cy="4031991"/>
+            <a:off x="5475639" y="1032125"/>
+            <a:ext cx="2949095" cy="5242209"/>
           </a:xfrm>
           <a:prstGeom prst="rect">
             <a:avLst/>
@@ -5477,7 +7728,7 @@
     </p:spTree>
     <p:extLst>
       <p:ext uri="{BB962C8B-B14F-4D97-AF65-F5344CB8AC3E}">
-        <p14:creationId xmlns:p14="http://schemas.microsoft.com/office/powerpoint/2010/main" val="1966372036"/>
+        <p14:creationId xmlns:p14="http://schemas.microsoft.com/office/powerpoint/2010/main" val="3220062217"/>
       </p:ext>
     </p:extLst>
   </p:cSld>
@@ -5538,7 +7789,12 @@
             <p:ph idx="1"/>
           </p:nvPr>
         </p:nvSpPr>
-        <p:spPr/>
+        <p:spPr>
+          <a:xfrm>
+            <a:off x="457200" y="1072326"/>
+            <a:ext cx="8229600" cy="5134634"/>
+          </a:xfrm>
+        </p:spPr>
         <p:txBody>
           <a:bodyPr vert="horz" lIns="91440" tIns="45720" rIns="91440" bIns="45720" rtlCol="0" anchor="t">
             <a:normAutofit/>
@@ -5546,10 +7802,16 @@
           <a:lstStyle/>
           <a:p>
             <a:r>
+              <a:rPr lang="en-US" altLang="ko-KR" dirty="0">
+                <a:ea typeface="맑은 고딕"/>
+              </a:rPr>
+              <a:t>TIMMER </a:t>
+            </a:r>
+            <a:r>
               <a:rPr lang="ko-KR" altLang="en-US" dirty="0">
                 <a:ea typeface="맑은 고딕"/>
               </a:rPr>
-              <a:t>스위치 인터럽트 처리</a:t>
+              <a:t>기능 구현</a:t>
             </a:r>
             <a:endParaRPr lang="en-US" altLang="ko-KR" dirty="0">
               <a:ea typeface="맑은 고딕"/>
@@ -5557,14 +7819,51 @@
           </a:p>
           <a:p>
             <a:pPr lvl="1"/>
+            <a:r>
+              <a:rPr lang="ko-KR" altLang="en-US" dirty="0"/>
+              <a:t>시계 기능 및 다이빙 시간측정을 위한 기능</a:t>
+            </a:r>
+            <a:endParaRPr lang="en-US" altLang="ko-KR" dirty="0"/>
+          </a:p>
+          <a:p>
+            <a:pPr lvl="1"/>
             <a:endParaRPr lang="ko-KR" altLang="en-US" dirty="0"/>
           </a:p>
         </p:txBody>
       </p:sp>
+      <p:pic>
+        <p:nvPicPr>
+          <p:cNvPr id="5" name="그림 4">
+            <a:extLst>
+              <a:ext uri="{FF2B5EF4-FFF2-40B4-BE49-F238E27FC236}">
+                <a16:creationId xmlns:a16="http://schemas.microsoft.com/office/drawing/2014/main" id="{949C8BA1-A512-472E-A07F-F5DE8D9DABAC}"/>
+              </a:ext>
+            </a:extLst>
+          </p:cNvPr>
+          <p:cNvPicPr>
+            <a:picLocks noChangeAspect="1"/>
+          </p:cNvPicPr>
+          <p:nvPr/>
+        </p:nvPicPr>
+        <p:blipFill rotWithShape="1">
+          <a:blip r:embed="rId2"/>
+          <a:srcRect l="4010" t="5157" r="3964" b="7375"/>
+          <a:stretch/>
+        </p:blipFill>
+        <p:spPr>
+          <a:xfrm>
+            <a:off x="606490" y="2107425"/>
+            <a:ext cx="6270171" cy="4475937"/>
+          </a:xfrm>
+          <a:prstGeom prst="rect">
+            <a:avLst/>
+          </a:prstGeom>
+        </p:spPr>
+      </p:pic>
     </p:spTree>
     <p:extLst>
       <p:ext uri="{BB962C8B-B14F-4D97-AF65-F5344CB8AC3E}">
-        <p14:creationId xmlns:p14="http://schemas.microsoft.com/office/powerpoint/2010/main" val="3128655099"/>
+        <p14:creationId xmlns:p14="http://schemas.microsoft.com/office/powerpoint/2010/main" val="1966372036"/>
       </p:ext>
     </p:extLst>
   </p:cSld>
@@ -5610,7 +7909,7 @@
               <a:rPr lang="ko-KR" altLang="en-US" dirty="0">
                 <a:ea typeface="맑은 고딕"/>
               </a:rPr>
-              <a:t>문제점 및 해결방안</a:t>
+              <a:t>진행내용</a:t>
             </a:r>
           </a:p>
         </p:txBody>
@@ -5636,120 +7935,59 @@
               <a:rPr lang="ko-KR" altLang="en-US" dirty="0">
                 <a:ea typeface="맑은 고딕"/>
               </a:rPr>
-              <a:t>압력센서</a:t>
+              <a:t>스위치 </a:t>
+            </a:r>
+            <a:r>
+              <a:rPr lang="ko-KR" altLang="en-US" dirty="0" err="1">
+                <a:ea typeface="맑은 고딕"/>
+              </a:rPr>
+              <a:t>채터링</a:t>
+            </a:r>
+            <a:r>
+              <a:rPr lang="ko-KR" altLang="en-US" dirty="0">
+                <a:ea typeface="맑은 고딕"/>
+              </a:rPr>
+              <a:t> 및 인터럽트 처리</a:t>
             </a:r>
             <a:endParaRPr lang="en-US" altLang="ko-KR" dirty="0">
               <a:ea typeface="맑은 고딕"/>
             </a:endParaRPr>
           </a:p>
-          <a:p>
-            <a:pPr lvl="1"/>
-            <a:r>
-              <a:rPr lang="ko-KR" altLang="en-US" dirty="0">
-                <a:ea typeface="맑은 고딕"/>
-              </a:rPr>
-              <a:t>크기가 너무 작아 손뗌 작업이 어려움</a:t>
-            </a:r>
-            <a:r>
-              <a:rPr lang="en-US" altLang="ko-KR" dirty="0">
-                <a:ea typeface="맑은 고딕"/>
-              </a:rPr>
-              <a:t>.</a:t>
-            </a:r>
-          </a:p>
-          <a:p>
-            <a:pPr marL="457200" lvl="1" indent="0">
-              <a:buNone/>
-            </a:pPr>
-            <a:r>
-              <a:rPr lang="en-US" altLang="ko-KR" dirty="0">
-                <a:ea typeface="맑은 고딕"/>
-              </a:rPr>
-              <a:t>(</a:t>
-            </a:r>
-            <a:r>
-              <a:rPr lang="ko-KR" altLang="en-US" dirty="0">
-                <a:ea typeface="맑은 고딕"/>
-              </a:rPr>
-              <a:t>규격 </a:t>
-            </a:r>
-            <a:r>
-              <a:rPr lang="en-US" altLang="ko-KR" dirty="0">
-                <a:ea typeface="맑은 고딕"/>
-              </a:rPr>
-              <a:t>: 6.4x6.2mm, </a:t>
-            </a:r>
-            <a:r>
-              <a:rPr lang="ko-KR" altLang="en-US" dirty="0">
-                <a:ea typeface="맑은 고딕"/>
-              </a:rPr>
-              <a:t>핀 두께 </a:t>
-            </a:r>
-            <a:r>
-              <a:rPr lang="en-US" altLang="ko-KR" dirty="0">
-                <a:ea typeface="맑은 고딕"/>
-              </a:rPr>
-              <a:t>: 0.7mm,</a:t>
-            </a:r>
-            <a:r>
-              <a:rPr lang="ko-KR" altLang="en-US" dirty="0">
-                <a:ea typeface="맑은 고딕"/>
-              </a:rPr>
-              <a:t> 피치 </a:t>
-            </a:r>
-            <a:r>
-              <a:rPr lang="en-US" altLang="ko-KR" dirty="0">
-                <a:ea typeface="맑은 고딕"/>
-              </a:rPr>
-              <a:t>:</a:t>
-            </a:r>
-            <a:r>
-              <a:rPr lang="ko-KR" altLang="en-US" dirty="0">
-                <a:ea typeface="맑은 고딕"/>
-              </a:rPr>
-              <a:t> </a:t>
-            </a:r>
-            <a:r>
-              <a:rPr lang="en-US" altLang="ko-KR" dirty="0">
-                <a:ea typeface="맑은 고딕"/>
-              </a:rPr>
-              <a:t>1.25mm)</a:t>
-            </a:r>
-          </a:p>
-          <a:p>
-            <a:pPr marL="457200" lvl="1" indent="0">
-              <a:buNone/>
-            </a:pPr>
-            <a:endParaRPr lang="en-US" altLang="ko-KR" dirty="0">
-              <a:ea typeface="맑은 고딕"/>
-            </a:endParaRPr>
-          </a:p>
-          <a:p>
-            <a:r>
-              <a:rPr lang="ko-KR" altLang="en-US" dirty="0">
-                <a:ea typeface="맑은 고딕"/>
-              </a:rPr>
-              <a:t>해결방안</a:t>
-            </a:r>
-            <a:endParaRPr lang="en-US" altLang="ko-KR" dirty="0">
-              <a:ea typeface="맑은 고딕"/>
-            </a:endParaRPr>
-          </a:p>
-          <a:p>
-            <a:pPr lvl="1"/>
-            <a:r>
-              <a:rPr lang="ko-KR" altLang="en-US" dirty="0">
-                <a:ea typeface="맑은 고딕"/>
-              </a:rPr>
-              <a:t>변환기판 주문 및 다른 부분 먼저 진행 </a:t>
-            </a:r>
-          </a:p>
         </p:txBody>
       </p:sp>
+      <p:pic>
+        <p:nvPicPr>
+          <p:cNvPr id="4" name="그림 3">
+            <a:extLst>
+              <a:ext uri="{FF2B5EF4-FFF2-40B4-BE49-F238E27FC236}">
+                <a16:creationId xmlns:a16="http://schemas.microsoft.com/office/drawing/2014/main" id="{4876E2EA-38DD-4521-BB81-0977DA008E53}"/>
+              </a:ext>
+            </a:extLst>
+          </p:cNvPr>
+          <p:cNvPicPr>
+            <a:picLocks noChangeAspect="1"/>
+          </p:cNvPicPr>
+          <p:nvPr/>
+        </p:nvPicPr>
+        <p:blipFill rotWithShape="1">
+          <a:blip r:embed="rId2"/>
+          <a:srcRect l="5000" t="4005" r="5000" b="6259"/>
+          <a:stretch/>
+        </p:blipFill>
+        <p:spPr>
+          <a:xfrm>
+            <a:off x="559835" y="1793499"/>
+            <a:ext cx="6260843" cy="4681903"/>
+          </a:xfrm>
+          <a:prstGeom prst="rect">
+            <a:avLst/>
+          </a:prstGeom>
+        </p:spPr>
+      </p:pic>
     </p:spTree>
     <p:extLst>
       <p:ext uri="{BB962C8B-B14F-4D97-AF65-F5344CB8AC3E}">
-        <p14:creationId xmlns:p14="http://schemas.microsoft.com/office/powerpoint/2010/main" val="688106783"/>
+        <p14:creationId xmlns:p14="http://schemas.microsoft.com/office/powerpoint/2010/main" val="3128655099"/>
       </p:ext>
     </p:extLst>
   </p:cSld>

--- a/발표관련/임베디드_중간보고.pptx
+++ b/발표관련/임베디드_중간보고.pptx
@@ -5,21 +5,25 @@
     <p:sldMasterId id="2147483672" r:id="rId1"/>
   </p:sldMasterIdLst>
   <p:notesMasterIdLst>
-    <p:notesMasterId r:id="rId14"/>
+    <p:notesMasterId r:id="rId18"/>
   </p:notesMasterIdLst>
   <p:sldIdLst>
     <p:sldId id="256" r:id="rId2"/>
     <p:sldId id="263" r:id="rId3"/>
     <p:sldId id="257" r:id="rId4"/>
     <p:sldId id="355" r:id="rId5"/>
-    <p:sldId id="357" r:id="rId6"/>
-    <p:sldId id="356" r:id="rId7"/>
-    <p:sldId id="350" r:id="rId8"/>
+    <p:sldId id="356" r:id="rId6"/>
+    <p:sldId id="350" r:id="rId7"/>
+    <p:sldId id="357" r:id="rId8"/>
     <p:sldId id="351" r:id="rId9"/>
     <p:sldId id="352" r:id="rId10"/>
-    <p:sldId id="268" r:id="rId11"/>
-    <p:sldId id="353" r:id="rId12"/>
-    <p:sldId id="358" r:id="rId13"/>
+    <p:sldId id="358" r:id="rId11"/>
+    <p:sldId id="359" r:id="rId12"/>
+    <p:sldId id="362" r:id="rId13"/>
+    <p:sldId id="268" r:id="rId14"/>
+    <p:sldId id="363" r:id="rId15"/>
+    <p:sldId id="353" r:id="rId16"/>
+    <p:sldId id="266" r:id="rId17"/>
   </p:sldIdLst>
   <p:sldSz cx="9144000" cy="6858000" type="screen4x3"/>
   <p:notesSz cx="6858000" cy="9144000"/>
@@ -140,9 +144,786 @@
 <file path=ppt/revisionInfo.xml><?xml version="1.0" encoding="utf-8"?>
 <p1510:revInfo xmlns:a="http://schemas.openxmlformats.org/drawingml/2006/main" xmlns:r="http://schemas.openxmlformats.org/officeDocument/2006/relationships" xmlns:p1510="http://schemas.microsoft.com/office/powerpoint/2015/10/main">
   <p1510:revLst>
-    <p1510:client id="{B79569A3-0971-4CA4-B77D-3153B22BE60A}" v="594" dt="2019-05-06T11:02:28.914"/>
+    <p1510:client id="{1788F2D6-5D3E-C64A-D703-66255140CE06}" v="124" dt="2019-05-28T23:06:19.659"/>
+    <p1510:client id="{49709161-BF0B-8EFF-96E5-113D6B0F60B7}" v="100" dt="2019-05-28T23:22:34.825"/>
+    <p1510:client id="{A94B12D9-1638-4129-946A-A013B1EACD48}" v="459" dt="2019-05-28T23:36:16.696"/>
   </p1510:revLst>
 </p1510:revInfo>
+</file>
+
+<file path=ppt/changesInfos/changesInfo1.xml><?xml version="1.0" encoding="utf-8"?>
+<pc:chgInfo xmlns:a="http://schemas.openxmlformats.org/drawingml/2006/main" xmlns:r="http://schemas.openxmlformats.org/officeDocument/2006/relationships" xmlns:ac="http://schemas.microsoft.com/office/drawing/2013/main/command" xmlns:pc="http://schemas.microsoft.com/office/powerpoint/2013/main/command">
+  <pc:docChgLst>
+    <pc:chgData name="게스트 사용자" userId="S::urn:spo:anon#ff82b43eab5ec563bd5b0a8a35785af3bac6fc8402275b76f0fb620b7de56442::" providerId="AD" clId="Web-{49709161-BF0B-8EFF-96E5-113D6B0F60B7}"/>
+    <pc:docChg chg="modSld">
+      <pc:chgData name="게스트 사용자" userId="S::urn:spo:anon#ff82b43eab5ec563bd5b0a8a35785af3bac6fc8402275b76f0fb620b7de56442::" providerId="AD" clId="Web-{49709161-BF0B-8EFF-96E5-113D6B0F60B7}" dt="2019-05-28T23:22:34.825" v="89" actId="20577"/>
+      <pc:docMkLst>
+        <pc:docMk/>
+      </pc:docMkLst>
+      <pc:sldChg chg="modSp">
+        <pc:chgData name="게스트 사용자" userId="S::urn:spo:anon#ff82b43eab5ec563bd5b0a8a35785af3bac6fc8402275b76f0fb620b7de56442::" providerId="AD" clId="Web-{49709161-BF0B-8EFF-96E5-113D6B0F60B7}" dt="2019-05-28T23:20:16.620" v="38" actId="20577"/>
+        <pc:sldMkLst>
+          <pc:docMk/>
+          <pc:sldMk cId="1090132190" sldId="257"/>
+        </pc:sldMkLst>
+        <pc:spChg chg="mod">
+          <ac:chgData name="게스트 사용자" userId="S::urn:spo:anon#ff82b43eab5ec563bd5b0a8a35785af3bac6fc8402275b76f0fb620b7de56442::" providerId="AD" clId="Web-{49709161-BF0B-8EFF-96E5-113D6B0F60B7}" dt="2019-05-28T23:20:16.620" v="38" actId="20577"/>
+          <ac:spMkLst>
+            <pc:docMk/>
+            <pc:sldMk cId="1090132190" sldId="257"/>
+            <ac:spMk id="3" creationId="{00000000-0000-0000-0000-000000000000}"/>
+          </ac:spMkLst>
+        </pc:spChg>
+      </pc:sldChg>
+      <pc:sldChg chg="modSp">
+        <pc:chgData name="게스트 사용자" userId="S::urn:spo:anon#ff82b43eab5ec563bd5b0a8a35785af3bac6fc8402275b76f0fb620b7de56442::" providerId="AD" clId="Web-{49709161-BF0B-8EFF-96E5-113D6B0F60B7}" dt="2019-05-28T23:22:34.825" v="88" actId="20577"/>
+        <pc:sldMkLst>
+          <pc:docMk/>
+          <pc:sldMk cId="578802433" sldId="266"/>
+        </pc:sldMkLst>
+        <pc:spChg chg="mod">
+          <ac:chgData name="게스트 사용자" userId="S::urn:spo:anon#ff82b43eab5ec563bd5b0a8a35785af3bac6fc8402275b76f0fb620b7de56442::" providerId="AD" clId="Web-{49709161-BF0B-8EFF-96E5-113D6B0F60B7}" dt="2019-05-28T23:22:34.825" v="88" actId="20577"/>
+          <ac:spMkLst>
+            <pc:docMk/>
+            <pc:sldMk cId="578802433" sldId="266"/>
+            <ac:spMk id="3" creationId="{00000000-0000-0000-0000-000000000000}"/>
+          </ac:spMkLst>
+        </pc:spChg>
+      </pc:sldChg>
+      <pc:sldChg chg="modSp">
+        <pc:chgData name="게스트 사용자" userId="S::urn:spo:anon#ff82b43eab5ec563bd5b0a8a35785af3bac6fc8402275b76f0fb620b7de56442::" providerId="AD" clId="Web-{49709161-BF0B-8EFF-96E5-113D6B0F60B7}" dt="2019-05-28T23:21:09.246" v="59" actId="1076"/>
+        <pc:sldMkLst>
+          <pc:docMk/>
+          <pc:sldMk cId="913449435" sldId="350"/>
+        </pc:sldMkLst>
+        <pc:spChg chg="mod">
+          <ac:chgData name="게스트 사용자" userId="S::urn:spo:anon#ff82b43eab5ec563bd5b0a8a35785af3bac6fc8402275b76f0fb620b7de56442::" providerId="AD" clId="Web-{49709161-BF0B-8EFF-96E5-113D6B0F60B7}" dt="2019-05-28T23:21:06.511" v="57" actId="20577"/>
+          <ac:spMkLst>
+            <pc:docMk/>
+            <pc:sldMk cId="913449435" sldId="350"/>
+            <ac:spMk id="3" creationId="{00000000-0000-0000-0000-000000000000}"/>
+          </ac:spMkLst>
+        </pc:spChg>
+        <pc:picChg chg="mod">
+          <ac:chgData name="게스트 사용자" userId="S::urn:spo:anon#ff82b43eab5ec563bd5b0a8a35785af3bac6fc8402275b76f0fb620b7de56442::" providerId="AD" clId="Web-{49709161-BF0B-8EFF-96E5-113D6B0F60B7}" dt="2019-05-28T23:21:09.246" v="59" actId="1076"/>
+          <ac:picMkLst>
+            <pc:docMk/>
+            <pc:sldMk cId="913449435" sldId="350"/>
+            <ac:picMk id="4" creationId="{8D614D6E-BB40-4E12-9BF6-5D53E01F7D4F}"/>
+          </ac:picMkLst>
+        </pc:picChg>
+      </pc:sldChg>
+      <pc:sldChg chg="modSp">
+        <pc:chgData name="게스트 사용자" userId="S::urn:spo:anon#ff82b43eab5ec563bd5b0a8a35785af3bac6fc8402275b76f0fb620b7de56442::" providerId="AD" clId="Web-{49709161-BF0B-8EFF-96E5-113D6B0F60B7}" dt="2019-05-28T23:20:48.574" v="52"/>
+        <pc:sldMkLst>
+          <pc:docMk/>
+          <pc:sldMk cId="4076125270" sldId="355"/>
+        </pc:sldMkLst>
+        <pc:spChg chg="mod">
+          <ac:chgData name="게스트 사용자" userId="S::urn:spo:anon#ff82b43eab5ec563bd5b0a8a35785af3bac6fc8402275b76f0fb620b7de56442::" providerId="AD" clId="Web-{49709161-BF0B-8EFF-96E5-113D6B0F60B7}" dt="2019-05-28T23:20:30.292" v="43" actId="20577"/>
+          <ac:spMkLst>
+            <pc:docMk/>
+            <pc:sldMk cId="4076125270" sldId="355"/>
+            <ac:spMk id="16" creationId="{05AE9A36-389A-4810-8862-E24D3AE13D84}"/>
+          </ac:spMkLst>
+        </pc:spChg>
+        <pc:graphicFrameChg chg="mod modGraphic">
+          <ac:chgData name="게스트 사용자" userId="S::urn:spo:anon#ff82b43eab5ec563bd5b0a8a35785af3bac6fc8402275b76f0fb620b7de56442::" providerId="AD" clId="Web-{49709161-BF0B-8EFF-96E5-113D6B0F60B7}" dt="2019-05-28T23:20:48.574" v="52"/>
+          <ac:graphicFrameMkLst>
+            <pc:docMk/>
+            <pc:sldMk cId="4076125270" sldId="355"/>
+            <ac:graphicFrameMk id="4" creationId="{5753D496-02AD-40C9-8F4E-5BEFCFDF4421}"/>
+          </ac:graphicFrameMkLst>
+        </pc:graphicFrameChg>
+      </pc:sldChg>
+      <pc:sldChg chg="addSp delSp modSp">
+        <pc:chgData name="게스트 사용자" userId="S::urn:spo:anon#ff82b43eab5ec563bd5b0a8a35785af3bac6fc8402275b76f0fb620b7de56442::" providerId="AD" clId="Web-{49709161-BF0B-8EFF-96E5-113D6B0F60B7}" dt="2019-05-28T23:19:25.792" v="14" actId="20577"/>
+        <pc:sldMkLst>
+          <pc:docMk/>
+          <pc:sldMk cId="1083959210" sldId="356"/>
+        </pc:sldMkLst>
+        <pc:spChg chg="mod">
+          <ac:chgData name="게스트 사용자" userId="S::urn:spo:anon#ff82b43eab5ec563bd5b0a8a35785af3bac6fc8402275b76f0fb620b7de56442::" providerId="AD" clId="Web-{49709161-BF0B-8EFF-96E5-113D6B0F60B7}" dt="2019-05-28T23:19:25.792" v="14" actId="20577"/>
+          <ac:spMkLst>
+            <pc:docMk/>
+            <pc:sldMk cId="1083959210" sldId="356"/>
+            <ac:spMk id="3" creationId="{00000000-0000-0000-0000-000000000000}"/>
+          </ac:spMkLst>
+        </pc:spChg>
+        <pc:picChg chg="del">
+          <ac:chgData name="게스트 사용자" userId="S::urn:spo:anon#ff82b43eab5ec563bd5b0a8a35785af3bac6fc8402275b76f0fb620b7de56442::" providerId="AD" clId="Web-{49709161-BF0B-8EFF-96E5-113D6B0F60B7}" dt="2019-05-28T23:07:07.284" v="7"/>
+          <ac:picMkLst>
+            <pc:docMk/>
+            <pc:sldMk cId="1083959210" sldId="356"/>
+            <ac:picMk id="4" creationId="{FEFBE8F3-B6F3-4BB9-A8B4-9A08690B0F29}"/>
+          </ac:picMkLst>
+        </pc:picChg>
+        <pc:picChg chg="add mod">
+          <ac:chgData name="게스트 사용자" userId="S::urn:spo:anon#ff82b43eab5ec563bd5b0a8a35785af3bac6fc8402275b76f0fb620b7de56442::" providerId="AD" clId="Web-{49709161-BF0B-8EFF-96E5-113D6B0F60B7}" dt="2019-05-28T23:07:25.581" v="11" actId="1076"/>
+          <ac:picMkLst>
+            <pc:docMk/>
+            <pc:sldMk cId="1083959210" sldId="356"/>
+            <ac:picMk id="5" creationId="{F023A6CE-3E11-4AF9-B1FD-3866677386F1}"/>
+          </ac:picMkLst>
+        </pc:picChg>
+      </pc:sldChg>
+      <pc:sldChg chg="addSp delSp modSp">
+        <pc:chgData name="게스트 사용자" userId="S::urn:spo:anon#ff82b43eab5ec563bd5b0a8a35785af3bac6fc8402275b76f0fb620b7de56442::" providerId="AD" clId="Web-{49709161-BF0B-8EFF-96E5-113D6B0F60B7}" dt="2019-05-28T23:06:55.706" v="4" actId="14100"/>
+        <pc:sldMkLst>
+          <pc:docMk/>
+          <pc:sldMk cId="3220062217" sldId="357"/>
+        </pc:sldMkLst>
+        <pc:picChg chg="add del">
+          <ac:chgData name="게스트 사용자" userId="S::urn:spo:anon#ff82b43eab5ec563bd5b0a8a35785af3bac6fc8402275b76f0fb620b7de56442::" providerId="AD" clId="Web-{49709161-BF0B-8EFF-96E5-113D6B0F60B7}" dt="2019-05-28T23:06:51.269" v="3"/>
+          <ac:picMkLst>
+            <pc:docMk/>
+            <pc:sldMk cId="3220062217" sldId="357"/>
+            <ac:picMk id="5" creationId="{0A0E8F09-589E-4173-8CBB-A1A9EA5D159B}"/>
+          </ac:picMkLst>
+        </pc:picChg>
+        <pc:picChg chg="mod">
+          <ac:chgData name="게스트 사용자" userId="S::urn:spo:anon#ff82b43eab5ec563bd5b0a8a35785af3bac6fc8402275b76f0fb620b7de56442::" providerId="AD" clId="Web-{49709161-BF0B-8EFF-96E5-113D6B0F60B7}" dt="2019-05-28T23:06:55.706" v="4" actId="14100"/>
+          <ac:picMkLst>
+            <pc:docMk/>
+            <pc:sldMk cId="3220062217" sldId="357"/>
+            <ac:picMk id="7" creationId="{68CA6DE7-B7FD-4B21-9F47-D5A6CF3106D0}"/>
+          </ac:picMkLst>
+        </pc:picChg>
+      </pc:sldChg>
+    </pc:docChg>
+  </pc:docChgLst>
+  <pc:docChgLst>
+    <pc:chgData name="현호 임" userId="d12fd96a-857e-4157-8089-84cefa2f0fc3" providerId="ADAL" clId="{A94B12D9-1638-4129-946A-A013B1EACD48}"/>
+    <pc:docChg chg="undo custSel addSld delSld modSld">
+      <pc:chgData name="현호 임" userId="d12fd96a-857e-4157-8089-84cefa2f0fc3" providerId="ADAL" clId="{A94B12D9-1638-4129-946A-A013B1EACD48}" dt="2019-05-28T23:36:16.696" v="458" actId="20577"/>
+      <pc:docMkLst>
+        <pc:docMk/>
+      </pc:docMkLst>
+      <pc:sldChg chg="modSp">
+        <pc:chgData name="현호 임" userId="d12fd96a-857e-4157-8089-84cefa2f0fc3" providerId="ADAL" clId="{A94B12D9-1638-4129-946A-A013B1EACD48}" dt="2019-05-28T22:55:41.517" v="13"/>
+        <pc:sldMkLst>
+          <pc:docMk/>
+          <pc:sldMk cId="2366643029" sldId="256"/>
+        </pc:sldMkLst>
+        <pc:spChg chg="mod">
+          <ac:chgData name="현호 임" userId="d12fd96a-857e-4157-8089-84cefa2f0fc3" providerId="ADAL" clId="{A94B12D9-1638-4129-946A-A013B1EACD48}" dt="2019-05-28T22:55:41.517" v="13"/>
+          <ac:spMkLst>
+            <pc:docMk/>
+            <pc:sldMk cId="2366643029" sldId="256"/>
+            <ac:spMk id="3" creationId="{00000000-0000-0000-0000-000000000000}"/>
+          </ac:spMkLst>
+        </pc:spChg>
+      </pc:sldChg>
+      <pc:sldChg chg="modSp">
+        <pc:chgData name="현호 임" userId="d12fd96a-857e-4157-8089-84cefa2f0fc3" providerId="ADAL" clId="{A94B12D9-1638-4129-946A-A013B1EACD48}" dt="2019-05-28T22:55:58.629" v="18" actId="20577"/>
+        <pc:sldMkLst>
+          <pc:docMk/>
+          <pc:sldMk cId="963093677" sldId="263"/>
+        </pc:sldMkLst>
+        <pc:spChg chg="mod">
+          <ac:chgData name="현호 임" userId="d12fd96a-857e-4157-8089-84cefa2f0fc3" providerId="ADAL" clId="{A94B12D9-1638-4129-946A-A013B1EACD48}" dt="2019-05-28T22:55:55.201" v="14" actId="122"/>
+          <ac:spMkLst>
+            <pc:docMk/>
+            <pc:sldMk cId="963093677" sldId="263"/>
+            <ac:spMk id="2" creationId="{005641E3-1FEF-4E6C-96DA-C3D0DFDCCE3D}"/>
+          </ac:spMkLst>
+        </pc:spChg>
+        <pc:spChg chg="mod">
+          <ac:chgData name="현호 임" userId="d12fd96a-857e-4157-8089-84cefa2f0fc3" providerId="ADAL" clId="{A94B12D9-1638-4129-946A-A013B1EACD48}" dt="2019-05-28T22:55:58.629" v="18" actId="20577"/>
+          <ac:spMkLst>
+            <pc:docMk/>
+            <pc:sldMk cId="963093677" sldId="263"/>
+            <ac:spMk id="3" creationId="{4025105C-040D-4345-9F02-FE193F1E8D6B}"/>
+          </ac:spMkLst>
+        </pc:spChg>
+      </pc:sldChg>
+      <pc:sldChg chg="modSp">
+        <pc:chgData name="현호 임" userId="d12fd96a-857e-4157-8089-84cefa2f0fc3" providerId="ADAL" clId="{A94B12D9-1638-4129-946A-A013B1EACD48}" dt="2019-05-28T23:36:16.696" v="458" actId="20577"/>
+        <pc:sldMkLst>
+          <pc:docMk/>
+          <pc:sldMk cId="578802433" sldId="266"/>
+        </pc:sldMkLst>
+        <pc:spChg chg="mod">
+          <ac:chgData name="현호 임" userId="d12fd96a-857e-4157-8089-84cefa2f0fc3" providerId="ADAL" clId="{A94B12D9-1638-4129-946A-A013B1EACD48}" dt="2019-05-28T23:36:16.696" v="458" actId="20577"/>
+          <ac:spMkLst>
+            <pc:docMk/>
+            <pc:sldMk cId="578802433" sldId="266"/>
+            <ac:spMk id="3" creationId="{00000000-0000-0000-0000-000000000000}"/>
+          </ac:spMkLst>
+        </pc:spChg>
+      </pc:sldChg>
+      <pc:sldChg chg="addSp delSp modSp">
+        <pc:chgData name="현호 임" userId="d12fd96a-857e-4157-8089-84cefa2f0fc3" providerId="ADAL" clId="{A94B12D9-1638-4129-946A-A013B1EACD48}" dt="2019-05-28T23:34:57.170" v="438" actId="1076"/>
+        <pc:sldMkLst>
+          <pc:docMk/>
+          <pc:sldMk cId="688106783" sldId="268"/>
+        </pc:sldMkLst>
+        <pc:spChg chg="mod">
+          <ac:chgData name="현호 임" userId="d12fd96a-857e-4157-8089-84cefa2f0fc3" providerId="ADAL" clId="{A94B12D9-1638-4129-946A-A013B1EACD48}" dt="2019-05-28T23:34:41.370" v="430" actId="20577"/>
+          <ac:spMkLst>
+            <pc:docMk/>
+            <pc:sldMk cId="688106783" sldId="268"/>
+            <ac:spMk id="3" creationId="{00000000-0000-0000-0000-000000000000}"/>
+          </ac:spMkLst>
+        </pc:spChg>
+        <pc:picChg chg="add del mod">
+          <ac:chgData name="현호 임" userId="d12fd96a-857e-4157-8089-84cefa2f0fc3" providerId="ADAL" clId="{A94B12D9-1638-4129-946A-A013B1EACD48}" dt="2019-05-28T23:34:36.543" v="428"/>
+          <ac:picMkLst>
+            <pc:docMk/>
+            <pc:sldMk cId="688106783" sldId="268"/>
+            <ac:picMk id="4" creationId="{D68888C8-62D6-4E37-9C19-146A15CBBAAC}"/>
+          </ac:picMkLst>
+        </pc:picChg>
+        <pc:picChg chg="add mod">
+          <ac:chgData name="현호 임" userId="d12fd96a-857e-4157-8089-84cefa2f0fc3" providerId="ADAL" clId="{A94B12D9-1638-4129-946A-A013B1EACD48}" dt="2019-05-28T23:34:57.170" v="438" actId="1076"/>
+          <ac:picMkLst>
+            <pc:docMk/>
+            <pc:sldMk cId="688106783" sldId="268"/>
+            <ac:picMk id="5" creationId="{A33539AA-60B9-4C80-B017-B9F5CEB64EBC}"/>
+          </ac:picMkLst>
+        </pc:picChg>
+      </pc:sldChg>
+      <pc:sldChg chg="addSp delSp modSp">
+        <pc:chgData name="현호 임" userId="d12fd96a-857e-4157-8089-84cefa2f0fc3" providerId="ADAL" clId="{A94B12D9-1638-4129-946A-A013B1EACD48}" dt="2019-05-28T23:30:34.369" v="344" actId="1076"/>
+        <pc:sldMkLst>
+          <pc:docMk/>
+          <pc:sldMk cId="1966372036" sldId="351"/>
+        </pc:sldMkLst>
+        <pc:spChg chg="mod">
+          <ac:chgData name="현호 임" userId="d12fd96a-857e-4157-8089-84cefa2f0fc3" providerId="ADAL" clId="{A94B12D9-1638-4129-946A-A013B1EACD48}" dt="2019-05-28T23:30:20.957" v="338" actId="1076"/>
+          <ac:spMkLst>
+            <pc:docMk/>
+            <pc:sldMk cId="1966372036" sldId="351"/>
+            <ac:spMk id="3" creationId="{00000000-0000-0000-0000-000000000000}"/>
+          </ac:spMkLst>
+        </pc:spChg>
+        <pc:picChg chg="del mod">
+          <ac:chgData name="현호 임" userId="d12fd96a-857e-4157-8089-84cefa2f0fc3" providerId="ADAL" clId="{A94B12D9-1638-4129-946A-A013B1EACD48}" dt="2019-05-28T22:59:54.092" v="19" actId="478"/>
+          <ac:picMkLst>
+            <pc:docMk/>
+            <pc:sldMk cId="1966372036" sldId="351"/>
+            <ac:picMk id="4" creationId="{C657E0B7-4AF5-44DC-BF57-3CD347BB9760}"/>
+          </ac:picMkLst>
+        </pc:picChg>
+        <pc:picChg chg="add mod modCrop">
+          <ac:chgData name="현호 임" userId="d12fd96a-857e-4157-8089-84cefa2f0fc3" providerId="ADAL" clId="{A94B12D9-1638-4129-946A-A013B1EACD48}" dt="2019-05-28T23:30:34.369" v="344" actId="1076"/>
+          <ac:picMkLst>
+            <pc:docMk/>
+            <pc:sldMk cId="1966372036" sldId="351"/>
+            <ac:picMk id="5" creationId="{949C8BA1-A512-472E-A07F-F5DE8D9DABAC}"/>
+          </ac:picMkLst>
+        </pc:picChg>
+        <pc:picChg chg="add del mod">
+          <ac:chgData name="현호 임" userId="d12fd96a-857e-4157-8089-84cefa2f0fc3" providerId="ADAL" clId="{A94B12D9-1638-4129-946A-A013B1EACD48}" dt="2019-05-28T23:30:26.370" v="339" actId="478"/>
+          <ac:picMkLst>
+            <pc:docMk/>
+            <pc:sldMk cId="1966372036" sldId="351"/>
+            <ac:picMk id="6" creationId="{120168BF-969D-4050-9BF6-0ADBD4205D34}"/>
+          </ac:picMkLst>
+        </pc:picChg>
+        <pc:picChg chg="add del mod ord">
+          <ac:chgData name="현호 임" userId="d12fd96a-857e-4157-8089-84cefa2f0fc3" providerId="ADAL" clId="{A94B12D9-1638-4129-946A-A013B1EACD48}" dt="2019-05-28T23:30:26.717" v="340" actId="478"/>
+          <ac:picMkLst>
+            <pc:docMk/>
+            <pc:sldMk cId="1966372036" sldId="351"/>
+            <ac:picMk id="7" creationId="{D9E136A3-3843-4F5D-901A-A4C0D26D11BD}"/>
+          </ac:picMkLst>
+        </pc:picChg>
+      </pc:sldChg>
+      <pc:sldChg chg="addSp modSp">
+        <pc:chgData name="현호 임" userId="d12fd96a-857e-4157-8089-84cefa2f0fc3" providerId="ADAL" clId="{A94B12D9-1638-4129-946A-A013B1EACD48}" dt="2019-05-28T23:31:17.568" v="400"/>
+        <pc:sldMkLst>
+          <pc:docMk/>
+          <pc:sldMk cId="3128655099" sldId="352"/>
+        </pc:sldMkLst>
+        <pc:spChg chg="mod">
+          <ac:chgData name="현호 임" userId="d12fd96a-857e-4157-8089-84cefa2f0fc3" providerId="ADAL" clId="{A94B12D9-1638-4129-946A-A013B1EACD48}" dt="2019-05-28T23:31:17.568" v="400"/>
+          <ac:spMkLst>
+            <pc:docMk/>
+            <pc:sldMk cId="3128655099" sldId="352"/>
+            <ac:spMk id="3" creationId="{00000000-0000-0000-0000-000000000000}"/>
+          </ac:spMkLst>
+        </pc:spChg>
+        <pc:picChg chg="add mod modCrop">
+          <ac:chgData name="현호 임" userId="d12fd96a-857e-4157-8089-84cefa2f0fc3" providerId="ADAL" clId="{A94B12D9-1638-4129-946A-A013B1EACD48}" dt="2019-05-28T23:30:41.267" v="346" actId="1076"/>
+          <ac:picMkLst>
+            <pc:docMk/>
+            <pc:sldMk cId="3128655099" sldId="352"/>
+            <ac:picMk id="4" creationId="{4876E2EA-38DD-4521-BB81-0977DA008E53}"/>
+          </ac:picMkLst>
+        </pc:picChg>
+      </pc:sldChg>
+      <pc:sldChg chg="addSp delSp modSp add">
+        <pc:chgData name="현호 임" userId="d12fd96a-857e-4157-8089-84cefa2f0fc3" providerId="ADAL" clId="{A94B12D9-1638-4129-946A-A013B1EACD48}" dt="2019-05-28T23:31:38.104" v="401" actId="14100"/>
+        <pc:sldMkLst>
+          <pc:docMk/>
+          <pc:sldMk cId="714278594" sldId="358"/>
+        </pc:sldMkLst>
+        <pc:spChg chg="del">
+          <ac:chgData name="현호 임" userId="d12fd96a-857e-4157-8089-84cefa2f0fc3" providerId="ADAL" clId="{A94B12D9-1638-4129-946A-A013B1EACD48}" dt="2019-05-28T23:06:07.399" v="46" actId="478"/>
+          <ac:spMkLst>
+            <pc:docMk/>
+            <pc:sldMk cId="714278594" sldId="358"/>
+            <ac:spMk id="2" creationId="{85129A67-4547-4A7B-B871-93C2BA47DF2E}"/>
+          </ac:spMkLst>
+        </pc:spChg>
+        <pc:spChg chg="del">
+          <ac:chgData name="현호 임" userId="d12fd96a-857e-4157-8089-84cefa2f0fc3" providerId="ADAL" clId="{A94B12D9-1638-4129-946A-A013B1EACD48}" dt="2019-05-28T23:06:06.387" v="45" actId="478"/>
+          <ac:spMkLst>
+            <pc:docMk/>
+            <pc:sldMk cId="714278594" sldId="358"/>
+            <ac:spMk id="3" creationId="{8D293A86-F989-4509-9564-E9A2B9B8363F}"/>
+          </ac:spMkLst>
+        </pc:spChg>
+        <pc:spChg chg="add mod">
+          <ac:chgData name="현호 임" userId="d12fd96a-857e-4157-8089-84cefa2f0fc3" providerId="ADAL" clId="{A94B12D9-1638-4129-946A-A013B1EACD48}" dt="2019-05-28T23:06:22.949" v="62"/>
+          <ac:spMkLst>
+            <pc:docMk/>
+            <pc:sldMk cId="714278594" sldId="358"/>
+            <ac:spMk id="5" creationId="{C8650DD3-1BAA-4F4D-9D9E-06D3D26852FF}"/>
+          </ac:spMkLst>
+        </pc:spChg>
+        <pc:picChg chg="add mod">
+          <ac:chgData name="현호 임" userId="d12fd96a-857e-4157-8089-84cefa2f0fc3" providerId="ADAL" clId="{A94B12D9-1638-4129-946A-A013B1EACD48}" dt="2019-05-28T23:31:38.104" v="401" actId="14100"/>
+          <ac:picMkLst>
+            <pc:docMk/>
+            <pc:sldMk cId="714278594" sldId="358"/>
+            <ac:picMk id="4" creationId="{53BC07B6-0629-49C1-8392-BA555E50ED57}"/>
+          </ac:picMkLst>
+        </pc:picChg>
+      </pc:sldChg>
+      <pc:sldChg chg="addSp delSp modSp add">
+        <pc:chgData name="현호 임" userId="d12fd96a-857e-4157-8089-84cefa2f0fc3" providerId="ADAL" clId="{A94B12D9-1638-4129-946A-A013B1EACD48}" dt="2019-05-28T23:31:50.278" v="403" actId="1037"/>
+        <pc:sldMkLst>
+          <pc:docMk/>
+          <pc:sldMk cId="723081135" sldId="359"/>
+        </pc:sldMkLst>
+        <pc:spChg chg="add mod">
+          <ac:chgData name="현호 임" userId="d12fd96a-857e-4157-8089-84cefa2f0fc3" providerId="ADAL" clId="{A94B12D9-1638-4129-946A-A013B1EACD48}" dt="2019-05-28T23:13:30.810" v="192" actId="1076"/>
+          <ac:spMkLst>
+            <pc:docMk/>
+            <pc:sldMk cId="723081135" sldId="359"/>
+            <ac:spMk id="6" creationId="{B32C8F10-EFEA-4482-8299-9B6FE876EA0D}"/>
+          </ac:spMkLst>
+        </pc:spChg>
+        <pc:spChg chg="add mod">
+          <ac:chgData name="현호 임" userId="d12fd96a-857e-4157-8089-84cefa2f0fc3" providerId="ADAL" clId="{A94B12D9-1638-4129-946A-A013B1EACD48}" dt="2019-05-28T23:13:24.714" v="190" actId="1076"/>
+          <ac:spMkLst>
+            <pc:docMk/>
+            <pc:sldMk cId="723081135" sldId="359"/>
+            <ac:spMk id="7" creationId="{BFC7D107-FD6E-427B-B08D-A2E44E3CEF65}"/>
+          </ac:spMkLst>
+        </pc:spChg>
+        <pc:spChg chg="add mod">
+          <ac:chgData name="현호 임" userId="d12fd96a-857e-4157-8089-84cefa2f0fc3" providerId="ADAL" clId="{A94B12D9-1638-4129-946A-A013B1EACD48}" dt="2019-05-28T23:14:20.422" v="203" actId="1036"/>
+          <ac:spMkLst>
+            <pc:docMk/>
+            <pc:sldMk cId="723081135" sldId="359"/>
+            <ac:spMk id="8" creationId="{FAC4FE8C-84B1-4E33-B6AE-8247987992D4}"/>
+          </ac:spMkLst>
+        </pc:spChg>
+        <pc:spChg chg="add mod">
+          <ac:chgData name="현호 임" userId="d12fd96a-857e-4157-8089-84cefa2f0fc3" providerId="ADAL" clId="{A94B12D9-1638-4129-946A-A013B1EACD48}" dt="2019-05-28T23:31:50.278" v="403" actId="1037"/>
+          <ac:spMkLst>
+            <pc:docMk/>
+            <pc:sldMk cId="723081135" sldId="359"/>
+            <ac:spMk id="10" creationId="{FEFD7543-91B8-4DC1-99A4-8A6320C8AA71}"/>
+          </ac:spMkLst>
+        </pc:spChg>
+        <pc:spChg chg="add mod">
+          <ac:chgData name="현호 임" userId="d12fd96a-857e-4157-8089-84cefa2f0fc3" providerId="ADAL" clId="{A94B12D9-1638-4129-946A-A013B1EACD48}" dt="2019-05-28T23:14:25.377" v="204" actId="571"/>
+          <ac:spMkLst>
+            <pc:docMk/>
+            <pc:sldMk cId="723081135" sldId="359"/>
+            <ac:spMk id="12" creationId="{D9FACC3B-CDF1-4EE5-BDBB-71D5CCA10618}"/>
+          </ac:spMkLst>
+        </pc:spChg>
+        <pc:spChg chg="add mod">
+          <ac:chgData name="현호 임" userId="d12fd96a-857e-4157-8089-84cefa2f0fc3" providerId="ADAL" clId="{A94B12D9-1638-4129-946A-A013B1EACD48}" dt="2019-05-28T23:14:30.577" v="205" actId="571"/>
+          <ac:spMkLst>
+            <pc:docMk/>
+            <pc:sldMk cId="723081135" sldId="359"/>
+            <ac:spMk id="13" creationId="{BACB5D68-CC46-444E-95E5-1A67F0A9EAC7}"/>
+          </ac:spMkLst>
+        </pc:spChg>
+        <pc:spChg chg="add mod">
+          <ac:chgData name="현호 임" userId="d12fd96a-857e-4157-8089-84cefa2f0fc3" providerId="ADAL" clId="{A94B12D9-1638-4129-946A-A013B1EACD48}" dt="2019-05-28T23:15:15.181" v="256" actId="20577"/>
+          <ac:spMkLst>
+            <pc:docMk/>
+            <pc:sldMk cId="723081135" sldId="359"/>
+            <ac:spMk id="14" creationId="{B3EED353-FEA5-4259-88F3-6A4B2CBDBDE6}"/>
+          </ac:spMkLst>
+        </pc:spChg>
+        <pc:spChg chg="add mod">
+          <ac:chgData name="현호 임" userId="d12fd96a-857e-4157-8089-84cefa2f0fc3" providerId="ADAL" clId="{A94B12D9-1638-4129-946A-A013B1EACD48}" dt="2019-05-28T23:15:25.225" v="265" actId="1076"/>
+          <ac:spMkLst>
+            <pc:docMk/>
+            <pc:sldMk cId="723081135" sldId="359"/>
+            <ac:spMk id="15" creationId="{8503349F-1BF8-4918-A28F-B0FA7F8F926A}"/>
+          </ac:spMkLst>
+        </pc:spChg>
+        <pc:picChg chg="add mod">
+          <ac:chgData name="현호 임" userId="d12fd96a-857e-4157-8089-84cefa2f0fc3" providerId="ADAL" clId="{A94B12D9-1638-4129-946A-A013B1EACD48}" dt="2019-05-28T23:13:22.624" v="189" actId="14100"/>
+          <ac:picMkLst>
+            <pc:docMk/>
+            <pc:sldMk cId="723081135" sldId="359"/>
+            <ac:picMk id="2" creationId="{187D03C9-6015-44D4-94DC-A9CBBFF70832}"/>
+          </ac:picMkLst>
+        </pc:picChg>
+        <pc:picChg chg="add del mod">
+          <ac:chgData name="현호 임" userId="d12fd96a-857e-4157-8089-84cefa2f0fc3" providerId="ADAL" clId="{A94B12D9-1638-4129-946A-A013B1EACD48}" dt="2019-05-28T23:13:18.542" v="186" actId="478"/>
+          <ac:picMkLst>
+            <pc:docMk/>
+            <pc:sldMk cId="723081135" sldId="359"/>
+            <ac:picMk id="3" creationId="{AAA459A4-40D6-4DEA-A603-475D17BCAC51}"/>
+          </ac:picMkLst>
+        </pc:picChg>
+        <pc:picChg chg="del">
+          <ac:chgData name="현호 임" userId="d12fd96a-857e-4157-8089-84cefa2f0fc3" providerId="ADAL" clId="{A94B12D9-1638-4129-946A-A013B1EACD48}" dt="2019-05-28T23:06:28.163" v="66" actId="478"/>
+          <ac:picMkLst>
+            <pc:docMk/>
+            <pc:sldMk cId="723081135" sldId="359"/>
+            <ac:picMk id="4" creationId="{53BC07B6-0629-49C1-8392-BA555E50ED57}"/>
+          </ac:picMkLst>
+        </pc:picChg>
+        <pc:picChg chg="add del mod">
+          <ac:chgData name="현호 임" userId="d12fd96a-857e-4157-8089-84cefa2f0fc3" providerId="ADAL" clId="{A94B12D9-1638-4129-946A-A013B1EACD48}" dt="2019-05-28T23:14:08.758" v="198" actId="478"/>
+          <ac:picMkLst>
+            <pc:docMk/>
+            <pc:sldMk cId="723081135" sldId="359"/>
+            <ac:picMk id="9" creationId="{9E16FA64-3F97-45CE-B47B-8762811ACEC4}"/>
+          </ac:picMkLst>
+        </pc:picChg>
+        <pc:picChg chg="add mod">
+          <ac:chgData name="현호 임" userId="d12fd96a-857e-4157-8089-84cefa2f0fc3" providerId="ADAL" clId="{A94B12D9-1638-4129-946A-A013B1EACD48}" dt="2019-05-28T23:14:14.749" v="200" actId="1076"/>
+          <ac:picMkLst>
+            <pc:docMk/>
+            <pc:sldMk cId="723081135" sldId="359"/>
+            <ac:picMk id="11" creationId="{992F69C2-52F2-462C-8CA1-47E1AF5CBF84}"/>
+          </ac:picMkLst>
+        </pc:picChg>
+      </pc:sldChg>
+      <pc:sldChg chg="delSp add del">
+        <pc:chgData name="현호 임" userId="d12fd96a-857e-4157-8089-84cefa2f0fc3" providerId="ADAL" clId="{A94B12D9-1638-4129-946A-A013B1EACD48}" dt="2019-05-28T23:08:34.377" v="115" actId="2696"/>
+        <pc:sldMkLst>
+          <pc:docMk/>
+          <pc:sldMk cId="3578224913" sldId="360"/>
+        </pc:sldMkLst>
+        <pc:picChg chg="del">
+          <ac:chgData name="현호 임" userId="d12fd96a-857e-4157-8089-84cefa2f0fc3" providerId="ADAL" clId="{A94B12D9-1638-4129-946A-A013B1EACD48}" dt="2019-05-28T23:06:27.037" v="65" actId="478"/>
+          <ac:picMkLst>
+            <pc:docMk/>
+            <pc:sldMk cId="3578224913" sldId="360"/>
+            <ac:picMk id="4" creationId="{53BC07B6-0629-49C1-8392-BA555E50ED57}"/>
+          </ac:picMkLst>
+        </pc:picChg>
+      </pc:sldChg>
+      <pc:sldChg chg="add del">
+        <pc:chgData name="현호 임" userId="d12fd96a-857e-4157-8089-84cefa2f0fc3" providerId="ADAL" clId="{A94B12D9-1638-4129-946A-A013B1EACD48}" dt="2019-05-28T23:08:35.305" v="116" actId="2696"/>
+        <pc:sldMkLst>
+          <pc:docMk/>
+          <pc:sldMk cId="2753333772" sldId="361"/>
+        </pc:sldMkLst>
+      </pc:sldChg>
+      <pc:sldChg chg="addSp delSp modSp add">
+        <pc:chgData name="현호 임" userId="d12fd96a-857e-4157-8089-84cefa2f0fc3" providerId="ADAL" clId="{A94B12D9-1638-4129-946A-A013B1EACD48}" dt="2019-05-28T23:16:08.824" v="305" actId="1036"/>
+        <pc:sldMkLst>
+          <pc:docMk/>
+          <pc:sldMk cId="2153266694" sldId="362"/>
+        </pc:sldMkLst>
+        <pc:spChg chg="add mod">
+          <ac:chgData name="현호 임" userId="d12fd96a-857e-4157-8089-84cefa2f0fc3" providerId="ADAL" clId="{A94B12D9-1638-4129-946A-A013B1EACD48}" dt="2019-05-28T23:11:10.841" v="170" actId="20577"/>
+          <ac:spMkLst>
+            <pc:docMk/>
+            <pc:sldMk cId="2153266694" sldId="362"/>
+            <ac:spMk id="4" creationId="{2EB6250D-3B46-4E17-8BA7-EBFE2341F2F1}"/>
+          </ac:spMkLst>
+        </pc:spChg>
+        <pc:spChg chg="add mod">
+          <ac:chgData name="현호 임" userId="d12fd96a-857e-4157-8089-84cefa2f0fc3" providerId="ADAL" clId="{A94B12D9-1638-4129-946A-A013B1EACD48}" dt="2019-05-28T23:09:59.491" v="140" actId="1076"/>
+          <ac:spMkLst>
+            <pc:docMk/>
+            <pc:sldMk cId="2153266694" sldId="362"/>
+            <ac:spMk id="6" creationId="{4AD33C6F-B232-4829-990B-73CA8E083D75}"/>
+          </ac:spMkLst>
+        </pc:spChg>
+        <pc:spChg chg="add mod">
+          <ac:chgData name="현호 임" userId="d12fd96a-857e-4157-8089-84cefa2f0fc3" providerId="ADAL" clId="{A94B12D9-1638-4129-946A-A013B1EACD48}" dt="2019-05-28T23:10:54.436" v="163" actId="1076"/>
+          <ac:spMkLst>
+            <pc:docMk/>
+            <pc:sldMk cId="2153266694" sldId="362"/>
+            <ac:spMk id="7" creationId="{9D00FC47-5D74-4178-ACDF-72EC5509BC51}"/>
+          </ac:spMkLst>
+        </pc:spChg>
+        <pc:spChg chg="add mod">
+          <ac:chgData name="현호 임" userId="d12fd96a-857e-4157-8089-84cefa2f0fc3" providerId="ADAL" clId="{A94B12D9-1638-4129-946A-A013B1EACD48}" dt="2019-05-28T23:15:33.125" v="275" actId="1035"/>
+          <ac:spMkLst>
+            <pc:docMk/>
+            <pc:sldMk cId="2153266694" sldId="362"/>
+            <ac:spMk id="9" creationId="{BACB1C26-E8F9-4F9B-BD61-13C0712931AD}"/>
+          </ac:spMkLst>
+        </pc:spChg>
+        <pc:spChg chg="add mod">
+          <ac:chgData name="현호 임" userId="d12fd96a-857e-4157-8089-84cefa2f0fc3" providerId="ADAL" clId="{A94B12D9-1638-4129-946A-A013B1EACD48}" dt="2019-05-28T23:15:30.293" v="266" actId="1076"/>
+          <ac:spMkLst>
+            <pc:docMk/>
+            <pc:sldMk cId="2153266694" sldId="362"/>
+            <ac:spMk id="10" creationId="{12238D80-99DE-458C-9261-4A8DA820E054}"/>
+          </ac:spMkLst>
+        </pc:spChg>
+        <pc:spChg chg="add mod">
+          <ac:chgData name="현호 임" userId="d12fd96a-857e-4157-8089-84cefa2f0fc3" providerId="ADAL" clId="{A94B12D9-1638-4129-946A-A013B1EACD48}" dt="2019-05-28T23:11:13.746" v="171" actId="571"/>
+          <ac:spMkLst>
+            <pc:docMk/>
+            <pc:sldMk cId="2153266694" sldId="362"/>
+            <ac:spMk id="11" creationId="{388DA72B-FDCC-4F77-B51B-4A9716CEB527}"/>
+          </ac:spMkLst>
+        </pc:spChg>
+        <pc:spChg chg="add mod">
+          <ac:chgData name="현호 임" userId="d12fd96a-857e-4157-8089-84cefa2f0fc3" providerId="ADAL" clId="{A94B12D9-1638-4129-946A-A013B1EACD48}" dt="2019-05-28T23:16:01.079" v="291" actId="1036"/>
+          <ac:spMkLst>
+            <pc:docMk/>
+            <pc:sldMk cId="2153266694" sldId="362"/>
+            <ac:spMk id="12" creationId="{A38D4A9E-8112-4509-87FA-B77ED0B51499}"/>
+          </ac:spMkLst>
+        </pc:spChg>
+        <pc:spChg chg="add mod">
+          <ac:chgData name="현호 임" userId="d12fd96a-857e-4157-8089-84cefa2f0fc3" providerId="ADAL" clId="{A94B12D9-1638-4129-946A-A013B1EACD48}" dt="2019-05-28T23:16:08.824" v="305" actId="1036"/>
+          <ac:spMkLst>
+            <pc:docMk/>
+            <pc:sldMk cId="2153266694" sldId="362"/>
+            <ac:spMk id="13" creationId="{1699F42D-83F9-4D77-A93F-1DA49C57FF33}"/>
+          </ac:spMkLst>
+        </pc:spChg>
+        <pc:picChg chg="add mod">
+          <ac:chgData name="현호 임" userId="d12fd96a-857e-4157-8089-84cefa2f0fc3" providerId="ADAL" clId="{A94B12D9-1638-4129-946A-A013B1EACD48}" dt="2019-05-28T23:09:34.721" v="125" actId="1076"/>
+          <ac:picMkLst>
+            <pc:docMk/>
+            <pc:sldMk cId="2153266694" sldId="362"/>
+            <ac:picMk id="2" creationId="{30B612F7-06EB-4E32-BBBD-C54795EFC8B4}"/>
+          </ac:picMkLst>
+        </pc:picChg>
+        <pc:picChg chg="add del mod">
+          <ac:chgData name="현호 임" userId="d12fd96a-857e-4157-8089-84cefa2f0fc3" providerId="ADAL" clId="{A94B12D9-1638-4129-946A-A013B1EACD48}" dt="2019-05-28T23:10:31.689" v="145" actId="478"/>
+          <ac:picMkLst>
+            <pc:docMk/>
+            <pc:sldMk cId="2153266694" sldId="362"/>
+            <ac:picMk id="3" creationId="{29A354D8-95EA-408B-B0EE-A096010988B5}"/>
+          </ac:picMkLst>
+        </pc:picChg>
+        <pc:picChg chg="add mod modCrop">
+          <ac:chgData name="현호 임" userId="d12fd96a-857e-4157-8089-84cefa2f0fc3" providerId="ADAL" clId="{A94B12D9-1638-4129-946A-A013B1EACD48}" dt="2019-05-28T23:10:40.849" v="155" actId="1035"/>
+          <ac:picMkLst>
+            <pc:docMk/>
+            <pc:sldMk cId="2153266694" sldId="362"/>
+            <ac:picMk id="8" creationId="{BFD040FE-8379-437B-834E-3DB52DE0DA8B}"/>
+          </ac:picMkLst>
+        </pc:picChg>
+      </pc:sldChg>
+      <pc:sldChg chg="addSp modSp add">
+        <pc:chgData name="현호 임" userId="d12fd96a-857e-4157-8089-84cefa2f0fc3" providerId="ADAL" clId="{A94B12D9-1638-4129-946A-A013B1EACD48}" dt="2019-05-28T23:35:27.552" v="443" actId="1076"/>
+        <pc:sldMkLst>
+          <pc:docMk/>
+          <pc:sldMk cId="3585372882" sldId="363"/>
+        </pc:sldMkLst>
+        <pc:spChg chg="mod">
+          <ac:chgData name="현호 임" userId="d12fd96a-857e-4157-8089-84cefa2f0fc3" providerId="ADAL" clId="{A94B12D9-1638-4129-946A-A013B1EACD48}" dt="2019-05-28T23:34:46.092" v="433" actId="6549"/>
+          <ac:spMkLst>
+            <pc:docMk/>
+            <pc:sldMk cId="3585372882" sldId="363"/>
+            <ac:spMk id="3" creationId="{00000000-0000-0000-0000-000000000000}"/>
+          </ac:spMkLst>
+        </pc:spChg>
+        <pc:picChg chg="add mod">
+          <ac:chgData name="현호 임" userId="d12fd96a-857e-4157-8089-84cefa2f0fc3" providerId="ADAL" clId="{A94B12D9-1638-4129-946A-A013B1EACD48}" dt="2019-05-28T23:35:27.552" v="443" actId="1076"/>
+          <ac:picMkLst>
+            <pc:docMk/>
+            <pc:sldMk cId="3585372882" sldId="363"/>
+            <ac:picMk id="4" creationId="{1651CF95-76A6-4104-8D72-ACD0D1C8F635}"/>
+          </ac:picMkLst>
+        </pc:picChg>
+      </pc:sldChg>
+    </pc:docChg>
+  </pc:docChgLst>
+  <pc:docChgLst>
+    <pc:chgData name="게스트 사용자" userId="S::urn:spo:anon#ff82b43eab5ec563bd5b0a8a35785af3bac6fc8402275b76f0fb620b7de56442::" providerId="AD" clId="Web-{1788F2D6-5D3E-C64A-D703-66255140CE06}"/>
+    <pc:docChg chg="addSld modSld sldOrd">
+      <pc:chgData name="게스트 사용자" userId="S::urn:spo:anon#ff82b43eab5ec563bd5b0a8a35785af3bac6fc8402275b76f0fb620b7de56442::" providerId="AD" clId="Web-{1788F2D6-5D3E-C64A-D703-66255140CE06}" dt="2019-05-28T23:06:19.659" v="257" actId="1076"/>
+      <pc:docMkLst>
+        <pc:docMk/>
+      </pc:docMkLst>
+      <pc:sldChg chg="addSp delSp modSp">
+        <pc:chgData name="게스트 사용자" userId="S::urn:spo:anon#ff82b43eab5ec563bd5b0a8a35785af3bac6fc8402275b76f0fb620b7de56442::" providerId="AD" clId="Web-{1788F2D6-5D3E-C64A-D703-66255140CE06}" dt="2019-05-28T23:01:24.016" v="211" actId="20577"/>
+        <pc:sldMkLst>
+          <pc:docMk/>
+          <pc:sldMk cId="1090132190" sldId="257"/>
+        </pc:sldMkLst>
+        <pc:spChg chg="mod">
+          <ac:chgData name="게스트 사용자" userId="S::urn:spo:anon#ff82b43eab5ec563bd5b0a8a35785af3bac6fc8402275b76f0fb620b7de56442::" providerId="AD" clId="Web-{1788F2D6-5D3E-C64A-D703-66255140CE06}" dt="2019-05-28T23:01:24.016" v="211" actId="20577"/>
+          <ac:spMkLst>
+            <pc:docMk/>
+            <pc:sldMk cId="1090132190" sldId="257"/>
+            <ac:spMk id="3" creationId="{00000000-0000-0000-0000-000000000000}"/>
+          </ac:spMkLst>
+        </pc:spChg>
+        <pc:picChg chg="add del mod">
+          <ac:chgData name="게스트 사용자" userId="S::urn:spo:anon#ff82b43eab5ec563bd5b0a8a35785af3bac6fc8402275b76f0fb620b7de56442::" providerId="AD" clId="Web-{1788F2D6-5D3E-C64A-D703-66255140CE06}" dt="2019-05-28T22:56:13.325" v="3"/>
+          <ac:picMkLst>
+            <pc:docMk/>
+            <pc:sldMk cId="1090132190" sldId="257"/>
+            <ac:picMk id="4" creationId="{8C814DC1-17AB-4CBF-85BB-28E4F835142D}"/>
+          </ac:picMkLst>
+        </pc:picChg>
+        <pc:picChg chg="mod">
+          <ac:chgData name="게스트 사용자" userId="S::urn:spo:anon#ff82b43eab5ec563bd5b0a8a35785af3bac6fc8402275b76f0fb620b7de56442::" providerId="AD" clId="Web-{1788F2D6-5D3E-C64A-D703-66255140CE06}" dt="2019-05-28T22:57:05.544" v="11" actId="1076"/>
+          <ac:picMkLst>
+            <pc:docMk/>
+            <pc:sldMk cId="1090132190" sldId="257"/>
+            <ac:picMk id="8" creationId="{3A7BC89C-A11B-4307-8754-E295997E8206}"/>
+          </ac:picMkLst>
+        </pc:picChg>
+      </pc:sldChg>
+      <pc:sldChg chg="addSp delSp modSp">
+        <pc:chgData name="게스트 사용자" userId="S::urn:spo:anon#ff82b43eab5ec563bd5b0a8a35785af3bac6fc8402275b76f0fb620b7de56442::" providerId="AD" clId="Web-{1788F2D6-5D3E-C64A-D703-66255140CE06}" dt="2019-05-28T22:56:28.497" v="5"/>
+        <pc:sldMkLst>
+          <pc:docMk/>
+          <pc:sldMk cId="963093677" sldId="263"/>
+        </pc:sldMkLst>
+        <pc:picChg chg="add del mod">
+          <ac:chgData name="게스트 사용자" userId="S::urn:spo:anon#ff82b43eab5ec563bd5b0a8a35785af3bac6fc8402275b76f0fb620b7de56442::" providerId="AD" clId="Web-{1788F2D6-5D3E-C64A-D703-66255140CE06}" dt="2019-05-28T22:56:09.044" v="1"/>
+          <ac:picMkLst>
+            <pc:docMk/>
+            <pc:sldMk cId="963093677" sldId="263"/>
+            <ac:picMk id="4" creationId="{D3C08440-1A04-45E6-8AB0-5FF8D1048691}"/>
+          </ac:picMkLst>
+        </pc:picChg>
+        <pc:picChg chg="add del mod">
+          <ac:chgData name="게스트 사용자" userId="S::urn:spo:anon#ff82b43eab5ec563bd5b0a8a35785af3bac6fc8402275b76f0fb620b7de56442::" providerId="AD" clId="Web-{1788F2D6-5D3E-C64A-D703-66255140CE06}" dt="2019-05-28T22:56:28.497" v="5"/>
+          <ac:picMkLst>
+            <pc:docMk/>
+            <pc:sldMk cId="963093677" sldId="263"/>
+            <ac:picMk id="6" creationId="{EFD0BD6B-5D5E-481B-8048-9C271FA45498}"/>
+          </ac:picMkLst>
+        </pc:picChg>
+      </pc:sldChg>
+      <pc:sldChg chg="modSp">
+        <pc:chgData name="게스트 사용자" userId="S::urn:spo:anon#ff82b43eab5ec563bd5b0a8a35785af3bac6fc8402275b76f0fb620b7de56442::" providerId="AD" clId="Web-{1788F2D6-5D3E-C64A-D703-66255140CE06}" dt="2019-05-28T23:00:39.156" v="205" actId="20577"/>
+        <pc:sldMkLst>
+          <pc:docMk/>
+          <pc:sldMk cId="578802433" sldId="266"/>
+        </pc:sldMkLst>
+        <pc:spChg chg="mod">
+          <ac:chgData name="게스트 사용자" userId="S::urn:spo:anon#ff82b43eab5ec563bd5b0a8a35785af3bac6fc8402275b76f0fb620b7de56442::" providerId="AD" clId="Web-{1788F2D6-5D3E-C64A-D703-66255140CE06}" dt="2019-05-28T23:00:39.156" v="205" actId="20577"/>
+          <ac:spMkLst>
+            <pc:docMk/>
+            <pc:sldMk cId="578802433" sldId="266"/>
+            <ac:spMk id="3" creationId="{00000000-0000-0000-0000-000000000000}"/>
+          </ac:spMkLst>
+        </pc:spChg>
+      </pc:sldChg>
+      <pc:sldChg chg="modSp">
+        <pc:chgData name="게스트 사용자" userId="S::urn:spo:anon#ff82b43eab5ec563bd5b0a8a35785af3bac6fc8402275b76f0fb620b7de56442::" providerId="AD" clId="Web-{1788F2D6-5D3E-C64A-D703-66255140CE06}" dt="2019-05-28T23:05:28.736" v="254" actId="1076"/>
+        <pc:sldMkLst>
+          <pc:docMk/>
+          <pc:sldMk cId="913449435" sldId="350"/>
+        </pc:sldMkLst>
+        <pc:spChg chg="mod">
+          <ac:chgData name="게스트 사용자" userId="S::urn:spo:anon#ff82b43eab5ec563bd5b0a8a35785af3bac6fc8402275b76f0fb620b7de56442::" providerId="AD" clId="Web-{1788F2D6-5D3E-C64A-D703-66255140CE06}" dt="2019-05-28T23:05:22.205" v="251" actId="20577"/>
+          <ac:spMkLst>
+            <pc:docMk/>
+            <pc:sldMk cId="913449435" sldId="350"/>
+            <ac:spMk id="3" creationId="{00000000-0000-0000-0000-000000000000}"/>
+          </ac:spMkLst>
+        </pc:spChg>
+        <pc:picChg chg="mod modCrop">
+          <ac:chgData name="게스트 사용자" userId="S::urn:spo:anon#ff82b43eab5ec563bd5b0a8a35785af3bac6fc8402275b76f0fb620b7de56442::" providerId="AD" clId="Web-{1788F2D6-5D3E-C64A-D703-66255140CE06}" dt="2019-05-28T23:05:28.736" v="254" actId="1076"/>
+          <ac:picMkLst>
+            <pc:docMk/>
+            <pc:sldMk cId="913449435" sldId="350"/>
+            <ac:picMk id="4" creationId="{8D614D6E-BB40-4E12-9BF6-5D53E01F7D4F}"/>
+          </ac:picMkLst>
+        </pc:picChg>
+      </pc:sldChg>
+      <pc:sldChg chg="ord">
+        <pc:chgData name="게스트 사용자" userId="S::urn:spo:anon#ff82b43eab5ec563bd5b0a8a35785af3bac6fc8402275b76f0fb620b7de56442::" providerId="AD" clId="Web-{1788F2D6-5D3E-C64A-D703-66255140CE06}" dt="2019-05-28T22:57:11.154" v="12"/>
+        <pc:sldMkLst>
+          <pc:docMk/>
+          <pc:sldMk cId="4076125270" sldId="355"/>
+        </pc:sldMkLst>
+      </pc:sldChg>
+      <pc:sldChg chg="addSp delSp modSp">
+        <pc:chgData name="게스트 사용자" userId="S::urn:spo:anon#ff82b43eab5ec563bd5b0a8a35785af3bac6fc8402275b76f0fb620b7de56442::" providerId="AD" clId="Web-{1788F2D6-5D3E-C64A-D703-66255140CE06}" dt="2019-05-28T23:03:30.548" v="219" actId="20577"/>
+        <pc:sldMkLst>
+          <pc:docMk/>
+          <pc:sldMk cId="1083959210" sldId="356"/>
+        </pc:sldMkLst>
+        <pc:spChg chg="mod">
+          <ac:chgData name="게스트 사용자" userId="S::urn:spo:anon#ff82b43eab5ec563bd5b0a8a35785af3bac6fc8402275b76f0fb620b7de56442::" providerId="AD" clId="Web-{1788F2D6-5D3E-C64A-D703-66255140CE06}" dt="2019-05-28T23:03:30.548" v="219" actId="20577"/>
+          <ac:spMkLst>
+            <pc:docMk/>
+            <pc:sldMk cId="1083959210" sldId="356"/>
+            <ac:spMk id="3" creationId="{00000000-0000-0000-0000-000000000000}"/>
+          </ac:spMkLst>
+        </pc:spChg>
+        <pc:picChg chg="add mod">
+          <ac:chgData name="게스트 사용자" userId="S::urn:spo:anon#ff82b43eab5ec563bd5b0a8a35785af3bac6fc8402275b76f0fb620b7de56442::" providerId="AD" clId="Web-{1788F2D6-5D3E-C64A-D703-66255140CE06}" dt="2019-05-28T22:57:43.123" v="26" actId="1076"/>
+          <ac:picMkLst>
+            <pc:docMk/>
+            <pc:sldMk cId="1083959210" sldId="356"/>
+            <ac:picMk id="4" creationId="{FEFBE8F3-B6F3-4BB9-A8B4-9A08690B0F29}"/>
+          </ac:picMkLst>
+        </pc:picChg>
+        <pc:picChg chg="del">
+          <ac:chgData name="게스트 사용자" userId="S::urn:spo:anon#ff82b43eab5ec563bd5b0a8a35785af3bac6fc8402275b76f0fb620b7de56442::" providerId="AD" clId="Web-{1788F2D6-5D3E-C64A-D703-66255140CE06}" dt="2019-05-28T22:56:50.560" v="6"/>
+          <ac:picMkLst>
+            <pc:docMk/>
+            <pc:sldMk cId="1083959210" sldId="356"/>
+            <ac:picMk id="17" creationId="{7FF47325-1D35-4426-BAC5-C5A00D101E6F}"/>
+          </ac:picMkLst>
+        </pc:picChg>
+      </pc:sldChg>
+      <pc:sldChg chg="addSp delSp modSp add ord replId">
+        <pc:chgData name="게스트 사용자" userId="S::urn:spo:anon#ff82b43eab5ec563bd5b0a8a35785af3bac6fc8402275b76f0fb620b7de56442::" providerId="AD" clId="Web-{1788F2D6-5D3E-C64A-D703-66255140CE06}" dt="2019-05-28T23:06:19.659" v="257" actId="1076"/>
+        <pc:sldMkLst>
+          <pc:docMk/>
+          <pc:sldMk cId="3220062217" sldId="357"/>
+        </pc:sldMkLst>
+        <pc:spChg chg="mod">
+          <ac:chgData name="게스트 사용자" userId="S::urn:spo:anon#ff82b43eab5ec563bd5b0a8a35785af3bac6fc8402275b76f0fb620b7de56442::" providerId="AD" clId="Web-{1788F2D6-5D3E-C64A-D703-66255140CE06}" dt="2019-05-28T23:05:16.314" v="248" actId="20577"/>
+          <ac:spMkLst>
+            <pc:docMk/>
+            <pc:sldMk cId="3220062217" sldId="357"/>
+            <ac:spMk id="3" creationId="{00000000-0000-0000-0000-000000000000}"/>
+          </ac:spMkLst>
+        </pc:spChg>
+        <pc:picChg chg="del">
+          <ac:chgData name="게스트 사용자" userId="S::urn:spo:anon#ff82b43eab5ec563bd5b0a8a35785af3bac6fc8402275b76f0fb620b7de56442::" providerId="AD" clId="Web-{1788F2D6-5D3E-C64A-D703-66255140CE06}" dt="2019-05-28T22:58:17.295" v="54"/>
+          <ac:picMkLst>
+            <pc:docMk/>
+            <pc:sldMk cId="3220062217" sldId="357"/>
+            <ac:picMk id="4" creationId="{FEFBE8F3-B6F3-4BB9-A8B4-9A08690B0F29}"/>
+          </ac:picMkLst>
+        </pc:picChg>
+        <pc:picChg chg="add mod">
+          <ac:chgData name="게스트 사용자" userId="S::urn:spo:anon#ff82b43eab5ec563bd5b0a8a35785af3bac6fc8402275b76f0fb620b7de56442::" providerId="AD" clId="Web-{1788F2D6-5D3E-C64A-D703-66255140CE06}" dt="2019-05-28T22:58:27.373" v="61" actId="14100"/>
+          <ac:picMkLst>
+            <pc:docMk/>
+            <pc:sldMk cId="3220062217" sldId="357"/>
+            <ac:picMk id="5" creationId="{0A0E8F09-589E-4173-8CBB-A1A9EA5D159B}"/>
+          </ac:picMkLst>
+        </pc:picChg>
+        <pc:picChg chg="add mod">
+          <ac:chgData name="게스트 사용자" userId="S::urn:spo:anon#ff82b43eab5ec563bd5b0a8a35785af3bac6fc8402275b76f0fb620b7de56442::" providerId="AD" clId="Web-{1788F2D6-5D3E-C64A-D703-66255140CE06}" dt="2019-05-28T23:06:19.659" v="257" actId="1076"/>
+          <ac:picMkLst>
+            <pc:docMk/>
+            <pc:sldMk cId="3220062217" sldId="357"/>
+            <ac:picMk id="7" creationId="{68CA6DE7-B7FD-4B21-9F47-D5A6CF3106D0}"/>
+          </ac:picMkLst>
+        </pc:picChg>
+      </pc:sldChg>
+    </pc:docChg>
+  </pc:docChgLst>
+</pc:chgInfo>
 </file>
 
 <file path=ppt/notesMasters/notesMaster1.xml><?xml version="1.0" encoding="utf-8"?>
@@ -1466,7 +2247,7 @@
           <a:p>
             <a:r>
               <a:rPr lang="ko-KR" altLang="en-US" dirty="0"/>
-              <a:t>중간 보고서</a:t>
+              <a:t>중간 발표</a:t>
             </a:r>
             <a:endParaRPr lang="en-US" altLang="ko-KR" dirty="0"/>
           </a:p>
@@ -1581,9 +2362,45 @@
           <a:chExt cx="0" cy="0"/>
         </a:xfrm>
       </p:grpSpPr>
+      <p:pic>
+        <p:nvPicPr>
+          <p:cNvPr id="4" name="그림 3">
+            <a:extLst>
+              <a:ext uri="{FF2B5EF4-FFF2-40B4-BE49-F238E27FC236}">
+                <a16:creationId xmlns:a16="http://schemas.microsoft.com/office/drawing/2014/main" id="{53BC07B6-0629-49C1-8392-BA555E50ED57}"/>
+              </a:ext>
+            </a:extLst>
+          </p:cNvPr>
+          <p:cNvPicPr>
+            <a:picLocks noChangeAspect="1"/>
+          </p:cNvPicPr>
+          <p:nvPr/>
+        </p:nvPicPr>
+        <p:blipFill>
+          <a:blip r:embed="rId2"/>
+          <a:stretch>
+            <a:fillRect/>
+          </a:stretch>
+        </p:blipFill>
+        <p:spPr>
+          <a:xfrm>
+            <a:off x="597160" y="1045029"/>
+            <a:ext cx="8090226" cy="5239242"/>
+          </a:xfrm>
+          <a:prstGeom prst="rect">
+            <a:avLst/>
+          </a:prstGeom>
+        </p:spPr>
+      </p:pic>
       <p:sp>
         <p:nvSpPr>
-          <p:cNvPr id="2" name="제목 1"/>
+          <p:cNvPr id="5" name="제목 1">
+            <a:extLst>
+              <a:ext uri="{FF2B5EF4-FFF2-40B4-BE49-F238E27FC236}">
+                <a16:creationId xmlns:a16="http://schemas.microsoft.com/office/drawing/2014/main" id="{C8650DD3-1BAA-4F4D-9D9E-06D3D26852FF}"/>
+              </a:ext>
+            </a:extLst>
+          </p:cNvPr>
           <p:cNvSpPr>
             <a:spLocks noGrp="1"/>
           </p:cNvSpPr>
@@ -1591,7 +2408,12 @@
             <p:ph type="title"/>
           </p:nvPr>
         </p:nvSpPr>
-        <p:spPr/>
+        <p:spPr>
+          <a:xfrm>
+            <a:off x="457200" y="274638"/>
+            <a:ext cx="8229600" cy="634082"/>
+          </a:xfrm>
+        </p:spPr>
         <p:txBody>
           <a:bodyPr/>
           <a:lstStyle/>
@@ -1600,130 +2422,7 @@
               <a:rPr lang="ko-KR" altLang="en-US" dirty="0">
                 <a:ea typeface="맑은 고딕"/>
               </a:rPr>
-              <a:t>문제점 및 해결방안</a:t>
-            </a:r>
-          </a:p>
-        </p:txBody>
-      </p:sp>
-      <p:sp>
-        <p:nvSpPr>
-          <p:cNvPr id="3" name="내용 개체 틀 2"/>
-          <p:cNvSpPr>
-            <a:spLocks noGrp="1"/>
-          </p:cNvSpPr>
-          <p:nvPr>
-            <p:ph idx="1"/>
-          </p:nvPr>
-        </p:nvSpPr>
-        <p:spPr/>
-        <p:txBody>
-          <a:bodyPr vert="horz" lIns="91440" tIns="45720" rIns="91440" bIns="45720" rtlCol="0" anchor="t">
-            <a:normAutofit/>
-          </a:bodyPr>
-          <a:lstStyle/>
-          <a:p>
-            <a:r>
-              <a:rPr lang="ko-KR" altLang="en-US" dirty="0">
-                <a:ea typeface="맑은 고딕"/>
-              </a:rPr>
-              <a:t>압력센서</a:t>
-            </a:r>
-            <a:endParaRPr lang="en-US" altLang="ko-KR" dirty="0">
-              <a:ea typeface="맑은 고딕"/>
-            </a:endParaRPr>
-          </a:p>
-          <a:p>
-            <a:pPr lvl="1"/>
-            <a:r>
-              <a:rPr lang="ko-KR" altLang="en-US" dirty="0">
-                <a:ea typeface="맑은 고딕"/>
-              </a:rPr>
-              <a:t>크기가 너무 작아 손뗌 작업이 어려움</a:t>
-            </a:r>
-            <a:r>
-              <a:rPr lang="en-US" altLang="ko-KR" dirty="0">
-                <a:ea typeface="맑은 고딕"/>
-              </a:rPr>
-              <a:t>.</a:t>
-            </a:r>
-          </a:p>
-          <a:p>
-            <a:pPr marL="457200" lvl="1" indent="0">
-              <a:buNone/>
-            </a:pPr>
-            <a:r>
-              <a:rPr lang="en-US" altLang="ko-KR" dirty="0">
-                <a:ea typeface="맑은 고딕"/>
-              </a:rPr>
-              <a:t>(</a:t>
-            </a:r>
-            <a:r>
-              <a:rPr lang="ko-KR" altLang="en-US" dirty="0">
-                <a:ea typeface="맑은 고딕"/>
-              </a:rPr>
-              <a:t>규격 </a:t>
-            </a:r>
-            <a:r>
-              <a:rPr lang="en-US" altLang="ko-KR" dirty="0">
-                <a:ea typeface="맑은 고딕"/>
-              </a:rPr>
-              <a:t>: 6.4x6.2mm, </a:t>
-            </a:r>
-            <a:r>
-              <a:rPr lang="ko-KR" altLang="en-US" dirty="0">
-                <a:ea typeface="맑은 고딕"/>
-              </a:rPr>
-              <a:t>핀 두께 </a:t>
-            </a:r>
-            <a:r>
-              <a:rPr lang="en-US" altLang="ko-KR" dirty="0">
-                <a:ea typeface="맑은 고딕"/>
-              </a:rPr>
-              <a:t>: 0.7mm,</a:t>
-            </a:r>
-            <a:r>
-              <a:rPr lang="ko-KR" altLang="en-US" dirty="0">
-                <a:ea typeface="맑은 고딕"/>
-              </a:rPr>
-              <a:t> 피치 </a:t>
-            </a:r>
-            <a:r>
-              <a:rPr lang="en-US" altLang="ko-KR" dirty="0">
-                <a:ea typeface="맑은 고딕"/>
-              </a:rPr>
-              <a:t>:</a:t>
-            </a:r>
-            <a:r>
-              <a:rPr lang="ko-KR" altLang="en-US" dirty="0">
-                <a:ea typeface="맑은 고딕"/>
-              </a:rPr>
-              <a:t> </a:t>
-            </a:r>
-            <a:r>
-              <a:rPr lang="en-US" altLang="ko-KR" dirty="0">
-                <a:ea typeface="맑은 고딕"/>
-              </a:rPr>
-              <a:t>1.25mm)</a:t>
-            </a:r>
-          </a:p>
-          <a:p>
-            <a:r>
-              <a:rPr lang="ko-KR" altLang="en-US" dirty="0">
-                <a:ea typeface="맑은 고딕"/>
-              </a:rPr>
-              <a:t>해결방안</a:t>
-            </a:r>
-            <a:endParaRPr lang="en-US" altLang="ko-KR" dirty="0">
-              <a:ea typeface="맑은 고딕"/>
-            </a:endParaRPr>
-          </a:p>
-          <a:p>
-            <a:pPr lvl="1"/>
-            <a:r>
-              <a:rPr lang="ko-KR" altLang="en-US" dirty="0">
-                <a:ea typeface="맑은 고딕"/>
-              </a:rPr>
-              <a:t>변환기판 주문 및 다른 부분 먼저 진행 </a:t>
+              <a:t>회로도</a:t>
             </a:r>
           </a:p>
         </p:txBody>
@@ -1731,7 +2430,7 @@
     </p:spTree>
     <p:extLst>
       <p:ext uri="{BB962C8B-B14F-4D97-AF65-F5344CB8AC3E}">
-        <p14:creationId xmlns:p14="http://schemas.microsoft.com/office/powerpoint/2010/main" val="688106783"/>
+        <p14:creationId xmlns:p14="http://schemas.microsoft.com/office/powerpoint/2010/main" val="714278594"/>
       </p:ext>
     </p:extLst>
   </p:cSld>
@@ -1742,6 +2441,831 @@
 </file>
 
 <file path=ppt/slides/slide11.xml><?xml version="1.0" encoding="utf-8"?>
+<p:sld xmlns:a="http://schemas.openxmlformats.org/drawingml/2006/main" xmlns:r="http://schemas.openxmlformats.org/officeDocument/2006/relationships" xmlns:p="http://schemas.openxmlformats.org/presentationml/2006/main">
+  <p:cSld>
+    <p:spTree>
+      <p:nvGrpSpPr>
+        <p:cNvPr id="1" name=""/>
+        <p:cNvGrpSpPr/>
+        <p:nvPr/>
+      </p:nvGrpSpPr>
+      <p:grpSpPr>
+        <a:xfrm>
+          <a:off x="0" y="0"/>
+          <a:ext cx="0" cy="0"/>
+          <a:chOff x="0" y="0"/>
+          <a:chExt cx="0" cy="0"/>
+        </a:xfrm>
+      </p:grpSpPr>
+      <p:sp>
+        <p:nvSpPr>
+          <p:cNvPr id="5" name="제목 1">
+            <a:extLst>
+              <a:ext uri="{FF2B5EF4-FFF2-40B4-BE49-F238E27FC236}">
+                <a16:creationId xmlns:a16="http://schemas.microsoft.com/office/drawing/2014/main" id="{C8650DD3-1BAA-4F4D-9D9E-06D3D26852FF}"/>
+              </a:ext>
+            </a:extLst>
+          </p:cNvPr>
+          <p:cNvSpPr>
+            <a:spLocks noGrp="1"/>
+          </p:cNvSpPr>
+          <p:nvPr>
+            <p:ph type="title"/>
+          </p:nvPr>
+        </p:nvSpPr>
+        <p:spPr>
+          <a:xfrm>
+            <a:off x="457200" y="274638"/>
+            <a:ext cx="8229600" cy="634082"/>
+          </a:xfrm>
+        </p:spPr>
+        <p:txBody>
+          <a:bodyPr/>
+          <a:lstStyle/>
+          <a:p>
+            <a:r>
+              <a:rPr lang="ko-KR" altLang="en-US" dirty="0">
+                <a:ea typeface="맑은 고딕"/>
+              </a:rPr>
+              <a:t>회로도</a:t>
+            </a:r>
+          </a:p>
+        </p:txBody>
+      </p:sp>
+      <p:pic>
+        <p:nvPicPr>
+          <p:cNvPr id="2" name="그림 1">
+            <a:extLst>
+              <a:ext uri="{FF2B5EF4-FFF2-40B4-BE49-F238E27FC236}">
+                <a16:creationId xmlns:a16="http://schemas.microsoft.com/office/drawing/2014/main" id="{187D03C9-6015-44D4-94DC-A9CBBFF70832}"/>
+              </a:ext>
+            </a:extLst>
+          </p:cNvPr>
+          <p:cNvPicPr>
+            <a:picLocks noChangeAspect="1"/>
+          </p:cNvPicPr>
+          <p:nvPr/>
+        </p:nvPicPr>
+        <p:blipFill>
+          <a:blip r:embed="rId2"/>
+          <a:stretch>
+            <a:fillRect/>
+          </a:stretch>
+        </p:blipFill>
+        <p:spPr>
+          <a:xfrm>
+            <a:off x="323945" y="1491604"/>
+            <a:ext cx="3567730" cy="4520549"/>
+          </a:xfrm>
+          <a:prstGeom prst="rect">
+            <a:avLst/>
+          </a:prstGeom>
+        </p:spPr>
+      </p:pic>
+      <p:sp>
+        <p:nvSpPr>
+          <p:cNvPr id="6" name="TextBox 5">
+            <a:extLst>
+              <a:ext uri="{FF2B5EF4-FFF2-40B4-BE49-F238E27FC236}">
+                <a16:creationId xmlns:a16="http://schemas.microsoft.com/office/drawing/2014/main" id="{B32C8F10-EFEA-4482-8299-9B6FE876EA0D}"/>
+              </a:ext>
+            </a:extLst>
+          </p:cNvPr>
+          <p:cNvSpPr txBox="1"/>
+          <p:nvPr/>
+        </p:nvSpPr>
+        <p:spPr>
+          <a:xfrm>
+            <a:off x="3891675" y="4086371"/>
+            <a:ext cx="989045" cy="369332"/>
+          </a:xfrm>
+          <a:prstGeom prst="rect">
+            <a:avLst/>
+          </a:prstGeom>
+          <a:noFill/>
+        </p:spPr>
+        <p:txBody>
+          <a:bodyPr wrap="square" rtlCol="0">
+            <a:spAutoFit/>
+          </a:bodyPr>
+          <a:lstStyle/>
+          <a:p>
+            <a:r>
+              <a:rPr lang="en-US" altLang="ko-KR" dirty="0"/>
+              <a:t>MCU</a:t>
+            </a:r>
+            <a:endParaRPr lang="ko-KR" altLang="en-US" dirty="0"/>
+          </a:p>
+        </p:txBody>
+      </p:sp>
+      <p:sp>
+        <p:nvSpPr>
+          <p:cNvPr id="7" name="TextBox 6">
+            <a:extLst>
+              <a:ext uri="{FF2B5EF4-FFF2-40B4-BE49-F238E27FC236}">
+                <a16:creationId xmlns:a16="http://schemas.microsoft.com/office/drawing/2014/main" id="{BFC7D107-FD6E-427B-B08D-A2E44E3CEF65}"/>
+              </a:ext>
+            </a:extLst>
+          </p:cNvPr>
+          <p:cNvSpPr txBox="1"/>
+          <p:nvPr/>
+        </p:nvSpPr>
+        <p:spPr>
+          <a:xfrm>
+            <a:off x="1118765" y="1173470"/>
+            <a:ext cx="989045" cy="369332"/>
+          </a:xfrm>
+          <a:prstGeom prst="rect">
+            <a:avLst/>
+          </a:prstGeom>
+          <a:noFill/>
+        </p:spPr>
+        <p:txBody>
+          <a:bodyPr wrap="square" rtlCol="0">
+            <a:spAutoFit/>
+          </a:bodyPr>
+          <a:lstStyle/>
+          <a:p>
+            <a:r>
+              <a:rPr lang="en-US" altLang="ko-KR" dirty="0"/>
+              <a:t>+3V</a:t>
+            </a:r>
+            <a:endParaRPr lang="ko-KR" altLang="en-US" dirty="0"/>
+          </a:p>
+        </p:txBody>
+      </p:sp>
+      <p:sp>
+        <p:nvSpPr>
+          <p:cNvPr id="8" name="TextBox 7">
+            <a:extLst>
+              <a:ext uri="{FF2B5EF4-FFF2-40B4-BE49-F238E27FC236}">
+                <a16:creationId xmlns:a16="http://schemas.microsoft.com/office/drawing/2014/main" id="{FAC4FE8C-84B1-4E33-B6AE-8247987992D4}"/>
+              </a:ext>
+            </a:extLst>
+          </p:cNvPr>
+          <p:cNvSpPr txBox="1"/>
+          <p:nvPr/>
+        </p:nvSpPr>
+        <p:spPr>
+          <a:xfrm>
+            <a:off x="457200" y="1175864"/>
+            <a:ext cx="989045" cy="369332"/>
+          </a:xfrm>
+          <a:prstGeom prst="rect">
+            <a:avLst/>
+          </a:prstGeom>
+          <a:noFill/>
+        </p:spPr>
+        <p:txBody>
+          <a:bodyPr wrap="square" rtlCol="0">
+            <a:spAutoFit/>
+          </a:bodyPr>
+          <a:lstStyle/>
+          <a:p>
+            <a:r>
+              <a:rPr lang="en-US" altLang="ko-KR" dirty="0"/>
+              <a:t>GND</a:t>
+            </a:r>
+            <a:endParaRPr lang="ko-KR" altLang="en-US" dirty="0"/>
+          </a:p>
+        </p:txBody>
+      </p:sp>
+      <p:sp>
+        <p:nvSpPr>
+          <p:cNvPr id="10" name="TextBox 9">
+            <a:extLst>
+              <a:ext uri="{FF2B5EF4-FFF2-40B4-BE49-F238E27FC236}">
+                <a16:creationId xmlns:a16="http://schemas.microsoft.com/office/drawing/2014/main" id="{FEFD7543-91B8-4DC1-99A4-8A6320C8AA71}"/>
+              </a:ext>
+            </a:extLst>
+          </p:cNvPr>
+          <p:cNvSpPr txBox="1"/>
+          <p:nvPr/>
+        </p:nvSpPr>
+        <p:spPr>
+          <a:xfrm>
+            <a:off x="8541314" y="3717039"/>
+            <a:ext cx="989045" cy="369332"/>
+          </a:xfrm>
+          <a:prstGeom prst="rect">
+            <a:avLst/>
+          </a:prstGeom>
+          <a:noFill/>
+        </p:spPr>
+        <p:txBody>
+          <a:bodyPr wrap="square" rtlCol="0">
+            <a:spAutoFit/>
+          </a:bodyPr>
+          <a:lstStyle/>
+          <a:p>
+            <a:r>
+              <a:rPr lang="en-US" altLang="ko-KR" dirty="0"/>
+              <a:t>MCU</a:t>
+            </a:r>
+            <a:endParaRPr lang="ko-KR" altLang="en-US" dirty="0"/>
+          </a:p>
+        </p:txBody>
+      </p:sp>
+      <p:pic>
+        <p:nvPicPr>
+          <p:cNvPr id="11" name="그림 10">
+            <a:extLst>
+              <a:ext uri="{FF2B5EF4-FFF2-40B4-BE49-F238E27FC236}">
+                <a16:creationId xmlns:a16="http://schemas.microsoft.com/office/drawing/2014/main" id="{992F69C2-52F2-462C-8CA1-47E1AF5CBF84}"/>
+              </a:ext>
+            </a:extLst>
+          </p:cNvPr>
+          <p:cNvPicPr>
+            <a:picLocks noChangeAspect="1"/>
+          </p:cNvPicPr>
+          <p:nvPr/>
+        </p:nvPicPr>
+        <p:blipFill>
+          <a:blip r:embed="rId3"/>
+          <a:stretch>
+            <a:fillRect/>
+          </a:stretch>
+        </p:blipFill>
+        <p:spPr>
+          <a:xfrm>
+            <a:off x="4572000" y="1173470"/>
+            <a:ext cx="4010025" cy="4838700"/>
+          </a:xfrm>
+          <a:prstGeom prst="rect">
+            <a:avLst/>
+          </a:prstGeom>
+        </p:spPr>
+      </p:pic>
+      <p:sp>
+        <p:nvSpPr>
+          <p:cNvPr id="12" name="TextBox 11">
+            <a:extLst>
+              <a:ext uri="{FF2B5EF4-FFF2-40B4-BE49-F238E27FC236}">
+                <a16:creationId xmlns:a16="http://schemas.microsoft.com/office/drawing/2014/main" id="{D9FACC3B-CDF1-4EE5-BDBB-71D5CCA10618}"/>
+              </a:ext>
+            </a:extLst>
+          </p:cNvPr>
+          <p:cNvSpPr txBox="1"/>
+          <p:nvPr/>
+        </p:nvSpPr>
+        <p:spPr>
+          <a:xfrm>
+            <a:off x="3910435" y="1173470"/>
+            <a:ext cx="989045" cy="369332"/>
+          </a:xfrm>
+          <a:prstGeom prst="rect">
+            <a:avLst/>
+          </a:prstGeom>
+          <a:noFill/>
+        </p:spPr>
+        <p:txBody>
+          <a:bodyPr wrap="square" rtlCol="0">
+            <a:spAutoFit/>
+          </a:bodyPr>
+          <a:lstStyle/>
+          <a:p>
+            <a:r>
+              <a:rPr lang="en-US" altLang="ko-KR" dirty="0"/>
+              <a:t>GND</a:t>
+            </a:r>
+            <a:endParaRPr lang="ko-KR" altLang="en-US" dirty="0"/>
+          </a:p>
+        </p:txBody>
+      </p:sp>
+      <p:sp>
+        <p:nvSpPr>
+          <p:cNvPr id="13" name="TextBox 12">
+            <a:extLst>
+              <a:ext uri="{FF2B5EF4-FFF2-40B4-BE49-F238E27FC236}">
+                <a16:creationId xmlns:a16="http://schemas.microsoft.com/office/drawing/2014/main" id="{BACB5D68-CC46-444E-95E5-1A67F0A9EAC7}"/>
+              </a:ext>
+            </a:extLst>
+          </p:cNvPr>
+          <p:cNvSpPr txBox="1"/>
+          <p:nvPr/>
+        </p:nvSpPr>
+        <p:spPr>
+          <a:xfrm>
+            <a:off x="3910435" y="1962414"/>
+            <a:ext cx="989045" cy="369332"/>
+          </a:xfrm>
+          <a:prstGeom prst="rect">
+            <a:avLst/>
+          </a:prstGeom>
+          <a:noFill/>
+        </p:spPr>
+        <p:txBody>
+          <a:bodyPr wrap="square" rtlCol="0">
+            <a:spAutoFit/>
+          </a:bodyPr>
+          <a:lstStyle/>
+          <a:p>
+            <a:r>
+              <a:rPr lang="en-US" altLang="ko-KR" dirty="0"/>
+              <a:t>+3V</a:t>
+            </a:r>
+            <a:endParaRPr lang="ko-KR" altLang="en-US" dirty="0"/>
+          </a:p>
+        </p:txBody>
+      </p:sp>
+      <p:sp>
+        <p:nvSpPr>
+          <p:cNvPr id="14" name="TextBox 13">
+            <a:extLst>
+              <a:ext uri="{FF2B5EF4-FFF2-40B4-BE49-F238E27FC236}">
+                <a16:creationId xmlns:a16="http://schemas.microsoft.com/office/drawing/2014/main" id="{B3EED353-FEA5-4259-88F3-6A4B2CBDBDE6}"/>
+              </a:ext>
+            </a:extLst>
+          </p:cNvPr>
+          <p:cNvSpPr txBox="1"/>
+          <p:nvPr/>
+        </p:nvSpPr>
+        <p:spPr>
+          <a:xfrm>
+            <a:off x="942395" y="6040589"/>
+            <a:ext cx="989045" cy="369332"/>
+          </a:xfrm>
+          <a:prstGeom prst="rect">
+            <a:avLst/>
+          </a:prstGeom>
+          <a:noFill/>
+        </p:spPr>
+        <p:txBody>
+          <a:bodyPr wrap="square" rtlCol="0">
+            <a:spAutoFit/>
+          </a:bodyPr>
+          <a:lstStyle/>
+          <a:p>
+            <a:r>
+              <a:rPr lang="en-US" altLang="ko-KR" dirty="0"/>
+              <a:t>&lt;LCD&gt;</a:t>
+            </a:r>
+            <a:endParaRPr lang="ko-KR" altLang="en-US" dirty="0"/>
+          </a:p>
+        </p:txBody>
+      </p:sp>
+      <p:sp>
+        <p:nvSpPr>
+          <p:cNvPr id="15" name="TextBox 14">
+            <a:extLst>
+              <a:ext uri="{FF2B5EF4-FFF2-40B4-BE49-F238E27FC236}">
+                <a16:creationId xmlns:a16="http://schemas.microsoft.com/office/drawing/2014/main" id="{8503349F-1BF8-4918-A28F-B0FA7F8F926A}"/>
+              </a:ext>
+            </a:extLst>
+          </p:cNvPr>
+          <p:cNvSpPr txBox="1"/>
+          <p:nvPr/>
+        </p:nvSpPr>
+        <p:spPr>
+          <a:xfrm>
+            <a:off x="5617025" y="6012153"/>
+            <a:ext cx="1343611" cy="369332"/>
+          </a:xfrm>
+          <a:prstGeom prst="rect">
+            <a:avLst/>
+          </a:prstGeom>
+          <a:noFill/>
+        </p:spPr>
+        <p:txBody>
+          <a:bodyPr wrap="square" rtlCol="0">
+            <a:spAutoFit/>
+          </a:bodyPr>
+          <a:lstStyle/>
+          <a:p>
+            <a:r>
+              <a:rPr lang="en-US" altLang="ko-KR" dirty="0"/>
+              <a:t>&lt;Sensor&gt;</a:t>
+            </a:r>
+            <a:endParaRPr lang="ko-KR" altLang="en-US" dirty="0"/>
+          </a:p>
+        </p:txBody>
+      </p:sp>
+    </p:spTree>
+    <p:extLst>
+      <p:ext uri="{BB962C8B-B14F-4D97-AF65-F5344CB8AC3E}">
+        <p14:creationId xmlns:p14="http://schemas.microsoft.com/office/powerpoint/2010/main" val="723081135"/>
+      </p:ext>
+    </p:extLst>
+  </p:cSld>
+  <p:clrMapOvr>
+    <a:masterClrMapping/>
+  </p:clrMapOvr>
+</p:sld>
+</file>
+
+<file path=ppt/slides/slide12.xml><?xml version="1.0" encoding="utf-8"?>
+<p:sld xmlns:a="http://schemas.openxmlformats.org/drawingml/2006/main" xmlns:r="http://schemas.openxmlformats.org/officeDocument/2006/relationships" xmlns:p="http://schemas.openxmlformats.org/presentationml/2006/main">
+  <p:cSld>
+    <p:spTree>
+      <p:nvGrpSpPr>
+        <p:cNvPr id="1" name=""/>
+        <p:cNvGrpSpPr/>
+        <p:nvPr/>
+      </p:nvGrpSpPr>
+      <p:grpSpPr>
+        <a:xfrm>
+          <a:off x="0" y="0"/>
+          <a:ext cx="0" cy="0"/>
+          <a:chOff x="0" y="0"/>
+          <a:chExt cx="0" cy="0"/>
+        </a:xfrm>
+      </p:grpSpPr>
+      <p:sp>
+        <p:nvSpPr>
+          <p:cNvPr id="5" name="제목 1">
+            <a:extLst>
+              <a:ext uri="{FF2B5EF4-FFF2-40B4-BE49-F238E27FC236}">
+                <a16:creationId xmlns:a16="http://schemas.microsoft.com/office/drawing/2014/main" id="{C8650DD3-1BAA-4F4D-9D9E-06D3D26852FF}"/>
+              </a:ext>
+            </a:extLst>
+          </p:cNvPr>
+          <p:cNvSpPr>
+            <a:spLocks noGrp="1"/>
+          </p:cNvSpPr>
+          <p:nvPr>
+            <p:ph type="title"/>
+          </p:nvPr>
+        </p:nvSpPr>
+        <p:spPr>
+          <a:xfrm>
+            <a:off x="457200" y="274638"/>
+            <a:ext cx="8229600" cy="634082"/>
+          </a:xfrm>
+        </p:spPr>
+        <p:txBody>
+          <a:bodyPr/>
+          <a:lstStyle/>
+          <a:p>
+            <a:r>
+              <a:rPr lang="ko-KR" altLang="en-US" dirty="0">
+                <a:ea typeface="맑은 고딕"/>
+              </a:rPr>
+              <a:t>회로도</a:t>
+            </a:r>
+          </a:p>
+        </p:txBody>
+      </p:sp>
+      <p:pic>
+        <p:nvPicPr>
+          <p:cNvPr id="2" name="그림 1">
+            <a:extLst>
+              <a:ext uri="{FF2B5EF4-FFF2-40B4-BE49-F238E27FC236}">
+                <a16:creationId xmlns:a16="http://schemas.microsoft.com/office/drawing/2014/main" id="{30B612F7-06EB-4E32-BBBD-C54795EFC8B4}"/>
+              </a:ext>
+            </a:extLst>
+          </p:cNvPr>
+          <p:cNvPicPr>
+            <a:picLocks noChangeAspect="1"/>
+          </p:cNvPicPr>
+          <p:nvPr/>
+        </p:nvPicPr>
+        <p:blipFill>
+          <a:blip r:embed="rId2"/>
+          <a:stretch>
+            <a:fillRect/>
+          </a:stretch>
+        </p:blipFill>
+        <p:spPr>
+          <a:xfrm>
+            <a:off x="886408" y="1749586"/>
+            <a:ext cx="2731363" cy="3838673"/>
+          </a:xfrm>
+          <a:prstGeom prst="rect">
+            <a:avLst/>
+          </a:prstGeom>
+        </p:spPr>
+      </p:pic>
+      <p:sp>
+        <p:nvSpPr>
+          <p:cNvPr id="4" name="TextBox 3">
+            <a:extLst>
+              <a:ext uri="{FF2B5EF4-FFF2-40B4-BE49-F238E27FC236}">
+                <a16:creationId xmlns:a16="http://schemas.microsoft.com/office/drawing/2014/main" id="{2EB6250D-3B46-4E17-8BA7-EBFE2341F2F1}"/>
+              </a:ext>
+            </a:extLst>
+          </p:cNvPr>
+          <p:cNvSpPr txBox="1"/>
+          <p:nvPr/>
+        </p:nvSpPr>
+        <p:spPr>
+          <a:xfrm>
+            <a:off x="6176866" y="1931435"/>
+            <a:ext cx="989045" cy="369332"/>
+          </a:xfrm>
+          <a:prstGeom prst="rect">
+            <a:avLst/>
+          </a:prstGeom>
+          <a:noFill/>
+        </p:spPr>
+        <p:txBody>
+          <a:bodyPr wrap="square" rtlCol="0">
+            <a:spAutoFit/>
+          </a:bodyPr>
+          <a:lstStyle/>
+          <a:p>
+            <a:r>
+              <a:rPr lang="en-US" altLang="ko-KR" dirty="0"/>
+              <a:t>+3V</a:t>
+            </a:r>
+            <a:endParaRPr lang="ko-KR" altLang="en-US" dirty="0"/>
+          </a:p>
+        </p:txBody>
+      </p:sp>
+      <p:sp>
+        <p:nvSpPr>
+          <p:cNvPr id="6" name="TextBox 5">
+            <a:extLst>
+              <a:ext uri="{FF2B5EF4-FFF2-40B4-BE49-F238E27FC236}">
+                <a16:creationId xmlns:a16="http://schemas.microsoft.com/office/drawing/2014/main" id="{4AD33C6F-B232-4829-990B-73CA8E083D75}"/>
+              </a:ext>
+            </a:extLst>
+          </p:cNvPr>
+          <p:cNvSpPr txBox="1"/>
+          <p:nvPr/>
+        </p:nvSpPr>
+        <p:spPr>
+          <a:xfrm>
+            <a:off x="4318821" y="3563857"/>
+            <a:ext cx="989045" cy="369332"/>
+          </a:xfrm>
+          <a:prstGeom prst="rect">
+            <a:avLst/>
+          </a:prstGeom>
+          <a:noFill/>
+        </p:spPr>
+        <p:txBody>
+          <a:bodyPr wrap="square" rtlCol="0">
+            <a:spAutoFit/>
+          </a:bodyPr>
+          <a:lstStyle/>
+          <a:p>
+            <a:r>
+              <a:rPr lang="en-US" altLang="ko-KR" dirty="0"/>
+              <a:t>MCU</a:t>
+            </a:r>
+            <a:endParaRPr lang="ko-KR" altLang="en-US" dirty="0"/>
+          </a:p>
+        </p:txBody>
+      </p:sp>
+      <p:sp>
+        <p:nvSpPr>
+          <p:cNvPr id="7" name="TextBox 6">
+            <a:extLst>
+              <a:ext uri="{FF2B5EF4-FFF2-40B4-BE49-F238E27FC236}">
+                <a16:creationId xmlns:a16="http://schemas.microsoft.com/office/drawing/2014/main" id="{9D00FC47-5D74-4178-ACDF-72EC5509BC51}"/>
+              </a:ext>
+            </a:extLst>
+          </p:cNvPr>
+          <p:cNvSpPr txBox="1"/>
+          <p:nvPr/>
+        </p:nvSpPr>
+        <p:spPr>
+          <a:xfrm>
+            <a:off x="8075534" y="3563857"/>
+            <a:ext cx="989045" cy="369332"/>
+          </a:xfrm>
+          <a:prstGeom prst="rect">
+            <a:avLst/>
+          </a:prstGeom>
+          <a:noFill/>
+        </p:spPr>
+        <p:txBody>
+          <a:bodyPr wrap="square" rtlCol="0">
+            <a:spAutoFit/>
+          </a:bodyPr>
+          <a:lstStyle/>
+          <a:p>
+            <a:r>
+              <a:rPr lang="en-US" altLang="ko-KR" dirty="0"/>
+              <a:t>GND</a:t>
+            </a:r>
+            <a:endParaRPr lang="ko-KR" altLang="en-US" dirty="0"/>
+          </a:p>
+        </p:txBody>
+      </p:sp>
+      <p:pic>
+        <p:nvPicPr>
+          <p:cNvPr id="8" name="그림 7">
+            <a:extLst>
+              <a:ext uri="{FF2B5EF4-FFF2-40B4-BE49-F238E27FC236}">
+                <a16:creationId xmlns:a16="http://schemas.microsoft.com/office/drawing/2014/main" id="{BFD040FE-8379-437B-834E-3DB52DE0DA8B}"/>
+              </a:ext>
+            </a:extLst>
+          </p:cNvPr>
+          <p:cNvPicPr>
+            <a:picLocks noChangeAspect="1"/>
+          </p:cNvPicPr>
+          <p:nvPr/>
+        </p:nvPicPr>
+        <p:blipFill rotWithShape="1">
+          <a:blip r:embed="rId3"/>
+          <a:srcRect r="23589" b="16734"/>
+          <a:stretch/>
+        </p:blipFill>
+        <p:spPr>
+          <a:xfrm>
+            <a:off x="5026866" y="2373959"/>
+            <a:ext cx="2969467" cy="2323809"/>
+          </a:xfrm>
+          <a:prstGeom prst="rect">
+            <a:avLst/>
+          </a:prstGeom>
+        </p:spPr>
+      </p:pic>
+      <p:sp>
+        <p:nvSpPr>
+          <p:cNvPr id="9" name="TextBox 8">
+            <a:extLst>
+              <a:ext uri="{FF2B5EF4-FFF2-40B4-BE49-F238E27FC236}">
+                <a16:creationId xmlns:a16="http://schemas.microsoft.com/office/drawing/2014/main" id="{BACB1C26-E8F9-4F9B-BD61-13C0712931AD}"/>
+              </a:ext>
+            </a:extLst>
+          </p:cNvPr>
+          <p:cNvSpPr txBox="1"/>
+          <p:nvPr/>
+        </p:nvSpPr>
+        <p:spPr>
+          <a:xfrm>
+            <a:off x="6153430" y="4696312"/>
+            <a:ext cx="989045" cy="369332"/>
+          </a:xfrm>
+          <a:prstGeom prst="rect">
+            <a:avLst/>
+          </a:prstGeom>
+          <a:noFill/>
+        </p:spPr>
+        <p:txBody>
+          <a:bodyPr wrap="square" rtlCol="0">
+            <a:spAutoFit/>
+          </a:bodyPr>
+          <a:lstStyle/>
+          <a:p>
+            <a:r>
+              <a:rPr lang="en-US" altLang="ko-KR" dirty="0"/>
+              <a:t>GND</a:t>
+            </a:r>
+            <a:endParaRPr lang="ko-KR" altLang="en-US" dirty="0"/>
+          </a:p>
+        </p:txBody>
+      </p:sp>
+      <p:sp>
+        <p:nvSpPr>
+          <p:cNvPr id="10" name="TextBox 9">
+            <a:extLst>
+              <a:ext uri="{FF2B5EF4-FFF2-40B4-BE49-F238E27FC236}">
+                <a16:creationId xmlns:a16="http://schemas.microsoft.com/office/drawing/2014/main" id="{12238D80-99DE-458C-9261-4A8DA820E054}"/>
+              </a:ext>
+            </a:extLst>
+          </p:cNvPr>
+          <p:cNvSpPr txBox="1"/>
+          <p:nvPr/>
+        </p:nvSpPr>
+        <p:spPr>
+          <a:xfrm>
+            <a:off x="1875454" y="5594044"/>
+            <a:ext cx="989045" cy="369332"/>
+          </a:xfrm>
+          <a:prstGeom prst="rect">
+            <a:avLst/>
+          </a:prstGeom>
+          <a:noFill/>
+        </p:spPr>
+        <p:txBody>
+          <a:bodyPr wrap="square" rtlCol="0">
+            <a:spAutoFit/>
+          </a:bodyPr>
+          <a:lstStyle/>
+          <a:p>
+            <a:r>
+              <a:rPr lang="en-US" altLang="ko-KR" dirty="0"/>
+              <a:t>GND</a:t>
+            </a:r>
+            <a:endParaRPr lang="ko-KR" altLang="en-US" dirty="0"/>
+          </a:p>
+        </p:txBody>
+      </p:sp>
+      <p:sp>
+        <p:nvSpPr>
+          <p:cNvPr id="11" name="TextBox 10">
+            <a:extLst>
+              <a:ext uri="{FF2B5EF4-FFF2-40B4-BE49-F238E27FC236}">
+                <a16:creationId xmlns:a16="http://schemas.microsoft.com/office/drawing/2014/main" id="{388DA72B-FDCC-4F77-B51B-4A9716CEB527}"/>
+              </a:ext>
+            </a:extLst>
+          </p:cNvPr>
+          <p:cNvSpPr txBox="1"/>
+          <p:nvPr/>
+        </p:nvSpPr>
+        <p:spPr>
+          <a:xfrm>
+            <a:off x="1875454" y="1336369"/>
+            <a:ext cx="989045" cy="369332"/>
+          </a:xfrm>
+          <a:prstGeom prst="rect">
+            <a:avLst/>
+          </a:prstGeom>
+          <a:noFill/>
+        </p:spPr>
+        <p:txBody>
+          <a:bodyPr wrap="square" rtlCol="0">
+            <a:spAutoFit/>
+          </a:bodyPr>
+          <a:lstStyle/>
+          <a:p>
+            <a:r>
+              <a:rPr lang="en-US" altLang="ko-KR" dirty="0"/>
+              <a:t>+3V</a:t>
+            </a:r>
+            <a:endParaRPr lang="ko-KR" altLang="en-US" dirty="0"/>
+          </a:p>
+        </p:txBody>
+      </p:sp>
+      <p:sp>
+        <p:nvSpPr>
+          <p:cNvPr id="12" name="TextBox 11">
+            <a:extLst>
+              <a:ext uri="{FF2B5EF4-FFF2-40B4-BE49-F238E27FC236}">
+                <a16:creationId xmlns:a16="http://schemas.microsoft.com/office/drawing/2014/main" id="{A38D4A9E-8112-4509-87FA-B77ED0B51499}"/>
+              </a:ext>
+            </a:extLst>
+          </p:cNvPr>
+          <p:cNvSpPr txBox="1"/>
+          <p:nvPr/>
+        </p:nvSpPr>
+        <p:spPr>
+          <a:xfrm>
+            <a:off x="1586656" y="5927169"/>
+            <a:ext cx="1349528" cy="369332"/>
+          </a:xfrm>
+          <a:prstGeom prst="rect">
+            <a:avLst/>
+          </a:prstGeom>
+          <a:noFill/>
+        </p:spPr>
+        <p:txBody>
+          <a:bodyPr wrap="square" rtlCol="0">
+            <a:spAutoFit/>
+          </a:bodyPr>
+          <a:lstStyle/>
+          <a:p>
+            <a:r>
+              <a:rPr lang="en-US" altLang="ko-KR" dirty="0"/>
+              <a:t>&lt;Buzzer&gt;</a:t>
+            </a:r>
+            <a:endParaRPr lang="ko-KR" altLang="en-US" dirty="0"/>
+          </a:p>
+        </p:txBody>
+      </p:sp>
+      <p:sp>
+        <p:nvSpPr>
+          <p:cNvPr id="13" name="TextBox 12">
+            <a:extLst>
+              <a:ext uri="{FF2B5EF4-FFF2-40B4-BE49-F238E27FC236}">
+                <a16:creationId xmlns:a16="http://schemas.microsoft.com/office/drawing/2014/main" id="{1699F42D-83F9-4D77-A93F-1DA49C57FF33}"/>
+              </a:ext>
+            </a:extLst>
+          </p:cNvPr>
+          <p:cNvSpPr txBox="1"/>
+          <p:nvPr/>
+        </p:nvSpPr>
+        <p:spPr>
+          <a:xfrm>
+            <a:off x="5883490" y="5084306"/>
+            <a:ext cx="1349528" cy="369332"/>
+          </a:xfrm>
+          <a:prstGeom prst="rect">
+            <a:avLst/>
+          </a:prstGeom>
+          <a:noFill/>
+        </p:spPr>
+        <p:txBody>
+          <a:bodyPr wrap="square" rtlCol="0">
+            <a:spAutoFit/>
+          </a:bodyPr>
+          <a:lstStyle/>
+          <a:p>
+            <a:r>
+              <a:rPr lang="en-US" altLang="ko-KR" dirty="0"/>
+              <a:t>&lt;Switch&gt;</a:t>
+            </a:r>
+            <a:endParaRPr lang="ko-KR" altLang="en-US" dirty="0"/>
+          </a:p>
+        </p:txBody>
+      </p:sp>
+    </p:spTree>
+    <p:extLst>
+      <p:ext uri="{BB962C8B-B14F-4D97-AF65-F5344CB8AC3E}">
+        <p14:creationId xmlns:p14="http://schemas.microsoft.com/office/powerpoint/2010/main" val="2153266694"/>
+      </p:ext>
+    </p:extLst>
+  </p:cSld>
+  <p:clrMapOvr>
+    <a:masterClrMapping/>
+  </p:clrMapOvr>
+</p:sld>
+</file>
+
+<file path=ppt/slides/slide13.xml><?xml version="1.0" encoding="utf-8"?>
 <p:sld xmlns:a="http://schemas.openxmlformats.org/drawingml/2006/main" xmlns:r="http://schemas.openxmlformats.org/officeDocument/2006/relationships" xmlns:p="http://schemas.openxmlformats.org/presentationml/2006/main">
   <p:cSld>
     <p:spTree>
@@ -1792,7 +3316,12 @@
             <p:ph idx="1"/>
           </p:nvPr>
         </p:nvSpPr>
-        <p:spPr/>
+        <p:spPr>
+          <a:xfrm>
+            <a:off x="457200" y="1124744"/>
+            <a:ext cx="8229600" cy="5134634"/>
+          </a:xfrm>
+        </p:spPr>
         <p:txBody>
           <a:bodyPr vert="horz" lIns="91440" tIns="45720" rIns="91440" bIns="45720" rtlCol="0" anchor="t">
             <a:normAutofit/>
@@ -1800,119 +3329,125 @@
           <a:lstStyle/>
           <a:p>
             <a:r>
-              <a:rPr lang="en-US" altLang="ko-KR" dirty="0">
-                <a:ea typeface="맑은 고딕"/>
-              </a:rPr>
-              <a:t>J-TAG</a:t>
-            </a:r>
-          </a:p>
-          <a:p>
-            <a:pPr lvl="1"/>
-            <a:r>
-              <a:rPr lang="en-US" altLang="ko-KR" dirty="0">
-                <a:ea typeface="맑은 고딕"/>
-              </a:rPr>
-              <a:t>MSP430 </a:t>
-            </a:r>
-            <a:r>
               <a:rPr lang="ko-KR" altLang="en-US" dirty="0">
                 <a:ea typeface="맑은 고딕"/>
               </a:rPr>
-              <a:t>전용 </a:t>
-            </a:r>
-            <a:r>
-              <a:rPr lang="en-US" altLang="ko-KR" dirty="0">
-                <a:ea typeface="맑은 고딕"/>
-              </a:rPr>
-              <a:t>J-TAG</a:t>
-            </a:r>
-            <a:r>
-              <a:rPr lang="ko-KR" altLang="en-US" dirty="0">
-                <a:ea typeface="맑은 고딕"/>
-              </a:rPr>
-              <a:t>을 구하지 못하여</a:t>
-            </a:r>
-            <a:r>
-              <a:rPr lang="en-US" altLang="ko-KR" dirty="0">
-                <a:ea typeface="맑은 고딕"/>
-              </a:rPr>
-              <a:t>, </a:t>
-            </a:r>
-            <a:r>
-              <a:rPr lang="ko-KR" altLang="en-US" dirty="0">
-                <a:ea typeface="맑은 고딕"/>
-              </a:rPr>
-              <a:t>칩 기반설계가 </a:t>
-            </a:r>
-            <a:r>
-              <a:rPr lang="ko-KR" altLang="en-US" dirty="0" err="1">
-                <a:ea typeface="맑은 고딕"/>
-              </a:rPr>
-              <a:t>힘들어짐</a:t>
-            </a:r>
-            <a:r>
-              <a:rPr lang="en-US" altLang="ko-KR" dirty="0">
-                <a:ea typeface="맑은 고딕"/>
-              </a:rPr>
-              <a:t>.</a:t>
-            </a:r>
-          </a:p>
-          <a:p>
-            <a:pPr lvl="1"/>
+              <a:t>압력센서</a:t>
+            </a:r>
             <a:endParaRPr lang="en-US" altLang="ko-KR" dirty="0">
               <a:ea typeface="맑은 고딕"/>
             </a:endParaRPr>
           </a:p>
           <a:p>
+            <a:pPr lvl="1"/>
             <a:r>
               <a:rPr lang="ko-KR" altLang="en-US" dirty="0">
                 <a:ea typeface="맑은 고딕"/>
               </a:rPr>
-              <a:t>해결방안</a:t>
-            </a:r>
-            <a:endParaRPr lang="en-US" altLang="ko-KR" dirty="0">
-              <a:ea typeface="맑은 고딕"/>
-            </a:endParaRPr>
-          </a:p>
-          <a:p>
-            <a:pPr lvl="1"/>
+              <a:t>크기가 너무 작아 손뗌 작업이 어려움</a:t>
+            </a:r>
+            <a:r>
+              <a:rPr lang="en-US" altLang="ko-KR" dirty="0">
+                <a:ea typeface="맑은 고딕"/>
+              </a:rPr>
+              <a:t>.</a:t>
+            </a:r>
+          </a:p>
+          <a:p>
+            <a:pPr marL="457200" lvl="1" indent="0">
+              <a:buNone/>
+            </a:pPr>
+            <a:r>
+              <a:rPr lang="en-US" altLang="ko-KR" dirty="0">
+                <a:ea typeface="맑은 고딕"/>
+              </a:rPr>
+              <a:t>(</a:t>
+            </a:r>
             <a:r>
               <a:rPr lang="ko-KR" altLang="en-US" dirty="0">
                 <a:ea typeface="맑은 고딕"/>
               </a:rPr>
-              <a:t>런치패드 기반 설계진행</a:t>
+              <a:t>규격 </a:t>
             </a:r>
             <a:r>
               <a:rPr lang="en-US" altLang="ko-KR" dirty="0">
                 <a:ea typeface="맑은 고딕"/>
               </a:rPr>
-              <a:t>.</a:t>
+              <a:t>: 6.4 x 6.2mm, </a:t>
             </a:r>
             <a:r>
               <a:rPr lang="ko-KR" altLang="en-US" dirty="0">
                 <a:ea typeface="맑은 고딕"/>
               </a:rPr>
-              <a:t> </a:t>
-            </a:r>
-            <a:endParaRPr lang="en-US" altLang="ko-KR" dirty="0">
-              <a:ea typeface="맑은 고딕"/>
-            </a:endParaRPr>
-          </a:p>
-          <a:p>
-            <a:pPr lvl="1"/>
+              <a:t>핀 두께 </a:t>
+            </a:r>
+            <a:r>
+              <a:rPr lang="en-US" altLang="ko-KR" dirty="0">
+                <a:ea typeface="맑은 고딕"/>
+              </a:rPr>
+              <a:t>: 0.7mm,</a:t>
+            </a:r>
             <a:r>
               <a:rPr lang="ko-KR" altLang="en-US" dirty="0">
                 <a:ea typeface="맑은 고딕"/>
               </a:rPr>
-              <a:t>새로운 회로도 설계</a:t>
+              <a:t> 피치 </a:t>
+            </a:r>
+            <a:r>
+              <a:rPr lang="en-US" altLang="ko-KR" dirty="0">
+                <a:ea typeface="맑은 고딕"/>
+              </a:rPr>
+              <a:t>:</a:t>
+            </a:r>
+            <a:r>
+              <a:rPr lang="ko-KR" altLang="en-US" dirty="0">
+                <a:ea typeface="맑은 고딕"/>
+              </a:rPr>
+              <a:t> </a:t>
+            </a:r>
+            <a:r>
+              <a:rPr lang="en-US" altLang="ko-KR" dirty="0">
+                <a:ea typeface="맑은 고딕"/>
+              </a:rPr>
+              <a:t>1.25mm)</a:t>
             </a:r>
           </a:p>
         </p:txBody>
       </p:sp>
+      <p:pic>
+        <p:nvPicPr>
+          <p:cNvPr id="5" name="그림 4">
+            <a:extLst>
+              <a:ext uri="{FF2B5EF4-FFF2-40B4-BE49-F238E27FC236}">
+                <a16:creationId xmlns:a16="http://schemas.microsoft.com/office/drawing/2014/main" id="{A33539AA-60B9-4C80-B017-B9F5CEB64EBC}"/>
+              </a:ext>
+            </a:extLst>
+          </p:cNvPr>
+          <p:cNvPicPr>
+            <a:picLocks noChangeAspect="1"/>
+          </p:cNvPicPr>
+          <p:nvPr/>
+        </p:nvPicPr>
+        <p:blipFill>
+          <a:blip r:embed="rId2"/>
+          <a:stretch>
+            <a:fillRect/>
+          </a:stretch>
+        </p:blipFill>
+        <p:spPr>
+          <a:xfrm>
+            <a:off x="2698101" y="2576231"/>
+            <a:ext cx="3747797" cy="4007131"/>
+          </a:xfrm>
+          <a:prstGeom prst="rect">
+            <a:avLst/>
+          </a:prstGeom>
+        </p:spPr>
+      </p:pic>
     </p:spTree>
     <p:extLst>
       <p:ext uri="{BB962C8B-B14F-4D97-AF65-F5344CB8AC3E}">
-        <p14:creationId xmlns:p14="http://schemas.microsoft.com/office/powerpoint/2010/main" val="2634695652"/>
+        <p14:creationId xmlns:p14="http://schemas.microsoft.com/office/powerpoint/2010/main" val="688106783"/>
       </p:ext>
     </p:extLst>
   </p:cSld>
@@ -1922,7 +3457,7 @@
 </p:sld>
 </file>
 
-<file path=ppt/slides/slide12.xml><?xml version="1.0" encoding="utf-8"?>
+<file path=ppt/slides/slide14.xml><?xml version="1.0" encoding="utf-8"?>
 <p:sld xmlns:a="http://schemas.openxmlformats.org/drawingml/2006/main" xmlns:r="http://schemas.openxmlformats.org/officeDocument/2006/relationships" xmlns:p="http://schemas.openxmlformats.org/presentationml/2006/main">
   <p:cSld>
     <p:spTree>
@@ -1958,7 +3493,134 @@
               <a:rPr lang="ko-KR" altLang="en-US" dirty="0">
                 <a:ea typeface="맑은 고딕"/>
               </a:rPr>
-              <a:t>향후 진행계획</a:t>
+              <a:t>문제점 및 해결방안</a:t>
+            </a:r>
+          </a:p>
+        </p:txBody>
+      </p:sp>
+      <p:sp>
+        <p:nvSpPr>
+          <p:cNvPr id="3" name="내용 개체 틀 2"/>
+          <p:cNvSpPr>
+            <a:spLocks noGrp="1"/>
+          </p:cNvSpPr>
+          <p:nvPr>
+            <p:ph idx="1"/>
+          </p:nvPr>
+        </p:nvSpPr>
+        <p:spPr>
+          <a:xfrm>
+            <a:off x="457200" y="1124744"/>
+            <a:ext cx="8229600" cy="5134634"/>
+          </a:xfrm>
+        </p:spPr>
+        <p:txBody>
+          <a:bodyPr vert="horz" lIns="91440" tIns="45720" rIns="91440" bIns="45720" rtlCol="0" anchor="t">
+            <a:normAutofit/>
+          </a:bodyPr>
+          <a:lstStyle/>
+          <a:p>
+            <a:r>
+              <a:rPr lang="ko-KR" altLang="en-US" dirty="0">
+                <a:ea typeface="맑은 고딕"/>
+              </a:rPr>
+              <a:t>해결방안</a:t>
+            </a:r>
+            <a:endParaRPr lang="en-US" altLang="ko-KR" dirty="0">
+              <a:ea typeface="맑은 고딕"/>
+            </a:endParaRPr>
+          </a:p>
+          <a:p>
+            <a:pPr lvl="1"/>
+            <a:r>
+              <a:rPr lang="ko-KR" altLang="en-US" dirty="0">
+                <a:ea typeface="맑은 고딕"/>
+              </a:rPr>
+              <a:t>변환기판 주문 및 다른 부분 먼저 진행 </a:t>
+            </a:r>
+          </a:p>
+        </p:txBody>
+      </p:sp>
+      <p:pic>
+        <p:nvPicPr>
+          <p:cNvPr id="4" name="그림 3">
+            <a:extLst>
+              <a:ext uri="{FF2B5EF4-FFF2-40B4-BE49-F238E27FC236}">
+                <a16:creationId xmlns:a16="http://schemas.microsoft.com/office/drawing/2014/main" id="{1651CF95-76A6-4104-8D72-ACD0D1C8F635}"/>
+              </a:ext>
+            </a:extLst>
+          </p:cNvPr>
+          <p:cNvPicPr>
+            <a:picLocks noChangeAspect="1"/>
+          </p:cNvPicPr>
+          <p:nvPr/>
+        </p:nvPicPr>
+        <p:blipFill>
+          <a:blip r:embed="rId2"/>
+          <a:stretch>
+            <a:fillRect/>
+          </a:stretch>
+        </p:blipFill>
+        <p:spPr>
+          <a:xfrm>
+            <a:off x="2020271" y="2577984"/>
+            <a:ext cx="4389858" cy="3256662"/>
+          </a:xfrm>
+          <a:prstGeom prst="rect">
+            <a:avLst/>
+          </a:prstGeom>
+        </p:spPr>
+      </p:pic>
+    </p:spTree>
+    <p:extLst>
+      <p:ext uri="{BB962C8B-B14F-4D97-AF65-F5344CB8AC3E}">
+        <p14:creationId xmlns:p14="http://schemas.microsoft.com/office/powerpoint/2010/main" val="3585372882"/>
+      </p:ext>
+    </p:extLst>
+  </p:cSld>
+  <p:clrMapOvr>
+    <a:masterClrMapping/>
+  </p:clrMapOvr>
+</p:sld>
+</file>
+
+<file path=ppt/slides/slide15.xml><?xml version="1.0" encoding="utf-8"?>
+<p:sld xmlns:a="http://schemas.openxmlformats.org/drawingml/2006/main" xmlns:r="http://schemas.openxmlformats.org/officeDocument/2006/relationships" xmlns:p="http://schemas.openxmlformats.org/presentationml/2006/main">
+  <p:cSld>
+    <p:spTree>
+      <p:nvGrpSpPr>
+        <p:cNvPr id="1" name=""/>
+        <p:cNvGrpSpPr/>
+        <p:nvPr/>
+      </p:nvGrpSpPr>
+      <p:grpSpPr>
+        <a:xfrm>
+          <a:off x="0" y="0"/>
+          <a:ext cx="0" cy="0"/>
+          <a:chOff x="0" y="0"/>
+          <a:chExt cx="0" cy="0"/>
+        </a:xfrm>
+      </p:grpSpPr>
+      <p:sp>
+        <p:nvSpPr>
+          <p:cNvPr id="2" name="제목 1"/>
+          <p:cNvSpPr>
+            <a:spLocks noGrp="1"/>
+          </p:cNvSpPr>
+          <p:nvPr>
+            <p:ph type="title"/>
+          </p:nvPr>
+        </p:nvSpPr>
+        <p:spPr/>
+        <p:txBody>
+          <a:bodyPr/>
+          <a:lstStyle/>
+          <a:p>
+            <a:r>
+              <a:rPr lang="ko-KR" altLang="en-US" dirty="0">
+                <a:ea typeface="맑은 고딕"/>
+              </a:rPr>
+              <a:t>문제점 및 해결방안</a:t>
             </a:r>
           </a:p>
         </p:txBody>
@@ -1981,73 +3643,286 @@
           <a:lstStyle/>
           <a:p>
             <a:r>
+              <a:rPr lang="en-US" altLang="ko-KR" dirty="0">
+                <a:ea typeface="맑은 고딕"/>
+              </a:rPr>
+              <a:t>J-TAG</a:t>
+            </a:r>
+          </a:p>
+          <a:p>
+            <a:pPr lvl="1"/>
+            <a:r>
+              <a:rPr lang="en-US" altLang="ko-KR" dirty="0">
+                <a:ea typeface="맑은 고딕"/>
+              </a:rPr>
+              <a:t>MSP430 </a:t>
+            </a:r>
+            <a:r>
               <a:rPr lang="ko-KR" altLang="en-US" dirty="0">
                 <a:ea typeface="맑은 고딕"/>
               </a:rPr>
-              <a:t>압력센서</a:t>
-            </a:r>
+              <a:t>전용 </a:t>
+            </a:r>
+            <a:r>
+              <a:rPr lang="en-US" altLang="ko-KR" dirty="0">
+                <a:ea typeface="맑은 고딕"/>
+              </a:rPr>
+              <a:t>J-TAG</a:t>
+            </a:r>
+            <a:r>
+              <a:rPr lang="ko-KR" altLang="en-US" dirty="0">
+                <a:ea typeface="맑은 고딕"/>
+              </a:rPr>
+              <a:t>을 구하지 못하여</a:t>
+            </a:r>
+            <a:r>
+              <a:rPr lang="en-US" altLang="ko-KR" dirty="0">
+                <a:ea typeface="맑은 고딕"/>
+              </a:rPr>
+              <a:t>, </a:t>
+            </a:r>
+            <a:r>
+              <a:rPr lang="ko-KR" altLang="en-US" dirty="0">
+                <a:ea typeface="맑은 고딕"/>
+              </a:rPr>
+              <a:t>칩 기반설계가 </a:t>
+            </a:r>
+            <a:r>
+              <a:rPr lang="ko-KR" altLang="en-US" dirty="0" err="1">
+                <a:ea typeface="맑은 고딕"/>
+              </a:rPr>
+              <a:t>힘들어짐</a:t>
+            </a:r>
+            <a:r>
+              <a:rPr lang="en-US" altLang="ko-KR" dirty="0">
+                <a:ea typeface="맑은 고딕"/>
+              </a:rPr>
+              <a:t>.</a:t>
+            </a:r>
+          </a:p>
+          <a:p>
+            <a:pPr lvl="1"/>
             <a:endParaRPr lang="en-US" altLang="ko-KR" dirty="0">
               <a:ea typeface="맑은 고딕"/>
             </a:endParaRPr>
           </a:p>
           <a:p>
-            <a:pPr lvl="1"/>
-            <a:r>
-              <a:rPr lang="en-US" altLang="ko-KR" dirty="0">
-                <a:ea typeface="맑은 고딕"/>
-              </a:rPr>
-              <a:t>I2C </a:t>
-            </a:r>
             <a:r>
               <a:rPr lang="ko-KR" altLang="en-US" dirty="0">
                 <a:ea typeface="맑은 고딕"/>
               </a:rPr>
-              <a:t>통신</a:t>
+              <a:t>해결방안</a:t>
             </a:r>
             <a:endParaRPr lang="en-US" altLang="ko-KR" dirty="0">
               <a:ea typeface="맑은 고딕"/>
             </a:endParaRPr>
           </a:p>
           <a:p>
+            <a:pPr lvl="1"/>
             <a:r>
               <a:rPr lang="ko-KR" altLang="en-US" dirty="0">
                 <a:ea typeface="맑은 고딕"/>
               </a:rPr>
-              <a:t>시계기능</a:t>
+              <a:t>런치패드 기반 설계진행</a:t>
+            </a:r>
+            <a:r>
+              <a:rPr lang="en-US" altLang="ko-KR" dirty="0">
+                <a:ea typeface="맑은 고딕"/>
+              </a:rPr>
+              <a:t>.</a:t>
+            </a:r>
+            <a:r>
+              <a:rPr lang="ko-KR" altLang="en-US" dirty="0">
+                <a:ea typeface="맑은 고딕"/>
+              </a:rPr>
+              <a:t> </a:t>
             </a:r>
             <a:endParaRPr lang="en-US" altLang="ko-KR" dirty="0">
               <a:ea typeface="맑은 고딕"/>
             </a:endParaRPr>
           </a:p>
           <a:p>
+            <a:pPr lvl="1"/>
             <a:r>
               <a:rPr lang="ko-KR" altLang="en-US" dirty="0">
                 <a:ea typeface="맑은 고딕"/>
               </a:rPr>
-              <a:t>실시간 압력</a:t>
-            </a:r>
-            <a:r>
-              <a:rPr lang="en-US" altLang="ko-KR" dirty="0">
-                <a:ea typeface="맑은 고딕"/>
-              </a:rPr>
-              <a:t>, </a:t>
-            </a:r>
-            <a:r>
-              <a:rPr lang="ko-KR" altLang="en-US">
-                <a:ea typeface="맑은 고딕"/>
-              </a:rPr>
-              <a:t>온도 값 확인</a:t>
-            </a:r>
-            <a:endParaRPr lang="ko-KR" altLang="en-US" dirty="0">
-              <a:ea typeface="맑은 고딕"/>
-            </a:endParaRPr>
+              <a:t>새로운 회로도 설계</a:t>
+            </a:r>
           </a:p>
         </p:txBody>
       </p:sp>
     </p:spTree>
     <p:extLst>
       <p:ext uri="{BB962C8B-B14F-4D97-AF65-F5344CB8AC3E}">
-        <p14:creationId xmlns:p14="http://schemas.microsoft.com/office/powerpoint/2010/main" val="663162784"/>
+        <p14:creationId xmlns:p14="http://schemas.microsoft.com/office/powerpoint/2010/main" val="2634695652"/>
+      </p:ext>
+    </p:extLst>
+  </p:cSld>
+  <p:clrMapOvr>
+    <a:masterClrMapping/>
+  </p:clrMapOvr>
+</p:sld>
+</file>
+
+<file path=ppt/slides/slide16.xml><?xml version="1.0" encoding="utf-8"?>
+<p:sld xmlns:a="http://schemas.openxmlformats.org/drawingml/2006/main" xmlns:r="http://schemas.openxmlformats.org/officeDocument/2006/relationships" xmlns:p="http://schemas.openxmlformats.org/presentationml/2006/main">
+  <p:cSld>
+    <p:spTree>
+      <p:nvGrpSpPr>
+        <p:cNvPr id="1" name=""/>
+        <p:cNvGrpSpPr/>
+        <p:nvPr/>
+      </p:nvGrpSpPr>
+      <p:grpSpPr>
+        <a:xfrm>
+          <a:off x="0" y="0"/>
+          <a:ext cx="0" cy="0"/>
+          <a:chOff x="0" y="0"/>
+          <a:chExt cx="0" cy="0"/>
+        </a:xfrm>
+      </p:grpSpPr>
+      <p:sp>
+        <p:nvSpPr>
+          <p:cNvPr id="2" name="제목 1"/>
+          <p:cNvSpPr>
+            <a:spLocks noGrp="1"/>
+          </p:cNvSpPr>
+          <p:nvPr>
+            <p:ph type="title"/>
+          </p:nvPr>
+        </p:nvSpPr>
+        <p:spPr/>
+        <p:txBody>
+          <a:bodyPr/>
+          <a:lstStyle/>
+          <a:p>
+            <a:r>
+              <a:rPr lang="ko-KR" altLang="en-US" dirty="0">
+                <a:ea typeface="맑은 고딕"/>
+              </a:rPr>
+              <a:t>향후 진행 계획</a:t>
+            </a:r>
+          </a:p>
+        </p:txBody>
+      </p:sp>
+      <p:sp>
+        <p:nvSpPr>
+          <p:cNvPr id="3" name="내용 개체 틀 2"/>
+          <p:cNvSpPr>
+            <a:spLocks noGrp="1"/>
+          </p:cNvSpPr>
+          <p:nvPr>
+            <p:ph idx="1"/>
+          </p:nvPr>
+        </p:nvSpPr>
+        <p:spPr/>
+        <p:txBody>
+          <a:bodyPr vert="horz" lIns="91440" tIns="45720" rIns="91440" bIns="45720" rtlCol="0" anchor="t">
+            <a:normAutofit/>
+          </a:bodyPr>
+          <a:lstStyle/>
+          <a:p>
+            <a:pPr>
+              <a:buFont typeface="Arial"/>
+              <a:buChar char="•"/>
+            </a:pPr>
+            <a:r>
+              <a:rPr lang="ko-KR" altLang="en-US" dirty="0">
+                <a:latin typeface="Malgun Gothic"/>
+                <a:ea typeface="Malgun Gothic"/>
+                <a:cs typeface="+mn-lt"/>
+              </a:rPr>
+              <a:t>압력센서 테스트</a:t>
+            </a:r>
+            <a:endParaRPr lang="en-US" dirty="0">
+              <a:ea typeface="+mn-lt"/>
+              <a:cs typeface="+mn-lt"/>
+            </a:endParaRPr>
+          </a:p>
+          <a:p>
+            <a:pPr lvl="1"/>
+            <a:r>
+              <a:rPr lang="en-US" altLang="ko-KR" dirty="0">
+                <a:latin typeface="Malgun Gothic"/>
+                <a:ea typeface="+mn-lt"/>
+                <a:cs typeface="+mn-lt"/>
+              </a:rPr>
+              <a:t>I2C </a:t>
+            </a:r>
+            <a:r>
+              <a:rPr lang="en-US" altLang="ko-KR" dirty="0" err="1">
+                <a:latin typeface="Malgun Gothic"/>
+                <a:ea typeface="+mn-lt"/>
+                <a:cs typeface="+mn-lt"/>
+              </a:rPr>
+              <a:t>통신</a:t>
+            </a:r>
+            <a:endParaRPr lang="en-US" altLang="ko-KR" dirty="0">
+              <a:latin typeface="Malgun Gothic"/>
+              <a:ea typeface="+mn-lt"/>
+              <a:cs typeface="+mn-lt"/>
+            </a:endParaRPr>
+          </a:p>
+          <a:p>
+            <a:pPr lvl="1" indent="0">
+              <a:buNone/>
+            </a:pPr>
+            <a:endParaRPr lang="en-US" altLang="ko-KR" dirty="0">
+              <a:ea typeface="+mn-lt"/>
+              <a:cs typeface="+mn-lt"/>
+            </a:endParaRPr>
+          </a:p>
+          <a:p>
+            <a:pPr>
+              <a:buFont typeface="Arial"/>
+              <a:buChar char="•"/>
+            </a:pPr>
+            <a:r>
+              <a:rPr lang="ko-KR" altLang="en-US" dirty="0">
+                <a:latin typeface="Malgun Gothic"/>
+                <a:ea typeface="Malgun Gothic"/>
+                <a:cs typeface="+mn-lt"/>
+              </a:rPr>
+              <a:t>시계 기능</a:t>
+            </a:r>
+          </a:p>
+          <a:p>
+            <a:pPr>
+              <a:buFont typeface="Arial"/>
+              <a:buChar char="•"/>
+            </a:pPr>
+            <a:endParaRPr lang="ko-KR" altLang="en-US" dirty="0">
+              <a:latin typeface="Malgun Gothic"/>
+              <a:ea typeface="Malgun Gothic"/>
+            </a:endParaRPr>
+          </a:p>
+          <a:p>
+            <a:pPr>
+              <a:buFont typeface="Arial"/>
+              <a:buChar char="•"/>
+            </a:pPr>
+            <a:r>
+              <a:rPr lang="ko-KR" altLang="en-US" dirty="0">
+                <a:latin typeface="Malgun Gothic"/>
+                <a:ea typeface="Malgun Gothic"/>
+              </a:rPr>
+              <a:t>실시간 압력, 온도 값 출력</a:t>
+            </a:r>
+          </a:p>
+          <a:p>
+            <a:pPr>
+              <a:buFont typeface="Arial"/>
+              <a:buChar char="•"/>
+            </a:pPr>
+            <a:endParaRPr lang="en-US" altLang="ko-KR" dirty="0"/>
+          </a:p>
+        </p:txBody>
+      </p:sp>
+    </p:spTree>
+    <p:extLst>
+      <p:ext uri="{BB962C8B-B14F-4D97-AF65-F5344CB8AC3E}">
+        <p14:creationId xmlns:p14="http://schemas.microsoft.com/office/powerpoint/2010/main" val="578802433"/>
       </p:ext>
     </p:extLst>
   </p:cSld>
@@ -2095,7 +3970,6 @@
           <a:bodyPr/>
           <a:lstStyle/>
           <a:p>
-            <a:pPr algn="l"/>
             <a:r>
               <a:rPr lang="ko-KR" altLang="en-US" dirty="0"/>
               <a:t>목차</a:t>
@@ -2129,6 +4003,9 @@
           <a:bodyPr/>
           <a:lstStyle/>
           <a:p>
+            <a:endParaRPr lang="en-US" altLang="ko-KR" dirty="0"/>
+          </a:p>
+          <a:p>
             <a:r>
               <a:rPr lang="ko-KR" altLang="en-US" dirty="0"/>
               <a:t>진행내용</a:t>
@@ -2136,6 +4013,9 @@
             <a:endParaRPr lang="en-US" altLang="ko-KR" dirty="0"/>
           </a:p>
           <a:p>
+            <a:endParaRPr lang="en-US" altLang="ko-KR" dirty="0"/>
+          </a:p>
+          <a:p>
             <a:r>
               <a:rPr lang="ko-KR" altLang="en-US" dirty="0"/>
               <a:t>문제점 및 해결 방안</a:t>
@@ -2143,9 +4023,22 @@
             <a:endParaRPr lang="en-US" altLang="ko-KR" dirty="0"/>
           </a:p>
           <a:p>
+            <a:endParaRPr lang="en-US" altLang="ko-KR" dirty="0"/>
+          </a:p>
+          <a:p>
             <a:r>
               <a:rPr lang="ko-KR" altLang="en-US" dirty="0"/>
               <a:t>향후 진행 계획</a:t>
+            </a:r>
+            <a:endParaRPr lang="en-US" altLang="ko-KR" dirty="0"/>
+          </a:p>
+          <a:p>
+            <a:endParaRPr lang="en-US" altLang="ko-KR" dirty="0"/>
+          </a:p>
+          <a:p>
+            <a:r>
+              <a:rPr lang="ko-KR" altLang="en-US" dirty="0"/>
+              <a:t>주요 부분</a:t>
             </a:r>
             <a:endParaRPr lang="en-US" altLang="ko-KR" dirty="0"/>
           </a:p>
@@ -2235,39 +4128,58 @@
               <a:rPr lang="ko-KR" altLang="en-US" dirty="0">
                 <a:ea typeface="맑은 고딕"/>
               </a:rPr>
-              <a:t> 출력 </a:t>
+              <a:t> 출력</a:t>
+            </a:r>
+            <a:r>
+              <a:rPr lang="ko-KR" altLang="en-US">
+                <a:ea typeface="맑은 고딕"/>
+              </a:rPr>
+              <a:t> </a:t>
             </a:r>
             <a:endParaRPr lang="en-US" altLang="ko-KR" dirty="0">
               <a:ea typeface="맑은 고딕"/>
             </a:endParaRPr>
           </a:p>
           <a:p>
+            <a:pPr marL="742950" indent="-285750">
+              <a:buChar char="–"/>
+            </a:pPr>
+            <a:r>
+              <a:rPr lang="ko-KR" sz="2400">
+                <a:ea typeface="+mn-lt"/>
+                <a:cs typeface="+mn-lt"/>
+              </a:rPr>
+              <a:t>다이빙 로그 정보 출력</a:t>
+            </a:r>
+            <a:endParaRPr lang="en-US" altLang="ko-KR" sz="2400">
+              <a:ea typeface="+mn-lt"/>
+              <a:cs typeface="+mn-lt"/>
+            </a:endParaRPr>
+          </a:p>
+          <a:p>
             <a:pPr lvl="1"/>
             <a:r>
-              <a:rPr lang="ko-KR" altLang="en-US" dirty="0">
-                <a:ea typeface="맑은 고딕"/>
-              </a:rPr>
-              <a:t>다이빙 로그 정보 출력</a:t>
-            </a:r>
-            <a:endParaRPr lang="en-US" altLang="ko-KR" dirty="0">
-              <a:ea typeface="맑은 고딕"/>
+              <a:rPr lang="en-US" altLang="ko-KR">
+                <a:ea typeface="+mn-lt"/>
+                <a:cs typeface="+mn-lt"/>
+              </a:rPr>
+              <a:t>I2C</a:t>
+            </a:r>
+            <a:r>
+              <a:rPr lang="ko-KR">
+                <a:ea typeface="+mn-lt"/>
+                <a:cs typeface="+mn-lt"/>
+              </a:rPr>
+              <a:t> 통신</a:t>
+            </a:r>
+            <a:endParaRPr lang="en-US">
+              <a:ea typeface="+mn-lt"/>
+              <a:cs typeface="+mn-lt"/>
             </a:endParaRPr>
           </a:p>
           <a:p>
             <a:pPr lvl="1"/>
-            <a:r>
-              <a:rPr lang="en-US" altLang="ko-KR" dirty="0">
-                <a:ea typeface="맑은 고딕"/>
-              </a:rPr>
-              <a:t>I2C </a:t>
-            </a:r>
-            <a:r>
-              <a:rPr lang="ko-KR" altLang="en-US" dirty="0">
-                <a:ea typeface="맑은 고딕"/>
-              </a:rPr>
-              <a:t>통신</a:t>
-            </a:r>
-            <a:endParaRPr lang="en-US" altLang="ko-KR" dirty="0">
+            <a:endParaRPr lang="ko-KR" altLang="en-US">
               <a:ea typeface="맑은 고딕"/>
             </a:endParaRPr>
           </a:p>
@@ -2299,7 +4211,7 @@
         </p:blipFill>
         <p:spPr>
           <a:xfrm>
-            <a:off x="1917700" y="3308350"/>
+            <a:off x="1917700" y="3023870"/>
             <a:ext cx="5308600" cy="2866644"/>
           </a:xfrm>
           <a:prstGeom prst="rect">
@@ -2415,7 +4327,7 @@
           <p:nvPr>
             <p:extLst>
               <p:ext uri="{D42A27DB-BD31-4B8C-83A1-F6EECF244321}">
-                <p14:modId xmlns:p14="http://schemas.microsoft.com/office/powerpoint/2010/main" val="2246920522"/>
+                <p14:modId xmlns:p14="http://schemas.microsoft.com/office/powerpoint/2010/main" val="780666821"/>
               </p:ext>
             </p:extLst>
           </p:nvPr>
@@ -3018,34 +4930,28 @@
                         <a:defRPr/>
                       </a:pPr>
                       <a:r>
-                        <a:rPr kumimoji="0" lang="en-US" altLang="ko-KR" sz="2100" b="1" i="0" u="none" strike="noStrike" kern="1200" cap="none" spc="0" normalizeH="0" baseline="0" noProof="0" dirty="0">
+                        <a:rPr kumimoji="0" lang="en-US" altLang="ko-KR" sz="2100" b="1" i="0" u="none" strike="noStrike" kern="1200" cap="none" spc="0" normalizeH="0" baseline="0" noProof="0">
                           <a:ln>
                             <a:noFill/>
                           </a:ln>
-                          <a:solidFill>
-                            <a:prstClr val="black"/>
-                          </a:solidFill>
                           <a:effectLst/>
                           <a:uLnTx/>
                           <a:uFillTx/>
-                          <a:latin typeface="맑은 고딕" panose="020F0502020204030204"/>
-                          <a:ea typeface="맑은 고딕" panose="020B0503020000020004" pitchFamily="50" charset="-127"/>
+                          <a:latin typeface="맑은 고딕"/>
+                          <a:ea typeface="맑은 고딕"/>
                           <a:cs typeface="+mn-cs"/>
                         </a:rPr>
                         <a:t>M</a:t>
                       </a:r>
-                      <a:endParaRPr kumimoji="0" lang="ko-KR" altLang="en-US" sz="2100" b="1" i="0" u="none" strike="noStrike" kern="1200" cap="none" spc="0" normalizeH="0" baseline="0" noProof="0" dirty="0">
+                      <a:endParaRPr kumimoji="0" lang="ko-KR" altLang="en-US" sz="2100" b="1" i="0" u="none" strike="noStrike" kern="1200" cap="none" spc="0" normalizeH="0" baseline="0" noProof="0">
                         <a:ln>
                           <a:noFill/>
                         </a:ln>
-                        <a:solidFill>
-                          <a:prstClr val="black"/>
-                        </a:solidFill>
                         <a:effectLst/>
                         <a:uLnTx/>
                         <a:uFillTx/>
-                        <a:latin typeface="맑은 고딕" panose="020F0502020204030204"/>
-                        <a:ea typeface="맑은 고딕" panose="020B0503020000020004" pitchFamily="50" charset="-127"/>
+                        <a:latin typeface="맑은 고딕"/>
+                        <a:ea typeface="맑은 고딕"/>
                         <a:cs typeface="+mn-cs"/>
                       </a:endParaRPr>
                     </a:p>
@@ -3081,34 +4987,28 @@
                         <a:defRPr/>
                       </a:pPr>
                       <a:r>
-                        <a:rPr kumimoji="0" lang="en-US" altLang="ko-KR" sz="2100" b="1" i="0" u="none" strike="noStrike" kern="1200" cap="none" spc="0" normalizeH="0" baseline="0" noProof="0" dirty="0">
+                        <a:rPr kumimoji="0" lang="en-US" altLang="ko-KR" sz="2100" b="1" i="0" u="none" strike="noStrike" kern="1200" cap="none" spc="0" normalizeH="0" baseline="0" noProof="0">
                           <a:ln>
                             <a:noFill/>
                           </a:ln>
-                          <a:solidFill>
-                            <a:prstClr val="black"/>
-                          </a:solidFill>
                           <a:effectLst/>
                           <a:uLnTx/>
                           <a:uFillTx/>
-                          <a:latin typeface="맑은 고딕" panose="020F0502020204030204"/>
-                          <a:ea typeface="맑은 고딕" panose="020B0503020000020004" pitchFamily="50" charset="-127"/>
+                          <a:latin typeface="맑은 고딕"/>
+                          <a:ea typeface="맑은 고딕"/>
                           <a:cs typeface="+mn-cs"/>
                         </a:rPr>
                         <a:t>D</a:t>
                       </a:r>
-                      <a:endParaRPr kumimoji="0" lang="ko-KR" altLang="en-US" sz="2100" b="1" i="0" u="none" strike="noStrike" kern="1200" cap="none" spc="0" normalizeH="0" baseline="0" noProof="0" dirty="0">
+                      <a:endParaRPr kumimoji="0" lang="ko-KR" altLang="en-US" sz="2100" b="1" i="0" u="none" strike="noStrike" kern="1200" cap="none" spc="0" normalizeH="0" baseline="0" noProof="0">
                         <a:ln>
                           <a:noFill/>
                         </a:ln>
-                        <a:solidFill>
-                          <a:prstClr val="black"/>
-                        </a:solidFill>
                         <a:effectLst/>
                         <a:uLnTx/>
                         <a:uFillTx/>
-                        <a:latin typeface="맑은 고딕" panose="020F0502020204030204"/>
-                        <a:ea typeface="맑은 고딕" panose="020B0503020000020004" pitchFamily="50" charset="-127"/>
+                        <a:latin typeface="맑은 고딕"/>
+                        <a:ea typeface="맑은 고딕"/>
                         <a:cs typeface="+mn-cs"/>
                       </a:endParaRPr>
                     </a:p>
@@ -3452,14 +5352,14 @@
                     <a:p>
                       <a:pPr algn="ctr" latinLnBrk="1"/>
                       <a:r>
-                        <a:rPr lang="en-US" altLang="ko-KR" sz="2100" b="1" dirty="0">
+                        <a:rPr lang="en-US" altLang="ko-KR" sz="2100" b="1">
                           <a:solidFill>
                             <a:schemeClr val="tx1"/>
                           </a:solidFill>
                         </a:rPr>
-                        <a:t>m</a:t>
+                        <a:t>M</a:t>
                       </a:r>
-                      <a:endParaRPr lang="ko-KR" altLang="en-US" sz="2100" b="1" dirty="0">
+                      <a:endParaRPr lang="ko-KR" altLang="en-US" sz="2100" b="1">
                         <a:solidFill>
                           <a:schemeClr val="tx1"/>
                         </a:solidFill>
@@ -3497,34 +5397,28 @@
                         <a:defRPr/>
                       </a:pPr>
                       <a:r>
-                        <a:rPr kumimoji="0" lang="en-US" altLang="ko-KR" sz="2100" b="1" i="0" u="none" strike="noStrike" kern="1200" cap="none" spc="0" normalizeH="0" baseline="0" noProof="0" dirty="0">
+                        <a:rPr kumimoji="0" lang="en-US" altLang="ko-KR" sz="2100" b="1" i="0" u="none" strike="noStrike" kern="1200" cap="none" spc="0" normalizeH="0" baseline="0" noProof="0">
                           <a:ln>
                             <a:noFill/>
                           </a:ln>
-                          <a:solidFill>
-                            <a:prstClr val="black"/>
-                          </a:solidFill>
                           <a:effectLst/>
                           <a:uLnTx/>
                           <a:uFillTx/>
-                          <a:latin typeface="맑은 고딕" panose="020F0502020204030204"/>
-                          <a:ea typeface="맑은 고딕" panose="020B0503020000020004" pitchFamily="50" charset="-127"/>
+                          <a:latin typeface="맑은 고딕"/>
+                          <a:ea typeface="맑은 고딕"/>
                           <a:cs typeface="+mn-cs"/>
                         </a:rPr>
                         <a:t>2</a:t>
                       </a:r>
-                      <a:endParaRPr kumimoji="0" lang="ko-KR" altLang="en-US" sz="2100" b="1" i="0" u="none" strike="noStrike" kern="1200" cap="none" spc="0" normalizeH="0" baseline="0" noProof="0" dirty="0">
+                      <a:endParaRPr kumimoji="0" lang="ko-KR" altLang="en-US" sz="2100" b="1" i="0" u="none" strike="noStrike" kern="1200" cap="none" spc="0" normalizeH="0" baseline="0" noProof="0">
                         <a:ln>
                           <a:noFill/>
                         </a:ln>
-                        <a:solidFill>
-                          <a:prstClr val="black"/>
-                        </a:solidFill>
                         <a:effectLst/>
                         <a:uLnTx/>
                         <a:uFillTx/>
-                        <a:latin typeface="맑은 고딕" panose="020F0502020204030204"/>
-                        <a:ea typeface="맑은 고딕" panose="020B0503020000020004" pitchFamily="50" charset="-127"/>
+                        <a:latin typeface="맑은 고딕"/>
+                        <a:ea typeface="맑은 고딕"/>
                         <a:cs typeface="+mn-cs"/>
                       </a:endParaRPr>
                     </a:p>
@@ -3560,34 +5454,28 @@
                         <a:defRPr/>
                       </a:pPr>
                       <a:r>
-                        <a:rPr kumimoji="0" lang="en-US" altLang="ko-KR" sz="2100" b="1" i="0" u="none" strike="noStrike" kern="1200" cap="none" spc="0" normalizeH="0" baseline="0" noProof="0" dirty="0">
+                        <a:rPr kumimoji="0" lang="en-US" altLang="ko-KR" sz="2100" b="1" i="0" u="none" strike="noStrike" kern="1200" cap="none" spc="0" normalizeH="0" baseline="0" noProof="0">
                           <a:ln>
                             <a:noFill/>
                           </a:ln>
-                          <a:solidFill>
-                            <a:prstClr val="black"/>
-                          </a:solidFill>
                           <a:effectLst/>
                           <a:uLnTx/>
                           <a:uFillTx/>
-                          <a:latin typeface="맑은 고딕" panose="020F0502020204030204"/>
-                          <a:ea typeface="맑은 고딕" panose="020B0503020000020004" pitchFamily="50" charset="-127"/>
+                          <a:latin typeface="맑은 고딕"/>
+                          <a:ea typeface="맑은 고딕"/>
                           <a:cs typeface="+mn-cs"/>
                         </a:rPr>
                         <a:t>0</a:t>
                       </a:r>
-                      <a:endParaRPr kumimoji="0" lang="ko-KR" altLang="en-US" sz="2100" b="1" i="0" u="none" strike="noStrike" kern="1200" cap="none" spc="0" normalizeH="0" baseline="0" noProof="0" dirty="0">
+                      <a:endParaRPr kumimoji="0" lang="ko-KR" altLang="en-US" sz="2100" b="1" i="0" u="none" strike="noStrike" kern="1200" cap="none" spc="0" normalizeH="0" baseline="0" noProof="0">
                         <a:ln>
                           <a:noFill/>
                         </a:ln>
-                        <a:solidFill>
-                          <a:prstClr val="black"/>
-                        </a:solidFill>
                         <a:effectLst/>
                         <a:uLnTx/>
                         <a:uFillTx/>
-                        <a:latin typeface="맑은 고딕" panose="020F0502020204030204"/>
-                        <a:ea typeface="맑은 고딕" panose="020B0503020000020004" pitchFamily="50" charset="-127"/>
+                        <a:latin typeface="맑은 고딕"/>
+                        <a:ea typeface="맑은 고딕"/>
                         <a:cs typeface="+mn-cs"/>
                       </a:endParaRPr>
                     </a:p>
@@ -3605,7 +5493,7 @@
                     <a:bodyPr/>
                     <a:lstStyle/>
                     <a:p>
-                      <a:pPr marL="0" marR="0" lvl="0" indent="0" algn="ctr" defTabSz="914400" rtl="0" eaLnBrk="1" fontAlgn="auto" latinLnBrk="1" hangingPunct="1">
+                      <a:pPr marL="0" marR="0" lvl="0" indent="0" algn="ctr" defTabSz="914400">
                         <a:lnSpc>
                           <a:spcPct val="100000"/>
                         </a:lnSpc>
@@ -3623,34 +5511,28 @@
                         <a:defRPr/>
                       </a:pPr>
                       <a:r>
-                        <a:rPr kumimoji="0" lang="en-US" altLang="ko-KR" sz="2100" b="1" i="0" u="none" strike="noStrike" kern="1200" cap="none" spc="0" normalizeH="0" baseline="0" noProof="0" dirty="0">
+                        <a:rPr lang="en-US" altLang="ko-KR" sz="2100" b="1" i="0" u="none" strike="noStrike" kern="1200" cap="none" spc="0" normalizeH="0" baseline="0" noProof="0">
                           <a:ln>
                             <a:noFill/>
                           </a:ln>
-                          <a:solidFill>
-                            <a:prstClr val="black"/>
-                          </a:solidFill>
                           <a:effectLst/>
                           <a:uLnTx/>
                           <a:uFillTx/>
-                          <a:latin typeface="맑은 고딕" panose="020F0502020204030204"/>
-                          <a:ea typeface="맑은 고딕" panose="020B0503020000020004" pitchFamily="50" charset="-127"/>
+                          <a:latin typeface="맑은 고딕"/>
+                          <a:ea typeface="맑은 고딕"/>
                           <a:cs typeface="+mn-cs"/>
                         </a:rPr>
-                        <a:t>s</a:t>
+                        <a:t>S</a:t>
                       </a:r>
-                      <a:endParaRPr kumimoji="0" lang="ko-KR" altLang="en-US" sz="2100" b="1" i="0" u="none" strike="noStrike" kern="1200" cap="none" spc="0" normalizeH="0" baseline="0" noProof="0" dirty="0">
+                      <a:endParaRPr kumimoji="0" lang="en-US" altLang="ko-KR" sz="2100" b="1" i="0" u="none" strike="noStrike" kern="1200" cap="none" spc="0" normalizeH="0" baseline="0" noProof="0">
                         <a:ln>
                           <a:noFill/>
                         </a:ln>
-                        <a:solidFill>
-                          <a:prstClr val="black"/>
-                        </a:solidFill>
                         <a:effectLst/>
                         <a:uLnTx/>
                         <a:uFillTx/>
-                        <a:latin typeface="맑은 고딕" panose="020F0502020204030204"/>
-                        <a:ea typeface="맑은 고딕" panose="020B0503020000020004" pitchFamily="50" charset="-127"/>
+                        <a:latin typeface="맑은 고딕"/>
+                        <a:ea typeface="맑은 고딕"/>
                         <a:cs typeface="+mn-cs"/>
                       </a:endParaRPr>
                     </a:p>
@@ -3714,34 +5596,28 @@
                         <a:defRPr/>
                       </a:pPr>
                       <a:r>
-                        <a:rPr kumimoji="0" lang="en-US" altLang="ko-KR" sz="2100" b="1" i="0" u="none" strike="noStrike" kern="1200" cap="none" spc="0" normalizeH="0" baseline="0" noProof="0" dirty="0">
+                        <a:rPr kumimoji="0" lang="en-US" altLang="ko-KR" sz="2100" b="1" i="0" u="none" strike="noStrike" kern="1200" cap="none" spc="0" normalizeH="0" baseline="0" noProof="0">
                           <a:ln>
                             <a:noFill/>
                           </a:ln>
-                          <a:solidFill>
-                            <a:prstClr val="black"/>
-                          </a:solidFill>
                           <a:effectLst/>
                           <a:uLnTx/>
                           <a:uFillTx/>
-                          <a:latin typeface="맑은 고딕" panose="020F0502020204030204"/>
-                          <a:ea typeface="맑은 고딕" panose="020B0503020000020004" pitchFamily="50" charset="-127"/>
+                          <a:latin typeface="맑은 고딕"/>
+                          <a:ea typeface="맑은 고딕"/>
                           <a:cs typeface="+mn-cs"/>
                         </a:rPr>
                         <a:t>D</a:t>
                       </a:r>
-                      <a:endParaRPr kumimoji="0" lang="ko-KR" altLang="en-US" sz="2100" b="1" i="0" u="none" strike="noStrike" kern="1200" cap="none" spc="0" normalizeH="0" baseline="0" noProof="0" dirty="0">
+                      <a:endParaRPr kumimoji="0" lang="ko-KR" altLang="en-US" sz="2100" b="1" i="0" u="none" strike="noStrike" kern="1200" cap="none" spc="0" normalizeH="0" baseline="0" noProof="0">
                         <a:ln>
                           <a:noFill/>
                         </a:ln>
-                        <a:solidFill>
-                          <a:prstClr val="black"/>
-                        </a:solidFill>
                         <a:effectLst/>
                         <a:uLnTx/>
                         <a:uFillTx/>
-                        <a:latin typeface="맑은 고딕" panose="020F0502020204030204"/>
-                        <a:ea typeface="맑은 고딕" panose="020B0503020000020004" pitchFamily="50" charset="-127"/>
+                        <a:latin typeface="맑은 고딕"/>
+                        <a:ea typeface="맑은 고딕"/>
                         <a:cs typeface="+mn-cs"/>
                       </a:endParaRPr>
                     </a:p>
@@ -4735,32 +6611,42 @@
           <a:noFill/>
         </p:spPr>
         <p:txBody>
-          <a:bodyPr wrap="square" rtlCol="0">
+          <a:bodyPr wrap="square" rtlCol="0" anchor="t">
             <a:spAutoFit/>
           </a:bodyPr>
           <a:lstStyle/>
           <a:p>
             <a:r>
-              <a:rPr lang="ko-KR" altLang="en-US" sz="1350" dirty="0"/>
-              <a:t>잠수시간</a:t>
+              <a:rPr lang="ko-KR" altLang="en-US" sz="1350">
+                <a:ea typeface="맑은 고딕"/>
+              </a:rPr>
+              <a:t>잠수 시간</a:t>
             </a:r>
             <a:endParaRPr lang="en-US" altLang="ko-KR" sz="1350" dirty="0"/>
           </a:p>
           <a:p>
             <a:r>
-              <a:rPr lang="en-US" altLang="ko-KR" sz="1350" dirty="0"/>
+              <a:rPr lang="en-US" altLang="ko-KR" sz="1350">
+                <a:ea typeface="맑은 고딕"/>
+              </a:rPr>
               <a:t>15</a:t>
             </a:r>
             <a:r>
-              <a:rPr lang="ko-KR" altLang="en-US" sz="1350" dirty="0"/>
+              <a:rPr lang="ko-KR" altLang="en-US" sz="1350">
+                <a:ea typeface="맑은 고딕"/>
+              </a:rPr>
               <a:t>분 </a:t>
             </a:r>
             <a:r>
-              <a:rPr lang="en-US" altLang="ko-KR" sz="1350" dirty="0"/>
+              <a:rPr lang="en-US" altLang="ko-KR" sz="1350">
+                <a:ea typeface="맑은 고딕"/>
+              </a:rPr>
               <a:t>20</a:t>
             </a:r>
             <a:r>
-              <a:rPr lang="ko-KR" altLang="en-US" sz="1350" dirty="0"/>
+              <a:rPr lang="ko-KR" altLang="en-US" sz="1350">
+                <a:ea typeface="맑은 고딕"/>
+              </a:rPr>
               <a:t>초</a:t>
             </a:r>
           </a:p>
@@ -5304,31 +7190,50 @@
               </a:rPr>
               <a:t> 출력</a:t>
             </a:r>
-            <a:endParaRPr lang="en-US" altLang="ko-KR" dirty="0">
+            <a:r>
+              <a:rPr lang="ko-KR" altLang="en-US">
+                <a:ea typeface="맑은 고딕"/>
+              </a:rPr>
+              <a:t> </a:t>
+            </a:r>
+            <a:endParaRPr lang="en-US" altLang="ko-KR">
               <a:ea typeface="맑은 고딕"/>
             </a:endParaRPr>
           </a:p>
           <a:p>
-            <a:pPr lvl="1"/>
-            <a:r>
-              <a:rPr lang="en-US" altLang="ko-KR" dirty="0">
-                <a:ea typeface="맑은 고딕"/>
-              </a:rPr>
-              <a:t>2, 3</a:t>
-            </a:r>
-            <a:r>
-              <a:rPr lang="ko-KR" altLang="en-US" dirty="0">
-                <a:ea typeface="맑은 고딕"/>
-              </a:rPr>
-              <a:t>번째 라인 출력</a:t>
-            </a:r>
-            <a:endParaRPr lang="en-US" altLang="ko-KR" dirty="0">
+            <a:endParaRPr lang="ko-KR" altLang="en-US">
               <a:ea typeface="맑은 고딕"/>
             </a:endParaRPr>
           </a:p>
           <a:p>
             <a:pPr lvl="1"/>
-            <a:endParaRPr lang="en-US" altLang="ko-KR" dirty="0">
+            <a:r>
+              <a:rPr lang="ko-KR">
+                <a:ea typeface="+mn-lt"/>
+                <a:cs typeface="+mn-lt"/>
+              </a:rPr>
+              <a:t>2, 3번째</a:t>
+            </a:r>
+            <a:r>
+              <a:rPr lang="ko-KR" altLang="en-US">
+                <a:ea typeface="+mn-lt"/>
+                <a:cs typeface="+mn-lt"/>
+              </a:rPr>
+              <a:t> 텍스트</a:t>
+            </a:r>
+            <a:r>
+              <a:rPr lang="ko-KR">
+                <a:ea typeface="+mn-lt"/>
+                <a:cs typeface="+mn-lt"/>
+              </a:rPr>
+              <a:t> 라인 출력</a:t>
+            </a:r>
+            <a:endParaRPr lang="ko-KR" altLang="en-US">
+              <a:ea typeface="맑은 고딕"/>
+            </a:endParaRPr>
+          </a:p>
+          <a:p>
+            <a:endParaRPr lang="ko-KR" altLang="en-US">
               <a:ea typeface="맑은 고딕"/>
             </a:endParaRPr>
           </a:p>
@@ -5340,10 +7245,10 @@
       </p:sp>
       <p:pic>
         <p:nvPicPr>
-          <p:cNvPr id="5" name="그림 4" descr="실내, 테이블, 컴퓨터, 바닥이(가) 표시된 사진&#10;&#10;자동 생성된 설명">
+          <p:cNvPr id="5" name="Picture 5" descr="실내, 테이블, 컴퓨터, 바닥이(가) 표시된 사진&#10;&#10;매우 높은 신뢰도로 생성된 설명">
             <a:extLst>
               <a:ext uri="{FF2B5EF4-FFF2-40B4-BE49-F238E27FC236}">
-                <a16:creationId xmlns:a16="http://schemas.microsoft.com/office/drawing/2014/main" id="{3C9616B7-BB72-4FA8-BD05-FB55CE1DD675}"/>
+                <a16:creationId xmlns:a16="http://schemas.microsoft.com/office/drawing/2014/main" id="{F023A6CE-3E11-4AF9-B1FD-3866677386F1}"/>
               </a:ext>
             </a:extLst>
           </p:cNvPr>
@@ -5353,21 +7258,15 @@
           <p:nvPr/>
         </p:nvPicPr>
         <p:blipFill>
-          <a:blip r:embed="rId2">
-            <a:extLst>
-              <a:ext uri="{28A0092B-C50C-407E-A947-70E740481C1C}">
-                <a14:useLocalDpi xmlns:a14="http://schemas.microsoft.com/office/drawing/2010/main" val="0"/>
-              </a:ext>
-            </a:extLst>
-          </a:blip>
+          <a:blip r:embed="rId2"/>
           <a:stretch>
             <a:fillRect/>
           </a:stretch>
         </p:blipFill>
         <p:spPr>
           <a:xfrm>
-            <a:off x="5401945" y="1124744"/>
-            <a:ext cx="2881682" cy="5134634"/>
+            <a:off x="5488690" y="1059296"/>
+            <a:ext cx="2914016" cy="5183744"/>
           </a:xfrm>
           <a:prstGeom prst="rect">
             <a:avLst/>
@@ -5377,7 +7276,7 @@
     </p:spTree>
     <p:extLst>
       <p:ext uri="{BB962C8B-B14F-4D97-AF65-F5344CB8AC3E}">
-        <p14:creationId xmlns:p14="http://schemas.microsoft.com/office/powerpoint/2010/main" val="3665371548"/>
+        <p14:creationId xmlns:p14="http://schemas.microsoft.com/office/powerpoint/2010/main" val="1083959210"/>
       </p:ext>
     </p:extLst>
   </p:cSld>
@@ -5446,16 +7345,10 @@
           <a:lstStyle/>
           <a:p>
             <a:r>
-              <a:rPr lang="en-US" altLang="ko-KR" dirty="0">
-                <a:ea typeface="맑은 고딕"/>
-              </a:rPr>
-              <a:t>LCD</a:t>
-            </a:r>
-            <a:r>
               <a:rPr lang="ko-KR" altLang="en-US" dirty="0">
                 <a:ea typeface="맑은 고딕"/>
               </a:rPr>
-              <a:t> 출력</a:t>
+              <a:t>다이빙 로그 저장 및 불러오기 기능</a:t>
             </a:r>
             <a:endParaRPr lang="en-US" altLang="ko-KR" dirty="0">
               <a:ea typeface="맑은 고딕"/>
@@ -5473,75 +7366,81 @@
               <a:rPr lang="ko-KR" altLang="en-US" dirty="0">
                 <a:ea typeface="맑은 고딕"/>
               </a:rPr>
-              <a:t>에 </a:t>
+              <a:t> </a:t>
+            </a:r>
+            <a:r>
+              <a:rPr lang="en-US" altLang="ko-KR" dirty="0">
+                <a:ea typeface="맑은 고딕"/>
+              </a:rPr>
+              <a:t>read/write</a:t>
+            </a:r>
+          </a:p>
+          <a:p>
+            <a:pPr lvl="1"/>
+            <a:endParaRPr lang="en-US" altLang="ko-KR" dirty="0"/>
+          </a:p>
+          <a:p>
+            <a:pPr lvl="1"/>
+            <a:r>
+              <a:rPr lang="en-US" altLang="ko-KR" dirty="0">
+                <a:ea typeface="맑은 고딕"/>
+              </a:rPr>
+              <a:t>4</a:t>
+            </a:r>
+            <a:r>
+              <a:rPr lang="ko-KR" altLang="en-US" dirty="0">
+                <a:ea typeface="맑은 고딕"/>
+              </a:rPr>
+              <a:t>개의 샘플 로그 데이터</a:t>
             </a:r>
             <a:endParaRPr lang="en-US" altLang="ko-KR" dirty="0">
               <a:ea typeface="맑은 고딕"/>
             </a:endParaRPr>
           </a:p>
           <a:p>
-            <a:pPr marL="457200" lvl="1" indent="0">
-              <a:buNone/>
-            </a:pPr>
-            <a:r>
-              <a:rPr lang="en-US" altLang="ko-KR" dirty="0">
-                <a:ea typeface="맑은 고딕"/>
-              </a:rPr>
-              <a:t>  </a:t>
-            </a:r>
-            <a:r>
-              <a:rPr lang="ko-KR" altLang="en-US" dirty="0">
-                <a:ea typeface="맑은 고딕"/>
-              </a:rPr>
-              <a:t>저장된 샘플 로그 출력</a:t>
-            </a:r>
-            <a:endParaRPr lang="en-US" altLang="ko-KR" dirty="0">
+            <a:pPr lvl="1"/>
+            <a:endParaRPr lang="ko-KR" altLang="en-US" dirty="0">
               <a:ea typeface="맑은 고딕"/>
             </a:endParaRPr>
           </a:p>
           <a:p>
-            <a:pPr marL="457200" lvl="1" indent="0">
-              <a:buNone/>
-            </a:pPr>
-            <a:endParaRPr lang="en-US" altLang="ko-KR" dirty="0">
-              <a:ea typeface="맑은 고딕"/>
+            <a:pPr lvl="1"/>
+            <a:r>
+              <a:rPr lang="ko-KR" dirty="0">
+                <a:ea typeface="+mn-lt"/>
+                <a:cs typeface="+mn-lt"/>
+              </a:rPr>
+              <a:t>로그</a:t>
+            </a:r>
+            <a:r>
+              <a:rPr lang="en-US" altLang="ko-KR" dirty="0">
+                <a:ea typeface="+mn-lt"/>
+                <a:cs typeface="+mn-lt"/>
+              </a:rPr>
+              <a:t> </a:t>
+            </a:r>
+            <a:r>
+              <a:rPr lang="ko-KR" dirty="0">
+                <a:ea typeface="+mn-lt"/>
+                <a:cs typeface="+mn-lt"/>
+              </a:rPr>
+              <a:t>당 </a:t>
+            </a:r>
+            <a:r>
+              <a:rPr lang="en-US" altLang="ko-KR" dirty="0">
+                <a:ea typeface="+mn-lt"/>
+                <a:cs typeface="+mn-lt"/>
+              </a:rPr>
+              <a:t>9 byte</a:t>
+            </a:r>
+            <a:endParaRPr lang="ko-KR" dirty="0">
+              <a:ea typeface="+mn-lt"/>
+              <a:cs typeface="+mn-lt"/>
             </a:endParaRPr>
           </a:p>
           <a:p>
             <a:pPr lvl="1"/>
-            <a:r>
-              <a:rPr lang="ko-KR" altLang="en-US" dirty="0">
-                <a:ea typeface="맑은 고딕"/>
-              </a:rPr>
-              <a:t>스위치 클릭으로</a:t>
-            </a:r>
-            <a:endParaRPr lang="en-US" altLang="ko-KR" dirty="0">
-              <a:ea typeface="맑은 고딕"/>
-            </a:endParaRPr>
-          </a:p>
-          <a:p>
-            <a:pPr marL="457200" lvl="1" indent="0">
-              <a:buNone/>
-            </a:pPr>
-            <a:r>
-              <a:rPr lang="en-US" altLang="ko-KR" dirty="0">
-                <a:ea typeface="맑은 고딕"/>
-              </a:rPr>
-              <a:t> </a:t>
-            </a:r>
-            <a:r>
-              <a:rPr lang="ko-KR" altLang="en-US" dirty="0">
-                <a:ea typeface="맑은 고딕"/>
-              </a:rPr>
-              <a:t> 다음 로그 출력</a:t>
-            </a:r>
-            <a:endParaRPr lang="en-US" altLang="ko-KR" dirty="0">
-              <a:ea typeface="맑은 고딕"/>
-            </a:endParaRPr>
-          </a:p>
-          <a:p>
-            <a:pPr lvl="1"/>
-            <a:endParaRPr lang="en-US" altLang="ko-KR" dirty="0">
+            <a:endParaRPr lang="ko-KR" altLang="en-US" dirty="0">
               <a:ea typeface="맑은 고딕"/>
             </a:endParaRPr>
           </a:p>
@@ -5553,10 +7452,10 @@
       </p:sp>
       <p:pic>
         <p:nvPicPr>
-          <p:cNvPr id="5" name="그림 4">
+          <p:cNvPr id="4" name="그림 3">
             <a:extLst>
               <a:ext uri="{FF2B5EF4-FFF2-40B4-BE49-F238E27FC236}">
-                <a16:creationId xmlns:a16="http://schemas.microsoft.com/office/drawing/2014/main" id="{115C1F9E-417C-49D5-87D7-1384A4FEBA8F}"/>
+                <a16:creationId xmlns:a16="http://schemas.microsoft.com/office/drawing/2014/main" id="{8D614D6E-BB40-4E12-9BF6-5D53E01F7D4F}"/>
               </a:ext>
             </a:extLst>
           </p:cNvPr>
@@ -5565,22 +7464,15 @@
           </p:cNvPicPr>
           <p:nvPr/>
         </p:nvPicPr>
-        <p:blipFill>
-          <a:blip r:embed="rId2">
-            <a:extLst>
-              <a:ext uri="{28A0092B-C50C-407E-A947-70E740481C1C}">
-                <a14:useLocalDpi xmlns:a14="http://schemas.microsoft.com/office/drawing/2010/main" val="0"/>
-              </a:ext>
-            </a:extLst>
-          </a:blip>
-          <a:stretch>
-            <a:fillRect/>
-          </a:stretch>
+        <p:blipFill rotWithShape="1">
+          <a:blip r:embed="rId2"/>
+          <a:srcRect l="529" r="-166" b="4431"/>
+          <a:stretch/>
         </p:blipFill>
         <p:spPr>
           <a:xfrm>
-            <a:off x="5574612" y="1124744"/>
-            <a:ext cx="2851838" cy="5081458"/>
+            <a:off x="1152036" y="4138715"/>
+            <a:ext cx="6842582" cy="1565704"/>
           </a:xfrm>
           <a:prstGeom prst="rect">
             <a:avLst/>
@@ -5590,7 +7482,7 @@
     </p:spTree>
     <p:extLst>
       <p:ext uri="{BB962C8B-B14F-4D97-AF65-F5344CB8AC3E}">
-        <p14:creationId xmlns:p14="http://schemas.microsoft.com/office/powerpoint/2010/main" val="1083959210"/>
+        <p14:creationId xmlns:p14="http://schemas.microsoft.com/office/powerpoint/2010/main" val="913449435"/>
       </p:ext>
     </p:extLst>
   </p:cSld>
@@ -5633,7 +7525,7 @@
           <a:lstStyle/>
           <a:p>
             <a:r>
-              <a:rPr lang="ko-KR" altLang="en-US" dirty="0">
+              <a:rPr lang="ko-KR" altLang="en-US">
                 <a:ea typeface="맑은 고딕"/>
               </a:rPr>
               <a:t>진행내용</a:t>
@@ -5659,79 +7551,155 @@
           <a:lstStyle/>
           <a:p>
             <a:r>
-              <a:rPr lang="ko-KR" altLang="en-US" dirty="0">
+              <a:rPr lang="en-US" altLang="ko-KR" err="1">
                 <a:ea typeface="맑은 고딕"/>
               </a:rPr>
-              <a:t>다이빙 로그 저장 및 불러오기 기능</a:t>
-            </a:r>
-            <a:endParaRPr lang="en-US" altLang="ko-KR" dirty="0">
+              <a:t>샘플</a:t>
+            </a:r>
+            <a:r>
+              <a:rPr lang="en-US" altLang="ko-KR">
+                <a:ea typeface="맑은 고딕"/>
+              </a:rPr>
+              <a:t> </a:t>
+            </a:r>
+            <a:r>
+              <a:rPr lang="en-US" altLang="ko-KR" err="1">
+                <a:ea typeface="맑은 고딕"/>
+              </a:rPr>
+              <a:t>데이터</a:t>
+            </a:r>
+            <a:r>
+              <a:rPr lang="en-US" altLang="ko-KR">
+                <a:ea typeface="맑은 고딕"/>
+              </a:rPr>
+              <a:t> LCD</a:t>
+            </a:r>
+            <a:r>
+              <a:rPr lang="ko-KR" altLang="en-US">
+                <a:ea typeface="맑은 고딕"/>
+              </a:rPr>
+              <a:t> 출력 </a:t>
+            </a:r>
+            <a:endParaRPr lang="en-US" altLang="ko-KR">
               <a:ea typeface="맑은 고딕"/>
             </a:endParaRPr>
           </a:p>
           <a:p>
+            <a:endParaRPr lang="ko-KR" altLang="en-US">
+              <a:ea typeface="+mn-lt"/>
+              <a:cs typeface="+mn-lt"/>
+            </a:endParaRPr>
+          </a:p>
+          <a:p>
             <a:pPr lvl="1"/>
             <a:r>
-              <a:rPr lang="en-US" altLang="ko-KR" dirty="0"/>
-              <a:t>Flash memory</a:t>
-            </a:r>
-            <a:r>
-              <a:rPr lang="ko-KR" altLang="en-US" dirty="0"/>
+              <a:rPr lang="en-US" altLang="ko-KR">
+                <a:ea typeface="+mn-lt"/>
+                <a:cs typeface="+mn-lt"/>
+              </a:rPr>
+              <a:t>Flash</a:t>
+            </a:r>
+            <a:r>
+              <a:rPr lang="ko-KR" altLang="en-US">
+                <a:ea typeface="+mn-lt"/>
+                <a:cs typeface="+mn-lt"/>
+              </a:rPr>
               <a:t> </a:t>
             </a:r>
             <a:r>
-              <a:rPr lang="en-US" altLang="ko-KR" dirty="0"/>
-              <a:t>read/write</a:t>
+              <a:rPr lang="en-US" altLang="ko-KR">
+                <a:ea typeface="+mn-lt"/>
+                <a:cs typeface="+mn-lt"/>
+              </a:rPr>
+              <a:t>memory</a:t>
+            </a:r>
+            <a:r>
+              <a:rPr lang="ko-KR" altLang="en-US">
+                <a:ea typeface="+mn-lt"/>
+                <a:cs typeface="+mn-lt"/>
+              </a:rPr>
+              <a:t>에 </a:t>
             </a:r>
           </a:p>
           <a:p>
             <a:pPr marL="457200" lvl="1" indent="0">
               <a:buNone/>
             </a:pPr>
-            <a:endParaRPr lang="en-US" altLang="ko-KR" dirty="0"/>
+            <a:r>
+              <a:rPr lang="ko-KR" altLang="en-US">
+                <a:ea typeface="+mn-lt"/>
+                <a:cs typeface="+mn-lt"/>
+              </a:rPr>
+              <a:t> 저장된 샘플 로그 출력</a:t>
+            </a:r>
+            <a:endParaRPr lang="ko-KR" altLang="en-US"/>
+          </a:p>
+          <a:p>
+            <a:pPr marL="457200" lvl="1" indent="0">
+              <a:buNone/>
+            </a:pPr>
+            <a:endParaRPr lang="ko-KR" altLang="en-US">
+              <a:ea typeface="+mn-lt"/>
+              <a:cs typeface="+mn-lt"/>
+            </a:endParaRPr>
           </a:p>
           <a:p>
             <a:pPr lvl="1"/>
             <a:r>
-              <a:rPr lang="en-US" altLang="ko-KR" dirty="0"/>
-              <a:t>4</a:t>
-            </a:r>
-            <a:r>
-              <a:rPr lang="ko-KR" altLang="en-US" dirty="0"/>
-              <a:t>개의 샘플 로그 데이터</a:t>
-            </a:r>
-            <a:endParaRPr lang="en-US" altLang="ko-KR" dirty="0"/>
+              <a:rPr lang="ko-KR" altLang="en-US">
+                <a:ea typeface="+mn-lt"/>
+                <a:cs typeface="+mn-lt"/>
+              </a:rPr>
+              <a:t>스위치 클릭으로</a:t>
+            </a:r>
+            <a:endParaRPr lang="ko-KR" altLang="en-US"/>
+          </a:p>
+          <a:p>
+            <a:pPr marL="457200" lvl="1" indent="0">
+              <a:buNone/>
+            </a:pPr>
+            <a:r>
+              <a:rPr lang="ko-KR" altLang="en-US">
+                <a:ea typeface="+mn-lt"/>
+                <a:cs typeface="+mn-lt"/>
+              </a:rPr>
+              <a:t> 다음 로그 </a:t>
+            </a:r>
+            <a:r>
+              <a:rPr lang="ko-KR">
+                <a:ea typeface="+mn-lt"/>
+                <a:cs typeface="+mn-lt"/>
+              </a:rPr>
+              <a:t>출력</a:t>
+            </a:r>
+            <a:endParaRPr lang="ko-KR" altLang="en-US">
+              <a:ea typeface="+mn-lt"/>
+              <a:cs typeface="+mn-lt"/>
+            </a:endParaRPr>
           </a:p>
           <a:p>
             <a:pPr lvl="1"/>
-            <a:endParaRPr lang="en-US" altLang="ko-KR" dirty="0"/>
+            <a:endParaRPr lang="ko-KR">
+              <a:ea typeface="맑은 고딕"/>
+            </a:endParaRPr>
+          </a:p>
+          <a:p>
+            <a:endParaRPr lang="ko-KR" altLang="en-US">
+              <a:ea typeface="맑은 고딕"/>
+            </a:endParaRPr>
           </a:p>
           <a:p>
             <a:pPr lvl="1"/>
-            <a:r>
-              <a:rPr lang="ko-KR" altLang="en-US" dirty="0"/>
-              <a:t>로그당 </a:t>
-            </a:r>
-            <a:r>
-              <a:rPr lang="en-US" altLang="ko-KR" dirty="0"/>
-              <a:t>9 byte</a:t>
-            </a:r>
-          </a:p>
-          <a:p>
-            <a:pPr lvl="1"/>
-            <a:endParaRPr lang="en-US" altLang="ko-KR" dirty="0"/>
-          </a:p>
-          <a:p>
-            <a:pPr lvl="1"/>
-            <a:endParaRPr lang="ko-KR" altLang="en-US" dirty="0"/>
+            <a:endParaRPr lang="ko-KR" altLang="en-US"/>
           </a:p>
         </p:txBody>
       </p:sp>
       <p:pic>
         <p:nvPicPr>
-          <p:cNvPr id="4" name="그림 3">
+          <p:cNvPr id="7" name="Picture 7">
             <a:extLst>
               <a:ext uri="{FF2B5EF4-FFF2-40B4-BE49-F238E27FC236}">
-                <a16:creationId xmlns:a16="http://schemas.microsoft.com/office/drawing/2014/main" id="{8D614D6E-BB40-4E12-9BF6-5D53E01F7D4F}"/>
+                <a16:creationId xmlns:a16="http://schemas.microsoft.com/office/drawing/2014/main" id="{68CA6DE7-B7FD-4B21-9F47-D5A6CF3106D0}"/>
               </a:ext>
             </a:extLst>
           </p:cNvPr>
@@ -5740,15 +7708,16 @@
           </p:cNvPicPr>
           <p:nvPr/>
         </p:nvPicPr>
-        <p:blipFill rotWithShape="1">
+        <p:blipFill>
           <a:blip r:embed="rId2"/>
-          <a:srcRect l="624" b="6367"/>
-          <a:stretch/>
+          <a:stretch>
+            <a:fillRect/>
+          </a:stretch>
         </p:blipFill>
         <p:spPr>
           <a:xfrm>
-            <a:off x="1159669" y="4002417"/>
-            <a:ext cx="6824662" cy="1533989"/>
+            <a:off x="5475639" y="1032125"/>
+            <a:ext cx="2949095" cy="5242209"/>
           </a:xfrm>
           <a:prstGeom prst="rect">
             <a:avLst/>
@@ -5758,7 +7727,7 @@
     </p:spTree>
     <p:extLst>
       <p:ext uri="{BB962C8B-B14F-4D97-AF65-F5344CB8AC3E}">
-        <p14:creationId xmlns:p14="http://schemas.microsoft.com/office/powerpoint/2010/main" val="913449435"/>
+        <p14:creationId xmlns:p14="http://schemas.microsoft.com/office/powerpoint/2010/main" val="3220062217"/>
       </p:ext>
     </p:extLst>
   </p:cSld>
@@ -5819,7 +7788,12 @@
             <p:ph idx="1"/>
           </p:nvPr>
         </p:nvSpPr>
-        <p:spPr/>
+        <p:spPr>
+          <a:xfrm>
+            <a:off x="457200" y="1072326"/>
+            <a:ext cx="8229600" cy="5134634"/>
+          </a:xfrm>
+        </p:spPr>
         <p:txBody>
           <a:bodyPr vert="horz" lIns="91440" tIns="45720" rIns="91440" bIns="45720" rtlCol="0" anchor="t">
             <a:normAutofit/>
@@ -5861,7 +7835,7 @@
           <p:cNvPr id="4" name="그림 3">
             <a:extLst>
               <a:ext uri="{FF2B5EF4-FFF2-40B4-BE49-F238E27FC236}">
-                <a16:creationId xmlns:a16="http://schemas.microsoft.com/office/drawing/2014/main" id="{C657E0B7-4AF5-44DC-BF57-3CD347BB9760}"/>
+                <a16:creationId xmlns:a16="http://schemas.microsoft.com/office/drawing/2014/main" id="{C99D6373-FB59-43DD-8D2B-7FC9CD4701EC}"/>
               </a:ext>
             </a:extLst>
           </p:cNvPr>
@@ -5878,8 +7852,8 @@
         </p:blipFill>
         <p:spPr>
           <a:xfrm>
-            <a:off x="2667000" y="3048000"/>
-            <a:ext cx="3810000" cy="2857500"/>
+            <a:off x="542703" y="2040011"/>
+            <a:ext cx="6453520" cy="4427114"/>
           </a:xfrm>
           <a:prstGeom prst="rect">
             <a:avLst/>
@@ -5961,18 +7935,56 @@
               <a:rPr lang="ko-KR" altLang="en-US" dirty="0">
                 <a:ea typeface="맑은 고딕"/>
               </a:rPr>
-              <a:t>스위치 인터럽트 처리</a:t>
+              <a:t>스위치 </a:t>
+            </a:r>
+            <a:r>
+              <a:rPr lang="ko-KR" altLang="en-US" dirty="0" err="1">
+                <a:ea typeface="맑은 고딕"/>
+              </a:rPr>
+              <a:t>채터링</a:t>
+            </a:r>
+            <a:r>
+              <a:rPr lang="ko-KR" altLang="en-US" dirty="0">
+                <a:ea typeface="맑은 고딕"/>
+              </a:rPr>
+              <a:t> 및 인터럽트 처리</a:t>
             </a:r>
             <a:endParaRPr lang="en-US" altLang="ko-KR" dirty="0">
               <a:ea typeface="맑은 고딕"/>
             </a:endParaRPr>
           </a:p>
-          <a:p>
-            <a:pPr lvl="1"/>
-            <a:endParaRPr lang="ko-KR" altLang="en-US" dirty="0"/>
-          </a:p>
         </p:txBody>
       </p:sp>
+      <p:pic>
+        <p:nvPicPr>
+          <p:cNvPr id="5" name="그림 4">
+            <a:extLst>
+              <a:ext uri="{FF2B5EF4-FFF2-40B4-BE49-F238E27FC236}">
+                <a16:creationId xmlns:a16="http://schemas.microsoft.com/office/drawing/2014/main" id="{34142438-60EB-4DD8-BBF7-9099DFCC1A58}"/>
+              </a:ext>
+            </a:extLst>
+          </p:cNvPr>
+          <p:cNvPicPr>
+            <a:picLocks noChangeAspect="1"/>
+          </p:cNvPicPr>
+          <p:nvPr/>
+        </p:nvPicPr>
+        <p:blipFill>
+          <a:blip r:embed="rId2"/>
+          <a:stretch>
+            <a:fillRect/>
+          </a:stretch>
+        </p:blipFill>
+        <p:spPr>
+          <a:xfrm>
+            <a:off x="658794" y="1756021"/>
+            <a:ext cx="6242519" cy="4588252"/>
+          </a:xfrm>
+          <a:prstGeom prst="rect">
+            <a:avLst/>
+          </a:prstGeom>
+        </p:spPr>
+      </p:pic>
     </p:spTree>
     <p:extLst>
       <p:ext uri="{BB962C8B-B14F-4D97-AF65-F5344CB8AC3E}">
